--- a/presentation.pptx
+++ b/presentation.pptx
@@ -5,7 +5,7 @@
     <p:sldMasterId id="2147483648" r:id="rId1"/>
   </p:sldMasterIdLst>
   <p:notesMasterIdLst>
-    <p:notesMasterId r:id="rId18"/>
+    <p:notesMasterId r:id="rId17"/>
   </p:notesMasterIdLst>
   <p:sldIdLst>
     <p:sldId id="256" r:id="rId2"/>
@@ -13,17 +13,16 @@
     <p:sldId id="257" r:id="rId4"/>
     <p:sldId id="259" r:id="rId5"/>
     <p:sldId id="267" r:id="rId6"/>
-    <p:sldId id="262" r:id="rId7"/>
-    <p:sldId id="263" r:id="rId8"/>
-    <p:sldId id="272" r:id="rId9"/>
-    <p:sldId id="273" r:id="rId10"/>
+    <p:sldId id="272" r:id="rId7"/>
+    <p:sldId id="273" r:id="rId8"/>
+    <p:sldId id="262" r:id="rId9"/>
+    <p:sldId id="263" r:id="rId10"/>
     <p:sldId id="260" r:id="rId11"/>
     <p:sldId id="261" r:id="rId12"/>
-    <p:sldId id="264" r:id="rId13"/>
-    <p:sldId id="266" r:id="rId14"/>
-    <p:sldId id="268" r:id="rId15"/>
-    <p:sldId id="271" r:id="rId16"/>
-    <p:sldId id="258" r:id="rId17"/>
+    <p:sldId id="266" r:id="rId13"/>
+    <p:sldId id="268" r:id="rId14"/>
+    <p:sldId id="271" r:id="rId15"/>
+    <p:sldId id="258" r:id="rId16"/>
   </p:sldIdLst>
   <p:sldSz cx="12192000" cy="6858000"/>
   <p:notesSz cx="6858000" cy="9144000"/>
@@ -734,7 +733,7 @@
             <a:fld id="{B61BEF0D-F0BB-DE4B-95CE-6DB70DBA9567}" type="datetimeFigureOut">
               <a:rPr lang="en-US" dirty="0"/>
               <a:pPr/>
-              <a:t>4/21/2025</a:t>
+              <a:t>4/21/25</a:t>
             </a:fld>
             <a:endParaRPr lang="en-US"/>
           </a:p>
@@ -993,7 +992,7 @@
             <a:fld id="{B61BEF0D-F0BB-DE4B-95CE-6DB70DBA9567}" type="datetimeFigureOut">
               <a:rPr lang="en-US" dirty="0"/>
               <a:pPr/>
-              <a:t>4/21/2025</a:t>
+              <a:t>4/21/25</a:t>
             </a:fld>
             <a:endParaRPr lang="en-US"/>
           </a:p>
@@ -1225,7 +1224,7 @@
             <a:fld id="{B61BEF0D-F0BB-DE4B-95CE-6DB70DBA9567}" type="datetimeFigureOut">
               <a:rPr lang="en-US" dirty="0"/>
               <a:pPr/>
-              <a:t>4/21/2025</a:t>
+              <a:t>4/21/25</a:t>
             </a:fld>
             <a:endParaRPr lang="en-US"/>
           </a:p>
@@ -1462,7 +1461,7 @@
             <a:fld id="{B61BEF0D-F0BB-DE4B-95CE-6DB70DBA9567}" type="datetimeFigureOut">
               <a:rPr lang="en-US" dirty="0"/>
               <a:pPr/>
-              <a:t>4/21/2025</a:t>
+              <a:t>4/21/25</a:t>
             </a:fld>
             <a:endParaRPr lang="en-US"/>
           </a:p>
@@ -1766,7 +1765,7 @@
             <a:fld id="{B61BEF0D-F0BB-DE4B-95CE-6DB70DBA9567}" type="datetimeFigureOut">
               <a:rPr lang="en-US" dirty="0"/>
               <a:pPr/>
-              <a:t>4/21/2025</a:t>
+              <a:t>4/21/25</a:t>
             </a:fld>
             <a:endParaRPr lang="en-US"/>
           </a:p>
@@ -2065,7 +2064,7 @@
             <a:fld id="{B61BEF0D-F0BB-DE4B-95CE-6DB70DBA9567}" type="datetimeFigureOut">
               <a:rPr lang="en-US" dirty="0"/>
               <a:pPr/>
-              <a:t>4/21/2025</a:t>
+              <a:t>4/21/25</a:t>
             </a:fld>
             <a:endParaRPr lang="en-US"/>
           </a:p>
@@ -2484,7 +2483,7 @@
             <a:fld id="{B61BEF0D-F0BB-DE4B-95CE-6DB70DBA9567}" type="datetimeFigureOut">
               <a:rPr lang="en-US" dirty="0"/>
               <a:pPr/>
-              <a:t>4/21/2025</a:t>
+              <a:t>4/21/25</a:t>
             </a:fld>
             <a:endParaRPr lang="en-US"/>
           </a:p>
@@ -2643,7 +2642,7 @@
             <a:fld id="{B61BEF0D-F0BB-DE4B-95CE-6DB70DBA9567}" type="datetimeFigureOut">
               <a:rPr lang="en-US" dirty="0"/>
               <a:pPr/>
-              <a:t>4/21/2025</a:t>
+              <a:t>4/21/25</a:t>
             </a:fld>
             <a:endParaRPr lang="en-US"/>
           </a:p>
@@ -2735,7 +2734,7 @@
             <a:fld id="{B61BEF0D-F0BB-DE4B-95CE-6DB70DBA9567}" type="datetimeFigureOut">
               <a:rPr lang="en-US" dirty="0"/>
               <a:pPr/>
-              <a:t>4/21/2025</a:t>
+              <a:t>4/21/25</a:t>
             </a:fld>
             <a:endParaRPr lang="en-US"/>
           </a:p>
@@ -3110,7 +3109,7 @@
             <a:fld id="{B61BEF0D-F0BB-DE4B-95CE-6DB70DBA9567}" type="datetimeFigureOut">
               <a:rPr lang="en-US" dirty="0"/>
               <a:pPr/>
-              <a:t>4/21/2025</a:t>
+              <a:t>4/21/25</a:t>
             </a:fld>
             <a:endParaRPr lang="en-US"/>
           </a:p>
@@ -3396,7 +3395,7 @@
             <a:fld id="{B61BEF0D-F0BB-DE4B-95CE-6DB70DBA9567}" type="datetimeFigureOut">
               <a:rPr lang="en-US" dirty="0"/>
               <a:pPr/>
-              <a:t>4/21/2025</a:t>
+              <a:t>4/21/25</a:t>
             </a:fld>
             <a:endParaRPr lang="en-US"/>
           </a:p>
@@ -3604,7 +3603,7 @@
             <a:fld id="{B61BEF0D-F0BB-DE4B-95CE-6DB70DBA9567}" type="datetimeFigureOut">
               <a:rPr lang="en-US" dirty="0"/>
               <a:pPr/>
-              <a:t>4/21/2025</a:t>
+              <a:t>4/21/25</a:t>
             </a:fld>
             <a:endParaRPr lang="en-US"/>
           </a:p>
@@ -4254,7 +4253,7 @@
         </p:nvSpPr>
         <p:spPr>
           <a:xfrm>
-            <a:off x="635294" y="2483742"/>
+            <a:off x="635294" y="2531867"/>
             <a:ext cx="9142757" cy="338380"/>
           </a:xfrm>
         </p:spPr>
@@ -4263,7 +4262,7 @@
           <a:lstStyle/>
           <a:p>
             <a:r>
-              <a:rPr lang="en-GB">
+              <a:rPr lang="en-GB" dirty="0">
                 <a:solidFill>
                   <a:schemeClr val="accent1"/>
                 </a:solidFill>
@@ -4271,7 +4270,7 @@
               <a:t>Archie </a:t>
             </a:r>
             <a:r>
-              <a:rPr lang="en-GB" err="1">
+              <a:rPr lang="en-GB" dirty="0" err="1">
                 <a:solidFill>
                   <a:schemeClr val="accent1"/>
                 </a:solidFill>
@@ -4279,7 +4278,7 @@
               <a:t>dowds</a:t>
             </a:r>
             <a:r>
-              <a:rPr lang="en-GB">
+              <a:rPr lang="en-GB" dirty="0">
                 <a:solidFill>
                   <a:schemeClr val="accent1"/>
                 </a:solidFill>
@@ -4287,7 +4286,7 @@
               <a:t>,  Bobby </a:t>
             </a:r>
             <a:r>
-              <a:rPr lang="en-GB" err="1">
+              <a:rPr lang="en-GB" dirty="0" err="1">
                 <a:solidFill>
                   <a:schemeClr val="accent1"/>
                 </a:solidFill>
@@ -4295,7 +4294,7 @@
               <a:t>bazin</a:t>
             </a:r>
             <a:r>
-              <a:rPr lang="en-GB">
+              <a:rPr lang="en-GB" dirty="0">
                 <a:solidFill>
                   <a:schemeClr val="accent1"/>
                 </a:solidFill>
@@ -4303,7 +4302,7 @@
               <a:t>,  Tom Watson,  Joshua </a:t>
             </a:r>
             <a:r>
-              <a:rPr lang="en-GB" err="1">
+              <a:rPr lang="en-GB" dirty="0" err="1">
                 <a:solidFill>
                   <a:schemeClr val="accent1"/>
                 </a:solidFill>
@@ -4311,7 +4310,7 @@
               <a:t>Hescot</a:t>
             </a:r>
             <a:r>
-              <a:rPr lang="en-GB">
+              <a:rPr lang="en-GB" dirty="0">
                 <a:solidFill>
                   <a:schemeClr val="accent1"/>
                 </a:solidFill>
@@ -5659,994 +5658,6 @@
 <file path=ppt/slides/slide12.xml><?xml version="1.0" encoding="utf-8"?>
 <p:sld xmlns:a="http://schemas.openxmlformats.org/drawingml/2006/main" xmlns:r="http://schemas.openxmlformats.org/officeDocument/2006/relationships" xmlns:p="http://schemas.openxmlformats.org/presentationml/2006/main">
   <p:cSld>
-    <p:spTree>
-      <p:nvGrpSpPr>
-        <p:cNvPr id="1" name="">
-          <a:extLst>
-            <a:ext uri="{FF2B5EF4-FFF2-40B4-BE49-F238E27FC236}">
-              <a16:creationId xmlns:a16="http://schemas.microsoft.com/office/drawing/2014/main" id="{D65B8AC1-7FD6-C292-DF77-F4B20F14ED20}"/>
-            </a:ext>
-          </a:extLst>
-        </p:cNvPr>
-        <p:cNvGrpSpPr/>
-        <p:nvPr/>
-      </p:nvGrpSpPr>
-      <p:grpSpPr>
-        <a:xfrm>
-          <a:off x="0" y="0"/>
-          <a:ext cx="0" cy="0"/>
-          <a:chOff x="0" y="0"/>
-          <a:chExt cx="0" cy="0"/>
-        </a:xfrm>
-      </p:grpSpPr>
-      <p:sp>
-        <p:nvSpPr>
-          <p:cNvPr id="2" name="Title 1">
-            <a:extLst>
-              <a:ext uri="{FF2B5EF4-FFF2-40B4-BE49-F238E27FC236}">
-                <a16:creationId xmlns:a16="http://schemas.microsoft.com/office/drawing/2014/main" id="{2AB1BDA4-341E-5908-9427-1A7D633FB93C}"/>
-              </a:ext>
-            </a:extLst>
-          </p:cNvPr>
-          <p:cNvSpPr>
-            <a:spLocks noGrp="1"/>
-          </p:cNvSpPr>
-          <p:nvPr>
-            <p:ph type="title"/>
-          </p:nvPr>
-        </p:nvSpPr>
-        <p:spPr/>
-        <p:txBody>
-          <a:bodyPr/>
-          <a:lstStyle/>
-          <a:p>
-            <a:r>
-              <a:rPr lang="en-GB" dirty="0"/>
-              <a:t>Monte Carlo Methods in n-dimensions</a:t>
-            </a:r>
-          </a:p>
-        </p:txBody>
-      </p:sp>
-      <mc:AlternateContent xmlns:mc="http://schemas.openxmlformats.org/markup-compatibility/2006" xmlns:a14="http://schemas.microsoft.com/office/drawing/2010/main">
-        <mc:Choice Requires="a14">
-          <p:sp>
-            <p:nvSpPr>
-              <p:cNvPr id="4" name="TextBox 3">
-                <a:extLst>
-                  <a:ext uri="{FF2B5EF4-FFF2-40B4-BE49-F238E27FC236}">
-                    <a16:creationId xmlns:a16="http://schemas.microsoft.com/office/drawing/2014/main" id="{8F925E7E-3C76-AD12-9452-FD1B601B62E7}"/>
-                  </a:ext>
-                </a:extLst>
-              </p:cNvPr>
-              <p:cNvSpPr txBox="1"/>
-              <p:nvPr/>
-            </p:nvSpPr>
-            <p:spPr>
-              <a:xfrm>
-                <a:off x="685707" y="1940663"/>
-                <a:ext cx="10820586" cy="2311530"/>
-              </a:xfrm>
-              <a:prstGeom prst="rect">
-                <a:avLst/>
-              </a:prstGeom>
-              <a:noFill/>
-            </p:spPr>
-            <p:txBody>
-              <a:bodyPr wrap="square" rtlCol="0">
-                <a:spAutoFit/>
-              </a:bodyPr>
-              <a:lstStyle/>
-              <a:p>
-                <a:r>
-                  <a:rPr lang="en-GB" dirty="0"/>
-                  <a:t>For each dimension in the n-dimensional space, generate a coordinate </a:t>
-                </a:r>
-                <a14:m>
-                  <m:oMath xmlns:m="http://schemas.openxmlformats.org/officeDocument/2006/math">
-                    <m:sSub>
-                      <m:sSubPr>
-                        <m:ctrlPr>
-                          <a:rPr lang="en-GB" i="1" smtClean="0">
-                            <a:latin typeface="Cambria Math" panose="02040503050406030204" pitchFamily="18" charset="0"/>
-                          </a:rPr>
-                        </m:ctrlPr>
-                      </m:sSubPr>
-                      <m:e>
-                        <m:r>
-                          <a:rPr lang="en-GB" b="0" i="1" smtClean="0">
-                            <a:latin typeface="Cambria Math" panose="02040503050406030204" pitchFamily="18" charset="0"/>
-                          </a:rPr>
-                          <m:t>𝑋</m:t>
-                        </m:r>
-                      </m:e>
-                      <m:sub>
-                        <m:r>
-                          <a:rPr lang="en-GB" b="0" i="1" smtClean="0">
-                            <a:latin typeface="Cambria Math" panose="02040503050406030204" pitchFamily="18" charset="0"/>
-                          </a:rPr>
-                          <m:t>𝑖</m:t>
-                        </m:r>
-                      </m:sub>
-                    </m:sSub>
-                  </m:oMath>
-                </a14:m>
-                <a:r>
-                  <a:rPr lang="en-GB" dirty="0"/>
-                  <a:t> from a Uniform[-R, R] distribution.</a:t>
-                </a:r>
-              </a:p>
-              <a:p>
-                <a:r>
-                  <a:rPr lang="en-GB" dirty="0"/>
-                  <a:t>This will give u a random point </a:t>
-                </a:r>
-                <a14:m>
-                  <m:oMath xmlns:m="http://schemas.openxmlformats.org/officeDocument/2006/math">
-                    <m:sSub>
-                      <m:sSubPr>
-                        <m:ctrlPr>
-                          <a:rPr lang="en-GB" i="1" smtClean="0">
-                            <a:latin typeface="Cambria Math" panose="02040503050406030204" pitchFamily="18" charset="0"/>
-                          </a:rPr>
-                        </m:ctrlPr>
-                      </m:sSubPr>
-                      <m:e>
-                        <m:r>
-                          <a:rPr lang="en-GB" b="0" i="1" smtClean="0">
-                            <a:latin typeface="Cambria Math" panose="02040503050406030204" pitchFamily="18" charset="0"/>
-                          </a:rPr>
-                          <m:t>𝑃</m:t>
-                        </m:r>
-                      </m:e>
-                      <m:sub>
-                        <m:r>
-                          <a:rPr lang="en-GB" b="0" i="1" smtClean="0">
-                            <a:latin typeface="Cambria Math" panose="02040503050406030204" pitchFamily="18" charset="0"/>
-                          </a:rPr>
-                          <m:t>𝑖</m:t>
-                        </m:r>
-                      </m:sub>
-                    </m:sSub>
-                    <m:r>
-                      <a:rPr lang="en-GB" b="0" i="1" smtClean="0">
-                        <a:latin typeface="Cambria Math" panose="02040503050406030204" pitchFamily="18" charset="0"/>
-                      </a:rPr>
-                      <m:t>=(</m:t>
-                    </m:r>
-                    <m:sSub>
-                      <m:sSubPr>
-                        <m:ctrlPr>
-                          <a:rPr lang="en-GB" b="0" i="1" smtClean="0">
-                            <a:latin typeface="Cambria Math" panose="02040503050406030204" pitchFamily="18" charset="0"/>
-                          </a:rPr>
-                        </m:ctrlPr>
-                      </m:sSubPr>
-                      <m:e>
-                        <m:r>
-                          <a:rPr lang="en-GB" b="0" i="1" smtClean="0">
-                            <a:latin typeface="Cambria Math" panose="02040503050406030204" pitchFamily="18" charset="0"/>
-                          </a:rPr>
-                          <m:t>𝑋</m:t>
-                        </m:r>
-                      </m:e>
-                      <m:sub>
-                        <m:r>
-                          <a:rPr lang="en-GB" b="0" i="1" smtClean="0">
-                            <a:latin typeface="Cambria Math" panose="02040503050406030204" pitchFamily="18" charset="0"/>
-                          </a:rPr>
-                          <m:t>1</m:t>
-                        </m:r>
-                      </m:sub>
-                    </m:sSub>
-                    <m:r>
-                      <a:rPr lang="en-GB" b="0" i="1" smtClean="0">
-                        <a:latin typeface="Cambria Math" panose="02040503050406030204" pitchFamily="18" charset="0"/>
-                      </a:rPr>
-                      <m:t>,…,</m:t>
-                    </m:r>
-                    <m:sSub>
-                      <m:sSubPr>
-                        <m:ctrlPr>
-                          <a:rPr lang="en-GB" b="0" i="1" smtClean="0">
-                            <a:latin typeface="Cambria Math" panose="02040503050406030204" pitchFamily="18" charset="0"/>
-                          </a:rPr>
-                        </m:ctrlPr>
-                      </m:sSubPr>
-                      <m:e>
-                        <m:r>
-                          <a:rPr lang="en-GB" b="0" i="1" smtClean="0">
-                            <a:latin typeface="Cambria Math" panose="02040503050406030204" pitchFamily="18" charset="0"/>
-                          </a:rPr>
-                          <m:t>𝑋</m:t>
-                        </m:r>
-                      </m:e>
-                      <m:sub>
-                        <m:r>
-                          <a:rPr lang="en-GB" b="0" i="1" smtClean="0">
-                            <a:latin typeface="Cambria Math" panose="02040503050406030204" pitchFamily="18" charset="0"/>
-                          </a:rPr>
-                          <m:t>𝑛</m:t>
-                        </m:r>
-                      </m:sub>
-                    </m:sSub>
-                    <m:r>
-                      <a:rPr lang="en-GB" b="0" i="1" smtClean="0">
-                        <a:latin typeface="Cambria Math" panose="02040503050406030204" pitchFamily="18" charset="0"/>
-                      </a:rPr>
-                      <m:t>)</m:t>
-                    </m:r>
-                  </m:oMath>
-                </a14:m>
-                <a:r>
-                  <a:rPr lang="en-GB" dirty="0"/>
-                  <a:t> inside the n-dimensional </a:t>
-                </a:r>
-                <a:r>
-                  <a:rPr lang="en-GB" i="1" dirty="0"/>
-                  <a:t>cube</a:t>
-                </a:r>
-                <a:r>
-                  <a:rPr lang="en-GB" dirty="0"/>
-                  <a:t>.</a:t>
-                </a:r>
-              </a:p>
-              <a:p>
-                <a:endParaRPr lang="en-GB" b="1" dirty="0"/>
-              </a:p>
-              <a:p>
-                <a14:m>
-                  <m:oMath xmlns:m="http://schemas.openxmlformats.org/officeDocument/2006/math">
-                    <m:sSub>
-                      <m:sSubPr>
-                        <m:ctrlPr>
-                          <a:rPr lang="en-GB" i="1" smtClean="0">
-                            <a:latin typeface="Cambria Math" panose="02040503050406030204" pitchFamily="18" charset="0"/>
-                          </a:rPr>
-                        </m:ctrlPr>
-                      </m:sSubPr>
-                      <m:e>
-                        <m:r>
-                          <a:rPr lang="en-GB" b="0" i="1" smtClean="0">
-                            <a:latin typeface="Cambria Math" panose="02040503050406030204" pitchFamily="18" charset="0"/>
-                          </a:rPr>
-                          <m:t>𝑃</m:t>
-                        </m:r>
-                      </m:e>
-                      <m:sub>
-                        <m:r>
-                          <a:rPr lang="en-GB" b="0" i="1" smtClean="0">
-                            <a:latin typeface="Cambria Math" panose="02040503050406030204" pitchFamily="18" charset="0"/>
-                          </a:rPr>
-                          <m:t>𝑖</m:t>
-                        </m:r>
-                      </m:sub>
-                    </m:sSub>
-                  </m:oMath>
-                </a14:m>
-                <a:r>
-                  <a:rPr lang="en-GB" dirty="0"/>
-                  <a:t> will lie within the </a:t>
-                </a:r>
-                <a:r>
-                  <a:rPr lang="en-GB" i="1" dirty="0"/>
-                  <a:t>ball </a:t>
-                </a:r>
-                <a:r>
-                  <a:rPr lang="en-GB" dirty="0"/>
-                  <a:t>if </a:t>
-                </a:r>
-                <a14:m>
-                  <m:oMath xmlns:m="http://schemas.openxmlformats.org/officeDocument/2006/math">
-                    <m:sSub>
-                      <m:sSubPr>
-                        <m:ctrlPr>
-                          <a:rPr lang="en-GB" b="0" i="1" smtClean="0">
-                            <a:latin typeface="Cambria Math" panose="02040503050406030204" pitchFamily="18" charset="0"/>
-                          </a:rPr>
-                        </m:ctrlPr>
-                      </m:sSubPr>
-                      <m:e>
-                        <m:r>
-                          <a:rPr lang="en-GB" b="0" i="1" smtClean="0">
-                            <a:latin typeface="Cambria Math" panose="02040503050406030204" pitchFamily="18" charset="0"/>
-                          </a:rPr>
-                          <m:t>𝑃</m:t>
-                        </m:r>
-                      </m:e>
-                      <m:sub>
-                        <m:r>
-                          <a:rPr lang="en-GB" b="0" i="1" smtClean="0">
-                            <a:latin typeface="Cambria Math" panose="02040503050406030204" pitchFamily="18" charset="0"/>
-                          </a:rPr>
-                          <m:t>𝑖</m:t>
-                        </m:r>
-                      </m:sub>
-                    </m:sSub>
-                    <m:r>
-                      <a:rPr lang="en-GB" b="0" i="1" smtClean="0">
-                        <a:latin typeface="Cambria Math" panose="02040503050406030204" pitchFamily="18" charset="0"/>
-                        <a:ea typeface="Cambria Math" panose="02040503050406030204" pitchFamily="18" charset="0"/>
-                      </a:rPr>
-                      <m:t>∙</m:t>
-                    </m:r>
-                    <m:sSub>
-                      <m:sSubPr>
-                        <m:ctrlPr>
-                          <a:rPr lang="en-GB" b="0" i="1" smtClean="0">
-                            <a:latin typeface="Cambria Math" panose="02040503050406030204" pitchFamily="18" charset="0"/>
-                            <a:ea typeface="Cambria Math" panose="02040503050406030204" pitchFamily="18" charset="0"/>
-                          </a:rPr>
-                        </m:ctrlPr>
-                      </m:sSubPr>
-                      <m:e>
-                        <m:r>
-                          <a:rPr lang="en-GB" b="0" i="1" smtClean="0">
-                            <a:latin typeface="Cambria Math" panose="02040503050406030204" pitchFamily="18" charset="0"/>
-                            <a:ea typeface="Cambria Math" panose="02040503050406030204" pitchFamily="18" charset="0"/>
-                          </a:rPr>
-                          <m:t>𝑃</m:t>
-                        </m:r>
-                      </m:e>
-                      <m:sub>
-                        <m:r>
-                          <a:rPr lang="en-GB" b="0" i="1" smtClean="0">
-                            <a:latin typeface="Cambria Math" panose="02040503050406030204" pitchFamily="18" charset="0"/>
-                            <a:ea typeface="Cambria Math" panose="02040503050406030204" pitchFamily="18" charset="0"/>
-                          </a:rPr>
-                          <m:t>𝑖</m:t>
-                        </m:r>
-                      </m:sub>
-                    </m:sSub>
-                    <m:r>
-                      <a:rPr lang="en-GB" b="0" i="1" smtClean="0">
-                        <a:latin typeface="Cambria Math" panose="02040503050406030204" pitchFamily="18" charset="0"/>
-                        <a:ea typeface="Cambria Math" panose="02040503050406030204" pitchFamily="18" charset="0"/>
-                      </a:rPr>
-                      <m:t>= </m:t>
-                    </m:r>
-                    <m:sSubSup>
-                      <m:sSubSupPr>
-                        <m:ctrlPr>
-                          <a:rPr lang="en-GB" b="0" i="1" smtClean="0">
-                            <a:latin typeface="Cambria Math" panose="02040503050406030204" pitchFamily="18" charset="0"/>
-                            <a:ea typeface="Cambria Math" panose="02040503050406030204" pitchFamily="18" charset="0"/>
-                          </a:rPr>
-                        </m:ctrlPr>
-                      </m:sSubSupPr>
-                      <m:e>
-                        <m:r>
-                          <a:rPr lang="en-GB" b="0" i="1" smtClean="0">
-                            <a:latin typeface="Cambria Math" panose="02040503050406030204" pitchFamily="18" charset="0"/>
-                            <a:ea typeface="Cambria Math" panose="02040503050406030204" pitchFamily="18" charset="0"/>
-                          </a:rPr>
-                          <m:t>𝑋</m:t>
-                        </m:r>
-                      </m:e>
-                      <m:sub>
-                        <m:r>
-                          <a:rPr lang="en-GB" b="0" i="1" smtClean="0">
-                            <a:latin typeface="Cambria Math" panose="02040503050406030204" pitchFamily="18" charset="0"/>
-                            <a:ea typeface="Cambria Math" panose="02040503050406030204" pitchFamily="18" charset="0"/>
-                          </a:rPr>
-                          <m:t>1</m:t>
-                        </m:r>
-                      </m:sub>
-                      <m:sup>
-                        <m:r>
-                          <a:rPr lang="en-GB" b="0" i="1" smtClean="0">
-                            <a:latin typeface="Cambria Math" panose="02040503050406030204" pitchFamily="18" charset="0"/>
-                            <a:ea typeface="Cambria Math" panose="02040503050406030204" pitchFamily="18" charset="0"/>
-                          </a:rPr>
-                          <m:t>2</m:t>
-                        </m:r>
-                      </m:sup>
-                    </m:sSubSup>
-                    <m:r>
-                      <a:rPr lang="en-GB" b="0" i="1" smtClean="0">
-                        <a:latin typeface="Cambria Math" panose="02040503050406030204" pitchFamily="18" charset="0"/>
-                        <a:ea typeface="Cambria Math" panose="02040503050406030204" pitchFamily="18" charset="0"/>
-                      </a:rPr>
-                      <m:t>+…+ </m:t>
-                    </m:r>
-                    <m:sSubSup>
-                      <m:sSubSupPr>
-                        <m:ctrlPr>
-                          <a:rPr lang="en-GB" b="0" i="1" smtClean="0">
-                            <a:latin typeface="Cambria Math" panose="02040503050406030204" pitchFamily="18" charset="0"/>
-                            <a:ea typeface="Cambria Math" panose="02040503050406030204" pitchFamily="18" charset="0"/>
-                          </a:rPr>
-                        </m:ctrlPr>
-                      </m:sSubSupPr>
-                      <m:e>
-                        <m:r>
-                          <a:rPr lang="en-GB" b="0" i="1" smtClean="0">
-                            <a:latin typeface="Cambria Math" panose="02040503050406030204" pitchFamily="18" charset="0"/>
-                            <a:ea typeface="Cambria Math" panose="02040503050406030204" pitchFamily="18" charset="0"/>
-                          </a:rPr>
-                          <m:t>𝑋</m:t>
-                        </m:r>
-                      </m:e>
-                      <m:sub>
-                        <m:r>
-                          <a:rPr lang="en-GB" b="0" i="1" smtClean="0">
-                            <a:latin typeface="Cambria Math" panose="02040503050406030204" pitchFamily="18" charset="0"/>
-                            <a:ea typeface="Cambria Math" panose="02040503050406030204" pitchFamily="18" charset="0"/>
-                          </a:rPr>
-                          <m:t>𝑛</m:t>
-                        </m:r>
-                      </m:sub>
-                      <m:sup>
-                        <m:r>
-                          <a:rPr lang="en-GB" b="0" i="1" smtClean="0">
-                            <a:latin typeface="Cambria Math" panose="02040503050406030204" pitchFamily="18" charset="0"/>
-                            <a:ea typeface="Cambria Math" panose="02040503050406030204" pitchFamily="18" charset="0"/>
-                          </a:rPr>
-                          <m:t>2</m:t>
-                        </m:r>
-                      </m:sup>
-                    </m:sSubSup>
-                    <m:r>
-                      <a:rPr lang="en-GB" b="0" i="1" smtClean="0">
-                        <a:latin typeface="Cambria Math" panose="02040503050406030204" pitchFamily="18" charset="0"/>
-                        <a:ea typeface="Cambria Math" panose="02040503050406030204" pitchFamily="18" charset="0"/>
-                      </a:rPr>
-                      <m:t>≤</m:t>
-                    </m:r>
-                    <m:sSup>
-                      <m:sSupPr>
-                        <m:ctrlPr>
-                          <a:rPr lang="en-GB" b="0" i="1" smtClean="0">
-                            <a:latin typeface="Cambria Math" panose="02040503050406030204" pitchFamily="18" charset="0"/>
-                            <a:ea typeface="Cambria Math" panose="02040503050406030204" pitchFamily="18" charset="0"/>
-                          </a:rPr>
-                        </m:ctrlPr>
-                      </m:sSupPr>
-                      <m:e>
-                        <m:r>
-                          <a:rPr lang="en-GB" b="0" i="1" smtClean="0">
-                            <a:latin typeface="Cambria Math" panose="02040503050406030204" pitchFamily="18" charset="0"/>
-                            <a:ea typeface="Cambria Math" panose="02040503050406030204" pitchFamily="18" charset="0"/>
-                          </a:rPr>
-                          <m:t>𝑅</m:t>
-                        </m:r>
-                      </m:e>
-                      <m:sup>
-                        <m:r>
-                          <a:rPr lang="en-GB" b="0" i="1" smtClean="0">
-                            <a:latin typeface="Cambria Math" panose="02040503050406030204" pitchFamily="18" charset="0"/>
-                            <a:ea typeface="Cambria Math" panose="02040503050406030204" pitchFamily="18" charset="0"/>
-                          </a:rPr>
-                          <m:t>2</m:t>
-                        </m:r>
-                      </m:sup>
-                    </m:sSup>
-                  </m:oMath>
-                </a14:m>
-                <a:endParaRPr lang="en-GB" dirty="0"/>
-              </a:p>
-              <a:p>
-                <a:endParaRPr lang="en-GB" dirty="0"/>
-              </a:p>
-              <a:p>
-                <a:r>
-                  <a:rPr lang="en-GB" dirty="0"/>
-                  <a:t>Repeat for a desired number of samples.</a:t>
-                </a:r>
-              </a:p>
-              <a:p>
-                <a:endParaRPr lang="en-GB" dirty="0"/>
-              </a:p>
-              <a:p>
-                <a:r>
-                  <a:rPr lang="en-GB" dirty="0"/>
-                  <a:t>Then, we can calculate the </a:t>
-                </a:r>
-                <a:r>
-                  <a:rPr lang="en-GB" i="1" dirty="0"/>
-                  <a:t>volume </a:t>
-                </a:r>
-                <a:r>
-                  <a:rPr lang="en-GB" dirty="0"/>
-                  <a:t>of the </a:t>
-                </a:r>
-                <a:r>
-                  <a:rPr lang="en-GB" i="1" dirty="0"/>
-                  <a:t>ball</a:t>
-                </a:r>
-                <a:r>
-                  <a:rPr lang="en-GB" dirty="0"/>
-                  <a:t> to be</a:t>
-                </a:r>
-              </a:p>
-            </p:txBody>
-          </p:sp>
-        </mc:Choice>
-        <mc:Fallback xmlns="">
-          <p:sp>
-            <p:nvSpPr>
-              <p:cNvPr id="4" name="TextBox 3">
-                <a:extLst>
-                  <a:ext uri="{FF2B5EF4-FFF2-40B4-BE49-F238E27FC236}">
-                    <a16:creationId xmlns:a16="http://schemas.microsoft.com/office/drawing/2014/main" id="{8F925E7E-3C76-AD12-9452-FD1B601B62E7}"/>
-                  </a:ext>
-                </a:extLst>
-              </p:cNvPr>
-              <p:cNvSpPr txBox="1">
-                <a:spLocks noRot="1" noChangeAspect="1" noMove="1" noResize="1" noEditPoints="1" noAdjustHandles="1" noChangeArrowheads="1" noChangeShapeType="1" noTextEdit="1"/>
-              </p:cNvSpPr>
-              <p:nvPr/>
-            </p:nvSpPr>
-            <p:spPr>
-              <a:xfrm>
-                <a:off x="685707" y="1940663"/>
-                <a:ext cx="10820586" cy="2311530"/>
-              </a:xfrm>
-              <a:prstGeom prst="rect">
-                <a:avLst/>
-              </a:prstGeom>
-              <a:blipFill>
-                <a:blip r:embed="rId2"/>
-                <a:stretch>
-                  <a:fillRect l="-468" t="-1087" b="-2717"/>
-                </a:stretch>
-              </a:blipFill>
-            </p:spPr>
-            <p:txBody>
-              <a:bodyPr/>
-              <a:lstStyle/>
-              <a:p>
-                <a:r>
-                  <a:rPr lang="en-GB">
-                    <a:noFill/>
-                  </a:rPr>
-                  <a:t> </a:t>
-                </a:r>
-              </a:p>
-            </p:txBody>
-          </p:sp>
-        </mc:Fallback>
-      </mc:AlternateContent>
-      <mc:AlternateContent xmlns:mc="http://schemas.openxmlformats.org/markup-compatibility/2006" xmlns:a14="http://schemas.microsoft.com/office/drawing/2010/main">
-        <mc:Choice Requires="a14">
-          <p:sp>
-            <p:nvSpPr>
-              <p:cNvPr id="3" name="TextBox 2">
-                <a:extLst>
-                  <a:ext uri="{FF2B5EF4-FFF2-40B4-BE49-F238E27FC236}">
-                    <a16:creationId xmlns:a16="http://schemas.microsoft.com/office/drawing/2014/main" id="{8F105ABB-6A25-E04C-4D9F-4D647DC51BDC}"/>
-                  </a:ext>
-                </a:extLst>
-              </p:cNvPr>
-              <p:cNvSpPr txBox="1"/>
-              <p:nvPr/>
-            </p:nvSpPr>
-            <p:spPr>
-              <a:xfrm>
-                <a:off x="3546763" y="4266047"/>
-                <a:ext cx="5098473" cy="524759"/>
-              </a:xfrm>
-              <a:prstGeom prst="rect">
-                <a:avLst/>
-              </a:prstGeom>
-              <a:noFill/>
-            </p:spPr>
-            <p:txBody>
-              <a:bodyPr wrap="square" lIns="0" tIns="0" rIns="0" bIns="0" rtlCol="0">
-                <a:spAutoFit/>
-              </a:bodyPr>
-              <a:lstStyle/>
-              <a:p>
-                <a:pPr/>
-                <a14:m>
-                  <m:oMathPara xmlns:m="http://schemas.openxmlformats.org/officeDocument/2006/math">
-                    <m:oMathParaPr>
-                      <m:jc m:val="centerGroup"/>
-                    </m:oMathParaPr>
-                    <m:oMath xmlns:m="http://schemas.openxmlformats.org/officeDocument/2006/math">
-                      <m:sSub>
-                        <m:sSubPr>
-                          <m:ctrlPr>
-                            <a:rPr lang="en-GB" i="1" smtClean="0">
-                              <a:latin typeface="Cambria Math" panose="02040503050406030204" pitchFamily="18" charset="0"/>
-                            </a:rPr>
-                          </m:ctrlPr>
-                        </m:sSubPr>
-                        <m:e>
-                          <m:r>
-                            <a:rPr lang="en-GB" b="0" i="1" smtClean="0">
-                              <a:latin typeface="Cambria Math" panose="02040503050406030204" pitchFamily="18" charset="0"/>
-                            </a:rPr>
-                            <m:t>𝑉</m:t>
-                          </m:r>
-                        </m:e>
-                        <m:sub>
-                          <m:r>
-                            <m:rPr>
-                              <m:nor/>
-                            </m:rPr>
-                            <a:rPr lang="en-GB" b="0" i="0" smtClean="0">
-                              <a:latin typeface="Cambria Math" panose="02040503050406030204" pitchFamily="18" charset="0"/>
-                            </a:rPr>
-                            <m:t>ball</m:t>
-                          </m:r>
-                        </m:sub>
-                      </m:sSub>
-                      <m:r>
-                        <a:rPr lang="en-GB" b="0" i="1" smtClean="0">
-                          <a:latin typeface="Cambria Math" panose="02040503050406030204" pitchFamily="18" charset="0"/>
-                        </a:rPr>
-                        <m:t>=</m:t>
-                      </m:r>
-                      <m:sSup>
-                        <m:sSupPr>
-                          <m:ctrlPr>
-                            <a:rPr lang="en-GB" b="0" i="1" smtClean="0">
-                              <a:latin typeface="Cambria Math" panose="02040503050406030204" pitchFamily="18" charset="0"/>
-                            </a:rPr>
-                          </m:ctrlPr>
-                        </m:sSupPr>
-                        <m:e>
-                          <m:r>
-                            <a:rPr lang="en-GB" b="0" i="1" smtClean="0">
-                              <a:latin typeface="Cambria Math" panose="02040503050406030204" pitchFamily="18" charset="0"/>
-                            </a:rPr>
-                            <m:t>(2</m:t>
-                          </m:r>
-                          <m:r>
-                            <a:rPr lang="en-GB" b="0" i="1" smtClean="0">
-                              <a:latin typeface="Cambria Math" panose="02040503050406030204" pitchFamily="18" charset="0"/>
-                            </a:rPr>
-                            <m:t>𝑅</m:t>
-                          </m:r>
-                          <m:r>
-                            <a:rPr lang="en-GB" b="0" i="1" smtClean="0">
-                              <a:latin typeface="Cambria Math" panose="02040503050406030204" pitchFamily="18" charset="0"/>
-                            </a:rPr>
-                            <m:t>)</m:t>
-                          </m:r>
-                        </m:e>
-                        <m:sup>
-                          <m:r>
-                            <a:rPr lang="en-GB" b="0" i="1" smtClean="0">
-                              <a:latin typeface="Cambria Math" panose="02040503050406030204" pitchFamily="18" charset="0"/>
-                            </a:rPr>
-                            <m:t>𝑛</m:t>
-                          </m:r>
-                        </m:sup>
-                      </m:sSup>
-                      <m:f>
-                        <m:fPr>
-                          <m:ctrlPr>
-                            <a:rPr lang="en-GB" b="0" i="1" smtClean="0">
-                              <a:latin typeface="Cambria Math" panose="02040503050406030204" pitchFamily="18" charset="0"/>
-                            </a:rPr>
-                          </m:ctrlPr>
-                        </m:fPr>
-                        <m:num>
-                          <m:r>
-                            <m:rPr>
-                              <m:nor/>
-                            </m:rPr>
-                            <a:rPr lang="en-GB" b="0" i="0" smtClean="0">
-                              <a:latin typeface="Cambria Math" panose="02040503050406030204" pitchFamily="18" charset="0"/>
-                            </a:rPr>
-                            <m:t># </m:t>
-                          </m:r>
-                          <m:r>
-                            <m:rPr>
-                              <m:nor/>
-                            </m:rPr>
-                            <a:rPr lang="en-GB" b="0" i="0" smtClean="0">
-                              <a:latin typeface="Cambria Math" panose="02040503050406030204" pitchFamily="18" charset="0"/>
-                            </a:rPr>
-                            <m:t>of</m:t>
-                          </m:r>
-                          <m:r>
-                            <m:rPr>
-                              <m:nor/>
-                            </m:rPr>
-                            <a:rPr lang="en-GB" b="0" i="0" smtClean="0">
-                              <a:latin typeface="Cambria Math" panose="02040503050406030204" pitchFamily="18" charset="0"/>
-                            </a:rPr>
-                            <m:t> </m:t>
-                          </m:r>
-                          <m:sSub>
-                            <m:sSubPr>
-                              <m:ctrlPr>
-                                <a:rPr lang="en-GB" b="0" i="1" smtClean="0">
-                                  <a:latin typeface="Cambria Math" panose="02040503050406030204" pitchFamily="18" charset="0"/>
-                                </a:rPr>
-                              </m:ctrlPr>
-                            </m:sSubPr>
-                            <m:e>
-                              <m:r>
-                                <a:rPr lang="en-GB" b="0" i="1" smtClean="0">
-                                  <a:latin typeface="Cambria Math" panose="02040503050406030204" pitchFamily="18" charset="0"/>
-                                </a:rPr>
-                                <m:t>𝑃</m:t>
-                              </m:r>
-                            </m:e>
-                            <m:sub>
-                              <m:r>
-                                <a:rPr lang="en-GB" b="0" i="1" smtClean="0">
-                                  <a:latin typeface="Cambria Math" panose="02040503050406030204" pitchFamily="18" charset="0"/>
-                                </a:rPr>
-                                <m:t>𝑖</m:t>
-                              </m:r>
-                            </m:sub>
-                          </m:sSub>
-                          <m:r>
-                            <a:rPr lang="en-GB" b="0" i="1" smtClean="0">
-                              <a:latin typeface="Cambria Math" panose="02040503050406030204" pitchFamily="18" charset="0"/>
-                            </a:rPr>
-                            <m:t> </m:t>
-                          </m:r>
-                          <m:r>
-                            <m:rPr>
-                              <m:nor/>
-                            </m:rPr>
-                            <a:rPr lang="en-GB" b="0" i="0" smtClean="0">
-                              <a:latin typeface="Cambria Math" panose="02040503050406030204" pitchFamily="18" charset="0"/>
-                            </a:rPr>
-                            <m:t>that</m:t>
-                          </m:r>
-                          <m:r>
-                            <m:rPr>
-                              <m:nor/>
-                            </m:rPr>
-                            <a:rPr lang="en-GB" b="0" i="0" smtClean="0">
-                              <a:latin typeface="Cambria Math" panose="02040503050406030204" pitchFamily="18" charset="0"/>
-                            </a:rPr>
-                            <m:t> </m:t>
-                          </m:r>
-                          <m:r>
-                            <m:rPr>
-                              <m:nor/>
-                            </m:rPr>
-                            <a:rPr lang="en-GB" b="0" i="0" smtClean="0">
-                              <a:latin typeface="Cambria Math" panose="02040503050406030204" pitchFamily="18" charset="0"/>
-                            </a:rPr>
-                            <m:t>lie</m:t>
-                          </m:r>
-                          <m:r>
-                            <m:rPr>
-                              <m:nor/>
-                            </m:rPr>
-                            <a:rPr lang="en-GB" b="0" i="0" smtClean="0">
-                              <a:latin typeface="Cambria Math" panose="02040503050406030204" pitchFamily="18" charset="0"/>
-                            </a:rPr>
-                            <m:t> </m:t>
-                          </m:r>
-                          <m:r>
-                            <m:rPr>
-                              <m:nor/>
-                            </m:rPr>
-                            <a:rPr lang="en-GB" b="0" i="0" smtClean="0">
-                              <a:latin typeface="Cambria Math" panose="02040503050406030204" pitchFamily="18" charset="0"/>
-                            </a:rPr>
-                            <m:t>within</m:t>
-                          </m:r>
-                          <m:r>
-                            <a:rPr lang="en-GB" b="0" i="1" smtClean="0">
-                              <a:latin typeface="Cambria Math" panose="02040503050406030204" pitchFamily="18" charset="0"/>
-                            </a:rPr>
-                            <m:t> </m:t>
-                          </m:r>
-                          <m:r>
-                            <m:rPr>
-                              <m:nor/>
-                            </m:rPr>
-                            <a:rPr lang="en-GB" b="0" i="0" smtClean="0">
-                              <a:latin typeface="Cambria Math" panose="02040503050406030204" pitchFamily="18" charset="0"/>
-                            </a:rPr>
-                            <m:t>the</m:t>
-                          </m:r>
-                          <m:r>
-                            <m:rPr>
-                              <m:nor/>
-                            </m:rPr>
-                            <a:rPr lang="en-GB" b="0" i="0" smtClean="0">
-                              <a:latin typeface="Cambria Math" panose="02040503050406030204" pitchFamily="18" charset="0"/>
-                            </a:rPr>
-                            <m:t> </m:t>
-                          </m:r>
-                          <m:r>
-                            <m:rPr>
-                              <m:nor/>
-                            </m:rPr>
-                            <a:rPr lang="en-GB" b="0" i="0" smtClean="0">
-                              <a:latin typeface="Cambria Math" panose="02040503050406030204" pitchFamily="18" charset="0"/>
-                            </a:rPr>
-                            <m:t>ball</m:t>
-                          </m:r>
-                        </m:num>
-                        <m:den>
-                          <m:r>
-                            <a:rPr lang="en-GB" b="0" i="1" smtClean="0">
-                              <a:latin typeface="Cambria Math" panose="02040503050406030204" pitchFamily="18" charset="0"/>
-                            </a:rPr>
-                            <m:t>𝑁</m:t>
-                          </m:r>
-                        </m:den>
-                      </m:f>
-                    </m:oMath>
-                  </m:oMathPara>
-                </a14:m>
-                <a:endParaRPr lang="en-GB" dirty="0"/>
-              </a:p>
-            </p:txBody>
-          </p:sp>
-        </mc:Choice>
-        <mc:Fallback xmlns="">
-          <p:sp>
-            <p:nvSpPr>
-              <p:cNvPr id="3" name="TextBox 2">
-                <a:extLst>
-                  <a:ext uri="{FF2B5EF4-FFF2-40B4-BE49-F238E27FC236}">
-                    <a16:creationId xmlns:a16="http://schemas.microsoft.com/office/drawing/2014/main" id="{8F105ABB-6A25-E04C-4D9F-4D647DC51BDC}"/>
-                  </a:ext>
-                </a:extLst>
-              </p:cNvPr>
-              <p:cNvSpPr txBox="1">
-                <a:spLocks noRot="1" noChangeAspect="1" noMove="1" noResize="1" noEditPoints="1" noAdjustHandles="1" noChangeArrowheads="1" noChangeShapeType="1" noTextEdit="1"/>
-              </p:cNvSpPr>
-              <p:nvPr/>
-            </p:nvSpPr>
-            <p:spPr>
-              <a:xfrm>
-                <a:off x="3546763" y="4266047"/>
-                <a:ext cx="5098473" cy="524759"/>
-              </a:xfrm>
-              <a:prstGeom prst="rect">
-                <a:avLst/>
-              </a:prstGeom>
-              <a:blipFill>
-                <a:blip r:embed="rId3"/>
-                <a:stretch>
-                  <a:fillRect t="-9524" b="-14286"/>
-                </a:stretch>
-              </a:blipFill>
-            </p:spPr>
-            <p:txBody>
-              <a:bodyPr/>
-              <a:lstStyle/>
-              <a:p>
-                <a:r>
-                  <a:rPr lang="en-GB">
-                    <a:noFill/>
-                  </a:rPr>
-                  <a:t> </a:t>
-                </a:r>
-              </a:p>
-            </p:txBody>
-          </p:sp>
-        </mc:Fallback>
-      </mc:AlternateContent>
-      <mc:AlternateContent xmlns:mc="http://schemas.openxmlformats.org/markup-compatibility/2006" xmlns:a14="http://schemas.microsoft.com/office/drawing/2010/main">
-        <mc:Choice Requires="a14">
-          <p:sp>
-            <p:nvSpPr>
-              <p:cNvPr id="5" name="TextBox 4">
-                <a:extLst>
-                  <a:ext uri="{FF2B5EF4-FFF2-40B4-BE49-F238E27FC236}">
-                    <a16:creationId xmlns:a16="http://schemas.microsoft.com/office/drawing/2014/main" id="{A504E603-C227-98EC-19AC-56726B69FEA2}"/>
-                  </a:ext>
-                </a:extLst>
-              </p:cNvPr>
-              <p:cNvSpPr txBox="1"/>
-              <p:nvPr/>
-            </p:nvSpPr>
-            <p:spPr>
-              <a:xfrm>
-                <a:off x="685706" y="4790806"/>
-                <a:ext cx="10820586" cy="1200329"/>
-              </a:xfrm>
-              <a:prstGeom prst="rect">
-                <a:avLst/>
-              </a:prstGeom>
-              <a:noFill/>
-            </p:spPr>
-            <p:txBody>
-              <a:bodyPr wrap="square" rtlCol="0">
-                <a:spAutoFit/>
-              </a:bodyPr>
-              <a:lstStyle/>
-              <a:p>
-                <a:r>
-                  <a:rPr lang="en-GB" dirty="0"/>
-                  <a:t>where </a:t>
-                </a:r>
-                <a14:m>
-                  <m:oMath xmlns:m="http://schemas.openxmlformats.org/officeDocument/2006/math">
-                    <m:r>
-                      <a:rPr lang="en-GB" b="0" i="1" smtClean="0">
-                        <a:latin typeface="Cambria Math" panose="02040503050406030204" pitchFamily="18" charset="0"/>
-                      </a:rPr>
-                      <m:t>𝑁</m:t>
-                    </m:r>
-                  </m:oMath>
-                </a14:m>
-                <a:r>
-                  <a:rPr lang="en-GB" dirty="0"/>
-                  <a:t> is the number of samples taken.</a:t>
-                </a:r>
-              </a:p>
-              <a:p>
-                <a:endParaRPr lang="en-GB" dirty="0"/>
-              </a:p>
-              <a:p>
-                <a:endParaRPr lang="en-GB" dirty="0"/>
-              </a:p>
-              <a:p>
-                <a:r>
-                  <a:rPr lang="en-GB" dirty="0"/>
-                  <a:t>This gives an idea of how Monte Carlo methods can be generalised to higher dimensions.</a:t>
-                </a:r>
-              </a:p>
-            </p:txBody>
-          </p:sp>
-        </mc:Choice>
-        <mc:Fallback xmlns="">
-          <p:sp>
-            <p:nvSpPr>
-              <p:cNvPr id="5" name="TextBox 4">
-                <a:extLst>
-                  <a:ext uri="{FF2B5EF4-FFF2-40B4-BE49-F238E27FC236}">
-                    <a16:creationId xmlns:a16="http://schemas.microsoft.com/office/drawing/2014/main" id="{A504E603-C227-98EC-19AC-56726B69FEA2}"/>
-                  </a:ext>
-                </a:extLst>
-              </p:cNvPr>
-              <p:cNvSpPr txBox="1">
-                <a:spLocks noRot="1" noChangeAspect="1" noMove="1" noResize="1" noEditPoints="1" noAdjustHandles="1" noChangeArrowheads="1" noChangeShapeType="1" noTextEdit="1"/>
-              </p:cNvSpPr>
-              <p:nvPr/>
-            </p:nvSpPr>
-            <p:spPr>
-              <a:xfrm>
-                <a:off x="685706" y="4790806"/>
-                <a:ext cx="10820586" cy="1200329"/>
-              </a:xfrm>
-              <a:prstGeom prst="rect">
-                <a:avLst/>
-              </a:prstGeom>
-              <a:blipFill>
-                <a:blip r:embed="rId4"/>
-                <a:stretch>
-                  <a:fillRect l="-468" t="-3158" b="-7368"/>
-                </a:stretch>
-              </a:blipFill>
-            </p:spPr>
-            <p:txBody>
-              <a:bodyPr/>
-              <a:lstStyle/>
-              <a:p>
-                <a:r>
-                  <a:rPr lang="en-GB">
-                    <a:noFill/>
-                  </a:rPr>
-                  <a:t> </a:t>
-                </a:r>
-              </a:p>
-            </p:txBody>
-          </p:sp>
-        </mc:Fallback>
-      </mc:AlternateContent>
-    </p:spTree>
-    <p:extLst>
-      <p:ext uri="{BB962C8B-B14F-4D97-AF65-F5344CB8AC3E}">
-        <p14:creationId xmlns:p14="http://schemas.microsoft.com/office/powerpoint/2010/main" val="3973803348"/>
-      </p:ext>
-    </p:extLst>
-  </p:cSld>
-  <p:clrMapOvr>
-    <a:masterClrMapping/>
-  </p:clrMapOvr>
-</p:sld>
-</file>
-
-<file path=ppt/slides/slide13.xml><?xml version="1.0" encoding="utf-8"?>
-<p:sld xmlns:a="http://schemas.openxmlformats.org/drawingml/2006/main" xmlns:r="http://schemas.openxmlformats.org/officeDocument/2006/relationships" xmlns:p="http://schemas.openxmlformats.org/presentationml/2006/main">
-  <p:cSld>
     <p:bg>
       <p:bgPr>
         <a:solidFill>
@@ -7214,7 +6225,7 @@
 </p:sld>
 </file>
 
-<file path=ppt/slides/slide14.xml><?xml version="1.0" encoding="utf-8"?>
+<file path=ppt/slides/slide13.xml><?xml version="1.0" encoding="utf-8"?>
 <p:sld xmlns:a="http://schemas.openxmlformats.org/drawingml/2006/main" xmlns:r="http://schemas.openxmlformats.org/officeDocument/2006/relationships" xmlns:p="http://schemas.openxmlformats.org/presentationml/2006/main">
   <p:cSld>
     <p:spTree>
@@ -7278,7 +6289,7 @@
 </p:sld>
 </file>
 
-<file path=ppt/slides/slide15.xml><?xml version="1.0" encoding="utf-8"?>
+<file path=ppt/slides/slide14.xml><?xml version="1.0" encoding="utf-8"?>
 <p:sld xmlns:a="http://schemas.openxmlformats.org/drawingml/2006/main" xmlns:r="http://schemas.openxmlformats.org/officeDocument/2006/relationships" xmlns:p="http://schemas.openxmlformats.org/presentationml/2006/main">
   <p:cSld>
     <p:spTree>
@@ -7428,7 +6439,7 @@
 </p:sld>
 </file>
 
-<file path=ppt/slides/slide16.xml><?xml version="1.0" encoding="utf-8"?>
+<file path=ppt/slides/slide15.xml><?xml version="1.0" encoding="utf-8"?>
 <p:sld xmlns:a="http://schemas.openxmlformats.org/drawingml/2006/main" xmlns:r="http://schemas.openxmlformats.org/officeDocument/2006/relationships" xmlns:p="http://schemas.openxmlformats.org/presentationml/2006/main">
   <p:cSld>
     <p:spTree>
@@ -8050,8 +7061,8 @@
           </a:p>
         </p:txBody>
       </p:sp>
-      <mc:AlternateContent xmlns:mc="http://schemas.openxmlformats.org/markup-compatibility/2006" xmlns:a14="http://schemas.microsoft.com/office/drawing/2010/main">
-        <mc:Choice Requires="a14">
+      <mc:AlternateContent xmlns:mc="http://schemas.openxmlformats.org/markup-compatibility/2006">
+        <mc:Choice xmlns:a14="http://schemas.microsoft.com/office/drawing/2010/main" Requires="a14">
           <p:sp>
             <p:nvSpPr>
               <p:cNvPr id="10" name="TextBox 9">
@@ -8067,7 +7078,7 @@
             <p:spPr>
               <a:xfrm>
                 <a:off x="4843189" y="3756381"/>
-                <a:ext cx="2556918" cy="840295"/>
+                <a:ext cx="3724288" cy="840295"/>
               </a:xfrm>
               <a:prstGeom prst="rect">
                 <a:avLst/>
@@ -8151,6 +7162,54 @@
                             </a:rPr>
                             <m:t>𝑑𝑥</m:t>
                           </m:r>
+                          <m:r>
+                            <a:rPr lang="en-GB" b="0" i="1" smtClean="0">
+                              <a:latin typeface="Cambria Math" panose="02040503050406030204" pitchFamily="18" charset="0"/>
+                            </a:rPr>
+                            <m:t>=</m:t>
+                          </m:r>
+                          <m:r>
+                            <a:rPr lang="en-GB" b="0" i="1" smtClean="0">
+                              <a:latin typeface="Cambria Math" panose="02040503050406030204" pitchFamily="18" charset="0"/>
+                            </a:rPr>
+                            <m:t>𝐸</m:t>
+                          </m:r>
+                          <m:d>
+                            <m:dPr>
+                              <m:begChr m:val="["/>
+                              <m:endChr m:val="]"/>
+                              <m:ctrlPr>
+                                <a:rPr lang="en-GB" b="0" i="1" smtClean="0">
+                                  <a:latin typeface="Cambria Math" panose="02040503050406030204" pitchFamily="18" charset="0"/>
+                                </a:rPr>
+                              </m:ctrlPr>
+                            </m:dPr>
+                            <m:e>
+                              <m:r>
+                                <a:rPr lang="en-GB" b="0" i="1" smtClean="0">
+                                  <a:latin typeface="Cambria Math" panose="02040503050406030204" pitchFamily="18" charset="0"/>
+                                </a:rPr>
+                                <m:t>𝑔</m:t>
+                              </m:r>
+                              <m:d>
+                                <m:dPr>
+                                  <m:ctrlPr>
+                                    <a:rPr lang="en-GB" b="0" i="1" smtClean="0">
+                                      <a:latin typeface="Cambria Math" panose="02040503050406030204" pitchFamily="18" charset="0"/>
+                                    </a:rPr>
+                                  </m:ctrlPr>
+                                </m:dPr>
+                                <m:e>
+                                  <m:r>
+                                    <a:rPr lang="en-GB" b="0" i="1" smtClean="0">
+                                      <a:latin typeface="Cambria Math" panose="02040503050406030204" pitchFamily="18" charset="0"/>
+                                    </a:rPr>
+                                    <m:t>𝑈</m:t>
+                                  </m:r>
+                                </m:e>
+                              </m:d>
+                            </m:e>
+                          </m:d>
                           <m:r>
                             <a:rPr lang="en-GB" b="0" i="1" smtClean="0">
                               <a:latin typeface="Cambria Math" panose="02040503050406030204" pitchFamily="18" charset="0"/>
@@ -8272,7 +7331,7 @@
             </p:txBody>
           </p:sp>
         </mc:Choice>
-        <mc:Fallback xmlns="">
+        <mc:Fallback>
           <p:sp>
             <p:nvSpPr>
               <p:cNvPr id="10" name="TextBox 9">
@@ -8290,7 +7349,7 @@
             <p:spPr>
               <a:xfrm>
                 <a:off x="4843189" y="3756381"/>
-                <a:ext cx="2556918" cy="840295"/>
+                <a:ext cx="3724288" cy="840295"/>
               </a:xfrm>
               <a:prstGeom prst="rect">
                 <a:avLst/>
@@ -8298,7 +7357,7 @@
               <a:blipFill>
                 <a:blip r:embed="rId2"/>
                 <a:stretch>
-                  <a:fillRect l="-37129" t="-120896" r="-10891" b="-189552"/>
+                  <a:fillRect l="-24490" t="-120896" r="-6803" b="-189552"/>
                 </a:stretch>
               </a:blipFill>
             </p:spPr>
@@ -8332,9 +7391,9 @@
         <p:grpSpPr>
           <a:xfrm>
             <a:off x="685707" y="4650197"/>
-            <a:ext cx="6233868" cy="369333"/>
+            <a:ext cx="6166493" cy="369333"/>
             <a:chOff x="894552" y="5006622"/>
-            <a:chExt cx="6233868" cy="369333"/>
+            <a:chExt cx="6166493" cy="369333"/>
           </a:xfrm>
         </p:grpSpPr>
         <p:sp>
@@ -8372,8 +7431,8 @@
             </a:p>
           </p:txBody>
         </p:sp>
-        <mc:AlternateContent xmlns:mc="http://schemas.openxmlformats.org/markup-compatibility/2006" xmlns:a14="http://schemas.microsoft.com/office/drawing/2010/main">
-          <mc:Choice Requires="a14">
+        <mc:AlternateContent xmlns:mc="http://schemas.openxmlformats.org/markup-compatibility/2006">
+          <mc:Choice xmlns:a14="http://schemas.microsoft.com/office/drawing/2010/main" Requires="a14">
             <p:sp>
               <p:nvSpPr>
                 <p:cNvPr id="12" name="TextBox 11">
@@ -8388,7 +7447,7 @@
               </p:nvSpPr>
               <p:spPr>
                 <a:xfrm>
-                  <a:off x="1978378" y="5052789"/>
+                  <a:off x="1920628" y="5052789"/>
                   <a:ext cx="626533" cy="276999"/>
                 </a:xfrm>
                 <a:prstGeom prst="rect">
@@ -8442,7 +7501,7 @@
               </p:txBody>
             </p:sp>
           </mc:Choice>
-          <mc:Fallback xmlns="">
+          <mc:Fallback>
             <p:sp>
               <p:nvSpPr>
                 <p:cNvPr id="12" name="TextBox 11">
@@ -8459,7 +7518,7 @@
               </p:nvSpPr>
               <p:spPr>
                 <a:xfrm>
-                  <a:off x="1978378" y="5052789"/>
+                  <a:off x="1920628" y="5052789"/>
                   <a:ext cx="626533" cy="276999"/>
                 </a:xfrm>
                 <a:prstGeom prst="rect">
@@ -8501,7 +7560,7 @@
           </p:nvSpPr>
           <p:spPr>
             <a:xfrm>
-              <a:off x="2379040" y="5006622"/>
+              <a:off x="2311665" y="5006622"/>
               <a:ext cx="4749380" cy="369332"/>
             </a:xfrm>
             <a:prstGeom prst="rect">
@@ -9202,6 +8261,514 @@
           <p:cNvPr id="2" name="Title 1">
             <a:extLst>
               <a:ext uri="{FF2B5EF4-FFF2-40B4-BE49-F238E27FC236}">
+                <a16:creationId xmlns:a16="http://schemas.microsoft.com/office/drawing/2014/main" id="{6BB89EFA-1C23-D1A8-6368-855CF3192D8B}"/>
+              </a:ext>
+            </a:extLst>
+          </p:cNvPr>
+          <p:cNvSpPr>
+            <a:spLocks noGrp="1"/>
+          </p:cNvSpPr>
+          <p:nvPr>
+            <p:ph type="title"/>
+          </p:nvPr>
+        </p:nvSpPr>
+        <p:spPr/>
+        <p:txBody>
+          <a:bodyPr/>
+          <a:lstStyle/>
+          <a:p>
+            <a:r>
+              <a:rPr lang="en-GB" dirty="0"/>
+              <a:t>Congruential generator</a:t>
+            </a:r>
+          </a:p>
+        </p:txBody>
+      </p:sp>
+      <p:grpSp>
+        <p:nvGrpSpPr>
+          <p:cNvPr id="3" name="Group 2">
+            <a:extLst>
+              <a:ext uri="{FF2B5EF4-FFF2-40B4-BE49-F238E27FC236}">
+                <a16:creationId xmlns:a16="http://schemas.microsoft.com/office/drawing/2014/main" id="{B2B0C817-53E5-438E-5ADE-1AA4670B8C76}"/>
+              </a:ext>
+            </a:extLst>
+          </p:cNvPr>
+          <p:cNvGrpSpPr/>
+          <p:nvPr/>
+        </p:nvGrpSpPr>
+        <p:grpSpPr>
+          <a:xfrm>
+            <a:off x="581192" y="2340429"/>
+            <a:ext cx="11029616" cy="4575612"/>
+            <a:chOff x="581192" y="2340429"/>
+            <a:chExt cx="11029616" cy="4575612"/>
+          </a:xfrm>
+        </p:grpSpPr>
+        <p:sp>
+          <p:nvSpPr>
+            <p:cNvPr id="6" name="TextBox 5">
+              <a:extLst>
+                <a:ext uri="{FF2B5EF4-FFF2-40B4-BE49-F238E27FC236}">
+                  <a16:creationId xmlns:a16="http://schemas.microsoft.com/office/drawing/2014/main" id="{6EE64218-386C-2C06-B9AD-3DF249F93D7E}"/>
+                </a:ext>
+              </a:extLst>
+            </p:cNvPr>
+            <p:cNvSpPr txBox="1"/>
+            <p:nvPr/>
+          </p:nvSpPr>
+          <p:spPr>
+            <a:xfrm>
+              <a:off x="581192" y="2340429"/>
+              <a:ext cx="6566473" cy="4575612"/>
+            </a:xfrm>
+            <a:prstGeom prst="rect">
+              <a:avLst/>
+            </a:prstGeom>
+            <a:noFill/>
+          </p:spPr>
+          <p:txBody>
+            <a:bodyPr wrap="square" rtlCol="0">
+              <a:spAutoFit/>
+            </a:bodyPr>
+            <a:lstStyle/>
+            <a:p>
+              <a:pPr marL="285750" indent="-285750">
+                <a:buFont typeface="Arial" panose="020B0604020202020204" pitchFamily="34" charset="0"/>
+                <a:buChar char="•"/>
+              </a:pPr>
+              <a:r>
+                <a:rPr lang="en-GB" sz="2000" dirty="0"/>
+                <a:t>Uses the formula X</a:t>
+              </a:r>
+              <a:r>
+                <a:rPr lang="en-GB" sz="2000" baseline="-25000" dirty="0"/>
+                <a:t>n+1</a:t>
+              </a:r>
+              <a:r>
+                <a:rPr lang="en-GB" sz="2000" dirty="0"/>
+                <a:t> = </a:t>
+              </a:r>
+              <a:r>
+                <a:rPr lang="en-GB" sz="2000" dirty="0" err="1"/>
+                <a:t>aX</a:t>
+              </a:r>
+              <a:r>
+                <a:rPr lang="en-GB" sz="2000" baseline="-25000" dirty="0" err="1"/>
+                <a:t>n</a:t>
+              </a:r>
+              <a:r>
+                <a:rPr lang="en-GB" sz="2000" dirty="0"/>
+                <a:t> + d (mod m)</a:t>
+              </a:r>
+            </a:p>
+            <a:p>
+              <a:endParaRPr lang="en-GB" sz="2000" dirty="0"/>
+            </a:p>
+            <a:p>
+              <a:r>
+                <a:rPr lang="en-GB" sz="2000" dirty="0">
+                  <a:ea typeface="Calibri" panose="020F0502020204030204" pitchFamily="34" charset="0"/>
+                  <a:cs typeface="Calibri" panose="020F0502020204030204" pitchFamily="34" charset="0"/>
+                </a:rPr>
+                <a:t>For a full period:</a:t>
+              </a:r>
+            </a:p>
+            <a:p>
+              <a:pPr marL="285750" indent="-285750">
+                <a:buFont typeface="Arial" panose="020B0604020202020204" pitchFamily="34" charset="0"/>
+                <a:buChar char="•"/>
+              </a:pPr>
+              <a:r>
+                <a:rPr lang="en-GB" sz="2000" dirty="0">
+                  <a:ea typeface="Calibri" panose="020F0502020204030204" pitchFamily="34" charset="0"/>
+                  <a:cs typeface="Calibri" panose="020F0502020204030204" pitchFamily="34" charset="0"/>
+                </a:rPr>
+                <a:t>d and m must be coprime</a:t>
+              </a:r>
+            </a:p>
+            <a:p>
+              <a:pPr marL="285750" indent="-285750">
+                <a:buFont typeface="Arial" panose="020B0604020202020204" pitchFamily="34" charset="0"/>
+                <a:buChar char="•"/>
+              </a:pPr>
+              <a:r>
+                <a:rPr lang="en-GB" sz="2000" dirty="0">
+                  <a:ea typeface="Calibri" panose="020F0502020204030204" pitchFamily="34" charset="0"/>
+                  <a:cs typeface="Calibri" panose="020F0502020204030204" pitchFamily="34" charset="0"/>
+                </a:rPr>
+                <a:t>a-</a:t>
+              </a:r>
+              <a:r>
+                <a:rPr lang="en-GB" sz="2000" dirty="0">
+                  <a:latin typeface="Calibri" panose="020F0502020204030204" pitchFamily="34" charset="0"/>
+                  <a:ea typeface="Calibri" panose="020F0502020204030204" pitchFamily="34" charset="0"/>
+                  <a:cs typeface="Calibri" panose="020F0502020204030204" pitchFamily="34" charset="0"/>
+                </a:rPr>
+                <a:t>1 </a:t>
+              </a:r>
+              <a:r>
+                <a:rPr lang="en-GB" sz="2000" dirty="0">
+                  <a:ea typeface="Calibri" panose="020F0502020204030204" pitchFamily="34" charset="0"/>
+                  <a:cs typeface="Calibri" panose="020F0502020204030204" pitchFamily="34" charset="0"/>
+                </a:rPr>
+                <a:t>is divisible by all prime factors of m</a:t>
+              </a:r>
+            </a:p>
+            <a:p>
+              <a:pPr marL="285750" indent="-285750">
+                <a:buFont typeface="Arial" panose="020B0604020202020204" pitchFamily="34" charset="0"/>
+                <a:buChar char="•"/>
+              </a:pPr>
+              <a:r>
+                <a:rPr lang="en-GB" sz="2000" dirty="0">
+                  <a:ea typeface="Calibri" panose="020F0502020204030204" pitchFamily="34" charset="0"/>
+                  <a:cs typeface="Calibri" panose="020F0502020204030204" pitchFamily="34" charset="0"/>
+                </a:rPr>
+                <a:t>If 4 divides m then </a:t>
+              </a:r>
+              <a:r>
+                <a:rPr lang="en-GB" sz="2000" dirty="0">
+                  <a:latin typeface="Calibri" panose="020F0502020204030204" pitchFamily="34" charset="0"/>
+                  <a:ea typeface="Calibri" panose="020F0502020204030204" pitchFamily="34" charset="0"/>
+                  <a:cs typeface="Calibri" panose="020F0502020204030204" pitchFamily="34" charset="0"/>
+                </a:rPr>
+                <a:t>a-1 </a:t>
+              </a:r>
+              <a:r>
+                <a:rPr lang="en-GB" sz="2000" dirty="0">
+                  <a:ea typeface="Calibri" panose="020F0502020204030204" pitchFamily="34" charset="0"/>
+                  <a:cs typeface="Calibri" panose="020F0502020204030204" pitchFamily="34" charset="0"/>
+                </a:rPr>
+                <a:t>must also be divisible by 4</a:t>
+              </a:r>
+            </a:p>
+            <a:p>
+              <a:r>
+                <a:rPr lang="en-GB" sz="2000" dirty="0">
+                  <a:latin typeface="Calibri" panose="020F0502020204030204" pitchFamily="34" charset="0"/>
+                  <a:ea typeface="Calibri" panose="020F0502020204030204" pitchFamily="34" charset="0"/>
+                  <a:cs typeface="Calibri" panose="020F0502020204030204" pitchFamily="34" charset="0"/>
+                </a:rPr>
+                <a:t>(Hull-Dobell theorem, 1962)</a:t>
+              </a:r>
+            </a:p>
+            <a:p>
+              <a:endParaRPr lang="en-GB" sz="2000" dirty="0">
+                <a:latin typeface="Calibri" panose="020F0502020204030204" pitchFamily="34" charset="0"/>
+                <a:ea typeface="Calibri" panose="020F0502020204030204" pitchFamily="34" charset="0"/>
+                <a:cs typeface="Calibri" panose="020F0502020204030204" pitchFamily="34" charset="0"/>
+              </a:endParaRPr>
+            </a:p>
+            <a:p>
+              <a:r>
+                <a:rPr lang="en-GB" sz="2000" dirty="0">
+                  <a:latin typeface="Calibri" panose="020F0502020204030204" pitchFamily="34" charset="0"/>
+                  <a:ea typeface="Calibri" panose="020F0502020204030204" pitchFamily="34" charset="0"/>
+                  <a:cs typeface="Calibri" panose="020F0502020204030204" pitchFamily="34" charset="0"/>
+                </a:rPr>
+                <a:t>Generally, we pick a = 1664525, d = 1013904223 and m = 2</a:t>
+              </a:r>
+              <a:r>
+                <a:rPr lang="en-GB" sz="2000" baseline="30000" dirty="0">
+                  <a:latin typeface="Calibri" panose="020F0502020204030204" pitchFamily="34" charset="0"/>
+                  <a:ea typeface="Calibri" panose="020F0502020204030204" pitchFamily="34" charset="0"/>
+                  <a:cs typeface="Calibri" panose="020F0502020204030204" pitchFamily="34" charset="0"/>
+                </a:rPr>
+                <a:t>32</a:t>
+              </a:r>
+            </a:p>
+            <a:p>
+              <a:endParaRPr lang="en-GB" sz="2000" dirty="0">
+                <a:latin typeface="Calibri" panose="020F0502020204030204" pitchFamily="34" charset="0"/>
+                <a:ea typeface="Calibri" panose="020F0502020204030204" pitchFamily="34" charset="0"/>
+                <a:cs typeface="Calibri" panose="020F0502020204030204" pitchFamily="34" charset="0"/>
+              </a:endParaRPr>
+            </a:p>
+            <a:p>
+              <a:endParaRPr lang="en-GB" sz="2000" dirty="0">
+                <a:latin typeface="Calibri" panose="020F0502020204030204" pitchFamily="34" charset="0"/>
+                <a:ea typeface="Calibri" panose="020F0502020204030204" pitchFamily="34" charset="0"/>
+                <a:cs typeface="Calibri" panose="020F0502020204030204" pitchFamily="34" charset="0"/>
+              </a:endParaRPr>
+            </a:p>
+            <a:p>
+              <a:pPr marL="285750" indent="-285750">
+                <a:buFont typeface="Arial" panose="020B0604020202020204" pitchFamily="34" charset="0"/>
+                <a:buChar char="•"/>
+              </a:pPr>
+              <a:endParaRPr lang="en-GB" sz="2000" dirty="0"/>
+            </a:p>
+            <a:p>
+              <a:pPr marL="285750" indent="-285750">
+                <a:buFont typeface="Arial" panose="020B0604020202020204" pitchFamily="34" charset="0"/>
+                <a:buChar char="•"/>
+              </a:pPr>
+              <a:endParaRPr lang="en-GB" sz="2000" dirty="0"/>
+            </a:p>
+            <a:p>
+              <a:endParaRPr lang="en-GB" sz="2000" baseline="-25000" dirty="0"/>
+            </a:p>
+            <a:p>
+              <a:endParaRPr lang="en-GB" sz="2000" dirty="0"/>
+            </a:p>
+          </p:txBody>
+        </p:sp>
+        <p:sp>
+          <p:nvSpPr>
+            <p:cNvPr id="8" name="TextBox 7">
+              <a:extLst>
+                <a:ext uri="{FF2B5EF4-FFF2-40B4-BE49-F238E27FC236}">
+                  <a16:creationId xmlns:a16="http://schemas.microsoft.com/office/drawing/2014/main" id="{0642219C-FC40-F473-4AFC-F941550A80F6}"/>
+                </a:ext>
+              </a:extLst>
+            </p:cNvPr>
+            <p:cNvSpPr txBox="1"/>
+            <p:nvPr/>
+          </p:nvSpPr>
+          <p:spPr>
+            <a:xfrm>
+              <a:off x="7147665" y="2688771"/>
+              <a:ext cx="4463143" cy="2554545"/>
+            </a:xfrm>
+            <a:prstGeom prst="rect">
+              <a:avLst/>
+            </a:prstGeom>
+            <a:noFill/>
+          </p:spPr>
+          <p:txBody>
+            <a:bodyPr wrap="square" rtlCol="0">
+              <a:spAutoFit/>
+            </a:bodyPr>
+            <a:lstStyle/>
+            <a:p>
+              <a:r>
+                <a:rPr lang="en-GB" sz="2000" dirty="0"/>
+                <a:t>X</a:t>
+              </a:r>
+              <a:r>
+                <a:rPr lang="en-GB" sz="2000" baseline="-25000" dirty="0"/>
+                <a:t>0 </a:t>
+              </a:r>
+              <a:r>
+                <a:rPr lang="en-GB" sz="2000" dirty="0"/>
+                <a:t>is the seed for the congruential generator.</a:t>
+              </a:r>
+            </a:p>
+            <a:p>
+              <a:endParaRPr lang="en-GB" sz="2000" dirty="0"/>
+            </a:p>
+            <a:p>
+              <a:r>
+                <a:rPr lang="en-GB" sz="2000" dirty="0"/>
+                <a:t>Keeping X</a:t>
+              </a:r>
+              <a:r>
+                <a:rPr lang="en-GB" sz="2000" baseline="-25000" dirty="0"/>
+                <a:t>0 </a:t>
+              </a:r>
+              <a:r>
+                <a:rPr lang="en-GB" sz="2000" dirty="0"/>
+                <a:t>the same gives reproducible samples.</a:t>
+              </a:r>
+            </a:p>
+            <a:p>
+              <a:endParaRPr lang="en-GB" sz="2000" dirty="0"/>
+            </a:p>
+            <a:p>
+              <a:r>
+                <a:rPr lang="en-GB" sz="2000" dirty="0"/>
+                <a:t>Changing X</a:t>
+              </a:r>
+              <a:r>
+                <a:rPr lang="en-GB" sz="2000" baseline="-25000" dirty="0"/>
+                <a:t>0 </a:t>
+              </a:r>
+              <a:r>
+                <a:rPr lang="en-GB" sz="2000" dirty="0"/>
+                <a:t>changes the values given by the congruential generator.</a:t>
+              </a:r>
+            </a:p>
+          </p:txBody>
+        </p:sp>
+      </p:grpSp>
+    </p:spTree>
+    <p:extLst>
+      <p:ext uri="{BB962C8B-B14F-4D97-AF65-F5344CB8AC3E}">
+        <p14:creationId xmlns:p14="http://schemas.microsoft.com/office/powerpoint/2010/main" val="2395080859"/>
+      </p:ext>
+    </p:extLst>
+  </p:cSld>
+  <p:clrMapOvr>
+    <a:masterClrMapping/>
+  </p:clrMapOvr>
+</p:sld>
+</file>
+
+<file path=ppt/slides/slide7.xml><?xml version="1.0" encoding="utf-8"?>
+<p:sld xmlns:a="http://schemas.openxmlformats.org/drawingml/2006/main" xmlns:r="http://schemas.openxmlformats.org/officeDocument/2006/relationships" xmlns:p="http://schemas.openxmlformats.org/presentationml/2006/main">
+  <p:cSld>
+    <p:spTree>
+      <p:nvGrpSpPr>
+        <p:cNvPr id="1" name=""/>
+        <p:cNvGrpSpPr/>
+        <p:nvPr/>
+      </p:nvGrpSpPr>
+      <p:grpSpPr>
+        <a:xfrm>
+          <a:off x="0" y="0"/>
+          <a:ext cx="0" cy="0"/>
+          <a:chOff x="0" y="0"/>
+          <a:chExt cx="0" cy="0"/>
+        </a:xfrm>
+      </p:grpSpPr>
+      <p:sp>
+        <p:nvSpPr>
+          <p:cNvPr id="2" name="Title 1">
+            <a:extLst>
+              <a:ext uri="{FF2B5EF4-FFF2-40B4-BE49-F238E27FC236}">
+                <a16:creationId xmlns:a16="http://schemas.microsoft.com/office/drawing/2014/main" id="{2A4BE4B0-119C-E10C-0C59-29223EB059AA}"/>
+              </a:ext>
+            </a:extLst>
+          </p:cNvPr>
+          <p:cNvSpPr>
+            <a:spLocks noGrp="1"/>
+          </p:cNvSpPr>
+          <p:nvPr>
+            <p:ph type="title"/>
+          </p:nvPr>
+        </p:nvSpPr>
+        <p:spPr/>
+        <p:txBody>
+          <a:bodyPr/>
+          <a:lstStyle/>
+          <a:p>
+            <a:r>
+              <a:rPr lang="en-GB" dirty="0"/>
+              <a:t>Uniform or LCG?</a:t>
+            </a:r>
+          </a:p>
+        </p:txBody>
+      </p:sp>
+      <p:pic>
+        <p:nvPicPr>
+          <p:cNvPr id="6" name="Picture 5">
+            <a:extLst>
+              <a:ext uri="{FF2B5EF4-FFF2-40B4-BE49-F238E27FC236}">
+                <a16:creationId xmlns:a16="http://schemas.microsoft.com/office/drawing/2014/main" id="{E2EBC8E3-B61C-975E-D009-334FCAB8DAAA}"/>
+              </a:ext>
+            </a:extLst>
+          </p:cNvPr>
+          <p:cNvPicPr>
+            <a:picLocks noChangeAspect="1"/>
+          </p:cNvPicPr>
+          <p:nvPr/>
+        </p:nvPicPr>
+        <p:blipFill>
+          <a:blip r:embed="rId2"/>
+          <a:stretch>
+            <a:fillRect/>
+          </a:stretch>
+        </p:blipFill>
+        <p:spPr>
+          <a:xfrm>
+            <a:off x="4500049" y="1930301"/>
+            <a:ext cx="7110759" cy="4290059"/>
+          </a:xfrm>
+          <a:prstGeom prst="rect">
+            <a:avLst/>
+          </a:prstGeom>
+        </p:spPr>
+      </p:pic>
+      <p:sp>
+        <p:nvSpPr>
+          <p:cNvPr id="7" name="TextBox 6">
+            <a:extLst>
+              <a:ext uri="{FF2B5EF4-FFF2-40B4-BE49-F238E27FC236}">
+                <a16:creationId xmlns:a16="http://schemas.microsoft.com/office/drawing/2014/main" id="{A50A02A0-BE6E-7BC6-D504-8E90003F2848}"/>
+              </a:ext>
+            </a:extLst>
+          </p:cNvPr>
+          <p:cNvSpPr txBox="1"/>
+          <p:nvPr/>
+        </p:nvSpPr>
+        <p:spPr>
+          <a:xfrm>
+            <a:off x="581192" y="3043990"/>
+            <a:ext cx="3918857" cy="1292662"/>
+          </a:xfrm>
+          <a:prstGeom prst="rect">
+            <a:avLst/>
+          </a:prstGeom>
+          <a:noFill/>
+        </p:spPr>
+        <p:txBody>
+          <a:bodyPr wrap="square" rtlCol="0">
+            <a:spAutoFit/>
+          </a:bodyPr>
+          <a:lstStyle/>
+          <a:p>
+            <a:r>
+              <a:rPr lang="en-GB" sz="2000" dirty="0"/>
+              <a:t>Uniform is more accurate across all sample ranges as the LCG plateaus in accuracy past </a:t>
+            </a:r>
+            <a:r>
+              <a:rPr lang="en-GB" sz="2000" dirty="0">
+                <a:latin typeface="Calibri" panose="020F0502020204030204" pitchFamily="34" charset="0"/>
+                <a:ea typeface="Calibri" panose="020F0502020204030204" pitchFamily="34" charset="0"/>
+                <a:cs typeface="Calibri" panose="020F0502020204030204" pitchFamily="34" charset="0"/>
+              </a:rPr>
+              <a:t>1x10</a:t>
+            </a:r>
+            <a:r>
+              <a:rPr lang="en-GB" sz="2000" baseline="30000" dirty="0">
+                <a:latin typeface="Calibri" panose="020F0502020204030204" pitchFamily="34" charset="0"/>
+                <a:ea typeface="Calibri" panose="020F0502020204030204" pitchFamily="34" charset="0"/>
+                <a:cs typeface="Calibri" panose="020F0502020204030204" pitchFamily="34" charset="0"/>
+              </a:rPr>
+              <a:t>5  </a:t>
+            </a:r>
+            <a:endParaRPr lang="en-GB" sz="2000" dirty="0"/>
+          </a:p>
+          <a:p>
+            <a:endParaRPr lang="en-GB" dirty="0"/>
+          </a:p>
+        </p:txBody>
+      </p:sp>
+    </p:spTree>
+    <p:extLst>
+      <p:ext uri="{BB962C8B-B14F-4D97-AF65-F5344CB8AC3E}">
+        <p14:creationId xmlns:p14="http://schemas.microsoft.com/office/powerpoint/2010/main" val="963860202"/>
+      </p:ext>
+    </p:extLst>
+  </p:cSld>
+  <p:clrMapOvr>
+    <a:masterClrMapping/>
+  </p:clrMapOvr>
+</p:sld>
+</file>
+
+<file path=ppt/slides/slide8.xml><?xml version="1.0" encoding="utf-8"?>
+<p:sld xmlns:a="http://schemas.openxmlformats.org/drawingml/2006/main" xmlns:r="http://schemas.openxmlformats.org/officeDocument/2006/relationships" xmlns:p="http://schemas.openxmlformats.org/presentationml/2006/main">
+  <p:cSld>
+    <p:spTree>
+      <p:nvGrpSpPr>
+        <p:cNvPr id="1" name=""/>
+        <p:cNvGrpSpPr/>
+        <p:nvPr/>
+      </p:nvGrpSpPr>
+      <p:grpSpPr>
+        <a:xfrm>
+          <a:off x="0" y="0"/>
+          <a:ext cx="0" cy="0"/>
+          <a:chOff x="0" y="0"/>
+          <a:chExt cx="0" cy="0"/>
+        </a:xfrm>
+      </p:grpSpPr>
+      <p:sp>
+        <p:nvSpPr>
+          <p:cNvPr id="2" name="Title 1">
+            <a:extLst>
+              <a:ext uri="{FF2B5EF4-FFF2-40B4-BE49-F238E27FC236}">
                 <a16:creationId xmlns:a16="http://schemas.microsoft.com/office/drawing/2014/main" id="{18443D76-532E-861C-3221-6CEF0703B030}"/>
               </a:ext>
             </a:extLst>
@@ -9263,7 +8830,7 @@
           <a:p>
             <a:r>
               <a:rPr lang="en-GB" dirty="0"/>
-              <a:t>The normal distribution is ubiquitous in statistics and modelling. The PDF of a normal random variable is a scaled gaussian. Famously, gaussians do not have elementary anti-derivative. This makes calculating the CDF of a normal distribution more difficult.</a:t>
+              <a:t>The normal distribution is ubiquitous in statistics and modelling. The PDF of a normal random variable is a scaled gaussian. Unfortunately, gaussians do not have elementary anti-derivative. This makes calculating the CDF of a normal distribution more difficult.</a:t>
             </a:r>
           </a:p>
         </p:txBody>
@@ -9449,7 +9016,7 @@
 </p:sld>
 </file>
 
-<file path=ppt/slides/slide7.xml><?xml version="1.0" encoding="utf-8"?>
+<file path=ppt/slides/slide9.xml><?xml version="1.0" encoding="utf-8"?>
 <p:sld xmlns:a="http://schemas.openxmlformats.org/drawingml/2006/main" xmlns:r="http://schemas.openxmlformats.org/officeDocument/2006/relationships" xmlns:p="http://schemas.openxmlformats.org/presentationml/2006/main">
   <p:cSld>
     <p:spTree>
@@ -11196,479 +10763,6 @@
 </p:sld>
 </file>
 
-<file path=ppt/slides/slide8.xml><?xml version="1.0" encoding="utf-8"?>
-<p:sld xmlns:a="http://schemas.openxmlformats.org/drawingml/2006/main" xmlns:r="http://schemas.openxmlformats.org/officeDocument/2006/relationships" xmlns:p="http://schemas.openxmlformats.org/presentationml/2006/main">
-  <p:cSld>
-    <p:spTree>
-      <p:nvGrpSpPr>
-        <p:cNvPr id="1" name=""/>
-        <p:cNvGrpSpPr/>
-        <p:nvPr/>
-      </p:nvGrpSpPr>
-      <p:grpSpPr>
-        <a:xfrm>
-          <a:off x="0" y="0"/>
-          <a:ext cx="0" cy="0"/>
-          <a:chOff x="0" y="0"/>
-          <a:chExt cx="0" cy="0"/>
-        </a:xfrm>
-      </p:grpSpPr>
-      <p:sp>
-        <p:nvSpPr>
-          <p:cNvPr id="2" name="Title 1">
-            <a:extLst>
-              <a:ext uri="{FF2B5EF4-FFF2-40B4-BE49-F238E27FC236}">
-                <a16:creationId xmlns:a16="http://schemas.microsoft.com/office/drawing/2014/main" id="{6BB89EFA-1C23-D1A8-6368-855CF3192D8B}"/>
-              </a:ext>
-            </a:extLst>
-          </p:cNvPr>
-          <p:cNvSpPr>
-            <a:spLocks noGrp="1"/>
-          </p:cNvSpPr>
-          <p:nvPr>
-            <p:ph type="title"/>
-          </p:nvPr>
-        </p:nvSpPr>
-        <p:spPr/>
-        <p:txBody>
-          <a:bodyPr/>
-          <a:lstStyle/>
-          <a:p>
-            <a:r>
-              <a:rPr lang="en-GB" dirty="0"/>
-              <a:t>Congruential generator</a:t>
-            </a:r>
-          </a:p>
-        </p:txBody>
-      </p:sp>
-      <p:sp>
-        <p:nvSpPr>
-          <p:cNvPr id="6" name="TextBox 5">
-            <a:extLst>
-              <a:ext uri="{FF2B5EF4-FFF2-40B4-BE49-F238E27FC236}">
-                <a16:creationId xmlns:a16="http://schemas.microsoft.com/office/drawing/2014/main" id="{6EE64218-386C-2C06-B9AD-3DF249F93D7E}"/>
-              </a:ext>
-            </a:extLst>
-          </p:cNvPr>
-          <p:cNvSpPr txBox="1"/>
-          <p:nvPr/>
-        </p:nvSpPr>
-        <p:spPr>
-          <a:xfrm>
-            <a:off x="581192" y="2340429"/>
-            <a:ext cx="7543800" cy="4575612"/>
-          </a:xfrm>
-          <a:prstGeom prst="rect">
-            <a:avLst/>
-          </a:prstGeom>
-          <a:noFill/>
-        </p:spPr>
-        <p:txBody>
-          <a:bodyPr wrap="square" rtlCol="0">
-            <a:spAutoFit/>
-          </a:bodyPr>
-          <a:lstStyle/>
-          <a:p>
-            <a:pPr marL="285750" indent="-285750">
-              <a:buFont typeface="Arial" panose="020B0604020202020204" pitchFamily="34" charset="0"/>
-              <a:buChar char="•"/>
-            </a:pPr>
-            <a:r>
-              <a:rPr lang="en-GB" sz="2000" dirty="0"/>
-              <a:t>Uses the formula X</a:t>
-            </a:r>
-            <a:r>
-              <a:rPr lang="en-GB" sz="2000" baseline="-25000" dirty="0"/>
-              <a:t>n+1</a:t>
-            </a:r>
-            <a:r>
-              <a:rPr lang="en-GB" sz="2000" dirty="0"/>
-              <a:t> = </a:t>
-            </a:r>
-            <a:r>
-              <a:rPr lang="en-GB" sz="2000" dirty="0" err="1"/>
-              <a:t>aX</a:t>
-            </a:r>
-            <a:r>
-              <a:rPr lang="en-GB" sz="2000" baseline="-25000" dirty="0" err="1"/>
-              <a:t>n</a:t>
-            </a:r>
-            <a:r>
-              <a:rPr lang="en-GB" sz="2000" dirty="0"/>
-              <a:t> + d (mod m)</a:t>
-            </a:r>
-          </a:p>
-          <a:p>
-            <a:endParaRPr lang="en-GB" sz="2000" dirty="0"/>
-          </a:p>
-          <a:p>
-            <a:r>
-              <a:rPr lang="en-GB" sz="2000" dirty="0">
-                <a:ea typeface="Calibri" panose="020F0502020204030204" pitchFamily="34" charset="0"/>
-                <a:cs typeface="Calibri" panose="020F0502020204030204" pitchFamily="34" charset="0"/>
-              </a:rPr>
-              <a:t>For a full period:</a:t>
-            </a:r>
-          </a:p>
-          <a:p>
-            <a:pPr marL="285750" indent="-285750">
-              <a:buFont typeface="Arial" panose="020B0604020202020204" pitchFamily="34" charset="0"/>
-              <a:buChar char="•"/>
-            </a:pPr>
-            <a:r>
-              <a:rPr lang="en-GB" sz="2000" dirty="0">
-                <a:ea typeface="Calibri" panose="020F0502020204030204" pitchFamily="34" charset="0"/>
-                <a:cs typeface="Calibri" panose="020F0502020204030204" pitchFamily="34" charset="0"/>
-              </a:rPr>
-              <a:t>d and m must be coprime</a:t>
-            </a:r>
-          </a:p>
-          <a:p>
-            <a:pPr marL="285750" indent="-285750">
-              <a:buFont typeface="Arial" panose="020B0604020202020204" pitchFamily="34" charset="0"/>
-              <a:buChar char="•"/>
-            </a:pPr>
-            <a:r>
-              <a:rPr lang="en-GB" sz="2000" dirty="0">
-                <a:ea typeface="Calibri" panose="020F0502020204030204" pitchFamily="34" charset="0"/>
-                <a:cs typeface="Calibri" panose="020F0502020204030204" pitchFamily="34" charset="0"/>
-              </a:rPr>
-              <a:t>a-</a:t>
-            </a:r>
-            <a:r>
-              <a:rPr lang="en-GB" sz="2000" dirty="0">
-                <a:latin typeface="Calibri" panose="020F0502020204030204" pitchFamily="34" charset="0"/>
-                <a:ea typeface="Calibri" panose="020F0502020204030204" pitchFamily="34" charset="0"/>
-                <a:cs typeface="Calibri" panose="020F0502020204030204" pitchFamily="34" charset="0"/>
-              </a:rPr>
-              <a:t>1 </a:t>
-            </a:r>
-            <a:r>
-              <a:rPr lang="en-GB" sz="2000" dirty="0">
-                <a:ea typeface="Calibri" panose="020F0502020204030204" pitchFamily="34" charset="0"/>
-                <a:cs typeface="Calibri" panose="020F0502020204030204" pitchFamily="34" charset="0"/>
-              </a:rPr>
-              <a:t>is divisible by all prime factors of m</a:t>
-            </a:r>
-          </a:p>
-          <a:p>
-            <a:pPr marL="285750" indent="-285750">
-              <a:buFont typeface="Arial" panose="020B0604020202020204" pitchFamily="34" charset="0"/>
-              <a:buChar char="•"/>
-            </a:pPr>
-            <a:r>
-              <a:rPr lang="en-GB" sz="2000" dirty="0">
-                <a:ea typeface="Calibri" panose="020F0502020204030204" pitchFamily="34" charset="0"/>
-                <a:cs typeface="Calibri" panose="020F0502020204030204" pitchFamily="34" charset="0"/>
-              </a:rPr>
-              <a:t>If 4 divides m then </a:t>
-            </a:r>
-            <a:r>
-              <a:rPr lang="en-GB" sz="2000" dirty="0">
-                <a:latin typeface="Calibri" panose="020F0502020204030204" pitchFamily="34" charset="0"/>
-                <a:ea typeface="Calibri" panose="020F0502020204030204" pitchFamily="34" charset="0"/>
-                <a:cs typeface="Calibri" panose="020F0502020204030204" pitchFamily="34" charset="0"/>
-              </a:rPr>
-              <a:t>a-1 </a:t>
-            </a:r>
-            <a:r>
-              <a:rPr lang="en-GB" sz="2000" dirty="0">
-                <a:ea typeface="Calibri" panose="020F0502020204030204" pitchFamily="34" charset="0"/>
-                <a:cs typeface="Calibri" panose="020F0502020204030204" pitchFamily="34" charset="0"/>
-              </a:rPr>
-              <a:t>must also be divisible by 4</a:t>
-            </a:r>
-          </a:p>
-          <a:p>
-            <a:r>
-              <a:rPr lang="en-GB" sz="2000" dirty="0">
-                <a:latin typeface="Calibri" panose="020F0502020204030204" pitchFamily="34" charset="0"/>
-                <a:ea typeface="Calibri" panose="020F0502020204030204" pitchFamily="34" charset="0"/>
-                <a:cs typeface="Calibri" panose="020F0502020204030204" pitchFamily="34" charset="0"/>
-              </a:rPr>
-              <a:t>(Hull-Dobell theorem, 1962)</a:t>
-            </a:r>
-          </a:p>
-          <a:p>
-            <a:endParaRPr lang="en-GB" sz="2000" dirty="0">
-              <a:latin typeface="Calibri" panose="020F0502020204030204" pitchFamily="34" charset="0"/>
-              <a:ea typeface="Calibri" panose="020F0502020204030204" pitchFamily="34" charset="0"/>
-              <a:cs typeface="Calibri" panose="020F0502020204030204" pitchFamily="34" charset="0"/>
-            </a:endParaRPr>
-          </a:p>
-          <a:p>
-            <a:r>
-              <a:rPr lang="en-GB" sz="2000" dirty="0">
-                <a:latin typeface="Calibri" panose="020F0502020204030204" pitchFamily="34" charset="0"/>
-                <a:ea typeface="Calibri" panose="020F0502020204030204" pitchFamily="34" charset="0"/>
-                <a:cs typeface="Calibri" panose="020F0502020204030204" pitchFamily="34" charset="0"/>
-              </a:rPr>
-              <a:t>Generally, we pick a = 1664525, d = 1013904223 and m = 2</a:t>
-            </a:r>
-            <a:r>
-              <a:rPr lang="en-GB" sz="2000" baseline="30000" dirty="0">
-                <a:latin typeface="Calibri" panose="020F0502020204030204" pitchFamily="34" charset="0"/>
-                <a:ea typeface="Calibri" panose="020F0502020204030204" pitchFamily="34" charset="0"/>
-                <a:cs typeface="Calibri" panose="020F0502020204030204" pitchFamily="34" charset="0"/>
-              </a:rPr>
-              <a:t>32</a:t>
-            </a:r>
-          </a:p>
-          <a:p>
-            <a:endParaRPr lang="en-GB" sz="2000" dirty="0">
-              <a:latin typeface="Calibri" panose="020F0502020204030204" pitchFamily="34" charset="0"/>
-              <a:ea typeface="Calibri" panose="020F0502020204030204" pitchFamily="34" charset="0"/>
-              <a:cs typeface="Calibri" panose="020F0502020204030204" pitchFamily="34" charset="0"/>
-            </a:endParaRPr>
-          </a:p>
-          <a:p>
-            <a:endParaRPr lang="en-GB" sz="2000" dirty="0">
-              <a:latin typeface="Calibri" panose="020F0502020204030204" pitchFamily="34" charset="0"/>
-              <a:ea typeface="Calibri" panose="020F0502020204030204" pitchFamily="34" charset="0"/>
-              <a:cs typeface="Calibri" panose="020F0502020204030204" pitchFamily="34" charset="0"/>
-            </a:endParaRPr>
-          </a:p>
-          <a:p>
-            <a:pPr marL="285750" indent="-285750">
-              <a:buFont typeface="Arial" panose="020B0604020202020204" pitchFamily="34" charset="0"/>
-              <a:buChar char="•"/>
-            </a:pPr>
-            <a:endParaRPr lang="en-GB" sz="2000" dirty="0"/>
-          </a:p>
-          <a:p>
-            <a:pPr marL="285750" indent="-285750">
-              <a:buFont typeface="Arial" panose="020B0604020202020204" pitchFamily="34" charset="0"/>
-              <a:buChar char="•"/>
-            </a:pPr>
-            <a:endParaRPr lang="en-GB" sz="2000" dirty="0"/>
-          </a:p>
-          <a:p>
-            <a:endParaRPr lang="en-GB" sz="2000" baseline="-25000" dirty="0"/>
-          </a:p>
-          <a:p>
-            <a:endParaRPr lang="en-GB" sz="2000" dirty="0"/>
-          </a:p>
-        </p:txBody>
-      </p:sp>
-      <p:sp>
-        <p:nvSpPr>
-          <p:cNvPr id="8" name="TextBox 7">
-            <a:extLst>
-              <a:ext uri="{FF2B5EF4-FFF2-40B4-BE49-F238E27FC236}">
-                <a16:creationId xmlns:a16="http://schemas.microsoft.com/office/drawing/2014/main" id="{0642219C-FC40-F473-4AFC-F941550A80F6}"/>
-              </a:ext>
-            </a:extLst>
-          </p:cNvPr>
-          <p:cNvSpPr txBox="1"/>
-          <p:nvPr/>
-        </p:nvSpPr>
-        <p:spPr>
-          <a:xfrm>
-            <a:off x="7147665" y="2688771"/>
-            <a:ext cx="4463143" cy="2113399"/>
-          </a:xfrm>
-          <a:prstGeom prst="rect">
-            <a:avLst/>
-          </a:prstGeom>
-          <a:noFill/>
-        </p:spPr>
-        <p:txBody>
-          <a:bodyPr wrap="square" rtlCol="0">
-            <a:spAutoFit/>
-          </a:bodyPr>
-          <a:lstStyle/>
-          <a:p>
-            <a:r>
-              <a:rPr lang="en-GB" sz="2000" dirty="0"/>
-              <a:t>Reproducible if X</a:t>
-            </a:r>
-            <a:r>
-              <a:rPr lang="en-GB" sz="2000" baseline="-25000" dirty="0"/>
-              <a:t>0 </a:t>
-            </a:r>
-            <a:r>
-              <a:rPr lang="en-GB" sz="2000" dirty="0"/>
-              <a:t>is the same each time, but only producing a pseudorandom result</a:t>
-            </a:r>
-          </a:p>
-          <a:p>
-            <a:endParaRPr lang="en-GB" sz="2000" baseline="-25000" dirty="0"/>
-          </a:p>
-          <a:p>
-            <a:r>
-              <a:rPr lang="en-GB" sz="2000" dirty="0"/>
-              <a:t>Or generate X</a:t>
-            </a:r>
-            <a:r>
-              <a:rPr lang="en-GB" sz="2000" baseline="-25000" dirty="0"/>
-              <a:t>0 </a:t>
-            </a:r>
-            <a:r>
-              <a:rPr lang="en-GB" sz="2000" dirty="0"/>
-              <a:t>randomly for a more effective approach</a:t>
-            </a:r>
-          </a:p>
-          <a:p>
-            <a:endParaRPr lang="en-GB" dirty="0"/>
-          </a:p>
-        </p:txBody>
-      </p:sp>
-    </p:spTree>
-    <p:extLst>
-      <p:ext uri="{BB962C8B-B14F-4D97-AF65-F5344CB8AC3E}">
-        <p14:creationId xmlns:p14="http://schemas.microsoft.com/office/powerpoint/2010/main" val="2395080859"/>
-      </p:ext>
-    </p:extLst>
-  </p:cSld>
-  <p:clrMapOvr>
-    <a:masterClrMapping/>
-  </p:clrMapOvr>
-</p:sld>
-</file>
-
-<file path=ppt/slides/slide9.xml><?xml version="1.0" encoding="utf-8"?>
-<p:sld xmlns:a="http://schemas.openxmlformats.org/drawingml/2006/main" xmlns:r="http://schemas.openxmlformats.org/officeDocument/2006/relationships" xmlns:p="http://schemas.openxmlformats.org/presentationml/2006/main">
-  <p:cSld>
-    <p:spTree>
-      <p:nvGrpSpPr>
-        <p:cNvPr id="1" name=""/>
-        <p:cNvGrpSpPr/>
-        <p:nvPr/>
-      </p:nvGrpSpPr>
-      <p:grpSpPr>
-        <a:xfrm>
-          <a:off x="0" y="0"/>
-          <a:ext cx="0" cy="0"/>
-          <a:chOff x="0" y="0"/>
-          <a:chExt cx="0" cy="0"/>
-        </a:xfrm>
-      </p:grpSpPr>
-      <p:sp>
-        <p:nvSpPr>
-          <p:cNvPr id="2" name="Title 1">
-            <a:extLst>
-              <a:ext uri="{FF2B5EF4-FFF2-40B4-BE49-F238E27FC236}">
-                <a16:creationId xmlns:a16="http://schemas.microsoft.com/office/drawing/2014/main" id="{2A4BE4B0-119C-E10C-0C59-29223EB059AA}"/>
-              </a:ext>
-            </a:extLst>
-          </p:cNvPr>
-          <p:cNvSpPr>
-            <a:spLocks noGrp="1"/>
-          </p:cNvSpPr>
-          <p:nvPr>
-            <p:ph type="title"/>
-          </p:nvPr>
-        </p:nvSpPr>
-        <p:spPr/>
-        <p:txBody>
-          <a:bodyPr/>
-          <a:lstStyle/>
-          <a:p>
-            <a:r>
-              <a:rPr lang="en-GB" dirty="0"/>
-              <a:t>Uniform or LCG?</a:t>
-            </a:r>
-          </a:p>
-        </p:txBody>
-      </p:sp>
-      <p:pic>
-        <p:nvPicPr>
-          <p:cNvPr id="6" name="Picture 5">
-            <a:extLst>
-              <a:ext uri="{FF2B5EF4-FFF2-40B4-BE49-F238E27FC236}">
-                <a16:creationId xmlns:a16="http://schemas.microsoft.com/office/drawing/2014/main" id="{E2EBC8E3-B61C-975E-D009-334FCAB8DAAA}"/>
-              </a:ext>
-            </a:extLst>
-          </p:cNvPr>
-          <p:cNvPicPr>
-            <a:picLocks noChangeAspect="1"/>
-          </p:cNvPicPr>
-          <p:nvPr/>
-        </p:nvPicPr>
-        <p:blipFill>
-          <a:blip r:embed="rId2"/>
-          <a:stretch>
-            <a:fillRect/>
-          </a:stretch>
-        </p:blipFill>
-        <p:spPr>
-          <a:xfrm>
-            <a:off x="4500049" y="1930301"/>
-            <a:ext cx="7110759" cy="4290059"/>
-          </a:xfrm>
-          <a:prstGeom prst="rect">
-            <a:avLst/>
-          </a:prstGeom>
-        </p:spPr>
-      </p:pic>
-      <p:sp>
-        <p:nvSpPr>
-          <p:cNvPr id="7" name="TextBox 6">
-            <a:extLst>
-              <a:ext uri="{FF2B5EF4-FFF2-40B4-BE49-F238E27FC236}">
-                <a16:creationId xmlns:a16="http://schemas.microsoft.com/office/drawing/2014/main" id="{A50A02A0-BE6E-7BC6-D504-8E90003F2848}"/>
-              </a:ext>
-            </a:extLst>
-          </p:cNvPr>
-          <p:cNvSpPr txBox="1"/>
-          <p:nvPr/>
-        </p:nvSpPr>
-        <p:spPr>
-          <a:xfrm>
-            <a:off x="581192" y="3429000"/>
-            <a:ext cx="3918857" cy="1292662"/>
-          </a:xfrm>
-          <a:prstGeom prst="rect">
-            <a:avLst/>
-          </a:prstGeom>
-          <a:noFill/>
-        </p:spPr>
-        <p:txBody>
-          <a:bodyPr wrap="square" rtlCol="0">
-            <a:spAutoFit/>
-          </a:bodyPr>
-          <a:lstStyle/>
-          <a:p>
-            <a:r>
-              <a:rPr lang="en-GB" sz="2000" dirty="0"/>
-              <a:t>Uniform is more accurate across all sample ranges as the LCG plateaus in accuracy past </a:t>
-            </a:r>
-            <a:r>
-              <a:rPr lang="en-GB" sz="2000" dirty="0">
-                <a:latin typeface="Calibri" panose="020F0502020204030204" pitchFamily="34" charset="0"/>
-                <a:ea typeface="Calibri" panose="020F0502020204030204" pitchFamily="34" charset="0"/>
-                <a:cs typeface="Calibri" panose="020F0502020204030204" pitchFamily="34" charset="0"/>
-              </a:rPr>
-              <a:t>1x10</a:t>
-            </a:r>
-            <a:r>
-              <a:rPr lang="en-GB" sz="2000" baseline="30000" dirty="0">
-                <a:latin typeface="Calibri" panose="020F0502020204030204" pitchFamily="34" charset="0"/>
-                <a:ea typeface="Calibri" panose="020F0502020204030204" pitchFamily="34" charset="0"/>
-                <a:cs typeface="Calibri" panose="020F0502020204030204" pitchFamily="34" charset="0"/>
-              </a:rPr>
-              <a:t>5  </a:t>
-            </a:r>
-            <a:endParaRPr lang="en-GB" sz="2000" dirty="0"/>
-          </a:p>
-          <a:p>
-            <a:endParaRPr lang="en-GB" dirty="0"/>
-          </a:p>
-        </p:txBody>
-      </p:sp>
-    </p:spTree>
-    <p:extLst>
-      <p:ext uri="{BB962C8B-B14F-4D97-AF65-F5344CB8AC3E}">
-        <p14:creationId xmlns:p14="http://schemas.microsoft.com/office/powerpoint/2010/main" val="963860202"/>
-      </p:ext>
-    </p:extLst>
-  </p:cSld>
-  <p:clrMapOvr>
-    <a:masterClrMapping/>
-  </p:clrMapOvr>
-</p:sld>
-</file>
-
 <file path=ppt/theme/theme1.xml><?xml version="1.0" encoding="utf-8"?>
 <a:theme xmlns:a="http://schemas.openxmlformats.org/drawingml/2006/main" name="Dividend">
   <a:themeElements>

--- a/presentation.pptx
+++ b/presentation.pptx
@@ -5,7 +5,7 @@
     <p:sldMasterId id="2147483648" r:id="rId1"/>
   </p:sldMasterIdLst>
   <p:notesMasterIdLst>
-    <p:notesMasterId r:id="rId17"/>
+    <p:notesMasterId r:id="rId20"/>
   </p:notesMasterIdLst>
   <p:sldIdLst>
     <p:sldId id="256" r:id="rId2"/>
@@ -13,16 +13,19 @@
     <p:sldId id="257" r:id="rId4"/>
     <p:sldId id="259" r:id="rId5"/>
     <p:sldId id="267" r:id="rId6"/>
-    <p:sldId id="272" r:id="rId7"/>
-    <p:sldId id="273" r:id="rId8"/>
-    <p:sldId id="262" r:id="rId9"/>
-    <p:sldId id="263" r:id="rId10"/>
-    <p:sldId id="260" r:id="rId11"/>
-    <p:sldId id="261" r:id="rId12"/>
-    <p:sldId id="266" r:id="rId13"/>
-    <p:sldId id="268" r:id="rId14"/>
-    <p:sldId id="271" r:id="rId15"/>
-    <p:sldId id="258" r:id="rId16"/>
+    <p:sldId id="264" r:id="rId7"/>
+    <p:sldId id="269" r:id="rId8"/>
+    <p:sldId id="270" r:id="rId9"/>
+    <p:sldId id="272" r:id="rId10"/>
+    <p:sldId id="273" r:id="rId11"/>
+    <p:sldId id="262" r:id="rId12"/>
+    <p:sldId id="263" r:id="rId13"/>
+    <p:sldId id="260" r:id="rId14"/>
+    <p:sldId id="261" r:id="rId15"/>
+    <p:sldId id="266" r:id="rId16"/>
+    <p:sldId id="268" r:id="rId17"/>
+    <p:sldId id="271" r:id="rId18"/>
+    <p:sldId id="258" r:id="rId19"/>
   </p:sldIdLst>
   <p:sldSz cx="12192000" cy="6858000"/>
   <p:notesSz cx="6858000" cy="9144000"/>
@@ -4355,4277 +4358,6 @@
           <p:cNvPr id="2" name="Title 1">
             <a:extLst>
               <a:ext uri="{FF2B5EF4-FFF2-40B4-BE49-F238E27FC236}">
-                <a16:creationId xmlns:a16="http://schemas.microsoft.com/office/drawing/2014/main" id="{950715F0-7BCC-F383-DA4B-6E1964AD73D2}"/>
-              </a:ext>
-            </a:extLst>
-          </p:cNvPr>
-          <p:cNvSpPr>
-            <a:spLocks noGrp="1"/>
-          </p:cNvSpPr>
-          <p:nvPr>
-            <p:ph type="title"/>
-          </p:nvPr>
-        </p:nvSpPr>
-        <p:spPr/>
-        <p:txBody>
-          <a:bodyPr/>
-          <a:lstStyle/>
-          <a:p>
-            <a:r>
-              <a:rPr lang="en-GB" dirty="0"/>
-              <a:t>Monte Carlo Methods in n-dimensions</a:t>
-            </a:r>
-          </a:p>
-        </p:txBody>
-      </p:sp>
-      <mc:AlternateContent xmlns:mc="http://schemas.openxmlformats.org/markup-compatibility/2006" xmlns:a14="http://schemas.microsoft.com/office/drawing/2010/main">
-        <mc:Choice Requires="a14">
-          <p:sp>
-            <p:nvSpPr>
-              <p:cNvPr id="4" name="TextBox 3">
-                <a:extLst>
-                  <a:ext uri="{FF2B5EF4-FFF2-40B4-BE49-F238E27FC236}">
-                    <a16:creationId xmlns:a16="http://schemas.microsoft.com/office/drawing/2014/main" id="{AED4EB44-CD48-22FD-3691-9DC6EB1042F5}"/>
-                  </a:ext>
-                </a:extLst>
-              </p:cNvPr>
-              <p:cNvSpPr txBox="1"/>
-              <p:nvPr/>
-            </p:nvSpPr>
-            <p:spPr>
-              <a:xfrm>
-                <a:off x="685707" y="1940663"/>
-                <a:ext cx="10820586" cy="1754326"/>
-              </a:xfrm>
-              <a:prstGeom prst="rect">
-                <a:avLst/>
-              </a:prstGeom>
-              <a:noFill/>
-            </p:spPr>
-            <p:txBody>
-              <a:bodyPr wrap="square" rtlCol="0">
-                <a:spAutoFit/>
-              </a:bodyPr>
-              <a:lstStyle/>
-              <a:p>
-                <a:r>
-                  <a:rPr lang="en-GB" dirty="0"/>
-                  <a:t>For estimations in higher dimensions, the idea of Monte Carlo methods remains largely the same.</a:t>
-                </a:r>
-              </a:p>
-              <a:p>
-                <a:endParaRPr lang="en-GB" dirty="0"/>
-              </a:p>
-              <a:p>
-                <a:r>
-                  <a:rPr lang="en-GB" dirty="0"/>
-                  <a:t>Here is an example of finding the volume of a </a:t>
-                </a:r>
-                <a:r>
-                  <a:rPr lang="en-GB" i="1" dirty="0"/>
-                  <a:t>ball</a:t>
-                </a:r>
-                <a:r>
-                  <a:rPr lang="en-GB" dirty="0"/>
-                  <a:t> in n-dimensions.</a:t>
-                </a:r>
-              </a:p>
-              <a:p>
-                <a:endParaRPr lang="en-GB" dirty="0"/>
-              </a:p>
-              <a:p>
-                <a:r>
-                  <a:rPr lang="en-GB" dirty="0"/>
-                  <a:t>Consider an n-dimensional </a:t>
-                </a:r>
-                <a:r>
-                  <a:rPr lang="en-GB" i="1" dirty="0"/>
-                  <a:t>ball</a:t>
-                </a:r>
-                <a:r>
-                  <a:rPr lang="en-GB" dirty="0"/>
-                  <a:t> with radius </a:t>
-                </a:r>
-                <a14:m>
-                  <m:oMath xmlns:m="http://schemas.openxmlformats.org/officeDocument/2006/math">
-                    <m:r>
-                      <a:rPr lang="en-GB" b="0" i="1" smtClean="0">
-                        <a:latin typeface="Cambria Math" panose="02040503050406030204" pitchFamily="18" charset="0"/>
-                      </a:rPr>
-                      <m:t>𝑅</m:t>
-                    </m:r>
-                  </m:oMath>
-                </a14:m>
-                <a:r>
-                  <a:rPr lang="en-GB" dirty="0"/>
-                  <a:t> that’s centred at the origin. Enclose the ball in an n-dimensional </a:t>
-                </a:r>
-                <a:r>
-                  <a:rPr lang="en-GB" i="1" dirty="0"/>
-                  <a:t>cube</a:t>
-                </a:r>
-                <a:r>
-                  <a:rPr lang="en-GB" dirty="0"/>
-                  <a:t>, side length </a:t>
-                </a:r>
-                <a14:m>
-                  <m:oMath xmlns:m="http://schemas.openxmlformats.org/officeDocument/2006/math">
-                    <m:r>
-                      <a:rPr lang="en-GB" b="0" i="1" smtClean="0">
-                        <a:latin typeface="Cambria Math" panose="02040503050406030204" pitchFamily="18" charset="0"/>
-                      </a:rPr>
-                      <m:t>2</m:t>
-                    </m:r>
-                    <m:r>
-                      <a:rPr lang="en-GB" b="0" i="1" smtClean="0">
-                        <a:latin typeface="Cambria Math" panose="02040503050406030204" pitchFamily="18" charset="0"/>
-                      </a:rPr>
-                      <m:t>𝑅</m:t>
-                    </m:r>
-                  </m:oMath>
-                </a14:m>
-                <a:r>
-                  <a:rPr lang="en-GB" dirty="0"/>
-                  <a:t>.</a:t>
-                </a:r>
-                <a:endParaRPr lang="en-GB" i="1" dirty="0"/>
-              </a:p>
-            </p:txBody>
-          </p:sp>
-        </mc:Choice>
-        <mc:Fallback xmlns="">
-          <p:sp>
-            <p:nvSpPr>
-              <p:cNvPr id="4" name="TextBox 3">
-                <a:extLst>
-                  <a:ext uri="{FF2B5EF4-FFF2-40B4-BE49-F238E27FC236}">
-                    <a16:creationId xmlns:a16="http://schemas.microsoft.com/office/drawing/2014/main" id="{AED4EB44-CD48-22FD-3691-9DC6EB1042F5}"/>
-                  </a:ext>
-                </a:extLst>
-              </p:cNvPr>
-              <p:cNvSpPr txBox="1">
-                <a:spLocks noRot="1" noChangeAspect="1" noMove="1" noResize="1" noEditPoints="1" noAdjustHandles="1" noChangeArrowheads="1" noChangeShapeType="1" noTextEdit="1"/>
-              </p:cNvSpPr>
-              <p:nvPr/>
-            </p:nvSpPr>
-            <p:spPr>
-              <a:xfrm>
-                <a:off x="685707" y="1940663"/>
-                <a:ext cx="10820586" cy="1754326"/>
-              </a:xfrm>
-              <a:prstGeom prst="rect">
-                <a:avLst/>
-              </a:prstGeom>
-              <a:blipFill>
-                <a:blip r:embed="rId2"/>
-                <a:stretch>
-                  <a:fillRect l="-468" t="-1439" b="-4317"/>
-                </a:stretch>
-              </a:blipFill>
-            </p:spPr>
-            <p:txBody>
-              <a:bodyPr/>
-              <a:lstStyle/>
-              <a:p>
-                <a:r>
-                  <a:rPr lang="en-GB">
-                    <a:noFill/>
-                  </a:rPr>
-                  <a:t> </a:t>
-                </a:r>
-              </a:p>
-            </p:txBody>
-          </p:sp>
-        </mc:Fallback>
-      </mc:AlternateContent>
-      <p:pic>
-        <p:nvPicPr>
-          <p:cNvPr id="6" name="Picture 5">
-            <a:extLst>
-              <a:ext uri="{FF2B5EF4-FFF2-40B4-BE49-F238E27FC236}">
-                <a16:creationId xmlns:a16="http://schemas.microsoft.com/office/drawing/2014/main" id="{12E3782B-F1AB-F0AD-2412-91F7F7F8AEB8}"/>
-              </a:ext>
-            </a:extLst>
-          </p:cNvPr>
-          <p:cNvPicPr>
-            <a:picLocks noChangeAspect="1"/>
-          </p:cNvPicPr>
-          <p:nvPr/>
-        </p:nvPicPr>
-        <p:blipFill>
-          <a:blip r:embed="rId3"/>
-          <a:stretch>
-            <a:fillRect/>
-          </a:stretch>
-        </p:blipFill>
-        <p:spPr>
-          <a:xfrm>
-            <a:off x="4764584" y="3741810"/>
-            <a:ext cx="2662830" cy="2602895"/>
-          </a:xfrm>
-          <a:prstGeom prst="rect">
-            <a:avLst/>
-          </a:prstGeom>
-        </p:spPr>
-      </p:pic>
-      <p:sp>
-        <p:nvSpPr>
-          <p:cNvPr id="8" name="TextBox 7">
-            <a:extLst>
-              <a:ext uri="{FF2B5EF4-FFF2-40B4-BE49-F238E27FC236}">
-                <a16:creationId xmlns:a16="http://schemas.microsoft.com/office/drawing/2014/main" id="{BEA31784-5C27-90B1-B94C-1C770410584C}"/>
-              </a:ext>
-            </a:extLst>
-          </p:cNvPr>
-          <p:cNvSpPr txBox="1"/>
-          <p:nvPr/>
-        </p:nvSpPr>
-        <p:spPr>
-          <a:xfrm>
-            <a:off x="5475962" y="6275433"/>
-            <a:ext cx="1240075" cy="369332"/>
-          </a:xfrm>
-          <a:prstGeom prst="rect">
-            <a:avLst/>
-          </a:prstGeom>
-          <a:noFill/>
-        </p:spPr>
-        <p:txBody>
-          <a:bodyPr wrap="square" rtlCol="0">
-            <a:spAutoFit/>
-          </a:bodyPr>
-          <a:lstStyle/>
-          <a:p>
-            <a:r>
-              <a:rPr lang="en-GB" dirty="0"/>
-              <a:t>Here n = 2</a:t>
-            </a:r>
-          </a:p>
-        </p:txBody>
-      </p:sp>
-      <p:sp>
-        <p:nvSpPr>
-          <p:cNvPr id="9" name="TextBox 8">
-            <a:extLst>
-              <a:ext uri="{FF2B5EF4-FFF2-40B4-BE49-F238E27FC236}">
-                <a16:creationId xmlns:a16="http://schemas.microsoft.com/office/drawing/2014/main" id="{968EA790-8EFE-EBFB-9D22-6801982F424C}"/>
-              </a:ext>
-            </a:extLst>
-          </p:cNvPr>
-          <p:cNvSpPr txBox="1"/>
-          <p:nvPr/>
-        </p:nvSpPr>
-        <p:spPr>
-          <a:xfrm>
-            <a:off x="8815606" y="5144376"/>
-            <a:ext cx="2795202" cy="1200329"/>
-          </a:xfrm>
-          <a:prstGeom prst="rect">
-            <a:avLst/>
-          </a:prstGeom>
-          <a:noFill/>
-        </p:spPr>
-        <p:txBody>
-          <a:bodyPr wrap="square" rtlCol="0">
-            <a:spAutoFit/>
-          </a:bodyPr>
-          <a:lstStyle/>
-          <a:p>
-            <a:r>
-              <a:rPr lang="en-GB" dirty="0"/>
-              <a:t>Note: </a:t>
-            </a:r>
-            <a:r>
-              <a:rPr lang="en-GB" i="1" dirty="0"/>
-              <a:t>cube </a:t>
-            </a:r>
-            <a:r>
-              <a:rPr lang="en-GB" dirty="0"/>
-              <a:t>and </a:t>
-            </a:r>
-            <a:r>
-              <a:rPr lang="en-GB" i="1" dirty="0"/>
-              <a:t>ball</a:t>
-            </a:r>
-            <a:r>
-              <a:rPr lang="en-GB" dirty="0"/>
-              <a:t> are italicised as notion of a ball in dimensions higher than 3 is very difficult to grasp.</a:t>
-            </a:r>
-          </a:p>
-        </p:txBody>
-      </p:sp>
-    </p:spTree>
-    <p:extLst>
-      <p:ext uri="{BB962C8B-B14F-4D97-AF65-F5344CB8AC3E}">
-        <p14:creationId xmlns:p14="http://schemas.microsoft.com/office/powerpoint/2010/main" val="1363728379"/>
-      </p:ext>
-    </p:extLst>
-  </p:cSld>
-  <p:clrMapOvr>
-    <a:masterClrMapping/>
-  </p:clrMapOvr>
-</p:sld>
-</file>
-
-<file path=ppt/slides/slide11.xml><?xml version="1.0" encoding="utf-8"?>
-<p:sld xmlns:a="http://schemas.openxmlformats.org/drawingml/2006/main" xmlns:r="http://schemas.openxmlformats.org/officeDocument/2006/relationships" xmlns:p="http://schemas.openxmlformats.org/presentationml/2006/main">
-  <p:cSld>
-    <p:spTree>
-      <p:nvGrpSpPr>
-        <p:cNvPr id="1" name="">
-          <a:extLst>
-            <a:ext uri="{FF2B5EF4-FFF2-40B4-BE49-F238E27FC236}">
-              <a16:creationId xmlns:a16="http://schemas.microsoft.com/office/drawing/2014/main" id="{A64AEAF4-BF20-AE3F-65E7-B95E27810411}"/>
-            </a:ext>
-          </a:extLst>
-        </p:cNvPr>
-        <p:cNvGrpSpPr/>
-        <p:nvPr/>
-      </p:nvGrpSpPr>
-      <p:grpSpPr>
-        <a:xfrm>
-          <a:off x="0" y="0"/>
-          <a:ext cx="0" cy="0"/>
-          <a:chOff x="0" y="0"/>
-          <a:chExt cx="0" cy="0"/>
-        </a:xfrm>
-      </p:grpSpPr>
-      <p:sp>
-        <p:nvSpPr>
-          <p:cNvPr id="2" name="Title 1">
-            <a:extLst>
-              <a:ext uri="{FF2B5EF4-FFF2-40B4-BE49-F238E27FC236}">
-                <a16:creationId xmlns:a16="http://schemas.microsoft.com/office/drawing/2014/main" id="{6AA4D43F-0290-458E-463A-57B21FCE56EE}"/>
-              </a:ext>
-            </a:extLst>
-          </p:cNvPr>
-          <p:cNvSpPr>
-            <a:spLocks noGrp="1"/>
-          </p:cNvSpPr>
-          <p:nvPr>
-            <p:ph type="title"/>
-          </p:nvPr>
-        </p:nvSpPr>
-        <p:spPr/>
-        <p:txBody>
-          <a:bodyPr/>
-          <a:lstStyle/>
-          <a:p>
-            <a:r>
-              <a:rPr lang="en-GB" dirty="0"/>
-              <a:t>Monte Carlo Methods in n-dimensions</a:t>
-            </a:r>
-          </a:p>
-        </p:txBody>
-      </p:sp>
-      <mc:AlternateContent xmlns:mc="http://schemas.openxmlformats.org/markup-compatibility/2006" xmlns:a14="http://schemas.microsoft.com/office/drawing/2010/main">
-        <mc:Choice Requires="a14">
-          <p:sp>
-            <p:nvSpPr>
-              <p:cNvPr id="4" name="TextBox 3">
-                <a:extLst>
-                  <a:ext uri="{FF2B5EF4-FFF2-40B4-BE49-F238E27FC236}">
-                    <a16:creationId xmlns:a16="http://schemas.microsoft.com/office/drawing/2014/main" id="{1B5471C6-178E-18EC-31C1-DECAD7197EF2}"/>
-                  </a:ext>
-                </a:extLst>
-              </p:cNvPr>
-              <p:cNvSpPr txBox="1"/>
-              <p:nvPr/>
-            </p:nvSpPr>
-            <p:spPr>
-              <a:xfrm>
-                <a:off x="685707" y="1940663"/>
-                <a:ext cx="10820586" cy="2311530"/>
-              </a:xfrm>
-              <a:prstGeom prst="rect">
-                <a:avLst/>
-              </a:prstGeom>
-              <a:noFill/>
-            </p:spPr>
-            <p:txBody>
-              <a:bodyPr wrap="square" rtlCol="0">
-                <a:spAutoFit/>
-              </a:bodyPr>
-              <a:lstStyle/>
-              <a:p>
-                <a:r>
-                  <a:rPr lang="en-GB" dirty="0"/>
-                  <a:t>For each dimension in the n-dimensional space, generate a coordinate </a:t>
-                </a:r>
-                <a14:m>
-                  <m:oMath xmlns:m="http://schemas.openxmlformats.org/officeDocument/2006/math">
-                    <m:sSub>
-                      <m:sSubPr>
-                        <m:ctrlPr>
-                          <a:rPr lang="en-GB" i="1" smtClean="0">
-                            <a:latin typeface="Cambria Math" panose="02040503050406030204" pitchFamily="18" charset="0"/>
-                          </a:rPr>
-                        </m:ctrlPr>
-                      </m:sSubPr>
-                      <m:e>
-                        <m:r>
-                          <a:rPr lang="en-GB" b="0" i="1" smtClean="0">
-                            <a:latin typeface="Cambria Math" panose="02040503050406030204" pitchFamily="18" charset="0"/>
-                          </a:rPr>
-                          <m:t>𝑋</m:t>
-                        </m:r>
-                      </m:e>
-                      <m:sub>
-                        <m:r>
-                          <a:rPr lang="en-GB" b="0" i="1" smtClean="0">
-                            <a:latin typeface="Cambria Math" panose="02040503050406030204" pitchFamily="18" charset="0"/>
-                          </a:rPr>
-                          <m:t>𝑖</m:t>
-                        </m:r>
-                      </m:sub>
-                    </m:sSub>
-                  </m:oMath>
-                </a14:m>
-                <a:r>
-                  <a:rPr lang="en-GB" dirty="0"/>
-                  <a:t> from a Uniform[-R, R] distribution.</a:t>
-                </a:r>
-              </a:p>
-              <a:p>
-                <a:r>
-                  <a:rPr lang="en-GB" dirty="0"/>
-                  <a:t>This will give u a random point </a:t>
-                </a:r>
-                <a14:m>
-                  <m:oMath xmlns:m="http://schemas.openxmlformats.org/officeDocument/2006/math">
-                    <m:sSub>
-                      <m:sSubPr>
-                        <m:ctrlPr>
-                          <a:rPr lang="en-GB" i="1" smtClean="0">
-                            <a:latin typeface="Cambria Math" panose="02040503050406030204" pitchFamily="18" charset="0"/>
-                          </a:rPr>
-                        </m:ctrlPr>
-                      </m:sSubPr>
-                      <m:e>
-                        <m:r>
-                          <a:rPr lang="en-GB" b="0" i="1" smtClean="0">
-                            <a:latin typeface="Cambria Math" panose="02040503050406030204" pitchFamily="18" charset="0"/>
-                          </a:rPr>
-                          <m:t>𝑃</m:t>
-                        </m:r>
-                      </m:e>
-                      <m:sub>
-                        <m:r>
-                          <a:rPr lang="en-GB" b="0" i="1" smtClean="0">
-                            <a:latin typeface="Cambria Math" panose="02040503050406030204" pitchFamily="18" charset="0"/>
-                          </a:rPr>
-                          <m:t>𝑖</m:t>
-                        </m:r>
-                      </m:sub>
-                    </m:sSub>
-                    <m:r>
-                      <a:rPr lang="en-GB" b="0" i="1" smtClean="0">
-                        <a:latin typeface="Cambria Math" panose="02040503050406030204" pitchFamily="18" charset="0"/>
-                      </a:rPr>
-                      <m:t>=(</m:t>
-                    </m:r>
-                    <m:sSub>
-                      <m:sSubPr>
-                        <m:ctrlPr>
-                          <a:rPr lang="en-GB" b="0" i="1" smtClean="0">
-                            <a:latin typeface="Cambria Math" panose="02040503050406030204" pitchFamily="18" charset="0"/>
-                          </a:rPr>
-                        </m:ctrlPr>
-                      </m:sSubPr>
-                      <m:e>
-                        <m:r>
-                          <a:rPr lang="en-GB" b="0" i="1" smtClean="0">
-                            <a:latin typeface="Cambria Math" panose="02040503050406030204" pitchFamily="18" charset="0"/>
-                          </a:rPr>
-                          <m:t>𝑋</m:t>
-                        </m:r>
-                      </m:e>
-                      <m:sub>
-                        <m:r>
-                          <a:rPr lang="en-GB" b="0" i="1" smtClean="0">
-                            <a:latin typeface="Cambria Math" panose="02040503050406030204" pitchFamily="18" charset="0"/>
-                          </a:rPr>
-                          <m:t>1</m:t>
-                        </m:r>
-                      </m:sub>
-                    </m:sSub>
-                    <m:r>
-                      <a:rPr lang="en-GB" b="0" i="1" smtClean="0">
-                        <a:latin typeface="Cambria Math" panose="02040503050406030204" pitchFamily="18" charset="0"/>
-                      </a:rPr>
-                      <m:t>,…,</m:t>
-                    </m:r>
-                    <m:sSub>
-                      <m:sSubPr>
-                        <m:ctrlPr>
-                          <a:rPr lang="en-GB" b="0" i="1" smtClean="0">
-                            <a:latin typeface="Cambria Math" panose="02040503050406030204" pitchFamily="18" charset="0"/>
-                          </a:rPr>
-                        </m:ctrlPr>
-                      </m:sSubPr>
-                      <m:e>
-                        <m:r>
-                          <a:rPr lang="en-GB" b="0" i="1" smtClean="0">
-                            <a:latin typeface="Cambria Math" panose="02040503050406030204" pitchFamily="18" charset="0"/>
-                          </a:rPr>
-                          <m:t>𝑋</m:t>
-                        </m:r>
-                      </m:e>
-                      <m:sub>
-                        <m:r>
-                          <a:rPr lang="en-GB" b="0" i="1" smtClean="0">
-                            <a:latin typeface="Cambria Math" panose="02040503050406030204" pitchFamily="18" charset="0"/>
-                          </a:rPr>
-                          <m:t>𝑛</m:t>
-                        </m:r>
-                      </m:sub>
-                    </m:sSub>
-                    <m:r>
-                      <a:rPr lang="en-GB" b="0" i="1" smtClean="0">
-                        <a:latin typeface="Cambria Math" panose="02040503050406030204" pitchFamily="18" charset="0"/>
-                      </a:rPr>
-                      <m:t>)</m:t>
-                    </m:r>
-                  </m:oMath>
-                </a14:m>
-                <a:r>
-                  <a:rPr lang="en-GB" dirty="0"/>
-                  <a:t> inside the n-dimensional </a:t>
-                </a:r>
-                <a:r>
-                  <a:rPr lang="en-GB" i="1" dirty="0"/>
-                  <a:t>cube</a:t>
-                </a:r>
-                <a:r>
-                  <a:rPr lang="en-GB" dirty="0"/>
-                  <a:t>.</a:t>
-                </a:r>
-              </a:p>
-              <a:p>
-                <a:endParaRPr lang="en-GB" b="1" dirty="0"/>
-              </a:p>
-              <a:p>
-                <a14:m>
-                  <m:oMath xmlns:m="http://schemas.openxmlformats.org/officeDocument/2006/math">
-                    <m:sSub>
-                      <m:sSubPr>
-                        <m:ctrlPr>
-                          <a:rPr lang="en-GB" i="1" smtClean="0">
-                            <a:latin typeface="Cambria Math" panose="02040503050406030204" pitchFamily="18" charset="0"/>
-                          </a:rPr>
-                        </m:ctrlPr>
-                      </m:sSubPr>
-                      <m:e>
-                        <m:r>
-                          <a:rPr lang="en-GB" b="0" i="1" smtClean="0">
-                            <a:latin typeface="Cambria Math" panose="02040503050406030204" pitchFamily="18" charset="0"/>
-                          </a:rPr>
-                          <m:t>𝑃</m:t>
-                        </m:r>
-                      </m:e>
-                      <m:sub>
-                        <m:r>
-                          <a:rPr lang="en-GB" b="0" i="1" smtClean="0">
-                            <a:latin typeface="Cambria Math" panose="02040503050406030204" pitchFamily="18" charset="0"/>
-                          </a:rPr>
-                          <m:t>𝑖</m:t>
-                        </m:r>
-                      </m:sub>
-                    </m:sSub>
-                  </m:oMath>
-                </a14:m>
-                <a:r>
-                  <a:rPr lang="en-GB" dirty="0"/>
-                  <a:t> will lie within the </a:t>
-                </a:r>
-                <a:r>
-                  <a:rPr lang="en-GB" i="1" dirty="0"/>
-                  <a:t>ball </a:t>
-                </a:r>
-                <a:r>
-                  <a:rPr lang="en-GB" dirty="0"/>
-                  <a:t>if </a:t>
-                </a:r>
-                <a14:m>
-                  <m:oMath xmlns:m="http://schemas.openxmlformats.org/officeDocument/2006/math">
-                    <m:sSub>
-                      <m:sSubPr>
-                        <m:ctrlPr>
-                          <a:rPr lang="en-GB" b="0" i="1" smtClean="0">
-                            <a:latin typeface="Cambria Math" panose="02040503050406030204" pitchFamily="18" charset="0"/>
-                          </a:rPr>
-                        </m:ctrlPr>
-                      </m:sSubPr>
-                      <m:e>
-                        <m:r>
-                          <a:rPr lang="en-GB" b="0" i="1" smtClean="0">
-                            <a:latin typeface="Cambria Math" panose="02040503050406030204" pitchFamily="18" charset="0"/>
-                          </a:rPr>
-                          <m:t>𝑃</m:t>
-                        </m:r>
-                      </m:e>
-                      <m:sub>
-                        <m:r>
-                          <a:rPr lang="en-GB" b="0" i="1" smtClean="0">
-                            <a:latin typeface="Cambria Math" panose="02040503050406030204" pitchFamily="18" charset="0"/>
-                          </a:rPr>
-                          <m:t>𝑖</m:t>
-                        </m:r>
-                      </m:sub>
-                    </m:sSub>
-                    <m:r>
-                      <a:rPr lang="en-GB" b="0" i="1" smtClean="0">
-                        <a:latin typeface="Cambria Math" panose="02040503050406030204" pitchFamily="18" charset="0"/>
-                        <a:ea typeface="Cambria Math" panose="02040503050406030204" pitchFamily="18" charset="0"/>
-                      </a:rPr>
-                      <m:t>∙</m:t>
-                    </m:r>
-                    <m:sSub>
-                      <m:sSubPr>
-                        <m:ctrlPr>
-                          <a:rPr lang="en-GB" b="0" i="1" smtClean="0">
-                            <a:latin typeface="Cambria Math" panose="02040503050406030204" pitchFamily="18" charset="0"/>
-                            <a:ea typeface="Cambria Math" panose="02040503050406030204" pitchFamily="18" charset="0"/>
-                          </a:rPr>
-                        </m:ctrlPr>
-                      </m:sSubPr>
-                      <m:e>
-                        <m:r>
-                          <a:rPr lang="en-GB" b="0" i="1" smtClean="0">
-                            <a:latin typeface="Cambria Math" panose="02040503050406030204" pitchFamily="18" charset="0"/>
-                            <a:ea typeface="Cambria Math" panose="02040503050406030204" pitchFamily="18" charset="0"/>
-                          </a:rPr>
-                          <m:t>𝑃</m:t>
-                        </m:r>
-                      </m:e>
-                      <m:sub>
-                        <m:r>
-                          <a:rPr lang="en-GB" b="0" i="1" smtClean="0">
-                            <a:latin typeface="Cambria Math" panose="02040503050406030204" pitchFamily="18" charset="0"/>
-                            <a:ea typeface="Cambria Math" panose="02040503050406030204" pitchFamily="18" charset="0"/>
-                          </a:rPr>
-                          <m:t>𝑖</m:t>
-                        </m:r>
-                      </m:sub>
-                    </m:sSub>
-                    <m:r>
-                      <a:rPr lang="en-GB" b="0" i="1" smtClean="0">
-                        <a:latin typeface="Cambria Math" panose="02040503050406030204" pitchFamily="18" charset="0"/>
-                        <a:ea typeface="Cambria Math" panose="02040503050406030204" pitchFamily="18" charset="0"/>
-                      </a:rPr>
-                      <m:t>= </m:t>
-                    </m:r>
-                    <m:sSubSup>
-                      <m:sSubSupPr>
-                        <m:ctrlPr>
-                          <a:rPr lang="en-GB" b="0" i="1" smtClean="0">
-                            <a:latin typeface="Cambria Math" panose="02040503050406030204" pitchFamily="18" charset="0"/>
-                            <a:ea typeface="Cambria Math" panose="02040503050406030204" pitchFamily="18" charset="0"/>
-                          </a:rPr>
-                        </m:ctrlPr>
-                      </m:sSubSupPr>
-                      <m:e>
-                        <m:r>
-                          <a:rPr lang="en-GB" b="0" i="1" smtClean="0">
-                            <a:latin typeface="Cambria Math" panose="02040503050406030204" pitchFamily="18" charset="0"/>
-                            <a:ea typeface="Cambria Math" panose="02040503050406030204" pitchFamily="18" charset="0"/>
-                          </a:rPr>
-                          <m:t>𝑋</m:t>
-                        </m:r>
-                      </m:e>
-                      <m:sub>
-                        <m:r>
-                          <a:rPr lang="en-GB" b="0" i="1" smtClean="0">
-                            <a:latin typeface="Cambria Math" panose="02040503050406030204" pitchFamily="18" charset="0"/>
-                            <a:ea typeface="Cambria Math" panose="02040503050406030204" pitchFamily="18" charset="0"/>
-                          </a:rPr>
-                          <m:t>1</m:t>
-                        </m:r>
-                      </m:sub>
-                      <m:sup>
-                        <m:r>
-                          <a:rPr lang="en-GB" b="0" i="1" smtClean="0">
-                            <a:latin typeface="Cambria Math" panose="02040503050406030204" pitchFamily="18" charset="0"/>
-                            <a:ea typeface="Cambria Math" panose="02040503050406030204" pitchFamily="18" charset="0"/>
-                          </a:rPr>
-                          <m:t>2</m:t>
-                        </m:r>
-                      </m:sup>
-                    </m:sSubSup>
-                    <m:r>
-                      <a:rPr lang="en-GB" b="0" i="1" smtClean="0">
-                        <a:latin typeface="Cambria Math" panose="02040503050406030204" pitchFamily="18" charset="0"/>
-                        <a:ea typeface="Cambria Math" panose="02040503050406030204" pitchFamily="18" charset="0"/>
-                      </a:rPr>
-                      <m:t>+…+ </m:t>
-                    </m:r>
-                    <m:sSubSup>
-                      <m:sSubSupPr>
-                        <m:ctrlPr>
-                          <a:rPr lang="en-GB" b="0" i="1" smtClean="0">
-                            <a:latin typeface="Cambria Math" panose="02040503050406030204" pitchFamily="18" charset="0"/>
-                            <a:ea typeface="Cambria Math" panose="02040503050406030204" pitchFamily="18" charset="0"/>
-                          </a:rPr>
-                        </m:ctrlPr>
-                      </m:sSubSupPr>
-                      <m:e>
-                        <m:r>
-                          <a:rPr lang="en-GB" b="0" i="1" smtClean="0">
-                            <a:latin typeface="Cambria Math" panose="02040503050406030204" pitchFamily="18" charset="0"/>
-                            <a:ea typeface="Cambria Math" panose="02040503050406030204" pitchFamily="18" charset="0"/>
-                          </a:rPr>
-                          <m:t>𝑋</m:t>
-                        </m:r>
-                      </m:e>
-                      <m:sub>
-                        <m:r>
-                          <a:rPr lang="en-GB" b="0" i="1" smtClean="0">
-                            <a:latin typeface="Cambria Math" panose="02040503050406030204" pitchFamily="18" charset="0"/>
-                            <a:ea typeface="Cambria Math" panose="02040503050406030204" pitchFamily="18" charset="0"/>
-                          </a:rPr>
-                          <m:t>𝑛</m:t>
-                        </m:r>
-                      </m:sub>
-                      <m:sup>
-                        <m:r>
-                          <a:rPr lang="en-GB" b="0" i="1" smtClean="0">
-                            <a:latin typeface="Cambria Math" panose="02040503050406030204" pitchFamily="18" charset="0"/>
-                            <a:ea typeface="Cambria Math" panose="02040503050406030204" pitchFamily="18" charset="0"/>
-                          </a:rPr>
-                          <m:t>2</m:t>
-                        </m:r>
-                      </m:sup>
-                    </m:sSubSup>
-                    <m:r>
-                      <a:rPr lang="en-GB" b="0" i="1" smtClean="0">
-                        <a:latin typeface="Cambria Math" panose="02040503050406030204" pitchFamily="18" charset="0"/>
-                        <a:ea typeface="Cambria Math" panose="02040503050406030204" pitchFamily="18" charset="0"/>
-                      </a:rPr>
-                      <m:t>≤</m:t>
-                    </m:r>
-                    <m:sSup>
-                      <m:sSupPr>
-                        <m:ctrlPr>
-                          <a:rPr lang="en-GB" b="0" i="1" smtClean="0">
-                            <a:latin typeface="Cambria Math" panose="02040503050406030204" pitchFamily="18" charset="0"/>
-                            <a:ea typeface="Cambria Math" panose="02040503050406030204" pitchFamily="18" charset="0"/>
-                          </a:rPr>
-                        </m:ctrlPr>
-                      </m:sSupPr>
-                      <m:e>
-                        <m:r>
-                          <a:rPr lang="en-GB" b="0" i="1" smtClean="0">
-                            <a:latin typeface="Cambria Math" panose="02040503050406030204" pitchFamily="18" charset="0"/>
-                            <a:ea typeface="Cambria Math" panose="02040503050406030204" pitchFamily="18" charset="0"/>
-                          </a:rPr>
-                          <m:t>𝑅</m:t>
-                        </m:r>
-                      </m:e>
-                      <m:sup>
-                        <m:r>
-                          <a:rPr lang="en-GB" b="0" i="1" smtClean="0">
-                            <a:latin typeface="Cambria Math" panose="02040503050406030204" pitchFamily="18" charset="0"/>
-                            <a:ea typeface="Cambria Math" panose="02040503050406030204" pitchFamily="18" charset="0"/>
-                          </a:rPr>
-                          <m:t>2</m:t>
-                        </m:r>
-                      </m:sup>
-                    </m:sSup>
-                  </m:oMath>
-                </a14:m>
-                <a:endParaRPr lang="en-GB" dirty="0"/>
-              </a:p>
-              <a:p>
-                <a:endParaRPr lang="en-GB" dirty="0"/>
-              </a:p>
-              <a:p>
-                <a:r>
-                  <a:rPr lang="en-GB" dirty="0"/>
-                  <a:t>Repeat for a desired number of samples.</a:t>
-                </a:r>
-              </a:p>
-              <a:p>
-                <a:endParaRPr lang="en-GB" dirty="0"/>
-              </a:p>
-              <a:p>
-                <a:r>
-                  <a:rPr lang="en-GB" dirty="0"/>
-                  <a:t>Then, we can calculate the </a:t>
-                </a:r>
-                <a:r>
-                  <a:rPr lang="en-GB" i="1" dirty="0"/>
-                  <a:t>volume </a:t>
-                </a:r>
-                <a:r>
-                  <a:rPr lang="en-GB" dirty="0"/>
-                  <a:t>of the </a:t>
-                </a:r>
-                <a:r>
-                  <a:rPr lang="en-GB" i="1" dirty="0"/>
-                  <a:t>ball</a:t>
-                </a:r>
-                <a:r>
-                  <a:rPr lang="en-GB" dirty="0"/>
-                  <a:t> to be</a:t>
-                </a:r>
-              </a:p>
-            </p:txBody>
-          </p:sp>
-        </mc:Choice>
-        <mc:Fallback xmlns="">
-          <p:sp>
-            <p:nvSpPr>
-              <p:cNvPr id="4" name="TextBox 3">
-                <a:extLst>
-                  <a:ext uri="{FF2B5EF4-FFF2-40B4-BE49-F238E27FC236}">
-                    <a16:creationId xmlns:a16="http://schemas.microsoft.com/office/drawing/2014/main" id="{1B5471C6-178E-18EC-31C1-DECAD7197EF2}"/>
-                  </a:ext>
-                </a:extLst>
-              </p:cNvPr>
-              <p:cNvSpPr txBox="1">
-                <a:spLocks noRot="1" noChangeAspect="1" noMove="1" noResize="1" noEditPoints="1" noAdjustHandles="1" noChangeArrowheads="1" noChangeShapeType="1" noTextEdit="1"/>
-              </p:cNvSpPr>
-              <p:nvPr/>
-            </p:nvSpPr>
-            <p:spPr>
-              <a:xfrm>
-                <a:off x="685707" y="1940663"/>
-                <a:ext cx="10820586" cy="2311530"/>
-              </a:xfrm>
-              <a:prstGeom prst="rect">
-                <a:avLst/>
-              </a:prstGeom>
-              <a:blipFill>
-                <a:blip r:embed="rId2"/>
-                <a:stretch>
-                  <a:fillRect l="-468" t="-1087" b="-2717"/>
-                </a:stretch>
-              </a:blipFill>
-            </p:spPr>
-            <p:txBody>
-              <a:bodyPr/>
-              <a:lstStyle/>
-              <a:p>
-                <a:r>
-                  <a:rPr lang="en-GB">
-                    <a:noFill/>
-                  </a:rPr>
-                  <a:t> </a:t>
-                </a:r>
-              </a:p>
-            </p:txBody>
-          </p:sp>
-        </mc:Fallback>
-      </mc:AlternateContent>
-      <mc:AlternateContent xmlns:mc="http://schemas.openxmlformats.org/markup-compatibility/2006" xmlns:a14="http://schemas.microsoft.com/office/drawing/2010/main">
-        <mc:Choice Requires="a14">
-          <p:sp>
-            <p:nvSpPr>
-              <p:cNvPr id="3" name="TextBox 2">
-                <a:extLst>
-                  <a:ext uri="{FF2B5EF4-FFF2-40B4-BE49-F238E27FC236}">
-                    <a16:creationId xmlns:a16="http://schemas.microsoft.com/office/drawing/2014/main" id="{B13CD261-80F4-C242-0096-2469434E6F45}"/>
-                  </a:ext>
-                </a:extLst>
-              </p:cNvPr>
-              <p:cNvSpPr txBox="1"/>
-              <p:nvPr/>
-            </p:nvSpPr>
-            <p:spPr>
-              <a:xfrm>
-                <a:off x="3546763" y="4266047"/>
-                <a:ext cx="5098473" cy="524759"/>
-              </a:xfrm>
-              <a:prstGeom prst="rect">
-                <a:avLst/>
-              </a:prstGeom>
-              <a:noFill/>
-            </p:spPr>
-            <p:txBody>
-              <a:bodyPr wrap="square" lIns="0" tIns="0" rIns="0" bIns="0" rtlCol="0">
-                <a:spAutoFit/>
-              </a:bodyPr>
-              <a:lstStyle/>
-              <a:p>
-                <a:pPr/>
-                <a14:m>
-                  <m:oMathPara xmlns:m="http://schemas.openxmlformats.org/officeDocument/2006/math">
-                    <m:oMathParaPr>
-                      <m:jc m:val="centerGroup"/>
-                    </m:oMathParaPr>
-                    <m:oMath xmlns:m="http://schemas.openxmlformats.org/officeDocument/2006/math">
-                      <m:sSub>
-                        <m:sSubPr>
-                          <m:ctrlPr>
-                            <a:rPr lang="en-GB" i="1" smtClean="0">
-                              <a:latin typeface="Cambria Math" panose="02040503050406030204" pitchFamily="18" charset="0"/>
-                            </a:rPr>
-                          </m:ctrlPr>
-                        </m:sSubPr>
-                        <m:e>
-                          <m:r>
-                            <a:rPr lang="en-GB" b="0" i="1" smtClean="0">
-                              <a:latin typeface="Cambria Math" panose="02040503050406030204" pitchFamily="18" charset="0"/>
-                            </a:rPr>
-                            <m:t>𝑉</m:t>
-                          </m:r>
-                        </m:e>
-                        <m:sub>
-                          <m:r>
-                            <m:rPr>
-                              <m:nor/>
-                            </m:rPr>
-                            <a:rPr lang="en-GB" b="0" i="0" smtClean="0">
-                              <a:latin typeface="Cambria Math" panose="02040503050406030204" pitchFamily="18" charset="0"/>
-                            </a:rPr>
-                            <m:t>ball</m:t>
-                          </m:r>
-                        </m:sub>
-                      </m:sSub>
-                      <m:r>
-                        <a:rPr lang="en-GB" b="0" i="1" smtClean="0">
-                          <a:latin typeface="Cambria Math" panose="02040503050406030204" pitchFamily="18" charset="0"/>
-                        </a:rPr>
-                        <m:t>=</m:t>
-                      </m:r>
-                      <m:sSup>
-                        <m:sSupPr>
-                          <m:ctrlPr>
-                            <a:rPr lang="en-GB" b="0" i="1" smtClean="0">
-                              <a:latin typeface="Cambria Math" panose="02040503050406030204" pitchFamily="18" charset="0"/>
-                            </a:rPr>
-                          </m:ctrlPr>
-                        </m:sSupPr>
-                        <m:e>
-                          <m:r>
-                            <a:rPr lang="en-GB" b="0" i="1" smtClean="0">
-                              <a:latin typeface="Cambria Math" panose="02040503050406030204" pitchFamily="18" charset="0"/>
-                            </a:rPr>
-                            <m:t>(2</m:t>
-                          </m:r>
-                          <m:r>
-                            <a:rPr lang="en-GB" b="0" i="1" smtClean="0">
-                              <a:latin typeface="Cambria Math" panose="02040503050406030204" pitchFamily="18" charset="0"/>
-                            </a:rPr>
-                            <m:t>𝑅</m:t>
-                          </m:r>
-                          <m:r>
-                            <a:rPr lang="en-GB" b="0" i="1" smtClean="0">
-                              <a:latin typeface="Cambria Math" panose="02040503050406030204" pitchFamily="18" charset="0"/>
-                            </a:rPr>
-                            <m:t>)</m:t>
-                          </m:r>
-                        </m:e>
-                        <m:sup>
-                          <m:r>
-                            <a:rPr lang="en-GB" b="0" i="1" smtClean="0">
-                              <a:latin typeface="Cambria Math" panose="02040503050406030204" pitchFamily="18" charset="0"/>
-                            </a:rPr>
-                            <m:t>𝑛</m:t>
-                          </m:r>
-                        </m:sup>
-                      </m:sSup>
-                      <m:f>
-                        <m:fPr>
-                          <m:ctrlPr>
-                            <a:rPr lang="en-GB" b="0" i="1" smtClean="0">
-                              <a:latin typeface="Cambria Math" panose="02040503050406030204" pitchFamily="18" charset="0"/>
-                            </a:rPr>
-                          </m:ctrlPr>
-                        </m:fPr>
-                        <m:num>
-                          <m:r>
-                            <m:rPr>
-                              <m:nor/>
-                            </m:rPr>
-                            <a:rPr lang="en-GB" b="0" i="0" smtClean="0">
-                              <a:latin typeface="Cambria Math" panose="02040503050406030204" pitchFamily="18" charset="0"/>
-                            </a:rPr>
-                            <m:t># </m:t>
-                          </m:r>
-                          <m:r>
-                            <m:rPr>
-                              <m:nor/>
-                            </m:rPr>
-                            <a:rPr lang="en-GB" b="0" i="0" smtClean="0">
-                              <a:latin typeface="Cambria Math" panose="02040503050406030204" pitchFamily="18" charset="0"/>
-                            </a:rPr>
-                            <m:t>of</m:t>
-                          </m:r>
-                          <m:r>
-                            <m:rPr>
-                              <m:nor/>
-                            </m:rPr>
-                            <a:rPr lang="en-GB" b="0" i="0" smtClean="0">
-                              <a:latin typeface="Cambria Math" panose="02040503050406030204" pitchFamily="18" charset="0"/>
-                            </a:rPr>
-                            <m:t> </m:t>
-                          </m:r>
-                          <m:sSub>
-                            <m:sSubPr>
-                              <m:ctrlPr>
-                                <a:rPr lang="en-GB" b="0" i="1" smtClean="0">
-                                  <a:latin typeface="Cambria Math" panose="02040503050406030204" pitchFamily="18" charset="0"/>
-                                </a:rPr>
-                              </m:ctrlPr>
-                            </m:sSubPr>
-                            <m:e>
-                              <m:r>
-                                <a:rPr lang="en-GB" b="0" i="1" smtClean="0">
-                                  <a:latin typeface="Cambria Math" panose="02040503050406030204" pitchFamily="18" charset="0"/>
-                                </a:rPr>
-                                <m:t>𝑃</m:t>
-                              </m:r>
-                            </m:e>
-                            <m:sub>
-                              <m:r>
-                                <a:rPr lang="en-GB" b="0" i="1" smtClean="0">
-                                  <a:latin typeface="Cambria Math" panose="02040503050406030204" pitchFamily="18" charset="0"/>
-                                </a:rPr>
-                                <m:t>𝑖</m:t>
-                              </m:r>
-                            </m:sub>
-                          </m:sSub>
-                          <m:r>
-                            <a:rPr lang="en-GB" b="0" i="1" smtClean="0">
-                              <a:latin typeface="Cambria Math" panose="02040503050406030204" pitchFamily="18" charset="0"/>
-                            </a:rPr>
-                            <m:t> </m:t>
-                          </m:r>
-                          <m:r>
-                            <m:rPr>
-                              <m:nor/>
-                            </m:rPr>
-                            <a:rPr lang="en-GB" b="0" i="0" smtClean="0">
-                              <a:latin typeface="Cambria Math" panose="02040503050406030204" pitchFamily="18" charset="0"/>
-                            </a:rPr>
-                            <m:t>that</m:t>
-                          </m:r>
-                          <m:r>
-                            <m:rPr>
-                              <m:nor/>
-                            </m:rPr>
-                            <a:rPr lang="en-GB" b="0" i="0" smtClean="0">
-                              <a:latin typeface="Cambria Math" panose="02040503050406030204" pitchFamily="18" charset="0"/>
-                            </a:rPr>
-                            <m:t> </m:t>
-                          </m:r>
-                          <m:r>
-                            <m:rPr>
-                              <m:nor/>
-                            </m:rPr>
-                            <a:rPr lang="en-GB" b="0" i="0" smtClean="0">
-                              <a:latin typeface="Cambria Math" panose="02040503050406030204" pitchFamily="18" charset="0"/>
-                            </a:rPr>
-                            <m:t>lie</m:t>
-                          </m:r>
-                          <m:r>
-                            <m:rPr>
-                              <m:nor/>
-                            </m:rPr>
-                            <a:rPr lang="en-GB" b="0" i="0" smtClean="0">
-                              <a:latin typeface="Cambria Math" panose="02040503050406030204" pitchFamily="18" charset="0"/>
-                            </a:rPr>
-                            <m:t> </m:t>
-                          </m:r>
-                          <m:r>
-                            <m:rPr>
-                              <m:nor/>
-                            </m:rPr>
-                            <a:rPr lang="en-GB" b="0" i="0" smtClean="0">
-                              <a:latin typeface="Cambria Math" panose="02040503050406030204" pitchFamily="18" charset="0"/>
-                            </a:rPr>
-                            <m:t>within</m:t>
-                          </m:r>
-                          <m:r>
-                            <a:rPr lang="en-GB" b="0" i="1" smtClean="0">
-                              <a:latin typeface="Cambria Math" panose="02040503050406030204" pitchFamily="18" charset="0"/>
-                            </a:rPr>
-                            <m:t> </m:t>
-                          </m:r>
-                          <m:r>
-                            <m:rPr>
-                              <m:nor/>
-                            </m:rPr>
-                            <a:rPr lang="en-GB" b="0" i="0" smtClean="0">
-                              <a:latin typeface="Cambria Math" panose="02040503050406030204" pitchFamily="18" charset="0"/>
-                            </a:rPr>
-                            <m:t>the</m:t>
-                          </m:r>
-                          <m:r>
-                            <m:rPr>
-                              <m:nor/>
-                            </m:rPr>
-                            <a:rPr lang="en-GB" b="0" i="0" smtClean="0">
-                              <a:latin typeface="Cambria Math" panose="02040503050406030204" pitchFamily="18" charset="0"/>
-                            </a:rPr>
-                            <m:t> </m:t>
-                          </m:r>
-                          <m:r>
-                            <m:rPr>
-                              <m:nor/>
-                            </m:rPr>
-                            <a:rPr lang="en-GB" b="0" i="0" smtClean="0">
-                              <a:latin typeface="Cambria Math" panose="02040503050406030204" pitchFamily="18" charset="0"/>
-                            </a:rPr>
-                            <m:t>ball</m:t>
-                          </m:r>
-                        </m:num>
-                        <m:den>
-                          <m:r>
-                            <a:rPr lang="en-GB" b="0" i="1" smtClean="0">
-                              <a:latin typeface="Cambria Math" panose="02040503050406030204" pitchFamily="18" charset="0"/>
-                            </a:rPr>
-                            <m:t>𝑁</m:t>
-                          </m:r>
-                        </m:den>
-                      </m:f>
-                    </m:oMath>
-                  </m:oMathPara>
-                </a14:m>
-                <a:endParaRPr lang="en-GB" dirty="0"/>
-              </a:p>
-            </p:txBody>
-          </p:sp>
-        </mc:Choice>
-        <mc:Fallback xmlns="">
-          <p:sp>
-            <p:nvSpPr>
-              <p:cNvPr id="3" name="TextBox 2">
-                <a:extLst>
-                  <a:ext uri="{FF2B5EF4-FFF2-40B4-BE49-F238E27FC236}">
-                    <a16:creationId xmlns:a16="http://schemas.microsoft.com/office/drawing/2014/main" id="{B13CD261-80F4-C242-0096-2469434E6F45}"/>
-                  </a:ext>
-                </a:extLst>
-              </p:cNvPr>
-              <p:cNvSpPr txBox="1">
-                <a:spLocks noRot="1" noChangeAspect="1" noMove="1" noResize="1" noEditPoints="1" noAdjustHandles="1" noChangeArrowheads="1" noChangeShapeType="1" noTextEdit="1"/>
-              </p:cNvSpPr>
-              <p:nvPr/>
-            </p:nvSpPr>
-            <p:spPr>
-              <a:xfrm>
-                <a:off x="3546763" y="4266047"/>
-                <a:ext cx="5098473" cy="524759"/>
-              </a:xfrm>
-              <a:prstGeom prst="rect">
-                <a:avLst/>
-              </a:prstGeom>
-              <a:blipFill>
-                <a:blip r:embed="rId3"/>
-                <a:stretch>
-                  <a:fillRect t="-9524" b="-14286"/>
-                </a:stretch>
-              </a:blipFill>
-            </p:spPr>
-            <p:txBody>
-              <a:bodyPr/>
-              <a:lstStyle/>
-              <a:p>
-                <a:r>
-                  <a:rPr lang="en-GB">
-                    <a:noFill/>
-                  </a:rPr>
-                  <a:t> </a:t>
-                </a:r>
-              </a:p>
-            </p:txBody>
-          </p:sp>
-        </mc:Fallback>
-      </mc:AlternateContent>
-      <mc:AlternateContent xmlns:mc="http://schemas.openxmlformats.org/markup-compatibility/2006" xmlns:a14="http://schemas.microsoft.com/office/drawing/2010/main">
-        <mc:Choice Requires="a14">
-          <p:sp>
-            <p:nvSpPr>
-              <p:cNvPr id="5" name="TextBox 4">
-                <a:extLst>
-                  <a:ext uri="{FF2B5EF4-FFF2-40B4-BE49-F238E27FC236}">
-                    <a16:creationId xmlns:a16="http://schemas.microsoft.com/office/drawing/2014/main" id="{A936490C-4427-D49C-C378-3E35574909E5}"/>
-                  </a:ext>
-                </a:extLst>
-              </p:cNvPr>
-              <p:cNvSpPr txBox="1"/>
-              <p:nvPr/>
-            </p:nvSpPr>
-            <p:spPr>
-              <a:xfrm>
-                <a:off x="685706" y="4790806"/>
-                <a:ext cx="10820586" cy="1200329"/>
-              </a:xfrm>
-              <a:prstGeom prst="rect">
-                <a:avLst/>
-              </a:prstGeom>
-              <a:noFill/>
-            </p:spPr>
-            <p:txBody>
-              <a:bodyPr wrap="square" rtlCol="0">
-                <a:spAutoFit/>
-              </a:bodyPr>
-              <a:lstStyle/>
-              <a:p>
-                <a:r>
-                  <a:rPr lang="en-GB" dirty="0"/>
-                  <a:t>where </a:t>
-                </a:r>
-                <a14:m>
-                  <m:oMath xmlns:m="http://schemas.openxmlformats.org/officeDocument/2006/math">
-                    <m:r>
-                      <a:rPr lang="en-GB" b="0" i="1" smtClean="0">
-                        <a:latin typeface="Cambria Math" panose="02040503050406030204" pitchFamily="18" charset="0"/>
-                      </a:rPr>
-                      <m:t>𝑁</m:t>
-                    </m:r>
-                  </m:oMath>
-                </a14:m>
-                <a:r>
-                  <a:rPr lang="en-GB" dirty="0"/>
-                  <a:t> is the number of samples taken.</a:t>
-                </a:r>
-              </a:p>
-              <a:p>
-                <a:endParaRPr lang="en-GB" dirty="0"/>
-              </a:p>
-              <a:p>
-                <a:endParaRPr lang="en-GB" dirty="0"/>
-              </a:p>
-              <a:p>
-                <a:r>
-                  <a:rPr lang="en-GB" dirty="0"/>
-                  <a:t>This gives an idea of how Monte Carlo methods can be generalised to higher dimensions.</a:t>
-                </a:r>
-              </a:p>
-            </p:txBody>
-          </p:sp>
-        </mc:Choice>
-        <mc:Fallback xmlns="">
-          <p:sp>
-            <p:nvSpPr>
-              <p:cNvPr id="5" name="TextBox 4">
-                <a:extLst>
-                  <a:ext uri="{FF2B5EF4-FFF2-40B4-BE49-F238E27FC236}">
-                    <a16:creationId xmlns:a16="http://schemas.microsoft.com/office/drawing/2014/main" id="{A936490C-4427-D49C-C378-3E35574909E5}"/>
-                  </a:ext>
-                </a:extLst>
-              </p:cNvPr>
-              <p:cNvSpPr txBox="1">
-                <a:spLocks noRot="1" noChangeAspect="1" noMove="1" noResize="1" noEditPoints="1" noAdjustHandles="1" noChangeArrowheads="1" noChangeShapeType="1" noTextEdit="1"/>
-              </p:cNvSpPr>
-              <p:nvPr/>
-            </p:nvSpPr>
-            <p:spPr>
-              <a:xfrm>
-                <a:off x="685706" y="4790806"/>
-                <a:ext cx="10820586" cy="1200329"/>
-              </a:xfrm>
-              <a:prstGeom prst="rect">
-                <a:avLst/>
-              </a:prstGeom>
-              <a:blipFill>
-                <a:blip r:embed="rId4"/>
-                <a:stretch>
-                  <a:fillRect l="-468" t="-3158" b="-7368"/>
-                </a:stretch>
-              </a:blipFill>
-            </p:spPr>
-            <p:txBody>
-              <a:bodyPr/>
-              <a:lstStyle/>
-              <a:p>
-                <a:r>
-                  <a:rPr lang="en-GB">
-                    <a:noFill/>
-                  </a:rPr>
-                  <a:t> </a:t>
-                </a:r>
-              </a:p>
-            </p:txBody>
-          </p:sp>
-        </mc:Fallback>
-      </mc:AlternateContent>
-    </p:spTree>
-    <p:extLst>
-      <p:ext uri="{BB962C8B-B14F-4D97-AF65-F5344CB8AC3E}">
-        <p14:creationId xmlns:p14="http://schemas.microsoft.com/office/powerpoint/2010/main" val="1836185349"/>
-      </p:ext>
-    </p:extLst>
-  </p:cSld>
-  <p:clrMapOvr>
-    <a:masterClrMapping/>
-  </p:clrMapOvr>
-</p:sld>
-</file>
-
-<file path=ppt/slides/slide12.xml><?xml version="1.0" encoding="utf-8"?>
-<p:sld xmlns:a="http://schemas.openxmlformats.org/drawingml/2006/main" xmlns:r="http://schemas.openxmlformats.org/officeDocument/2006/relationships" xmlns:p="http://schemas.openxmlformats.org/presentationml/2006/main">
-  <p:cSld>
-    <p:bg>
-      <p:bgPr>
-        <a:solidFill>
-          <a:schemeClr val="bg1"/>
-        </a:solidFill>
-        <a:effectLst/>
-      </p:bgPr>
-    </p:bg>
-    <p:spTree>
-      <p:nvGrpSpPr>
-        <p:cNvPr id="1" name="">
-          <a:extLst>
-            <a:ext uri="{FF2B5EF4-FFF2-40B4-BE49-F238E27FC236}">
-              <a16:creationId xmlns:a16="http://schemas.microsoft.com/office/drawing/2014/main" id="{431D298D-915A-CBC5-D848-B27FFA763F15}"/>
-            </a:ext>
-          </a:extLst>
-        </p:cNvPr>
-        <p:cNvGrpSpPr/>
-        <p:nvPr/>
-      </p:nvGrpSpPr>
-      <p:grpSpPr>
-        <a:xfrm>
-          <a:off x="0" y="0"/>
-          <a:ext cx="0" cy="0"/>
-          <a:chOff x="0" y="0"/>
-          <a:chExt cx="0" cy="0"/>
-        </a:xfrm>
-      </p:grpSpPr>
-      <p:sp>
-        <p:nvSpPr>
-          <p:cNvPr id="8" name="Rectangle 7">
-            <a:extLst>
-              <a:ext uri="{FF2B5EF4-FFF2-40B4-BE49-F238E27FC236}">
-                <a16:creationId xmlns:a16="http://schemas.microsoft.com/office/drawing/2014/main" id="{2928117C-9446-4E7F-AE62-95E0F6DB5B27}"/>
-              </a:ext>
-              <a:ext uri="{C183D7F6-B498-43B3-948B-1728B52AA6E4}">
-                <adec:decorative xmlns:adec="http://schemas.microsoft.com/office/drawing/2017/decorative" val="1"/>
-              </a:ext>
-            </a:extLst>
-          </p:cNvPr>
-          <p:cNvSpPr>
-            <a:spLocks noGrp="1" noRot="1" noChangeAspect="1" noMove="1" noResize="1" noEditPoints="1" noAdjustHandles="1" noChangeArrowheads="1" noChangeShapeType="1" noTextEdit="1"/>
-          </p:cNvSpPr>
-          <p:nvPr>
-            <p:extLst>
-              <p:ext uri="{386F3935-93C4-4BCD-93E2-E3B085C9AB24}">
-                <p16:designElem xmlns:p16="http://schemas.microsoft.com/office/powerpoint/2015/main" val="1"/>
-              </p:ext>
-            </p:extLst>
-          </p:nvPr>
-        </p:nvSpPr>
-        <p:spPr>
-          <a:xfrm>
-            <a:off x="446534" y="457200"/>
-            <a:ext cx="3703320" cy="94997"/>
-          </a:xfrm>
-          <a:prstGeom prst="rect">
-            <a:avLst/>
-          </a:prstGeom>
-          <a:solidFill>
-            <a:schemeClr val="accent1"/>
-          </a:solidFill>
-          <a:ln>
-            <a:noFill/>
-          </a:ln>
-          <a:effectLst/>
-        </p:spPr>
-        <p:style>
-          <a:lnRef idx="1">
-            <a:schemeClr val="accent1"/>
-          </a:lnRef>
-          <a:fillRef idx="3">
-            <a:schemeClr val="accent1"/>
-          </a:fillRef>
-          <a:effectRef idx="2">
-            <a:schemeClr val="accent1"/>
-          </a:effectRef>
-          <a:fontRef idx="minor">
-            <a:schemeClr val="lt1"/>
-          </a:fontRef>
-        </p:style>
-        <p:txBody>
-          <a:bodyPr/>
-          <a:lstStyle/>
-          <a:p>
-            <a:endParaRPr lang="en-GB"/>
-          </a:p>
-        </p:txBody>
-      </p:sp>
-      <p:sp>
-        <p:nvSpPr>
-          <p:cNvPr id="10" name="Rectangle 9">
-            <a:extLst>
-              <a:ext uri="{FF2B5EF4-FFF2-40B4-BE49-F238E27FC236}">
-                <a16:creationId xmlns:a16="http://schemas.microsoft.com/office/drawing/2014/main" id="{84D30AFB-4D71-48B0-AA00-28EE92363A5F}"/>
-              </a:ext>
-              <a:ext uri="{C183D7F6-B498-43B3-948B-1728B52AA6E4}">
-                <adec:decorative xmlns:adec="http://schemas.microsoft.com/office/drawing/2017/decorative" val="1"/>
-              </a:ext>
-            </a:extLst>
-          </p:cNvPr>
-          <p:cNvSpPr>
-            <a:spLocks noGrp="1" noRot="1" noChangeAspect="1" noMove="1" noResize="1" noEditPoints="1" noAdjustHandles="1" noChangeArrowheads="1" noChangeShapeType="1" noTextEdit="1"/>
-          </p:cNvSpPr>
-          <p:nvPr>
-            <p:extLst>
-              <p:ext uri="{386F3935-93C4-4BCD-93E2-E3B085C9AB24}">
-                <p16:designElem xmlns:p16="http://schemas.microsoft.com/office/powerpoint/2015/main" val="1"/>
-              </p:ext>
-            </p:extLst>
-          </p:nvPr>
-        </p:nvSpPr>
-        <p:spPr>
-          <a:xfrm>
-            <a:off x="8042147" y="453643"/>
-            <a:ext cx="3703320" cy="98554"/>
-          </a:xfrm>
-          <a:prstGeom prst="rect">
-            <a:avLst/>
-          </a:prstGeom>
-          <a:solidFill>
-            <a:schemeClr val="accent4"/>
-          </a:solidFill>
-          <a:ln>
-            <a:noFill/>
-          </a:ln>
-          <a:effectLst/>
-        </p:spPr>
-        <p:style>
-          <a:lnRef idx="1">
-            <a:schemeClr val="accent1"/>
-          </a:lnRef>
-          <a:fillRef idx="3">
-            <a:schemeClr val="accent1"/>
-          </a:fillRef>
-          <a:effectRef idx="2">
-            <a:schemeClr val="accent1"/>
-          </a:effectRef>
-          <a:fontRef idx="minor">
-            <a:schemeClr val="lt1"/>
-          </a:fontRef>
-        </p:style>
-        <p:txBody>
-          <a:bodyPr/>
-          <a:lstStyle/>
-          <a:p>
-            <a:endParaRPr lang="en-GB"/>
-          </a:p>
-        </p:txBody>
-      </p:sp>
-      <p:sp>
-        <p:nvSpPr>
-          <p:cNvPr id="12" name="Rectangle 11">
-            <a:extLst>
-              <a:ext uri="{FF2B5EF4-FFF2-40B4-BE49-F238E27FC236}">
-                <a16:creationId xmlns:a16="http://schemas.microsoft.com/office/drawing/2014/main" id="{96A0B76F-8010-4C62-B4B6-C5FC438C059E}"/>
-              </a:ext>
-              <a:ext uri="{C183D7F6-B498-43B3-948B-1728B52AA6E4}">
-                <adec:decorative xmlns:adec="http://schemas.microsoft.com/office/drawing/2017/decorative" val="1"/>
-              </a:ext>
-            </a:extLst>
-          </p:cNvPr>
-          <p:cNvSpPr>
-            <a:spLocks noGrp="1" noRot="1" noChangeAspect="1" noMove="1" noResize="1" noEditPoints="1" noAdjustHandles="1" noChangeArrowheads="1" noChangeShapeType="1" noTextEdit="1"/>
-          </p:cNvSpPr>
-          <p:nvPr>
-            <p:extLst>
-              <p:ext uri="{386F3935-93C4-4BCD-93E2-E3B085C9AB24}">
-                <p16:designElem xmlns:p16="http://schemas.microsoft.com/office/powerpoint/2015/main" val="1"/>
-              </p:ext>
-            </p:extLst>
-          </p:nvPr>
-        </p:nvSpPr>
-        <p:spPr>
-          <a:xfrm>
-            <a:off x="4241830" y="457200"/>
-            <a:ext cx="3703320" cy="91440"/>
-          </a:xfrm>
-          <a:prstGeom prst="rect">
-            <a:avLst/>
-          </a:prstGeom>
-          <a:solidFill>
-            <a:schemeClr val="accent2"/>
-          </a:solidFill>
-          <a:ln>
-            <a:noFill/>
-          </a:ln>
-          <a:effectLst/>
-        </p:spPr>
-        <p:style>
-          <a:lnRef idx="1">
-            <a:schemeClr val="accent1"/>
-          </a:lnRef>
-          <a:fillRef idx="3">
-            <a:schemeClr val="accent1"/>
-          </a:fillRef>
-          <a:effectRef idx="2">
-            <a:schemeClr val="accent1"/>
-          </a:effectRef>
-          <a:fontRef idx="minor">
-            <a:schemeClr val="lt1"/>
-          </a:fontRef>
-        </p:style>
-        <p:txBody>
-          <a:bodyPr/>
-          <a:lstStyle/>
-          <a:p>
-            <a:endParaRPr lang="en-GB"/>
-          </a:p>
-        </p:txBody>
-      </p:sp>
-      <p:sp>
-        <p:nvSpPr>
-          <p:cNvPr id="14" name="Rectangle 13">
-            <a:extLst>
-              <a:ext uri="{FF2B5EF4-FFF2-40B4-BE49-F238E27FC236}">
-                <a16:creationId xmlns:a16="http://schemas.microsoft.com/office/drawing/2014/main" id="{9FC936C0-4624-438D-BDD0-6B296BD6409D}"/>
-              </a:ext>
-              <a:ext uri="{C183D7F6-B498-43B3-948B-1728B52AA6E4}">
-                <adec:decorative xmlns:adec="http://schemas.microsoft.com/office/drawing/2017/decorative" val="1"/>
-              </a:ext>
-            </a:extLst>
-          </p:cNvPr>
-          <p:cNvSpPr>
-            <a:spLocks noGrp="1" noRot="1" noChangeAspect="1" noMove="1" noResize="1" noEditPoints="1" noAdjustHandles="1" noChangeArrowheads="1" noChangeShapeType="1" noTextEdit="1"/>
-          </p:cNvSpPr>
-          <p:nvPr>
-            <p:extLst>
-              <p:ext uri="{386F3935-93C4-4BCD-93E2-E3B085C9AB24}">
-                <p16:designElem xmlns:p16="http://schemas.microsoft.com/office/powerpoint/2015/main" val="1"/>
-              </p:ext>
-            </p:extLst>
-          </p:nvPr>
-        </p:nvSpPr>
-        <p:spPr>
-          <a:xfrm>
-            <a:off x="446534" y="3085765"/>
-            <a:ext cx="11262866" cy="3304800"/>
-          </a:xfrm>
-          <a:prstGeom prst="rect">
-            <a:avLst/>
-          </a:prstGeom>
-          <a:solidFill>
-            <a:schemeClr val="accent1"/>
-          </a:solidFill>
-          <a:ln>
-            <a:noFill/>
-          </a:ln>
-          <a:effectLst/>
-        </p:spPr>
-        <p:style>
-          <a:lnRef idx="1">
-            <a:schemeClr val="accent1"/>
-          </a:lnRef>
-          <a:fillRef idx="3">
-            <a:schemeClr val="accent1"/>
-          </a:fillRef>
-          <a:effectRef idx="2">
-            <a:schemeClr val="accent1"/>
-          </a:effectRef>
-          <a:fontRef idx="minor">
-            <a:schemeClr val="lt1"/>
-          </a:fontRef>
-        </p:style>
-        <p:txBody>
-          <a:bodyPr/>
-          <a:lstStyle/>
-          <a:p>
-            <a:endParaRPr lang="en-GB"/>
-          </a:p>
-        </p:txBody>
-      </p:sp>
-      <p:sp useBgFill="1">
-        <p:nvSpPr>
-          <p:cNvPr id="16" name="Rectangle 15">
-            <a:extLst>
-              <a:ext uri="{FF2B5EF4-FFF2-40B4-BE49-F238E27FC236}">
-                <a16:creationId xmlns:a16="http://schemas.microsoft.com/office/drawing/2014/main" id="{F34F34AF-75E7-4149-A3CF-2E483C744F92}"/>
-              </a:ext>
-              <a:ext uri="{C183D7F6-B498-43B3-948B-1728B52AA6E4}">
-                <adec:decorative xmlns:adec="http://schemas.microsoft.com/office/drawing/2017/decorative" val="1"/>
-              </a:ext>
-            </a:extLst>
-          </p:cNvPr>
-          <p:cNvSpPr>
-            <a:spLocks noGrp="1" noRot="1" noChangeAspect="1" noMove="1" noResize="1" noEditPoints="1" noAdjustHandles="1" noChangeArrowheads="1" noChangeShapeType="1" noTextEdit="1"/>
-          </p:cNvSpPr>
-          <p:nvPr>
-            <p:extLst>
-              <p:ext uri="{386F3935-93C4-4BCD-93E2-E3B085C9AB24}">
-                <p16:designElem xmlns:p16="http://schemas.microsoft.com/office/powerpoint/2015/main" val="1"/>
-              </p:ext>
-            </p:extLst>
-          </p:nvPr>
-        </p:nvSpPr>
-        <p:spPr>
-          <a:xfrm>
-            <a:off x="0" y="0"/>
-            <a:ext cx="12192000" cy="6858000"/>
-          </a:xfrm>
-          <a:prstGeom prst="rect">
-            <a:avLst/>
-          </a:prstGeom>
-          <a:ln>
-            <a:noFill/>
-          </a:ln>
-        </p:spPr>
-        <p:style>
-          <a:lnRef idx="2">
-            <a:schemeClr val="accent1">
-              <a:shade val="50000"/>
-            </a:schemeClr>
-          </a:lnRef>
-          <a:fillRef idx="1">
-            <a:schemeClr val="accent1"/>
-          </a:fillRef>
-          <a:effectRef idx="0">
-            <a:schemeClr val="accent1"/>
-          </a:effectRef>
-          <a:fontRef idx="minor">
-            <a:schemeClr val="lt1"/>
-          </a:fontRef>
-        </p:style>
-        <p:txBody>
-          <a:bodyPr rtlCol="0" anchor="ctr"/>
-          <a:lstStyle/>
-          <a:p>
-            <a:pPr algn="ctr"/>
-            <a:endParaRPr lang="en-US"/>
-          </a:p>
-        </p:txBody>
-      </p:sp>
-      <p:pic>
-        <p:nvPicPr>
-          <p:cNvPr id="4" name="Picture 3" descr="A world map made of pins and strings">
-            <a:extLst>
-              <a:ext uri="{FF2B5EF4-FFF2-40B4-BE49-F238E27FC236}">
-                <a16:creationId xmlns:a16="http://schemas.microsoft.com/office/drawing/2014/main" id="{5AD1263C-3A82-C0C5-40C2-2413F15E60AA}"/>
-              </a:ext>
-            </a:extLst>
-          </p:cNvPr>
-          <p:cNvPicPr>
-            <a:picLocks noChangeAspect="1"/>
-          </p:cNvPicPr>
-          <p:nvPr/>
-        </p:nvPicPr>
-        <p:blipFill>
-          <a:blip r:embed="rId2">
-            <a:grayscl/>
-          </a:blip>
-          <a:srcRect t="9811" b="5919"/>
-          <a:stretch/>
-        </p:blipFill>
-        <p:spPr>
-          <a:xfrm>
-            <a:off x="20" y="10"/>
-            <a:ext cx="12191980" cy="6857990"/>
-          </a:xfrm>
-          <a:prstGeom prst="rect">
-            <a:avLst/>
-          </a:prstGeom>
-        </p:spPr>
-      </p:pic>
-      <p:grpSp>
-        <p:nvGrpSpPr>
-          <p:cNvPr id="18" name="Group 17">
-            <a:extLst>
-              <a:ext uri="{FF2B5EF4-FFF2-40B4-BE49-F238E27FC236}">
-                <a16:creationId xmlns:a16="http://schemas.microsoft.com/office/drawing/2014/main" id="{1654C7F9-AF92-42BD-A713-6B020F63B307}"/>
-              </a:ext>
-              <a:ext uri="{C183D7F6-B498-43B3-948B-1728B52AA6E4}">
-                <adec:decorative xmlns:adec="http://schemas.microsoft.com/office/drawing/2017/decorative" val="1"/>
-              </a:ext>
-            </a:extLst>
-          </p:cNvPr>
-          <p:cNvGrpSpPr>
-            <a:grpSpLocks noGrp="1" noUngrp="1" noRot="1" noChangeAspect="1" noMove="1" noResize="1"/>
-          </p:cNvGrpSpPr>
-          <p:nvPr>
-            <p:extLst>
-              <p:ext uri="{386F3935-93C4-4BCD-93E2-E3B085C9AB24}">
-                <p16:designElem xmlns:p16="http://schemas.microsoft.com/office/powerpoint/2015/main" val="1"/>
-              </p:ext>
-            </p:extLst>
-          </p:nvPr>
-        </p:nvGrpSpPr>
-        <p:grpSpPr>
-          <a:xfrm>
-            <a:off x="438068" y="457200"/>
-            <a:ext cx="3703320" cy="5935132"/>
-            <a:chOff x="438068" y="457200"/>
-            <a:chExt cx="3703320" cy="5935132"/>
-          </a:xfrm>
-        </p:grpSpPr>
-        <p:sp>
-          <p:nvSpPr>
-            <p:cNvPr id="19" name="Rectangle 18">
-              <a:extLst>
-                <a:ext uri="{FF2B5EF4-FFF2-40B4-BE49-F238E27FC236}">
-                  <a16:creationId xmlns:a16="http://schemas.microsoft.com/office/drawing/2014/main" id="{D4E3B121-1133-4B7A-BF30-80EF7C9F06D3}"/>
-                </a:ext>
-                <a:ext uri="{C183D7F6-B498-43B3-948B-1728B52AA6E4}">
-                  <adec:decorative xmlns:adec="http://schemas.microsoft.com/office/drawing/2017/decorative" val="1"/>
-                </a:ext>
-              </a:extLst>
-            </p:cNvPr>
-            <p:cNvSpPr/>
-            <p:nvPr>
-              <p:extLst>
-                <p:ext uri="{386F3935-93C4-4BCD-93E2-E3B085C9AB24}">
-                  <p16:designElem xmlns:p16="http://schemas.microsoft.com/office/powerpoint/2015/main" val="1"/>
-                </p:ext>
-              </p:extLst>
-            </p:nvPr>
-          </p:nvSpPr>
-          <p:spPr>
-            <a:xfrm>
-              <a:off x="438068" y="618067"/>
-              <a:ext cx="3702134" cy="5774265"/>
-            </a:xfrm>
-            <a:prstGeom prst="rect">
-              <a:avLst/>
-            </a:prstGeom>
-            <a:solidFill>
-              <a:schemeClr val="accent1">
-                <a:alpha val="97000"/>
-              </a:schemeClr>
-            </a:solidFill>
-            <a:ln w="6350" cmpd="sng">
-              <a:noFill/>
-            </a:ln>
-            <a:effectLst/>
-          </p:spPr>
-          <p:style>
-            <a:lnRef idx="1">
-              <a:schemeClr val="accent1"/>
-            </a:lnRef>
-            <a:fillRef idx="3">
-              <a:schemeClr val="accent1"/>
-            </a:fillRef>
-            <a:effectRef idx="2">
-              <a:schemeClr val="accent1"/>
-            </a:effectRef>
-            <a:fontRef idx="minor">
-              <a:schemeClr val="lt1"/>
-            </a:fontRef>
-          </p:style>
-          <p:txBody>
-            <a:bodyPr/>
-            <a:lstStyle/>
-            <a:p>
-              <a:endParaRPr lang="en-GB"/>
-            </a:p>
-          </p:txBody>
-        </p:sp>
-        <p:sp>
-          <p:nvSpPr>
-            <p:cNvPr id="20" name="Rectangle 19">
-              <a:extLst>
-                <a:ext uri="{FF2B5EF4-FFF2-40B4-BE49-F238E27FC236}">
-                  <a16:creationId xmlns:a16="http://schemas.microsoft.com/office/drawing/2014/main" id="{8C0F23FC-3B0D-4C62-B729-C43F56DC11B0}"/>
-                </a:ext>
-                <a:ext uri="{C183D7F6-B498-43B3-948B-1728B52AA6E4}">
-                  <adec:decorative xmlns:adec="http://schemas.microsoft.com/office/drawing/2017/decorative" val="1"/>
-                </a:ext>
-              </a:extLst>
-            </p:cNvPr>
-            <p:cNvSpPr/>
-            <p:nvPr>
-              <p:extLst>
-                <p:ext uri="{386F3935-93C4-4BCD-93E2-E3B085C9AB24}">
-                  <p16:designElem xmlns:p16="http://schemas.microsoft.com/office/powerpoint/2015/main" val="1"/>
-                </p:ext>
-              </p:extLst>
-            </p:nvPr>
-          </p:nvSpPr>
-          <p:spPr>
-            <a:xfrm>
-              <a:off x="438068" y="457200"/>
-              <a:ext cx="3703320" cy="94997"/>
-            </a:xfrm>
-            <a:prstGeom prst="rect">
-              <a:avLst/>
-            </a:prstGeom>
-            <a:solidFill>
-              <a:schemeClr val="accent1"/>
-            </a:solidFill>
-            <a:ln>
-              <a:noFill/>
-            </a:ln>
-            <a:effectLst/>
-          </p:spPr>
-          <p:style>
-            <a:lnRef idx="1">
-              <a:schemeClr val="accent1"/>
-            </a:lnRef>
-            <a:fillRef idx="3">
-              <a:schemeClr val="accent1"/>
-            </a:fillRef>
-            <a:effectRef idx="2">
-              <a:schemeClr val="accent1"/>
-            </a:effectRef>
-            <a:fontRef idx="minor">
-              <a:schemeClr val="lt1"/>
-            </a:fontRef>
-          </p:style>
-          <p:txBody>
-            <a:bodyPr/>
-            <a:lstStyle/>
-            <a:p>
-              <a:endParaRPr lang="en-GB"/>
-            </a:p>
-          </p:txBody>
-        </p:sp>
-      </p:grpSp>
-      <p:sp>
-        <p:nvSpPr>
-          <p:cNvPr id="2" name="Title 1">
-            <a:extLst>
-              <a:ext uri="{FF2B5EF4-FFF2-40B4-BE49-F238E27FC236}">
-                <a16:creationId xmlns:a16="http://schemas.microsoft.com/office/drawing/2014/main" id="{F80A42A6-4B80-34E7-A439-37A0966DE9D1}"/>
-              </a:ext>
-            </a:extLst>
-          </p:cNvPr>
-          <p:cNvSpPr>
-            <a:spLocks noGrp="1"/>
-          </p:cNvSpPr>
-          <p:nvPr>
-            <p:ph type="title"/>
-          </p:nvPr>
-        </p:nvSpPr>
-        <p:spPr>
-          <a:xfrm>
-            <a:off x="584200" y="2142067"/>
-            <a:ext cx="3412067" cy="2971801"/>
-          </a:xfrm>
-        </p:spPr>
-        <p:txBody>
-          <a:bodyPr vert="horz" lIns="91440" tIns="45720" rIns="91440" bIns="45720" rtlCol="0" anchor="b">
-            <a:normAutofit/>
-          </a:bodyPr>
-          <a:lstStyle/>
-          <a:p>
-            <a:r>
-              <a:rPr lang="en-US">
-                <a:solidFill>
-                  <a:srgbClr val="FFFFFF"/>
-                </a:solidFill>
-              </a:rPr>
-              <a:t>Applications in the real world</a:t>
-            </a:r>
-          </a:p>
-        </p:txBody>
-      </p:sp>
-    </p:spTree>
-    <p:extLst>
-      <p:ext uri="{BB962C8B-B14F-4D97-AF65-F5344CB8AC3E}">
-        <p14:creationId xmlns:p14="http://schemas.microsoft.com/office/powerpoint/2010/main" val="1112163987"/>
-      </p:ext>
-    </p:extLst>
-  </p:cSld>
-  <p:clrMapOvr>
-    <a:masterClrMapping/>
-  </p:clrMapOvr>
-</p:sld>
-</file>
-
-<file path=ppt/slides/slide13.xml><?xml version="1.0" encoding="utf-8"?>
-<p:sld xmlns:a="http://schemas.openxmlformats.org/drawingml/2006/main" xmlns:r="http://schemas.openxmlformats.org/officeDocument/2006/relationships" xmlns:p="http://schemas.openxmlformats.org/presentationml/2006/main">
-  <p:cSld>
-    <p:spTree>
-      <p:nvGrpSpPr>
-        <p:cNvPr id="1" name="">
-          <a:extLst>
-            <a:ext uri="{FF2B5EF4-FFF2-40B4-BE49-F238E27FC236}">
-              <a16:creationId xmlns:a16="http://schemas.microsoft.com/office/drawing/2014/main" id="{A20B1327-F9A1-E35E-59BB-F09B12AFFCE0}"/>
-            </a:ext>
-          </a:extLst>
-        </p:cNvPr>
-        <p:cNvGrpSpPr/>
-        <p:nvPr/>
-      </p:nvGrpSpPr>
-      <p:grpSpPr>
-        <a:xfrm>
-          <a:off x="0" y="0"/>
-          <a:ext cx="0" cy="0"/>
-          <a:chOff x="0" y="0"/>
-          <a:chExt cx="0" cy="0"/>
-        </a:xfrm>
-      </p:grpSpPr>
-      <p:sp>
-        <p:nvSpPr>
-          <p:cNvPr id="2" name="Title 1">
-            <a:extLst>
-              <a:ext uri="{FF2B5EF4-FFF2-40B4-BE49-F238E27FC236}">
-                <a16:creationId xmlns:a16="http://schemas.microsoft.com/office/drawing/2014/main" id="{C03C5935-6482-0C95-3A74-024E1EBD9FEA}"/>
-              </a:ext>
-            </a:extLst>
-          </p:cNvPr>
-          <p:cNvSpPr>
-            <a:spLocks noGrp="1"/>
-          </p:cNvSpPr>
-          <p:nvPr>
-            <p:ph type="title"/>
-          </p:nvPr>
-        </p:nvSpPr>
-        <p:spPr/>
-        <p:txBody>
-          <a:bodyPr/>
-          <a:lstStyle/>
-          <a:p>
-            <a:r>
-              <a:rPr lang="en-GB" dirty="0"/>
-              <a:t>3d graphics</a:t>
-            </a:r>
-          </a:p>
-        </p:txBody>
-      </p:sp>
-    </p:spTree>
-    <p:extLst>
-      <p:ext uri="{BB962C8B-B14F-4D97-AF65-F5344CB8AC3E}">
-        <p14:creationId xmlns:p14="http://schemas.microsoft.com/office/powerpoint/2010/main" val="297419381"/>
-      </p:ext>
-    </p:extLst>
-  </p:cSld>
-  <p:clrMapOvr>
-    <a:masterClrMapping/>
-  </p:clrMapOvr>
-</p:sld>
-</file>
-
-<file path=ppt/slides/slide14.xml><?xml version="1.0" encoding="utf-8"?>
-<p:sld xmlns:a="http://schemas.openxmlformats.org/drawingml/2006/main" xmlns:r="http://schemas.openxmlformats.org/officeDocument/2006/relationships" xmlns:p="http://schemas.openxmlformats.org/presentationml/2006/main">
-  <p:cSld>
-    <p:spTree>
-      <p:nvGrpSpPr>
-        <p:cNvPr id="1" name=""/>
-        <p:cNvGrpSpPr/>
-        <p:nvPr/>
-      </p:nvGrpSpPr>
-      <p:grpSpPr>
-        <a:xfrm>
-          <a:off x="0" y="0"/>
-          <a:ext cx="0" cy="0"/>
-          <a:chOff x="0" y="0"/>
-          <a:chExt cx="0" cy="0"/>
-        </a:xfrm>
-      </p:grpSpPr>
-      <p:sp>
-        <p:nvSpPr>
-          <p:cNvPr id="2" name="Title 1">
-            <a:extLst>
-              <a:ext uri="{FF2B5EF4-FFF2-40B4-BE49-F238E27FC236}">
-                <a16:creationId xmlns:a16="http://schemas.microsoft.com/office/drawing/2014/main" id="{E9667663-0F24-8E64-DFBA-B32FCAED910F}"/>
-              </a:ext>
-            </a:extLst>
-          </p:cNvPr>
-          <p:cNvSpPr>
-            <a:spLocks noGrp="1"/>
-          </p:cNvSpPr>
-          <p:nvPr>
-            <p:ph type="title"/>
-          </p:nvPr>
-        </p:nvSpPr>
-        <p:spPr/>
-        <p:txBody>
-          <a:bodyPr/>
-          <a:lstStyle/>
-          <a:p>
-            <a:r>
-              <a:rPr lang="en-GB" dirty="0"/>
-              <a:t>Disease outbreaks</a:t>
-            </a:r>
-          </a:p>
-        </p:txBody>
-      </p:sp>
-      <p:sp>
-        <p:nvSpPr>
-          <p:cNvPr id="4" name="TextBox 3">
-            <a:extLst>
-              <a:ext uri="{FF2B5EF4-FFF2-40B4-BE49-F238E27FC236}">
-                <a16:creationId xmlns:a16="http://schemas.microsoft.com/office/drawing/2014/main" id="{CC2051A4-3B2D-66D0-BFD4-1DCFA6CE86CE}"/>
-              </a:ext>
-            </a:extLst>
-          </p:cNvPr>
-          <p:cNvSpPr txBox="1"/>
-          <p:nvPr/>
-        </p:nvSpPr>
-        <p:spPr>
-          <a:xfrm>
-            <a:off x="581192" y="2394857"/>
-            <a:ext cx="9117979" cy="1200329"/>
-          </a:xfrm>
-          <a:prstGeom prst="rect">
-            <a:avLst/>
-          </a:prstGeom>
-          <a:noFill/>
-        </p:spPr>
-        <p:txBody>
-          <a:bodyPr wrap="square" rtlCol="0">
-            <a:spAutoFit/>
-          </a:bodyPr>
-          <a:lstStyle/>
-          <a:p>
-            <a:pPr marL="285750" indent="-285750">
-              <a:buFont typeface="Arial" panose="020B0604020202020204" pitchFamily="34" charset="0"/>
-              <a:buChar char="•"/>
-            </a:pPr>
-            <a:r>
-              <a:rPr lang="en-GB" dirty="0"/>
-              <a:t>Monte Carlo simulations can model disease transmission and recovery rates</a:t>
-            </a:r>
-          </a:p>
-          <a:p>
-            <a:pPr marL="285750" indent="-285750">
-              <a:buFont typeface="Arial" panose="020B0604020202020204" pitchFamily="34" charset="0"/>
-              <a:buChar char="•"/>
-            </a:pPr>
-            <a:r>
-              <a:rPr lang="en-GB" dirty="0"/>
-              <a:t>Crucial for estimating uncertainty, lengths and peak of infection</a:t>
-            </a:r>
-          </a:p>
-          <a:p>
-            <a:pPr marL="285750" indent="-285750">
-              <a:buFont typeface="Arial" panose="020B0604020202020204" pitchFamily="34" charset="0"/>
-              <a:buChar char="•"/>
-            </a:pPr>
-            <a:r>
-              <a:rPr lang="en-GB" dirty="0"/>
-              <a:t>Tests for interventions such as social distancing and vaccinations</a:t>
-            </a:r>
-          </a:p>
-          <a:p>
-            <a:endParaRPr lang="en-GB" dirty="0"/>
-          </a:p>
-        </p:txBody>
-      </p:sp>
-      <p:pic>
-        <p:nvPicPr>
-          <p:cNvPr id="6" name="Picture 5">
-            <a:extLst>
-              <a:ext uri="{FF2B5EF4-FFF2-40B4-BE49-F238E27FC236}">
-                <a16:creationId xmlns:a16="http://schemas.microsoft.com/office/drawing/2014/main" id="{1CFDB9B9-34F0-4E2D-73D9-322FD31E94A5}"/>
-              </a:ext>
-            </a:extLst>
-          </p:cNvPr>
-          <p:cNvPicPr>
-            <a:picLocks noChangeAspect="1"/>
-          </p:cNvPicPr>
-          <p:nvPr/>
-        </p:nvPicPr>
-        <p:blipFill>
-          <a:blip r:embed="rId2"/>
-          <a:stretch>
-            <a:fillRect/>
-          </a:stretch>
-        </p:blipFill>
-        <p:spPr>
-          <a:xfrm>
-            <a:off x="1041710" y="3429000"/>
-            <a:ext cx="10108579" cy="3298981"/>
-          </a:xfrm>
-          <a:prstGeom prst="rect">
-            <a:avLst/>
-          </a:prstGeom>
-        </p:spPr>
-      </p:pic>
-    </p:spTree>
-    <p:extLst>
-      <p:ext uri="{BB962C8B-B14F-4D97-AF65-F5344CB8AC3E}">
-        <p14:creationId xmlns:p14="http://schemas.microsoft.com/office/powerpoint/2010/main" val="2316972543"/>
-      </p:ext>
-    </p:extLst>
-  </p:cSld>
-  <p:clrMapOvr>
-    <a:masterClrMapping/>
-  </p:clrMapOvr>
-</p:sld>
-</file>
-
-<file path=ppt/slides/slide15.xml><?xml version="1.0" encoding="utf-8"?>
-<p:sld xmlns:a="http://schemas.openxmlformats.org/drawingml/2006/main" xmlns:r="http://schemas.openxmlformats.org/officeDocument/2006/relationships" xmlns:p="http://schemas.openxmlformats.org/presentationml/2006/main">
-  <p:cSld>
-    <p:spTree>
-      <p:nvGrpSpPr>
-        <p:cNvPr id="1" name=""/>
-        <p:cNvGrpSpPr/>
-        <p:nvPr/>
-      </p:nvGrpSpPr>
-      <p:grpSpPr>
-        <a:xfrm>
-          <a:off x="0" y="0"/>
-          <a:ext cx="0" cy="0"/>
-          <a:chOff x="0" y="0"/>
-          <a:chExt cx="0" cy="0"/>
-        </a:xfrm>
-      </p:grpSpPr>
-      <p:sp>
-        <p:nvSpPr>
-          <p:cNvPr id="2" name="TextBox 1">
-            <a:extLst>
-              <a:ext uri="{FF2B5EF4-FFF2-40B4-BE49-F238E27FC236}">
-                <a16:creationId xmlns:a16="http://schemas.microsoft.com/office/drawing/2014/main" id="{5F0540AD-EE7A-03AF-F999-16FDDA22CFAE}"/>
-              </a:ext>
-            </a:extLst>
-          </p:cNvPr>
-          <p:cNvSpPr txBox="1"/>
-          <p:nvPr/>
-        </p:nvSpPr>
-        <p:spPr>
-          <a:xfrm>
-            <a:off x="385011" y="86627"/>
-            <a:ext cx="1213345" cy="369332"/>
-          </a:xfrm>
-          <a:prstGeom prst="rect">
-            <a:avLst/>
-          </a:prstGeom>
-          <a:noFill/>
-        </p:spPr>
-        <p:txBody>
-          <a:bodyPr wrap="none" rtlCol="0">
-            <a:spAutoFit/>
-          </a:bodyPr>
-          <a:lstStyle/>
-          <a:p>
-            <a:r>
-              <a:rPr lang="en-GB" dirty="0"/>
-              <a:t>References</a:t>
-            </a:r>
-          </a:p>
-        </p:txBody>
-      </p:sp>
-      <p:sp>
-        <p:nvSpPr>
-          <p:cNvPr id="3" name="TextBox 2">
-            <a:extLst>
-              <a:ext uri="{FF2B5EF4-FFF2-40B4-BE49-F238E27FC236}">
-                <a16:creationId xmlns:a16="http://schemas.microsoft.com/office/drawing/2014/main" id="{2709B80E-C32F-1477-FE9A-A1AA76DCA5D2}"/>
-              </a:ext>
-            </a:extLst>
-          </p:cNvPr>
-          <p:cNvSpPr txBox="1"/>
-          <p:nvPr/>
-        </p:nvSpPr>
-        <p:spPr>
-          <a:xfrm>
-            <a:off x="385010" y="595161"/>
-            <a:ext cx="11434813" cy="1477328"/>
-          </a:xfrm>
-          <a:prstGeom prst="rect">
-            <a:avLst/>
-          </a:prstGeom>
-          <a:noFill/>
-        </p:spPr>
-        <p:txBody>
-          <a:bodyPr wrap="square" rtlCol="0">
-            <a:spAutoFit/>
-          </a:bodyPr>
-          <a:lstStyle/>
-          <a:p>
-            <a:r>
-              <a:rPr lang="en-GB" b="0" i="1" u="none" strike="noStrike" dirty="0">
-                <a:solidFill>
-                  <a:srgbClr val="000000"/>
-                </a:solidFill>
-                <a:effectLst/>
-              </a:rPr>
-              <a:t>Casino de Monte-Carlo</a:t>
-            </a:r>
-            <a:r>
-              <a:rPr lang="en-GB" b="0" i="0" u="none" strike="noStrike" dirty="0">
-                <a:solidFill>
-                  <a:srgbClr val="000000"/>
-                </a:solidFill>
-                <a:effectLst/>
-              </a:rPr>
-              <a:t> (no date) </a:t>
-            </a:r>
-            <a:r>
-              <a:rPr lang="en-GB" b="0" i="1" u="none" strike="noStrike" dirty="0" err="1">
-                <a:solidFill>
-                  <a:srgbClr val="000000"/>
-                </a:solidFill>
-                <a:effectLst/>
-              </a:rPr>
-              <a:t>Encyclopædia</a:t>
-            </a:r>
-            <a:r>
-              <a:rPr lang="en-GB" b="0" i="1" u="none" strike="noStrike" dirty="0">
-                <a:solidFill>
-                  <a:srgbClr val="000000"/>
-                </a:solidFill>
-                <a:effectLst/>
-              </a:rPr>
-              <a:t> Britannica</a:t>
-            </a:r>
-            <a:r>
-              <a:rPr lang="en-GB" b="0" i="0" u="none" strike="noStrike" dirty="0">
-                <a:solidFill>
-                  <a:srgbClr val="000000"/>
-                </a:solidFill>
-                <a:effectLst/>
-              </a:rPr>
-              <a:t>. Available at: https://</a:t>
-            </a:r>
-            <a:r>
-              <a:rPr lang="en-GB" b="0" i="0" u="none" strike="noStrike" dirty="0" err="1">
-                <a:solidFill>
-                  <a:srgbClr val="000000"/>
-                </a:solidFill>
-                <a:effectLst/>
-              </a:rPr>
-              <a:t>www.britannica.com</a:t>
-            </a:r>
-            <a:r>
-              <a:rPr lang="en-GB" b="0" i="0" u="none" strike="noStrike" dirty="0">
-                <a:solidFill>
-                  <a:srgbClr val="000000"/>
-                </a:solidFill>
-                <a:effectLst/>
-              </a:rPr>
-              <a:t>/topic/Casino-de-Monte-Carlo (Accessed: 20 April 2025). </a:t>
-            </a:r>
-          </a:p>
-          <a:p>
-            <a:endParaRPr lang="en-GB" dirty="0"/>
-          </a:p>
-          <a:p>
-            <a:pPr>
-              <a:buNone/>
-            </a:pPr>
-            <a:r>
-              <a:rPr lang="en-GB" dirty="0">
-                <a:solidFill>
-                  <a:srgbClr val="000000"/>
-                </a:solidFill>
-                <a:effectLst/>
-                <a:latin typeface="Helvetica" pitchFamily="2" charset="0"/>
-              </a:rPr>
-              <a:t>Cragg, J.G. (2018). Monte Carlo Methods. The New Palgrave Dictionary of Economics, pp.9128–9130.</a:t>
-            </a:r>
-          </a:p>
-          <a:p>
-            <a:r>
-              <a:rPr lang="en-GB" dirty="0" err="1">
-                <a:solidFill>
-                  <a:srgbClr val="000000"/>
-                </a:solidFill>
-                <a:effectLst/>
-                <a:latin typeface="Helvetica" pitchFamily="2" charset="0"/>
-              </a:rPr>
-              <a:t>doi:https</a:t>
-            </a:r>
-            <a:r>
-              <a:rPr lang="en-GB" dirty="0">
-                <a:solidFill>
-                  <a:srgbClr val="000000"/>
-                </a:solidFill>
-                <a:effectLst/>
-                <a:latin typeface="Helvetica" pitchFamily="2" charset="0"/>
-              </a:rPr>
-              <a:t>://</a:t>
-            </a:r>
-            <a:r>
-              <a:rPr lang="en-GB" dirty="0" err="1">
-                <a:solidFill>
-                  <a:srgbClr val="000000"/>
-                </a:solidFill>
-                <a:effectLst/>
-                <a:latin typeface="Helvetica" pitchFamily="2" charset="0"/>
-              </a:rPr>
-              <a:t>doi.org</a:t>
-            </a:r>
-            <a:r>
-              <a:rPr lang="en-GB" dirty="0">
-                <a:solidFill>
-                  <a:srgbClr val="000000"/>
-                </a:solidFill>
-                <a:effectLst/>
-                <a:latin typeface="Helvetica" pitchFamily="2" charset="0"/>
-              </a:rPr>
-              <a:t>/10.1057/978-1-349-95189-5_733.(Accessed: April 2025).</a:t>
-            </a:r>
-          </a:p>
-        </p:txBody>
-      </p:sp>
-    </p:spTree>
-    <p:extLst>
-      <p:ext uri="{BB962C8B-B14F-4D97-AF65-F5344CB8AC3E}">
-        <p14:creationId xmlns:p14="http://schemas.microsoft.com/office/powerpoint/2010/main" val="101241451"/>
-      </p:ext>
-    </p:extLst>
-  </p:cSld>
-  <p:clrMapOvr>
-    <a:masterClrMapping/>
-  </p:clrMapOvr>
-</p:sld>
-</file>
-
-<file path=ppt/slides/slide2.xml><?xml version="1.0" encoding="utf-8"?>
-<p:sld xmlns:a="http://schemas.openxmlformats.org/drawingml/2006/main" xmlns:r="http://schemas.openxmlformats.org/officeDocument/2006/relationships" xmlns:p="http://schemas.openxmlformats.org/presentationml/2006/main">
-  <p:cSld>
-    <p:spTree>
-      <p:nvGrpSpPr>
-        <p:cNvPr id="1" name=""/>
-        <p:cNvGrpSpPr/>
-        <p:nvPr/>
-      </p:nvGrpSpPr>
-      <p:grpSpPr>
-        <a:xfrm>
-          <a:off x="0" y="0"/>
-          <a:ext cx="0" cy="0"/>
-          <a:chOff x="0" y="0"/>
-          <a:chExt cx="0" cy="0"/>
-        </a:xfrm>
-      </p:grpSpPr>
-      <p:sp>
-        <p:nvSpPr>
-          <p:cNvPr id="2" name="Title 1">
-            <a:extLst>
-              <a:ext uri="{FF2B5EF4-FFF2-40B4-BE49-F238E27FC236}">
-                <a16:creationId xmlns:a16="http://schemas.microsoft.com/office/drawing/2014/main" id="{0D252E13-E62E-5940-B79B-60D00E65A8A3}"/>
-              </a:ext>
-            </a:extLst>
-          </p:cNvPr>
-          <p:cNvSpPr>
-            <a:spLocks noGrp="1"/>
-          </p:cNvSpPr>
-          <p:nvPr>
-            <p:ph type="title"/>
-          </p:nvPr>
-        </p:nvSpPr>
-        <p:spPr>
-          <a:xfrm>
-            <a:off x="581192" y="3584237"/>
-            <a:ext cx="11029615" cy="1497507"/>
-          </a:xfrm>
-        </p:spPr>
-        <p:txBody>
-          <a:bodyPr/>
-          <a:lstStyle/>
-          <a:p>
-            <a:r>
-              <a:rPr lang="en-GB"/>
-              <a:t>Introduction to monte carlo methods</a:t>
-            </a:r>
-            <a:endParaRPr lang="en-GB" dirty="0"/>
-          </a:p>
-        </p:txBody>
-      </p:sp>
-    </p:spTree>
-    <p:extLst>
-      <p:ext uri="{BB962C8B-B14F-4D97-AF65-F5344CB8AC3E}">
-        <p14:creationId xmlns:p14="http://schemas.microsoft.com/office/powerpoint/2010/main" val="2785755565"/>
-      </p:ext>
-    </p:extLst>
-  </p:cSld>
-  <p:clrMapOvr>
-    <a:masterClrMapping/>
-  </p:clrMapOvr>
-</p:sld>
-</file>
-
-<file path=ppt/slides/slide3.xml><?xml version="1.0" encoding="utf-8"?>
-<p:sld xmlns:a="http://schemas.openxmlformats.org/drawingml/2006/main" xmlns:r="http://schemas.openxmlformats.org/officeDocument/2006/relationships" xmlns:p="http://schemas.openxmlformats.org/presentationml/2006/main">
-  <p:cSld>
-    <p:spTree>
-      <p:nvGrpSpPr>
-        <p:cNvPr id="1" name=""/>
-        <p:cNvGrpSpPr/>
-        <p:nvPr/>
-      </p:nvGrpSpPr>
-      <p:grpSpPr>
-        <a:xfrm>
-          <a:off x="0" y="0"/>
-          <a:ext cx="0" cy="0"/>
-          <a:chOff x="0" y="0"/>
-          <a:chExt cx="0" cy="0"/>
-        </a:xfrm>
-      </p:grpSpPr>
-      <p:sp>
-        <p:nvSpPr>
-          <p:cNvPr id="2" name="Title 1">
-            <a:extLst>
-              <a:ext uri="{FF2B5EF4-FFF2-40B4-BE49-F238E27FC236}">
-                <a16:creationId xmlns:a16="http://schemas.microsoft.com/office/drawing/2014/main" id="{BFAE3774-800E-892D-3CF3-AB5BA6BF4FC6}"/>
-              </a:ext>
-            </a:extLst>
-          </p:cNvPr>
-          <p:cNvSpPr>
-            <a:spLocks noGrp="1"/>
-          </p:cNvSpPr>
-          <p:nvPr>
-            <p:ph type="title"/>
-          </p:nvPr>
-        </p:nvSpPr>
-        <p:spPr/>
-        <p:txBody>
-          <a:bodyPr/>
-          <a:lstStyle/>
-          <a:p>
-            <a:r>
-              <a:rPr lang="en-GB"/>
-              <a:t>What are monte </a:t>
-            </a:r>
-            <a:r>
-              <a:rPr lang="en-GB" err="1"/>
-              <a:t>carlo</a:t>
-            </a:r>
-            <a:r>
-              <a:rPr lang="en-GB"/>
-              <a:t> methods</a:t>
-            </a:r>
-          </a:p>
-        </p:txBody>
-      </p:sp>
-      <p:sp>
-        <p:nvSpPr>
-          <p:cNvPr id="4" name="TextBox 3">
-            <a:extLst>
-              <a:ext uri="{FF2B5EF4-FFF2-40B4-BE49-F238E27FC236}">
-                <a16:creationId xmlns:a16="http://schemas.microsoft.com/office/drawing/2014/main" id="{5C7A258B-B030-FFBD-7598-B5954DB4E984}"/>
-              </a:ext>
-            </a:extLst>
-          </p:cNvPr>
-          <p:cNvSpPr txBox="1"/>
-          <p:nvPr/>
-        </p:nvSpPr>
-        <p:spPr>
-          <a:xfrm>
-            <a:off x="581192" y="1905802"/>
-            <a:ext cx="10231656" cy="646331"/>
-          </a:xfrm>
-          <a:prstGeom prst="rect">
-            <a:avLst/>
-          </a:prstGeom>
-          <a:noFill/>
-        </p:spPr>
-        <p:txBody>
-          <a:bodyPr wrap="square" rtlCol="0">
-            <a:spAutoFit/>
-          </a:bodyPr>
-          <a:lstStyle/>
-          <a:p>
-            <a:r>
-              <a:rPr lang="en-GB" dirty="0"/>
-              <a:t>Named after the Monte Carlo casino in Monaco, Monte Carlo simulation is a type of stochastic simulation.</a:t>
-            </a:r>
-          </a:p>
-          <a:p>
-            <a:r>
-              <a:rPr lang="en-GB" dirty="0"/>
-              <a:t>These methods use randomness to create mathematical models.</a:t>
-            </a:r>
-          </a:p>
-        </p:txBody>
-      </p:sp>
-      <p:grpSp>
-        <p:nvGrpSpPr>
-          <p:cNvPr id="6" name="Group 5">
-            <a:extLst>
-              <a:ext uri="{FF2B5EF4-FFF2-40B4-BE49-F238E27FC236}">
-                <a16:creationId xmlns:a16="http://schemas.microsoft.com/office/drawing/2014/main" id="{7D45CD35-FE2E-825E-2B5F-00CBCB03AB75}"/>
-              </a:ext>
-            </a:extLst>
-          </p:cNvPr>
-          <p:cNvGrpSpPr/>
-          <p:nvPr/>
-        </p:nvGrpSpPr>
-        <p:grpSpPr>
-          <a:xfrm>
-            <a:off x="3604861" y="2741979"/>
-            <a:ext cx="4982278" cy="2979364"/>
-            <a:chOff x="3100435" y="2741979"/>
-            <a:chExt cx="6187021" cy="3699792"/>
-          </a:xfrm>
-        </p:grpSpPr>
-        <p:pic>
-          <p:nvPicPr>
-            <p:cNvPr id="1026" name="Picture 2">
-              <a:extLst>
-                <a:ext uri="{FF2B5EF4-FFF2-40B4-BE49-F238E27FC236}">
-                  <a16:creationId xmlns:a16="http://schemas.microsoft.com/office/drawing/2014/main" id="{A70F9274-BF45-0BFE-9E34-418C256A7BCC}"/>
-                </a:ext>
-              </a:extLst>
-            </p:cNvPr>
-            <p:cNvPicPr>
-              <a:picLocks noChangeAspect="1" noChangeArrowheads="1"/>
-            </p:cNvPicPr>
-            <p:nvPr/>
-          </p:nvPicPr>
-          <p:blipFill>
-            <a:blip r:embed="rId2">
-              <a:extLst>
-                <a:ext uri="{28A0092B-C50C-407E-A947-70E740481C1C}">
-                  <a14:useLocalDpi xmlns:a14="http://schemas.microsoft.com/office/drawing/2010/main" val="0"/>
-                </a:ext>
-              </a:extLst>
-            </a:blip>
-            <a:srcRect/>
-            <a:stretch>
-              <a:fillRect/>
-            </a:stretch>
-          </p:blipFill>
-          <p:spPr bwMode="auto">
-            <a:xfrm>
-              <a:off x="3740326" y="2741979"/>
-              <a:ext cx="4711347" cy="3143323"/>
-            </a:xfrm>
-            <a:prstGeom prst="rect">
-              <a:avLst/>
-            </a:prstGeom>
-            <a:noFill/>
-            <a:extLst>
-              <a:ext uri="{909E8E84-426E-40DD-AFC4-6F175D3DCCD1}">
-                <a14:hiddenFill xmlns:a14="http://schemas.microsoft.com/office/drawing/2010/main">
-                  <a:solidFill>
-                    <a:srgbClr val="FFFFFF"/>
-                  </a:solidFill>
-                </a14:hiddenFill>
-              </a:ext>
-            </a:extLst>
-          </p:spPr>
-        </p:pic>
-        <p:sp>
-          <p:nvSpPr>
-            <p:cNvPr id="3" name="TextBox 2">
-              <a:extLst>
-                <a:ext uri="{FF2B5EF4-FFF2-40B4-BE49-F238E27FC236}">
-                  <a16:creationId xmlns:a16="http://schemas.microsoft.com/office/drawing/2014/main" id="{2B151728-DDA8-8217-6447-DC0472537AF1}"/>
-                </a:ext>
-              </a:extLst>
-            </p:cNvPr>
-            <p:cNvSpPr txBox="1"/>
-            <p:nvPr/>
-          </p:nvSpPr>
-          <p:spPr>
-            <a:xfrm>
-              <a:off x="3100435" y="5983132"/>
-              <a:ext cx="6187021" cy="458639"/>
-            </a:xfrm>
-            <a:prstGeom prst="rect">
-              <a:avLst/>
-            </a:prstGeom>
-            <a:noFill/>
-          </p:spPr>
-          <p:txBody>
-            <a:bodyPr wrap="square" rtlCol="0">
-              <a:spAutoFit/>
-            </a:bodyPr>
-            <a:lstStyle/>
-            <a:p>
-              <a:r>
-                <a:rPr lang="en-GB" dirty="0"/>
-                <a:t>Casino de Monte-Carlo, Monaco (Britannica, 2025)</a:t>
-              </a:r>
-            </a:p>
-          </p:txBody>
-        </p:sp>
-      </p:grpSp>
-      <p:sp>
-        <p:nvSpPr>
-          <p:cNvPr id="7" name="TextBox 6">
-            <a:extLst>
-              <a:ext uri="{FF2B5EF4-FFF2-40B4-BE49-F238E27FC236}">
-                <a16:creationId xmlns:a16="http://schemas.microsoft.com/office/drawing/2014/main" id="{315ACC9E-FA6F-6A49-BFDE-D14298D7E1F5}"/>
-              </a:ext>
-            </a:extLst>
-          </p:cNvPr>
-          <p:cNvSpPr txBox="1"/>
-          <p:nvPr/>
-        </p:nvSpPr>
-        <p:spPr>
-          <a:xfrm>
-            <a:off x="901298" y="5832678"/>
-            <a:ext cx="10231656" cy="646331"/>
-          </a:xfrm>
-          <a:prstGeom prst="rect">
-            <a:avLst/>
-          </a:prstGeom>
-          <a:noFill/>
-        </p:spPr>
-        <p:txBody>
-          <a:bodyPr wrap="square" rtlCol="0">
-            <a:spAutoFit/>
-          </a:bodyPr>
-          <a:lstStyle/>
-          <a:p>
-            <a:r>
-              <a:rPr lang="en-GB" dirty="0"/>
-              <a:t>Monte Carlo methods are often used when problems have inherent randomness, like in financial markets, climate modelling, and population growth.</a:t>
-            </a:r>
-          </a:p>
-        </p:txBody>
-      </p:sp>
-    </p:spTree>
-    <p:extLst>
-      <p:ext uri="{BB962C8B-B14F-4D97-AF65-F5344CB8AC3E}">
-        <p14:creationId xmlns:p14="http://schemas.microsoft.com/office/powerpoint/2010/main" val="4184084600"/>
-      </p:ext>
-    </p:extLst>
-  </p:cSld>
-  <p:clrMapOvr>
-    <a:masterClrMapping/>
-  </p:clrMapOvr>
-</p:sld>
-</file>
-
-<file path=ppt/slides/slide4.xml><?xml version="1.0" encoding="utf-8"?>
-<p:sld xmlns:a="http://schemas.openxmlformats.org/drawingml/2006/main" xmlns:r="http://schemas.openxmlformats.org/officeDocument/2006/relationships" xmlns:p="http://schemas.openxmlformats.org/presentationml/2006/main">
-  <p:cSld>
-    <p:spTree>
-      <p:nvGrpSpPr>
-        <p:cNvPr id="1" name="">
-          <a:extLst>
-            <a:ext uri="{FF2B5EF4-FFF2-40B4-BE49-F238E27FC236}">
-              <a16:creationId xmlns:a16="http://schemas.microsoft.com/office/drawing/2014/main" id="{DD1CC5F4-9A1A-BD7E-0EA1-BCEF360FCD5E}"/>
-            </a:ext>
-          </a:extLst>
-        </p:cNvPr>
-        <p:cNvGrpSpPr/>
-        <p:nvPr/>
-      </p:nvGrpSpPr>
-      <p:grpSpPr>
-        <a:xfrm>
-          <a:off x="0" y="0"/>
-          <a:ext cx="0" cy="0"/>
-          <a:chOff x="0" y="0"/>
-          <a:chExt cx="0" cy="0"/>
-        </a:xfrm>
-      </p:grpSpPr>
-      <p:sp>
-        <p:nvSpPr>
-          <p:cNvPr id="2" name="Title 1">
-            <a:extLst>
-              <a:ext uri="{FF2B5EF4-FFF2-40B4-BE49-F238E27FC236}">
-                <a16:creationId xmlns:a16="http://schemas.microsoft.com/office/drawing/2014/main" id="{E8D12B61-A8F8-215A-2CD5-E8E7E34CE464}"/>
-              </a:ext>
-            </a:extLst>
-          </p:cNvPr>
-          <p:cNvSpPr>
-            <a:spLocks noGrp="1"/>
-          </p:cNvSpPr>
-          <p:nvPr>
-            <p:ph type="title"/>
-          </p:nvPr>
-        </p:nvSpPr>
-        <p:spPr/>
-        <p:txBody>
-          <a:bodyPr/>
-          <a:lstStyle/>
-          <a:p>
-            <a:r>
-              <a:rPr lang="en-GB" dirty="0"/>
-              <a:t>Monte </a:t>
-            </a:r>
-            <a:r>
-              <a:rPr lang="en-GB" dirty="0" err="1"/>
-              <a:t>carlo</a:t>
-            </a:r>
-            <a:r>
-              <a:rPr lang="en-GB" dirty="0"/>
-              <a:t> integration</a:t>
-            </a:r>
-          </a:p>
-        </p:txBody>
-      </p:sp>
-      <p:sp>
-        <p:nvSpPr>
-          <p:cNvPr id="5" name="TextBox 4">
-            <a:extLst>
-              <a:ext uri="{FF2B5EF4-FFF2-40B4-BE49-F238E27FC236}">
-                <a16:creationId xmlns:a16="http://schemas.microsoft.com/office/drawing/2014/main" id="{E275339D-9B20-727C-5B78-5D5A1D258626}"/>
-              </a:ext>
-            </a:extLst>
-          </p:cNvPr>
-          <p:cNvSpPr txBox="1"/>
-          <p:nvPr/>
-        </p:nvSpPr>
-        <p:spPr>
-          <a:xfrm>
-            <a:off x="685707" y="1885245"/>
-            <a:ext cx="10820586" cy="923330"/>
-          </a:xfrm>
-          <a:prstGeom prst="rect">
-            <a:avLst/>
-          </a:prstGeom>
-          <a:noFill/>
-        </p:spPr>
-        <p:txBody>
-          <a:bodyPr wrap="square" rtlCol="0">
-            <a:spAutoFit/>
-          </a:bodyPr>
-          <a:lstStyle/>
-          <a:p>
-            <a:r>
-              <a:rPr lang="en-GB" dirty="0"/>
-              <a:t>Monte Carlo integration is a method for approximating definite integrals using random variables. It is commonly applied in Monte Carlo Simulation and is widely used in fields such as physics, computer graphics, and biology to solve deterministic problems through randomness (Cragg, J.G., 2018).</a:t>
-            </a:r>
-          </a:p>
-        </p:txBody>
-      </p:sp>
-      <mc:AlternateContent xmlns:mc="http://schemas.openxmlformats.org/markup-compatibility/2006">
-        <mc:Choice xmlns:a14="http://schemas.microsoft.com/office/drawing/2010/main" Requires="a14">
-          <p:sp>
-            <p:nvSpPr>
-              <p:cNvPr id="10" name="TextBox 9">
-                <a:extLst>
-                  <a:ext uri="{FF2B5EF4-FFF2-40B4-BE49-F238E27FC236}">
-                    <a16:creationId xmlns:a16="http://schemas.microsoft.com/office/drawing/2014/main" id="{2A99B512-6B15-ABB1-144E-5ADB0FE9692C}"/>
-                  </a:ext>
-                </a:extLst>
-              </p:cNvPr>
-              <p:cNvSpPr txBox="1"/>
-              <p:nvPr/>
-            </p:nvSpPr>
-            <p:spPr>
-              <a:xfrm>
-                <a:off x="4843189" y="3756381"/>
-                <a:ext cx="3724288" cy="840295"/>
-              </a:xfrm>
-              <a:prstGeom prst="rect">
-                <a:avLst/>
-              </a:prstGeom>
-              <a:noFill/>
-            </p:spPr>
-            <p:txBody>
-              <a:bodyPr wrap="none" lIns="0" tIns="0" rIns="0" bIns="0" rtlCol="0">
-                <a:spAutoFit/>
-              </a:bodyPr>
-              <a:lstStyle/>
-              <a:p>
-                <a:pPr/>
-                <a14:m>
-                  <m:oMathPara xmlns:m="http://schemas.openxmlformats.org/officeDocument/2006/math">
-                    <m:oMathParaPr>
-                      <m:jc m:val="centerGroup"/>
-                    </m:oMathParaPr>
-                    <m:oMath xmlns:m="http://schemas.openxmlformats.org/officeDocument/2006/math">
-                      <m:nary>
-                        <m:naryPr>
-                          <m:limLoc m:val="undOvr"/>
-                          <m:ctrlPr>
-                            <a:rPr lang="en-GB" i="1" smtClean="0">
-                              <a:latin typeface="Cambria Math" panose="02040503050406030204" pitchFamily="18" charset="0"/>
-                            </a:rPr>
-                          </m:ctrlPr>
-                        </m:naryPr>
-                        <m:sub>
-                          <m:r>
-                            <m:rPr>
-                              <m:brk m:alnAt="24"/>
-                            </m:rPr>
-                            <a:rPr lang="en-GB" b="0" i="1" smtClean="0">
-                              <a:latin typeface="Cambria Math" panose="02040503050406030204" pitchFamily="18" charset="0"/>
-                            </a:rPr>
-                            <m:t>𝑎</m:t>
-                          </m:r>
-                        </m:sub>
-                        <m:sup>
-                          <m:r>
-                            <a:rPr lang="en-GB" b="0" i="1" smtClean="0">
-                              <a:latin typeface="Cambria Math" panose="02040503050406030204" pitchFamily="18" charset="0"/>
-                            </a:rPr>
-                            <m:t>𝑏</m:t>
-                          </m:r>
-                        </m:sup>
-                        <m:e>
-                          <m:r>
-                            <a:rPr lang="en-GB" b="0" i="1" smtClean="0">
-                              <a:latin typeface="Cambria Math" panose="02040503050406030204" pitchFamily="18" charset="0"/>
-                            </a:rPr>
-                            <m:t>𝑔</m:t>
-                          </m:r>
-                          <m:d>
-                            <m:dPr>
-                              <m:ctrlPr>
-                                <a:rPr lang="en-GB" b="0" i="1" smtClean="0">
-                                  <a:latin typeface="Cambria Math" panose="02040503050406030204" pitchFamily="18" charset="0"/>
-                                </a:rPr>
-                              </m:ctrlPr>
-                            </m:dPr>
-                            <m:e>
-                              <m:r>
-                                <a:rPr lang="en-GB" b="0" i="1" smtClean="0">
-                                  <a:latin typeface="Cambria Math" panose="02040503050406030204" pitchFamily="18" charset="0"/>
-                                </a:rPr>
-                                <m:t>𝑥</m:t>
-                              </m:r>
-                            </m:e>
-                          </m:d>
-                          <m:r>
-                            <a:rPr lang="en-GB" b="0" i="1" smtClean="0">
-                              <a:latin typeface="Cambria Math" panose="02040503050406030204" pitchFamily="18" charset="0"/>
-                            </a:rPr>
-                            <m:t> </m:t>
-                          </m:r>
-                          <m:r>
-                            <a:rPr lang="en-GB" b="0" i="1" smtClean="0">
-                              <a:latin typeface="Cambria Math" panose="02040503050406030204" pitchFamily="18" charset="0"/>
-                            </a:rPr>
-                            <m:t>𝑑𝑥</m:t>
-                          </m:r>
-                          <m:r>
-                            <a:rPr lang="en-GB" b="0" i="1" smtClean="0">
-                              <a:latin typeface="Cambria Math" panose="02040503050406030204" pitchFamily="18" charset="0"/>
-                            </a:rPr>
-                            <m:t>=</m:t>
-                          </m:r>
-                          <m:r>
-                            <a:rPr lang="en-GB" b="0" i="1" smtClean="0">
-                              <a:latin typeface="Cambria Math" panose="02040503050406030204" pitchFamily="18" charset="0"/>
-                            </a:rPr>
-                            <m:t>𝐸</m:t>
-                          </m:r>
-                          <m:d>
-                            <m:dPr>
-                              <m:begChr m:val="["/>
-                              <m:endChr m:val="]"/>
-                              <m:ctrlPr>
-                                <a:rPr lang="en-GB" b="0" i="1" smtClean="0">
-                                  <a:latin typeface="Cambria Math" panose="02040503050406030204" pitchFamily="18" charset="0"/>
-                                </a:rPr>
-                              </m:ctrlPr>
-                            </m:dPr>
-                            <m:e>
-                              <m:r>
-                                <a:rPr lang="en-GB" b="0" i="1" smtClean="0">
-                                  <a:latin typeface="Cambria Math" panose="02040503050406030204" pitchFamily="18" charset="0"/>
-                                </a:rPr>
-                                <m:t>𝑔</m:t>
-                              </m:r>
-                              <m:d>
-                                <m:dPr>
-                                  <m:ctrlPr>
-                                    <a:rPr lang="en-GB" b="0" i="1" smtClean="0">
-                                      <a:latin typeface="Cambria Math" panose="02040503050406030204" pitchFamily="18" charset="0"/>
-                                    </a:rPr>
-                                  </m:ctrlPr>
-                                </m:dPr>
-                                <m:e>
-                                  <m:r>
-                                    <a:rPr lang="en-GB" b="0" i="1" smtClean="0">
-                                      <a:latin typeface="Cambria Math" panose="02040503050406030204" pitchFamily="18" charset="0"/>
-                                    </a:rPr>
-                                    <m:t>𝑈</m:t>
-                                  </m:r>
-                                </m:e>
-                              </m:d>
-                            </m:e>
-                          </m:d>
-                          <m:r>
-                            <a:rPr lang="en-GB" b="0" i="1" smtClean="0">
-                              <a:latin typeface="Cambria Math" panose="02040503050406030204" pitchFamily="18" charset="0"/>
-                            </a:rPr>
-                            <m:t>≈</m:t>
-                          </m:r>
-                          <m:f>
-                            <m:fPr>
-                              <m:ctrlPr>
-                                <a:rPr lang="en-GB" b="0" i="1" smtClean="0">
-                                  <a:latin typeface="Cambria Math" panose="02040503050406030204" pitchFamily="18" charset="0"/>
-                                </a:rPr>
-                              </m:ctrlPr>
-                            </m:fPr>
-                            <m:num>
-                              <m:r>
-                                <a:rPr lang="en-GB" b="0" i="1" smtClean="0">
-                                  <a:latin typeface="Cambria Math" panose="02040503050406030204" pitchFamily="18" charset="0"/>
-                                </a:rPr>
-                                <m:t>𝑏</m:t>
-                              </m:r>
-                              <m:r>
-                                <a:rPr lang="en-GB" b="0" i="1" smtClean="0">
-                                  <a:latin typeface="Cambria Math" panose="02040503050406030204" pitchFamily="18" charset="0"/>
-                                </a:rPr>
-                                <m:t>−</m:t>
-                              </m:r>
-                              <m:r>
-                                <a:rPr lang="en-GB" b="0" i="1" smtClean="0">
-                                  <a:latin typeface="Cambria Math" panose="02040503050406030204" pitchFamily="18" charset="0"/>
-                                </a:rPr>
-                                <m:t>𝑎</m:t>
-                              </m:r>
-                            </m:num>
-                            <m:den>
-                              <m:r>
-                                <a:rPr lang="en-GB" b="0" i="1" smtClean="0">
-                                  <a:latin typeface="Cambria Math" panose="02040503050406030204" pitchFamily="18" charset="0"/>
-                                </a:rPr>
-                                <m:t>𝑛</m:t>
-                              </m:r>
-                            </m:den>
-                          </m:f>
-                          <m:r>
-                            <a:rPr lang="en-GB" b="0" i="1" smtClean="0">
-                              <a:latin typeface="Cambria Math" panose="02040503050406030204" pitchFamily="18" charset="0"/>
-                            </a:rPr>
-                            <m:t> </m:t>
-                          </m:r>
-                          <m:nary>
-                            <m:naryPr>
-                              <m:chr m:val="∑"/>
-                              <m:ctrlPr>
-                                <a:rPr lang="en-GB" b="0" i="1" smtClean="0">
-                                  <a:latin typeface="Cambria Math" panose="02040503050406030204" pitchFamily="18" charset="0"/>
-                                </a:rPr>
-                              </m:ctrlPr>
-                            </m:naryPr>
-                            <m:sub>
-                              <m:r>
-                                <m:rPr>
-                                  <m:brk m:alnAt="23"/>
-                                </m:rPr>
-                                <a:rPr lang="en-GB" b="0" i="1" smtClean="0">
-                                  <a:latin typeface="Cambria Math" panose="02040503050406030204" pitchFamily="18" charset="0"/>
-                                </a:rPr>
-                                <m:t>𝑖</m:t>
-                              </m:r>
-                              <m:r>
-                                <a:rPr lang="en-GB" b="0" i="1" smtClean="0">
-                                  <a:latin typeface="Cambria Math" panose="02040503050406030204" pitchFamily="18" charset="0"/>
-                                </a:rPr>
-                                <m:t>=1</m:t>
-                              </m:r>
-                            </m:sub>
-                            <m:sup>
-                              <m:r>
-                                <a:rPr lang="en-GB" b="0" i="1" smtClean="0">
-                                  <a:latin typeface="Cambria Math" panose="02040503050406030204" pitchFamily="18" charset="0"/>
-                                </a:rPr>
-                                <m:t>𝑛</m:t>
-                              </m:r>
-                            </m:sup>
-                            <m:e>
-                              <m:sSub>
-                                <m:sSubPr>
-                                  <m:ctrlPr>
-                                    <a:rPr lang="en-GB" b="0" i="1" smtClean="0">
-                                      <a:latin typeface="Cambria Math" panose="02040503050406030204" pitchFamily="18" charset="0"/>
-                                    </a:rPr>
-                                  </m:ctrlPr>
-                                </m:sSubPr>
-                                <m:e>
-                                  <m:r>
-                                    <a:rPr lang="en-GB" b="0" i="1" smtClean="0">
-                                      <a:latin typeface="Cambria Math" panose="02040503050406030204" pitchFamily="18" charset="0"/>
-                                    </a:rPr>
-                                    <m:t>𝑢</m:t>
-                                  </m:r>
-                                </m:e>
-                                <m:sub>
-                                  <m:r>
-                                    <a:rPr lang="en-GB" b="0" i="1" smtClean="0">
-                                      <a:latin typeface="Cambria Math" panose="02040503050406030204" pitchFamily="18" charset="0"/>
-                                    </a:rPr>
-                                    <m:t>𝑖</m:t>
-                                  </m:r>
-                                </m:sub>
-                              </m:sSub>
-                            </m:e>
-                          </m:nary>
-                        </m:e>
-                      </m:nary>
-                    </m:oMath>
-                  </m:oMathPara>
-                </a14:m>
-                <a:endParaRPr lang="en-GB" dirty="0"/>
-              </a:p>
-            </p:txBody>
-          </p:sp>
-        </mc:Choice>
-        <mc:Fallback>
-          <p:sp>
-            <p:nvSpPr>
-              <p:cNvPr id="10" name="TextBox 9">
-                <a:extLst>
-                  <a:ext uri="{FF2B5EF4-FFF2-40B4-BE49-F238E27FC236}">
-                    <a16:creationId xmlns:a16="http://schemas.microsoft.com/office/drawing/2014/main" id="{2A99B512-6B15-ABB1-144E-5ADB0FE9692C}"/>
-                  </a:ext>
-                </a:extLst>
-              </p:cNvPr>
-              <p:cNvSpPr txBox="1">
-                <a:spLocks noRot="1" noChangeAspect="1" noMove="1" noResize="1" noEditPoints="1" noAdjustHandles="1" noChangeArrowheads="1" noChangeShapeType="1" noTextEdit="1"/>
-              </p:cNvSpPr>
-              <p:nvPr/>
-            </p:nvSpPr>
-            <p:spPr>
-              <a:xfrm>
-                <a:off x="4843189" y="3756381"/>
-                <a:ext cx="3724288" cy="840295"/>
-              </a:xfrm>
-              <a:prstGeom prst="rect">
-                <a:avLst/>
-              </a:prstGeom>
-              <a:blipFill>
-                <a:blip r:embed="rId2"/>
-                <a:stretch>
-                  <a:fillRect l="-24490" t="-120896" r="-6803" b="-189552"/>
-                </a:stretch>
-              </a:blipFill>
-            </p:spPr>
-            <p:txBody>
-              <a:bodyPr/>
-              <a:lstStyle/>
-              <a:p>
-                <a:r>
-                  <a:rPr lang="en-GB">
-                    <a:noFill/>
-                  </a:rPr>
-                  <a:t> </a:t>
-                </a:r>
-              </a:p>
-            </p:txBody>
-          </p:sp>
-        </mc:Fallback>
-      </mc:AlternateContent>
-      <p:grpSp>
-        <p:nvGrpSpPr>
-          <p:cNvPr id="14" name="Group 13">
-            <a:extLst>
-              <a:ext uri="{FF2B5EF4-FFF2-40B4-BE49-F238E27FC236}">
-                <a16:creationId xmlns:a16="http://schemas.microsoft.com/office/drawing/2014/main" id="{87F03129-F63F-83F7-F3D0-C7CCC606628A}"/>
-              </a:ext>
-            </a:extLst>
-          </p:cNvPr>
-          <p:cNvGrpSpPr/>
-          <p:nvPr/>
-        </p:nvGrpSpPr>
-        <p:grpSpPr>
-          <a:xfrm>
-            <a:off x="685707" y="4650197"/>
-            <a:ext cx="6166493" cy="369333"/>
-            <a:chOff x="894552" y="5006622"/>
-            <a:chExt cx="6166493" cy="369333"/>
-          </a:xfrm>
-        </p:grpSpPr>
-        <p:sp>
-          <p:nvSpPr>
-            <p:cNvPr id="11" name="TextBox 10">
-              <a:extLst>
-                <a:ext uri="{FF2B5EF4-FFF2-40B4-BE49-F238E27FC236}">
-                  <a16:creationId xmlns:a16="http://schemas.microsoft.com/office/drawing/2014/main" id="{884BA341-AAA0-37EE-6BE1-A5CED130A791}"/>
-                </a:ext>
-              </a:extLst>
-            </p:cNvPr>
-            <p:cNvSpPr txBox="1"/>
-            <p:nvPr/>
-          </p:nvSpPr>
-          <p:spPr>
-            <a:xfrm>
-              <a:off x="894552" y="5006623"/>
-              <a:ext cx="1374515" cy="369332"/>
-            </a:xfrm>
-            <a:prstGeom prst="rect">
-              <a:avLst/>
-            </a:prstGeom>
-            <a:noFill/>
-          </p:spPr>
-          <p:txBody>
-            <a:bodyPr wrap="square" rtlCol="0">
-              <a:spAutoFit/>
-            </a:bodyPr>
-            <a:lstStyle/>
-            <a:p>
-              <a:r>
-                <a:rPr lang="en-GB" dirty="0"/>
-                <a:t>where each</a:t>
-              </a:r>
-            </a:p>
-          </p:txBody>
-        </p:sp>
-        <mc:AlternateContent xmlns:mc="http://schemas.openxmlformats.org/markup-compatibility/2006">
-          <mc:Choice xmlns:a14="http://schemas.microsoft.com/office/drawing/2010/main" Requires="a14">
-            <p:sp>
-              <p:nvSpPr>
-                <p:cNvPr id="12" name="TextBox 11">
-                  <a:extLst>
-                    <a:ext uri="{FF2B5EF4-FFF2-40B4-BE49-F238E27FC236}">
-                      <a16:creationId xmlns:a16="http://schemas.microsoft.com/office/drawing/2014/main" id="{954F5655-AFE9-BBF7-CBD7-B1DBC4094C93}"/>
-                    </a:ext>
-                  </a:extLst>
-                </p:cNvPr>
-                <p:cNvSpPr txBox="1"/>
-                <p:nvPr/>
-              </p:nvSpPr>
-              <p:spPr>
-                <a:xfrm>
-                  <a:off x="1920628" y="5052789"/>
-                  <a:ext cx="626533" cy="276999"/>
-                </a:xfrm>
-                <a:prstGeom prst="rect">
-                  <a:avLst/>
-                </a:prstGeom>
-                <a:noFill/>
-              </p:spPr>
-              <p:txBody>
-                <a:bodyPr wrap="square" lIns="0" tIns="0" rIns="0" bIns="0" rtlCol="0">
-                  <a:spAutoFit/>
-                </a:bodyPr>
-                <a:lstStyle/>
-                <a:p>
-                  <a:pPr/>
-                  <a14:m>
-                    <m:oMathPara xmlns:m="http://schemas.openxmlformats.org/officeDocument/2006/math">
-                      <m:oMathParaPr>
-                        <m:jc m:val="centerGroup"/>
-                      </m:oMathParaPr>
-                      <m:oMath xmlns:m="http://schemas.openxmlformats.org/officeDocument/2006/math">
-                        <m:sSub>
-                          <m:sSubPr>
-                            <m:ctrlPr>
-                              <a:rPr lang="en-GB" i="1" smtClean="0">
-                                <a:latin typeface="Cambria Math" panose="02040503050406030204" pitchFamily="18" charset="0"/>
-                              </a:rPr>
-                            </m:ctrlPr>
-                          </m:sSubPr>
-                          <m:e>
-                            <m:r>
-                              <a:rPr lang="en-GB" b="0" i="1" smtClean="0">
-                                <a:latin typeface="Cambria Math" panose="02040503050406030204" pitchFamily="18" charset="0"/>
-                              </a:rPr>
-                              <m:t>𝑢</m:t>
-                            </m:r>
-                          </m:e>
-                          <m:sub>
-                            <m:r>
-                              <a:rPr lang="en-GB" b="0" i="1" smtClean="0">
-                                <a:latin typeface="Cambria Math" panose="02040503050406030204" pitchFamily="18" charset="0"/>
-                              </a:rPr>
-                              <m:t>𝑖</m:t>
-                            </m:r>
-                          </m:sub>
-                        </m:sSub>
-                      </m:oMath>
-                    </m:oMathPara>
-                  </a14:m>
-                  <a:endParaRPr lang="en-GB" dirty="0"/>
-                </a:p>
-              </p:txBody>
-            </p:sp>
-          </mc:Choice>
-          <mc:Fallback>
-            <p:sp>
-              <p:nvSpPr>
-                <p:cNvPr id="12" name="TextBox 11">
-                  <a:extLst>
-                    <a:ext uri="{FF2B5EF4-FFF2-40B4-BE49-F238E27FC236}">
-                      <a16:creationId xmlns:a16="http://schemas.microsoft.com/office/drawing/2014/main" id="{954F5655-AFE9-BBF7-CBD7-B1DBC4094C93}"/>
-                    </a:ext>
-                  </a:extLst>
-                </p:cNvPr>
-                <p:cNvSpPr txBox="1">
-                  <a:spLocks noRot="1" noChangeAspect="1" noMove="1" noResize="1" noEditPoints="1" noAdjustHandles="1" noChangeArrowheads="1" noChangeShapeType="1" noTextEdit="1"/>
-                </p:cNvSpPr>
-                <p:nvPr/>
-              </p:nvSpPr>
-              <p:spPr>
-                <a:xfrm>
-                  <a:off x="1920628" y="5052789"/>
-                  <a:ext cx="626533" cy="276999"/>
-                </a:xfrm>
-                <a:prstGeom prst="rect">
-                  <a:avLst/>
-                </a:prstGeom>
-                <a:blipFill>
-                  <a:blip r:embed="rId3"/>
-                  <a:stretch>
-                    <a:fillRect b="-17391"/>
-                  </a:stretch>
-                </a:blipFill>
-              </p:spPr>
-              <p:txBody>
-                <a:bodyPr/>
-                <a:lstStyle/>
-                <a:p>
-                  <a:r>
-                    <a:rPr lang="en-GB">
-                      <a:noFill/>
-                    </a:rPr>
-                    <a:t> </a:t>
-                  </a:r>
-                </a:p>
-              </p:txBody>
-            </p:sp>
-          </mc:Fallback>
-        </mc:AlternateContent>
-        <p:sp>
-          <p:nvSpPr>
-            <p:cNvPr id="13" name="TextBox 12">
-              <a:extLst>
-                <a:ext uri="{FF2B5EF4-FFF2-40B4-BE49-F238E27FC236}">
-                  <a16:creationId xmlns:a16="http://schemas.microsoft.com/office/drawing/2014/main" id="{7494B948-82DE-DB56-4FB4-BA2D03E704BD}"/>
-                </a:ext>
-              </a:extLst>
-            </p:cNvPr>
-            <p:cNvSpPr txBox="1"/>
-            <p:nvPr/>
-          </p:nvSpPr>
-          <p:spPr>
-            <a:xfrm>
-              <a:off x="2311665" y="5006622"/>
-              <a:ext cx="4749380" cy="369332"/>
-            </a:xfrm>
-            <a:prstGeom prst="rect">
-              <a:avLst/>
-            </a:prstGeom>
-            <a:noFill/>
-          </p:spPr>
-          <p:txBody>
-            <a:bodyPr wrap="square" rtlCol="0">
-              <a:spAutoFit/>
-            </a:bodyPr>
-            <a:lstStyle/>
-            <a:p>
-              <a:r>
-                <a:rPr lang="en-GB" dirty="0"/>
-                <a:t>is a sample of a Uniform[a, b] random variable. </a:t>
-              </a:r>
-            </a:p>
-          </p:txBody>
-        </p:sp>
-      </p:grpSp>
-      <p:sp>
-        <p:nvSpPr>
-          <p:cNvPr id="15" name="TextBox 14">
-            <a:extLst>
-              <a:ext uri="{FF2B5EF4-FFF2-40B4-BE49-F238E27FC236}">
-                <a16:creationId xmlns:a16="http://schemas.microsoft.com/office/drawing/2014/main" id="{22AFFBE0-E627-B590-B0D1-A84E53147134}"/>
-              </a:ext>
-            </a:extLst>
-          </p:cNvPr>
-          <p:cNvSpPr txBox="1"/>
-          <p:nvPr/>
-        </p:nvSpPr>
-        <p:spPr>
-          <a:xfrm>
-            <a:off x="685707" y="3059668"/>
-            <a:ext cx="10820586" cy="646331"/>
-          </a:xfrm>
-          <a:prstGeom prst="rect">
-            <a:avLst/>
-          </a:prstGeom>
-          <a:noFill/>
-        </p:spPr>
-        <p:txBody>
-          <a:bodyPr wrap="square" rtlCol="0">
-            <a:spAutoFit/>
-          </a:bodyPr>
-          <a:lstStyle/>
-          <a:p>
-            <a:r>
-              <a:rPr lang="en-GB" dirty="0"/>
-              <a:t>Here is an example using uniform distributions.</a:t>
-            </a:r>
-          </a:p>
-          <a:p>
-            <a:r>
-              <a:rPr lang="en-GB" dirty="0"/>
-              <a:t>For a function g(x) that might be difficult to integrate using traditional methods,</a:t>
-            </a:r>
-          </a:p>
-        </p:txBody>
-      </p:sp>
-      <p:sp>
-        <p:nvSpPr>
-          <p:cNvPr id="16" name="TextBox 15">
-            <a:extLst>
-              <a:ext uri="{FF2B5EF4-FFF2-40B4-BE49-F238E27FC236}">
-                <a16:creationId xmlns:a16="http://schemas.microsoft.com/office/drawing/2014/main" id="{060469AB-CBAA-248E-29BE-2AD901B5F1F6}"/>
-              </a:ext>
-            </a:extLst>
-          </p:cNvPr>
-          <p:cNvSpPr txBox="1"/>
-          <p:nvPr/>
-        </p:nvSpPr>
-        <p:spPr>
-          <a:xfrm>
-            <a:off x="685707" y="5509513"/>
-            <a:ext cx="10820586" cy="646331"/>
-          </a:xfrm>
-          <a:prstGeom prst="rect">
-            <a:avLst/>
-          </a:prstGeom>
-          <a:noFill/>
-        </p:spPr>
-        <p:txBody>
-          <a:bodyPr wrap="square" rtlCol="0">
-            <a:spAutoFit/>
-          </a:bodyPr>
-          <a:lstStyle/>
-          <a:p>
-            <a:r>
-              <a:rPr lang="en-GB" dirty="0"/>
-              <a:t>Different distributions can be used for Monte Carlo integration depending on the situation. Using different distributions can yield more accurate results with less samples.</a:t>
-            </a:r>
-          </a:p>
-        </p:txBody>
-      </p:sp>
-    </p:spTree>
-    <p:extLst>
-      <p:ext uri="{BB962C8B-B14F-4D97-AF65-F5344CB8AC3E}">
-        <p14:creationId xmlns:p14="http://schemas.microsoft.com/office/powerpoint/2010/main" val="3906065231"/>
-      </p:ext>
-    </p:extLst>
-  </p:cSld>
-  <p:clrMapOvr>
-    <a:masterClrMapping/>
-  </p:clrMapOvr>
-</p:sld>
-</file>
-
-<file path=ppt/slides/slide5.xml><?xml version="1.0" encoding="utf-8"?>
-<p:sld xmlns:a="http://schemas.openxmlformats.org/drawingml/2006/main" xmlns:r="http://schemas.openxmlformats.org/officeDocument/2006/relationships" xmlns:p="http://schemas.openxmlformats.org/presentationml/2006/main">
-  <p:cSld>
-    <p:bg>
-      <p:bgPr>
-        <a:solidFill>
-          <a:schemeClr val="bg1"/>
-        </a:solidFill>
-        <a:effectLst/>
-      </p:bgPr>
-    </p:bg>
-    <p:spTree>
-      <p:nvGrpSpPr>
-        <p:cNvPr id="1" name="">
-          <a:extLst>
-            <a:ext uri="{FF2B5EF4-FFF2-40B4-BE49-F238E27FC236}">
-              <a16:creationId xmlns:a16="http://schemas.microsoft.com/office/drawing/2014/main" id="{478C2E4D-99CC-B5F5-4F6F-76C57F1F4D3B}"/>
-            </a:ext>
-          </a:extLst>
-        </p:cNvPr>
-        <p:cNvGrpSpPr/>
-        <p:nvPr/>
-      </p:nvGrpSpPr>
-      <p:grpSpPr>
-        <a:xfrm>
-          <a:off x="0" y="0"/>
-          <a:ext cx="0" cy="0"/>
-          <a:chOff x="0" y="0"/>
-          <a:chExt cx="0" cy="0"/>
-        </a:xfrm>
-      </p:grpSpPr>
-      <p:sp>
-        <p:nvSpPr>
-          <p:cNvPr id="8" name="Rectangle 7">
-            <a:extLst>
-              <a:ext uri="{FF2B5EF4-FFF2-40B4-BE49-F238E27FC236}">
-                <a16:creationId xmlns:a16="http://schemas.microsoft.com/office/drawing/2014/main" id="{2928117C-9446-4E7F-AE62-95E0F6DB5B27}"/>
-              </a:ext>
-              <a:ext uri="{C183D7F6-B498-43B3-948B-1728B52AA6E4}">
-                <adec:decorative xmlns:adec="http://schemas.microsoft.com/office/drawing/2017/decorative" val="1"/>
-              </a:ext>
-            </a:extLst>
-          </p:cNvPr>
-          <p:cNvSpPr>
-            <a:spLocks noGrp="1" noRot="1" noChangeAspect="1" noMove="1" noResize="1" noEditPoints="1" noAdjustHandles="1" noChangeArrowheads="1" noChangeShapeType="1" noTextEdit="1"/>
-          </p:cNvSpPr>
-          <p:nvPr>
-            <p:extLst>
-              <p:ext uri="{386F3935-93C4-4BCD-93E2-E3B085C9AB24}">
-                <p16:designElem xmlns:p16="http://schemas.microsoft.com/office/powerpoint/2015/main" val="1"/>
-              </p:ext>
-            </p:extLst>
-          </p:nvPr>
-        </p:nvSpPr>
-        <p:spPr>
-          <a:xfrm>
-            <a:off x="446534" y="457200"/>
-            <a:ext cx="3703320" cy="94997"/>
-          </a:xfrm>
-          <a:prstGeom prst="rect">
-            <a:avLst/>
-          </a:prstGeom>
-          <a:solidFill>
-            <a:schemeClr val="accent1"/>
-          </a:solidFill>
-          <a:ln>
-            <a:noFill/>
-          </a:ln>
-          <a:effectLst/>
-        </p:spPr>
-        <p:style>
-          <a:lnRef idx="1">
-            <a:schemeClr val="accent1"/>
-          </a:lnRef>
-          <a:fillRef idx="3">
-            <a:schemeClr val="accent1"/>
-          </a:fillRef>
-          <a:effectRef idx="2">
-            <a:schemeClr val="accent1"/>
-          </a:effectRef>
-          <a:fontRef idx="minor">
-            <a:schemeClr val="lt1"/>
-          </a:fontRef>
-        </p:style>
-        <p:txBody>
-          <a:bodyPr/>
-          <a:lstStyle/>
-          <a:p>
-            <a:endParaRPr lang="en-GB"/>
-          </a:p>
-        </p:txBody>
-      </p:sp>
-      <p:sp>
-        <p:nvSpPr>
-          <p:cNvPr id="10" name="Rectangle 9">
-            <a:extLst>
-              <a:ext uri="{FF2B5EF4-FFF2-40B4-BE49-F238E27FC236}">
-                <a16:creationId xmlns:a16="http://schemas.microsoft.com/office/drawing/2014/main" id="{84D30AFB-4D71-48B0-AA00-28EE92363A5F}"/>
-              </a:ext>
-              <a:ext uri="{C183D7F6-B498-43B3-948B-1728B52AA6E4}">
-                <adec:decorative xmlns:adec="http://schemas.microsoft.com/office/drawing/2017/decorative" val="1"/>
-              </a:ext>
-            </a:extLst>
-          </p:cNvPr>
-          <p:cNvSpPr>
-            <a:spLocks noGrp="1" noRot="1" noChangeAspect="1" noMove="1" noResize="1" noEditPoints="1" noAdjustHandles="1" noChangeArrowheads="1" noChangeShapeType="1" noTextEdit="1"/>
-          </p:cNvSpPr>
-          <p:nvPr>
-            <p:extLst>
-              <p:ext uri="{386F3935-93C4-4BCD-93E2-E3B085C9AB24}">
-                <p16:designElem xmlns:p16="http://schemas.microsoft.com/office/powerpoint/2015/main" val="1"/>
-              </p:ext>
-            </p:extLst>
-          </p:nvPr>
-        </p:nvSpPr>
-        <p:spPr>
-          <a:xfrm>
-            <a:off x="8042147" y="453643"/>
-            <a:ext cx="3703320" cy="98554"/>
-          </a:xfrm>
-          <a:prstGeom prst="rect">
-            <a:avLst/>
-          </a:prstGeom>
-          <a:solidFill>
-            <a:schemeClr val="accent4"/>
-          </a:solidFill>
-          <a:ln>
-            <a:noFill/>
-          </a:ln>
-          <a:effectLst/>
-        </p:spPr>
-        <p:style>
-          <a:lnRef idx="1">
-            <a:schemeClr val="accent1"/>
-          </a:lnRef>
-          <a:fillRef idx="3">
-            <a:schemeClr val="accent1"/>
-          </a:fillRef>
-          <a:effectRef idx="2">
-            <a:schemeClr val="accent1"/>
-          </a:effectRef>
-          <a:fontRef idx="minor">
-            <a:schemeClr val="lt1"/>
-          </a:fontRef>
-        </p:style>
-        <p:txBody>
-          <a:bodyPr/>
-          <a:lstStyle/>
-          <a:p>
-            <a:endParaRPr lang="en-GB"/>
-          </a:p>
-        </p:txBody>
-      </p:sp>
-      <p:sp>
-        <p:nvSpPr>
-          <p:cNvPr id="12" name="Rectangle 11">
-            <a:extLst>
-              <a:ext uri="{FF2B5EF4-FFF2-40B4-BE49-F238E27FC236}">
-                <a16:creationId xmlns:a16="http://schemas.microsoft.com/office/drawing/2014/main" id="{96A0B76F-8010-4C62-B4B6-C5FC438C059E}"/>
-              </a:ext>
-              <a:ext uri="{C183D7F6-B498-43B3-948B-1728B52AA6E4}">
-                <adec:decorative xmlns:adec="http://schemas.microsoft.com/office/drawing/2017/decorative" val="1"/>
-              </a:ext>
-            </a:extLst>
-          </p:cNvPr>
-          <p:cNvSpPr>
-            <a:spLocks noGrp="1" noRot="1" noChangeAspect="1" noMove="1" noResize="1" noEditPoints="1" noAdjustHandles="1" noChangeArrowheads="1" noChangeShapeType="1" noTextEdit="1"/>
-          </p:cNvSpPr>
-          <p:nvPr>
-            <p:extLst>
-              <p:ext uri="{386F3935-93C4-4BCD-93E2-E3B085C9AB24}">
-                <p16:designElem xmlns:p16="http://schemas.microsoft.com/office/powerpoint/2015/main" val="1"/>
-              </p:ext>
-            </p:extLst>
-          </p:nvPr>
-        </p:nvSpPr>
-        <p:spPr>
-          <a:xfrm>
-            <a:off x="4241830" y="457200"/>
-            <a:ext cx="3703320" cy="91440"/>
-          </a:xfrm>
-          <a:prstGeom prst="rect">
-            <a:avLst/>
-          </a:prstGeom>
-          <a:solidFill>
-            <a:schemeClr val="accent2"/>
-          </a:solidFill>
-          <a:ln>
-            <a:noFill/>
-          </a:ln>
-          <a:effectLst/>
-        </p:spPr>
-        <p:style>
-          <a:lnRef idx="1">
-            <a:schemeClr val="accent1"/>
-          </a:lnRef>
-          <a:fillRef idx="3">
-            <a:schemeClr val="accent1"/>
-          </a:fillRef>
-          <a:effectRef idx="2">
-            <a:schemeClr val="accent1"/>
-          </a:effectRef>
-          <a:fontRef idx="minor">
-            <a:schemeClr val="lt1"/>
-          </a:fontRef>
-        </p:style>
-        <p:txBody>
-          <a:bodyPr/>
-          <a:lstStyle/>
-          <a:p>
-            <a:endParaRPr lang="en-GB"/>
-          </a:p>
-        </p:txBody>
-      </p:sp>
-      <p:sp>
-        <p:nvSpPr>
-          <p:cNvPr id="14" name="Rectangle 13">
-            <a:extLst>
-              <a:ext uri="{FF2B5EF4-FFF2-40B4-BE49-F238E27FC236}">
-                <a16:creationId xmlns:a16="http://schemas.microsoft.com/office/drawing/2014/main" id="{9FC936C0-4624-438D-BDD0-6B296BD6409D}"/>
-              </a:ext>
-              <a:ext uri="{C183D7F6-B498-43B3-948B-1728B52AA6E4}">
-                <adec:decorative xmlns:adec="http://schemas.microsoft.com/office/drawing/2017/decorative" val="1"/>
-              </a:ext>
-            </a:extLst>
-          </p:cNvPr>
-          <p:cNvSpPr>
-            <a:spLocks noGrp="1" noRot="1" noChangeAspect="1" noMove="1" noResize="1" noEditPoints="1" noAdjustHandles="1" noChangeArrowheads="1" noChangeShapeType="1" noTextEdit="1"/>
-          </p:cNvSpPr>
-          <p:nvPr>
-            <p:extLst>
-              <p:ext uri="{386F3935-93C4-4BCD-93E2-E3B085C9AB24}">
-                <p16:designElem xmlns:p16="http://schemas.microsoft.com/office/powerpoint/2015/main" val="1"/>
-              </p:ext>
-            </p:extLst>
-          </p:nvPr>
-        </p:nvSpPr>
-        <p:spPr>
-          <a:xfrm>
-            <a:off x="446534" y="3085765"/>
-            <a:ext cx="11262866" cy="3304800"/>
-          </a:xfrm>
-          <a:prstGeom prst="rect">
-            <a:avLst/>
-          </a:prstGeom>
-          <a:solidFill>
-            <a:schemeClr val="accent1"/>
-          </a:solidFill>
-          <a:ln>
-            <a:noFill/>
-          </a:ln>
-          <a:effectLst/>
-        </p:spPr>
-        <p:style>
-          <a:lnRef idx="1">
-            <a:schemeClr val="accent1"/>
-          </a:lnRef>
-          <a:fillRef idx="3">
-            <a:schemeClr val="accent1"/>
-          </a:fillRef>
-          <a:effectRef idx="2">
-            <a:schemeClr val="accent1"/>
-          </a:effectRef>
-          <a:fontRef idx="minor">
-            <a:schemeClr val="lt1"/>
-          </a:fontRef>
-        </p:style>
-        <p:txBody>
-          <a:bodyPr/>
-          <a:lstStyle/>
-          <a:p>
-            <a:endParaRPr lang="en-GB"/>
-          </a:p>
-        </p:txBody>
-      </p:sp>
-      <p:sp useBgFill="1">
-        <p:nvSpPr>
-          <p:cNvPr id="16" name="Rectangle 15">
-            <a:extLst>
-              <a:ext uri="{FF2B5EF4-FFF2-40B4-BE49-F238E27FC236}">
-                <a16:creationId xmlns:a16="http://schemas.microsoft.com/office/drawing/2014/main" id="{4B526CBF-0AA4-49A9-B305-EE0AF3AF6D3C}"/>
-              </a:ext>
-              <a:ext uri="{C183D7F6-B498-43B3-948B-1728B52AA6E4}">
-                <adec:decorative xmlns:adec="http://schemas.microsoft.com/office/drawing/2017/decorative" val="1"/>
-              </a:ext>
-            </a:extLst>
-          </p:cNvPr>
-          <p:cNvSpPr>
-            <a:spLocks noGrp="1" noRot="1" noChangeAspect="1" noMove="1" noResize="1" noEditPoints="1" noAdjustHandles="1" noChangeArrowheads="1" noChangeShapeType="1" noTextEdit="1"/>
-          </p:cNvSpPr>
-          <p:nvPr>
-            <p:extLst>
-              <p:ext uri="{386F3935-93C4-4BCD-93E2-E3B085C9AB24}">
-                <p16:designElem xmlns:p16="http://schemas.microsoft.com/office/powerpoint/2015/main" val="1"/>
-              </p:ext>
-            </p:extLst>
-          </p:nvPr>
-        </p:nvSpPr>
-        <p:spPr>
-          <a:xfrm>
-            <a:off x="0" y="0"/>
-            <a:ext cx="12192000" cy="6858000"/>
-          </a:xfrm>
-          <a:prstGeom prst="rect">
-            <a:avLst/>
-          </a:prstGeom>
-          <a:ln>
-            <a:noFill/>
-          </a:ln>
-        </p:spPr>
-        <p:style>
-          <a:lnRef idx="2">
-            <a:schemeClr val="accent1">
-              <a:shade val="50000"/>
-            </a:schemeClr>
-          </a:lnRef>
-          <a:fillRef idx="1">
-            <a:schemeClr val="accent1"/>
-          </a:fillRef>
-          <a:effectRef idx="0">
-            <a:schemeClr val="accent1"/>
-          </a:effectRef>
-          <a:fontRef idx="minor">
-            <a:schemeClr val="lt1"/>
-          </a:fontRef>
-        </p:style>
-        <p:txBody>
-          <a:bodyPr rtlCol="0" anchor="ctr"/>
-          <a:lstStyle/>
-          <a:p>
-            <a:pPr algn="ctr"/>
-            <a:endParaRPr lang="en-US"/>
-          </a:p>
-        </p:txBody>
-      </p:sp>
-      <p:pic>
-        <p:nvPicPr>
-          <p:cNvPr id="4" name="Picture 3" descr="Yellow pin on a calendar">
-            <a:extLst>
-              <a:ext uri="{FF2B5EF4-FFF2-40B4-BE49-F238E27FC236}">
-                <a16:creationId xmlns:a16="http://schemas.microsoft.com/office/drawing/2014/main" id="{22292F4C-D498-DE76-1910-3D4EC054A088}"/>
-              </a:ext>
-            </a:extLst>
-          </p:cNvPr>
-          <p:cNvPicPr>
-            <a:picLocks noChangeAspect="1"/>
-          </p:cNvPicPr>
-          <p:nvPr/>
-        </p:nvPicPr>
-        <p:blipFill>
-          <a:blip r:embed="rId2"/>
-          <a:srcRect t="15413"/>
-          <a:stretch/>
-        </p:blipFill>
-        <p:spPr>
-          <a:xfrm>
-            <a:off x="20" y="10"/>
-            <a:ext cx="12191980" cy="6857990"/>
-          </a:xfrm>
-          <a:prstGeom prst="rect">
-            <a:avLst/>
-          </a:prstGeom>
-        </p:spPr>
-      </p:pic>
-      <p:grpSp>
-        <p:nvGrpSpPr>
-          <p:cNvPr id="18" name="Group 17">
-            <a:extLst>
-              <a:ext uri="{FF2B5EF4-FFF2-40B4-BE49-F238E27FC236}">
-                <a16:creationId xmlns:a16="http://schemas.microsoft.com/office/drawing/2014/main" id="{CC8B5139-02E6-4DEA-9CCE-962CAF0AFBA0}"/>
-              </a:ext>
-              <a:ext uri="{C183D7F6-B498-43B3-948B-1728B52AA6E4}">
-                <adec:decorative xmlns:adec="http://schemas.microsoft.com/office/drawing/2017/decorative" val="1"/>
-              </a:ext>
-            </a:extLst>
-          </p:cNvPr>
-          <p:cNvGrpSpPr>
-            <a:grpSpLocks noGrp="1" noUngrp="1" noRot="1" noChangeAspect="1" noMove="1" noResize="1"/>
-          </p:cNvGrpSpPr>
-          <p:nvPr>
-            <p:extLst>
-              <p:ext uri="{386F3935-93C4-4BCD-93E2-E3B085C9AB24}">
-                <p16:designElem xmlns:p16="http://schemas.microsoft.com/office/powerpoint/2015/main" val="1"/>
-              </p:ext>
-            </p:extLst>
-          </p:nvPr>
-        </p:nvGrpSpPr>
-        <p:grpSpPr>
-          <a:xfrm>
-            <a:off x="438068" y="457200"/>
-            <a:ext cx="3703320" cy="5935132"/>
-            <a:chOff x="438068" y="457200"/>
-            <a:chExt cx="3703320" cy="5935132"/>
-          </a:xfrm>
-        </p:grpSpPr>
-        <p:sp>
-          <p:nvSpPr>
-            <p:cNvPr id="19" name="Rectangle 18">
-              <a:extLst>
-                <a:ext uri="{FF2B5EF4-FFF2-40B4-BE49-F238E27FC236}">
-                  <a16:creationId xmlns:a16="http://schemas.microsoft.com/office/drawing/2014/main" id="{C0470BC0-AB0D-4A03-B4F1-5DDA9A31C11F}"/>
-                </a:ext>
-                <a:ext uri="{C183D7F6-B498-43B3-948B-1728B52AA6E4}">
-                  <adec:decorative xmlns:adec="http://schemas.microsoft.com/office/drawing/2017/decorative" val="1"/>
-                </a:ext>
-              </a:extLst>
-            </p:cNvPr>
-            <p:cNvSpPr/>
-            <p:nvPr>
-              <p:extLst>
-                <p:ext uri="{386F3935-93C4-4BCD-93E2-E3B085C9AB24}">
-                  <p16:designElem xmlns:p16="http://schemas.microsoft.com/office/powerpoint/2015/main" val="1"/>
-                </p:ext>
-              </p:extLst>
-            </p:nvPr>
-          </p:nvSpPr>
-          <p:spPr>
-            <a:xfrm>
-              <a:off x="438068" y="618067"/>
-              <a:ext cx="3702134" cy="5774265"/>
-            </a:xfrm>
-            <a:prstGeom prst="rect">
-              <a:avLst/>
-            </a:prstGeom>
-            <a:solidFill>
-              <a:schemeClr val="accent1">
-                <a:alpha val="97000"/>
-              </a:schemeClr>
-            </a:solidFill>
-            <a:ln w="6350" cmpd="sng">
-              <a:noFill/>
-            </a:ln>
-            <a:effectLst/>
-          </p:spPr>
-          <p:style>
-            <a:lnRef idx="1">
-              <a:schemeClr val="accent1"/>
-            </a:lnRef>
-            <a:fillRef idx="3">
-              <a:schemeClr val="accent1"/>
-            </a:fillRef>
-            <a:effectRef idx="2">
-              <a:schemeClr val="accent1"/>
-            </a:effectRef>
-            <a:fontRef idx="minor">
-              <a:schemeClr val="lt1"/>
-            </a:fontRef>
-          </p:style>
-          <p:txBody>
-            <a:bodyPr/>
-            <a:lstStyle/>
-            <a:p>
-              <a:endParaRPr lang="en-GB"/>
-            </a:p>
-          </p:txBody>
-        </p:sp>
-        <p:sp>
-          <p:nvSpPr>
-            <p:cNvPr id="20" name="Rectangle 19">
-              <a:extLst>
-                <a:ext uri="{FF2B5EF4-FFF2-40B4-BE49-F238E27FC236}">
-                  <a16:creationId xmlns:a16="http://schemas.microsoft.com/office/drawing/2014/main" id="{724A08B2-EC2C-4641-81BE-FE8B068BE15F}"/>
-                </a:ext>
-                <a:ext uri="{C183D7F6-B498-43B3-948B-1728B52AA6E4}">
-                  <adec:decorative xmlns:adec="http://schemas.microsoft.com/office/drawing/2017/decorative" val="1"/>
-                </a:ext>
-              </a:extLst>
-            </p:cNvPr>
-            <p:cNvSpPr/>
-            <p:nvPr>
-              <p:extLst>
-                <p:ext uri="{386F3935-93C4-4BCD-93E2-E3B085C9AB24}">
-                  <p16:designElem xmlns:p16="http://schemas.microsoft.com/office/powerpoint/2015/main" val="1"/>
-                </p:ext>
-              </p:extLst>
-            </p:nvPr>
-          </p:nvSpPr>
-          <p:spPr>
-            <a:xfrm>
-              <a:off x="438068" y="457200"/>
-              <a:ext cx="3703320" cy="94997"/>
-            </a:xfrm>
-            <a:prstGeom prst="rect">
-              <a:avLst/>
-            </a:prstGeom>
-            <a:solidFill>
-              <a:schemeClr val="accent1"/>
-            </a:solidFill>
-            <a:ln>
-              <a:noFill/>
-            </a:ln>
-            <a:effectLst/>
-          </p:spPr>
-          <p:style>
-            <a:lnRef idx="1">
-              <a:schemeClr val="accent1"/>
-            </a:lnRef>
-            <a:fillRef idx="3">
-              <a:schemeClr val="accent1"/>
-            </a:fillRef>
-            <a:effectRef idx="2">
-              <a:schemeClr val="accent1"/>
-            </a:effectRef>
-            <a:fontRef idx="minor">
-              <a:schemeClr val="lt1"/>
-            </a:fontRef>
-          </p:style>
-          <p:txBody>
-            <a:bodyPr/>
-            <a:lstStyle/>
-            <a:p>
-              <a:endParaRPr lang="en-GB"/>
-            </a:p>
-          </p:txBody>
-        </p:sp>
-      </p:grpSp>
-      <p:sp>
-        <p:nvSpPr>
-          <p:cNvPr id="2" name="Title 1">
-            <a:extLst>
-              <a:ext uri="{FF2B5EF4-FFF2-40B4-BE49-F238E27FC236}">
-                <a16:creationId xmlns:a16="http://schemas.microsoft.com/office/drawing/2014/main" id="{1064CE6B-F585-5643-CF4B-1EB0B63D342B}"/>
-              </a:ext>
-            </a:extLst>
-          </p:cNvPr>
-          <p:cNvSpPr>
-            <a:spLocks noGrp="1"/>
-          </p:cNvSpPr>
-          <p:nvPr>
-            <p:ph type="title"/>
-          </p:nvPr>
-        </p:nvSpPr>
-        <p:spPr>
-          <a:xfrm>
-            <a:off x="584200" y="2142067"/>
-            <a:ext cx="3412067" cy="2971801"/>
-          </a:xfrm>
-        </p:spPr>
-        <p:txBody>
-          <a:bodyPr vert="horz" lIns="91440" tIns="45720" rIns="91440" bIns="45720" rtlCol="0" anchor="b">
-            <a:normAutofit/>
-          </a:bodyPr>
-          <a:lstStyle/>
-          <a:p>
-            <a:r>
-              <a:rPr lang="en-US">
-                <a:solidFill>
-                  <a:srgbClr val="FFFFFF"/>
-                </a:solidFill>
-              </a:rPr>
-              <a:t>Solving problems with monte carlo methods</a:t>
-            </a:r>
-          </a:p>
-        </p:txBody>
-      </p:sp>
-    </p:spTree>
-    <p:extLst>
-      <p:ext uri="{BB962C8B-B14F-4D97-AF65-F5344CB8AC3E}">
-        <p14:creationId xmlns:p14="http://schemas.microsoft.com/office/powerpoint/2010/main" val="2498335217"/>
-      </p:ext>
-    </p:extLst>
-  </p:cSld>
-  <p:clrMapOvr>
-    <a:masterClrMapping/>
-  </p:clrMapOvr>
-</p:sld>
-</file>
-
-<file path=ppt/slides/slide6.xml><?xml version="1.0" encoding="utf-8"?>
-<p:sld xmlns:a="http://schemas.openxmlformats.org/drawingml/2006/main" xmlns:r="http://schemas.openxmlformats.org/officeDocument/2006/relationships" xmlns:p="http://schemas.openxmlformats.org/presentationml/2006/main">
-  <p:cSld>
-    <p:spTree>
-      <p:nvGrpSpPr>
-        <p:cNvPr id="1" name=""/>
-        <p:cNvGrpSpPr/>
-        <p:nvPr/>
-      </p:nvGrpSpPr>
-      <p:grpSpPr>
-        <a:xfrm>
-          <a:off x="0" y="0"/>
-          <a:ext cx="0" cy="0"/>
-          <a:chOff x="0" y="0"/>
-          <a:chExt cx="0" cy="0"/>
-        </a:xfrm>
-      </p:grpSpPr>
-      <p:sp>
-        <p:nvSpPr>
-          <p:cNvPr id="2" name="Title 1">
-            <a:extLst>
-              <a:ext uri="{FF2B5EF4-FFF2-40B4-BE49-F238E27FC236}">
-                <a16:creationId xmlns:a16="http://schemas.microsoft.com/office/drawing/2014/main" id="{6BB89EFA-1C23-D1A8-6368-855CF3192D8B}"/>
-              </a:ext>
-            </a:extLst>
-          </p:cNvPr>
-          <p:cNvSpPr>
-            <a:spLocks noGrp="1"/>
-          </p:cNvSpPr>
-          <p:nvPr>
-            <p:ph type="title"/>
-          </p:nvPr>
-        </p:nvSpPr>
-        <p:spPr/>
-        <p:txBody>
-          <a:bodyPr/>
-          <a:lstStyle/>
-          <a:p>
-            <a:r>
-              <a:rPr lang="en-GB" dirty="0"/>
-              <a:t>Congruential generator</a:t>
-            </a:r>
-          </a:p>
-        </p:txBody>
-      </p:sp>
-      <p:grpSp>
-        <p:nvGrpSpPr>
-          <p:cNvPr id="3" name="Group 2">
-            <a:extLst>
-              <a:ext uri="{FF2B5EF4-FFF2-40B4-BE49-F238E27FC236}">
-                <a16:creationId xmlns:a16="http://schemas.microsoft.com/office/drawing/2014/main" id="{B2B0C817-53E5-438E-5ADE-1AA4670B8C76}"/>
-              </a:ext>
-            </a:extLst>
-          </p:cNvPr>
-          <p:cNvGrpSpPr/>
-          <p:nvPr/>
-        </p:nvGrpSpPr>
-        <p:grpSpPr>
-          <a:xfrm>
-            <a:off x="581192" y="2340429"/>
-            <a:ext cx="11029616" cy="4575612"/>
-            <a:chOff x="581192" y="2340429"/>
-            <a:chExt cx="11029616" cy="4575612"/>
-          </a:xfrm>
-        </p:grpSpPr>
-        <p:sp>
-          <p:nvSpPr>
-            <p:cNvPr id="6" name="TextBox 5">
-              <a:extLst>
-                <a:ext uri="{FF2B5EF4-FFF2-40B4-BE49-F238E27FC236}">
-                  <a16:creationId xmlns:a16="http://schemas.microsoft.com/office/drawing/2014/main" id="{6EE64218-386C-2C06-B9AD-3DF249F93D7E}"/>
-                </a:ext>
-              </a:extLst>
-            </p:cNvPr>
-            <p:cNvSpPr txBox="1"/>
-            <p:nvPr/>
-          </p:nvSpPr>
-          <p:spPr>
-            <a:xfrm>
-              <a:off x="581192" y="2340429"/>
-              <a:ext cx="6566473" cy="4575612"/>
-            </a:xfrm>
-            <a:prstGeom prst="rect">
-              <a:avLst/>
-            </a:prstGeom>
-            <a:noFill/>
-          </p:spPr>
-          <p:txBody>
-            <a:bodyPr wrap="square" rtlCol="0">
-              <a:spAutoFit/>
-            </a:bodyPr>
-            <a:lstStyle/>
-            <a:p>
-              <a:pPr marL="285750" indent="-285750">
-                <a:buFont typeface="Arial" panose="020B0604020202020204" pitchFamily="34" charset="0"/>
-                <a:buChar char="•"/>
-              </a:pPr>
-              <a:r>
-                <a:rPr lang="en-GB" sz="2000" dirty="0"/>
-                <a:t>Uses the formula X</a:t>
-              </a:r>
-              <a:r>
-                <a:rPr lang="en-GB" sz="2000" baseline="-25000" dirty="0"/>
-                <a:t>n+1</a:t>
-              </a:r>
-              <a:r>
-                <a:rPr lang="en-GB" sz="2000" dirty="0"/>
-                <a:t> = </a:t>
-              </a:r>
-              <a:r>
-                <a:rPr lang="en-GB" sz="2000" dirty="0" err="1"/>
-                <a:t>aX</a:t>
-              </a:r>
-              <a:r>
-                <a:rPr lang="en-GB" sz="2000" baseline="-25000" dirty="0" err="1"/>
-                <a:t>n</a:t>
-              </a:r>
-              <a:r>
-                <a:rPr lang="en-GB" sz="2000" dirty="0"/>
-                <a:t> + d (mod m)</a:t>
-              </a:r>
-            </a:p>
-            <a:p>
-              <a:endParaRPr lang="en-GB" sz="2000" dirty="0"/>
-            </a:p>
-            <a:p>
-              <a:r>
-                <a:rPr lang="en-GB" sz="2000" dirty="0">
-                  <a:ea typeface="Calibri" panose="020F0502020204030204" pitchFamily="34" charset="0"/>
-                  <a:cs typeface="Calibri" panose="020F0502020204030204" pitchFamily="34" charset="0"/>
-                </a:rPr>
-                <a:t>For a full period:</a:t>
-              </a:r>
-            </a:p>
-            <a:p>
-              <a:pPr marL="285750" indent="-285750">
-                <a:buFont typeface="Arial" panose="020B0604020202020204" pitchFamily="34" charset="0"/>
-                <a:buChar char="•"/>
-              </a:pPr>
-              <a:r>
-                <a:rPr lang="en-GB" sz="2000" dirty="0">
-                  <a:ea typeface="Calibri" panose="020F0502020204030204" pitchFamily="34" charset="0"/>
-                  <a:cs typeface="Calibri" panose="020F0502020204030204" pitchFamily="34" charset="0"/>
-                </a:rPr>
-                <a:t>d and m must be coprime</a:t>
-              </a:r>
-            </a:p>
-            <a:p>
-              <a:pPr marL="285750" indent="-285750">
-                <a:buFont typeface="Arial" panose="020B0604020202020204" pitchFamily="34" charset="0"/>
-                <a:buChar char="•"/>
-              </a:pPr>
-              <a:r>
-                <a:rPr lang="en-GB" sz="2000" dirty="0">
-                  <a:ea typeface="Calibri" panose="020F0502020204030204" pitchFamily="34" charset="0"/>
-                  <a:cs typeface="Calibri" panose="020F0502020204030204" pitchFamily="34" charset="0"/>
-                </a:rPr>
-                <a:t>a-</a:t>
-              </a:r>
-              <a:r>
-                <a:rPr lang="en-GB" sz="2000" dirty="0">
-                  <a:latin typeface="Calibri" panose="020F0502020204030204" pitchFamily="34" charset="0"/>
-                  <a:ea typeface="Calibri" panose="020F0502020204030204" pitchFamily="34" charset="0"/>
-                  <a:cs typeface="Calibri" panose="020F0502020204030204" pitchFamily="34" charset="0"/>
-                </a:rPr>
-                <a:t>1 </a:t>
-              </a:r>
-              <a:r>
-                <a:rPr lang="en-GB" sz="2000" dirty="0">
-                  <a:ea typeface="Calibri" panose="020F0502020204030204" pitchFamily="34" charset="0"/>
-                  <a:cs typeface="Calibri" panose="020F0502020204030204" pitchFamily="34" charset="0"/>
-                </a:rPr>
-                <a:t>is divisible by all prime factors of m</a:t>
-              </a:r>
-            </a:p>
-            <a:p>
-              <a:pPr marL="285750" indent="-285750">
-                <a:buFont typeface="Arial" panose="020B0604020202020204" pitchFamily="34" charset="0"/>
-                <a:buChar char="•"/>
-              </a:pPr>
-              <a:r>
-                <a:rPr lang="en-GB" sz="2000" dirty="0">
-                  <a:ea typeface="Calibri" panose="020F0502020204030204" pitchFamily="34" charset="0"/>
-                  <a:cs typeface="Calibri" panose="020F0502020204030204" pitchFamily="34" charset="0"/>
-                </a:rPr>
-                <a:t>If 4 divides m then </a:t>
-              </a:r>
-              <a:r>
-                <a:rPr lang="en-GB" sz="2000" dirty="0">
-                  <a:latin typeface="Calibri" panose="020F0502020204030204" pitchFamily="34" charset="0"/>
-                  <a:ea typeface="Calibri" panose="020F0502020204030204" pitchFamily="34" charset="0"/>
-                  <a:cs typeface="Calibri" panose="020F0502020204030204" pitchFamily="34" charset="0"/>
-                </a:rPr>
-                <a:t>a-1 </a:t>
-              </a:r>
-              <a:r>
-                <a:rPr lang="en-GB" sz="2000" dirty="0">
-                  <a:ea typeface="Calibri" panose="020F0502020204030204" pitchFamily="34" charset="0"/>
-                  <a:cs typeface="Calibri" panose="020F0502020204030204" pitchFamily="34" charset="0"/>
-                </a:rPr>
-                <a:t>must also be divisible by 4</a:t>
-              </a:r>
-            </a:p>
-            <a:p>
-              <a:r>
-                <a:rPr lang="en-GB" sz="2000" dirty="0">
-                  <a:latin typeface="Calibri" panose="020F0502020204030204" pitchFamily="34" charset="0"/>
-                  <a:ea typeface="Calibri" panose="020F0502020204030204" pitchFamily="34" charset="0"/>
-                  <a:cs typeface="Calibri" panose="020F0502020204030204" pitchFamily="34" charset="0"/>
-                </a:rPr>
-                <a:t>(Hull-Dobell theorem, 1962)</a:t>
-              </a:r>
-            </a:p>
-            <a:p>
-              <a:endParaRPr lang="en-GB" sz="2000" dirty="0">
-                <a:latin typeface="Calibri" panose="020F0502020204030204" pitchFamily="34" charset="0"/>
-                <a:ea typeface="Calibri" panose="020F0502020204030204" pitchFamily="34" charset="0"/>
-                <a:cs typeface="Calibri" panose="020F0502020204030204" pitchFamily="34" charset="0"/>
-              </a:endParaRPr>
-            </a:p>
-            <a:p>
-              <a:r>
-                <a:rPr lang="en-GB" sz="2000" dirty="0">
-                  <a:latin typeface="Calibri" panose="020F0502020204030204" pitchFamily="34" charset="0"/>
-                  <a:ea typeface="Calibri" panose="020F0502020204030204" pitchFamily="34" charset="0"/>
-                  <a:cs typeface="Calibri" panose="020F0502020204030204" pitchFamily="34" charset="0"/>
-                </a:rPr>
-                <a:t>Generally, we pick a = 1664525, d = 1013904223 and m = 2</a:t>
-              </a:r>
-              <a:r>
-                <a:rPr lang="en-GB" sz="2000" baseline="30000" dirty="0">
-                  <a:latin typeface="Calibri" panose="020F0502020204030204" pitchFamily="34" charset="0"/>
-                  <a:ea typeface="Calibri" panose="020F0502020204030204" pitchFamily="34" charset="0"/>
-                  <a:cs typeface="Calibri" panose="020F0502020204030204" pitchFamily="34" charset="0"/>
-                </a:rPr>
-                <a:t>32</a:t>
-              </a:r>
-            </a:p>
-            <a:p>
-              <a:endParaRPr lang="en-GB" sz="2000" dirty="0">
-                <a:latin typeface="Calibri" panose="020F0502020204030204" pitchFamily="34" charset="0"/>
-                <a:ea typeface="Calibri" panose="020F0502020204030204" pitchFamily="34" charset="0"/>
-                <a:cs typeface="Calibri" panose="020F0502020204030204" pitchFamily="34" charset="0"/>
-              </a:endParaRPr>
-            </a:p>
-            <a:p>
-              <a:endParaRPr lang="en-GB" sz="2000" dirty="0">
-                <a:latin typeface="Calibri" panose="020F0502020204030204" pitchFamily="34" charset="0"/>
-                <a:ea typeface="Calibri" panose="020F0502020204030204" pitchFamily="34" charset="0"/>
-                <a:cs typeface="Calibri" panose="020F0502020204030204" pitchFamily="34" charset="0"/>
-              </a:endParaRPr>
-            </a:p>
-            <a:p>
-              <a:pPr marL="285750" indent="-285750">
-                <a:buFont typeface="Arial" panose="020B0604020202020204" pitchFamily="34" charset="0"/>
-                <a:buChar char="•"/>
-              </a:pPr>
-              <a:endParaRPr lang="en-GB" sz="2000" dirty="0"/>
-            </a:p>
-            <a:p>
-              <a:pPr marL="285750" indent="-285750">
-                <a:buFont typeface="Arial" panose="020B0604020202020204" pitchFamily="34" charset="0"/>
-                <a:buChar char="•"/>
-              </a:pPr>
-              <a:endParaRPr lang="en-GB" sz="2000" dirty="0"/>
-            </a:p>
-            <a:p>
-              <a:endParaRPr lang="en-GB" sz="2000" baseline="-25000" dirty="0"/>
-            </a:p>
-            <a:p>
-              <a:endParaRPr lang="en-GB" sz="2000" dirty="0"/>
-            </a:p>
-          </p:txBody>
-        </p:sp>
-        <p:sp>
-          <p:nvSpPr>
-            <p:cNvPr id="8" name="TextBox 7">
-              <a:extLst>
-                <a:ext uri="{FF2B5EF4-FFF2-40B4-BE49-F238E27FC236}">
-                  <a16:creationId xmlns:a16="http://schemas.microsoft.com/office/drawing/2014/main" id="{0642219C-FC40-F473-4AFC-F941550A80F6}"/>
-                </a:ext>
-              </a:extLst>
-            </p:cNvPr>
-            <p:cNvSpPr txBox="1"/>
-            <p:nvPr/>
-          </p:nvSpPr>
-          <p:spPr>
-            <a:xfrm>
-              <a:off x="7147665" y="2688771"/>
-              <a:ext cx="4463143" cy="2554545"/>
-            </a:xfrm>
-            <a:prstGeom prst="rect">
-              <a:avLst/>
-            </a:prstGeom>
-            <a:noFill/>
-          </p:spPr>
-          <p:txBody>
-            <a:bodyPr wrap="square" rtlCol="0">
-              <a:spAutoFit/>
-            </a:bodyPr>
-            <a:lstStyle/>
-            <a:p>
-              <a:r>
-                <a:rPr lang="en-GB" sz="2000" dirty="0"/>
-                <a:t>X</a:t>
-              </a:r>
-              <a:r>
-                <a:rPr lang="en-GB" sz="2000" baseline="-25000" dirty="0"/>
-                <a:t>0 </a:t>
-              </a:r>
-              <a:r>
-                <a:rPr lang="en-GB" sz="2000" dirty="0"/>
-                <a:t>is the seed for the congruential generator.</a:t>
-              </a:r>
-            </a:p>
-            <a:p>
-              <a:endParaRPr lang="en-GB" sz="2000" dirty="0"/>
-            </a:p>
-            <a:p>
-              <a:r>
-                <a:rPr lang="en-GB" sz="2000" dirty="0"/>
-                <a:t>Keeping X</a:t>
-              </a:r>
-              <a:r>
-                <a:rPr lang="en-GB" sz="2000" baseline="-25000" dirty="0"/>
-                <a:t>0 </a:t>
-              </a:r>
-              <a:r>
-                <a:rPr lang="en-GB" sz="2000" dirty="0"/>
-                <a:t>the same gives reproducible samples.</a:t>
-              </a:r>
-            </a:p>
-            <a:p>
-              <a:endParaRPr lang="en-GB" sz="2000" dirty="0"/>
-            </a:p>
-            <a:p>
-              <a:r>
-                <a:rPr lang="en-GB" sz="2000" dirty="0"/>
-                <a:t>Changing X</a:t>
-              </a:r>
-              <a:r>
-                <a:rPr lang="en-GB" sz="2000" baseline="-25000" dirty="0"/>
-                <a:t>0 </a:t>
-              </a:r>
-              <a:r>
-                <a:rPr lang="en-GB" sz="2000" dirty="0"/>
-                <a:t>changes the values given by the congruential generator.</a:t>
-              </a:r>
-            </a:p>
-          </p:txBody>
-        </p:sp>
-      </p:grpSp>
-    </p:spTree>
-    <p:extLst>
-      <p:ext uri="{BB962C8B-B14F-4D97-AF65-F5344CB8AC3E}">
-        <p14:creationId xmlns:p14="http://schemas.microsoft.com/office/powerpoint/2010/main" val="2395080859"/>
-      </p:ext>
-    </p:extLst>
-  </p:cSld>
-  <p:clrMapOvr>
-    <a:masterClrMapping/>
-  </p:clrMapOvr>
-</p:sld>
-</file>
-
-<file path=ppt/slides/slide7.xml><?xml version="1.0" encoding="utf-8"?>
-<p:sld xmlns:a="http://schemas.openxmlformats.org/drawingml/2006/main" xmlns:r="http://schemas.openxmlformats.org/officeDocument/2006/relationships" xmlns:p="http://schemas.openxmlformats.org/presentationml/2006/main">
-  <p:cSld>
-    <p:spTree>
-      <p:nvGrpSpPr>
-        <p:cNvPr id="1" name=""/>
-        <p:cNvGrpSpPr/>
-        <p:nvPr/>
-      </p:nvGrpSpPr>
-      <p:grpSpPr>
-        <a:xfrm>
-          <a:off x="0" y="0"/>
-          <a:ext cx="0" cy="0"/>
-          <a:chOff x="0" y="0"/>
-          <a:chExt cx="0" cy="0"/>
-        </a:xfrm>
-      </p:grpSpPr>
-      <p:sp>
-        <p:nvSpPr>
-          <p:cNvPr id="2" name="Title 1">
-            <a:extLst>
-              <a:ext uri="{FF2B5EF4-FFF2-40B4-BE49-F238E27FC236}">
                 <a16:creationId xmlns:a16="http://schemas.microsoft.com/office/drawing/2014/main" id="{2A4BE4B0-119C-E10C-0C59-29223EB059AA}"/>
               </a:ext>
             </a:extLst>
@@ -8644,7 +4376,15 @@
           <a:p>
             <a:r>
               <a:rPr lang="en-GB" dirty="0"/>
-              <a:t>Uniform or LCG?</a:t>
+              <a:t>Evaluating an integral using monte </a:t>
+            </a:r>
+            <a:r>
+              <a:rPr lang="en-GB" dirty="0" err="1"/>
+              <a:t>carlo</a:t>
+            </a:r>
+            <a:r>
+              <a:rPr lang="en-GB" dirty="0"/>
+              <a:t> integration </a:t>
             </a:r>
           </a:p>
         </p:txBody>
@@ -8747,7 +4487,7 @@
 </p:sld>
 </file>
 
-<file path=ppt/slides/slide8.xml><?xml version="1.0" encoding="utf-8"?>
+<file path=ppt/slides/slide11.xml><?xml version="1.0" encoding="utf-8"?>
 <p:sld xmlns:a="http://schemas.openxmlformats.org/drawingml/2006/main" xmlns:r="http://schemas.openxmlformats.org/officeDocument/2006/relationships" xmlns:p="http://schemas.openxmlformats.org/presentationml/2006/main">
   <p:cSld>
     <p:spTree>
@@ -9016,7 +4756,7 @@
 </p:sld>
 </file>
 
-<file path=ppt/slides/slide9.xml><?xml version="1.0" encoding="utf-8"?>
+<file path=ppt/slides/slide12.xml><?xml version="1.0" encoding="utf-8"?>
 <p:sld xmlns:a="http://schemas.openxmlformats.org/drawingml/2006/main" xmlns:r="http://schemas.openxmlformats.org/officeDocument/2006/relationships" xmlns:p="http://schemas.openxmlformats.org/presentationml/2006/main">
   <p:cSld>
     <p:spTree>
@@ -10763,6 +6503,4919 @@
 </p:sld>
 </file>
 
+<file path=ppt/slides/slide13.xml><?xml version="1.0" encoding="utf-8"?>
+<p:sld xmlns:a="http://schemas.openxmlformats.org/drawingml/2006/main" xmlns:r="http://schemas.openxmlformats.org/officeDocument/2006/relationships" xmlns:p="http://schemas.openxmlformats.org/presentationml/2006/main">
+  <p:cSld>
+    <p:spTree>
+      <p:nvGrpSpPr>
+        <p:cNvPr id="1" name=""/>
+        <p:cNvGrpSpPr/>
+        <p:nvPr/>
+      </p:nvGrpSpPr>
+      <p:grpSpPr>
+        <a:xfrm>
+          <a:off x="0" y="0"/>
+          <a:ext cx="0" cy="0"/>
+          <a:chOff x="0" y="0"/>
+          <a:chExt cx="0" cy="0"/>
+        </a:xfrm>
+      </p:grpSpPr>
+      <p:sp>
+        <p:nvSpPr>
+          <p:cNvPr id="2" name="Title 1">
+            <a:extLst>
+              <a:ext uri="{FF2B5EF4-FFF2-40B4-BE49-F238E27FC236}">
+                <a16:creationId xmlns:a16="http://schemas.microsoft.com/office/drawing/2014/main" id="{950715F0-7BCC-F383-DA4B-6E1964AD73D2}"/>
+              </a:ext>
+            </a:extLst>
+          </p:cNvPr>
+          <p:cNvSpPr>
+            <a:spLocks noGrp="1"/>
+          </p:cNvSpPr>
+          <p:nvPr>
+            <p:ph type="title"/>
+          </p:nvPr>
+        </p:nvSpPr>
+        <p:spPr/>
+        <p:txBody>
+          <a:bodyPr/>
+          <a:lstStyle/>
+          <a:p>
+            <a:r>
+              <a:rPr lang="en-GB" dirty="0"/>
+              <a:t>Monte Carlo Methods in n-dimensions</a:t>
+            </a:r>
+          </a:p>
+        </p:txBody>
+      </p:sp>
+      <mc:AlternateContent xmlns:mc="http://schemas.openxmlformats.org/markup-compatibility/2006" xmlns:a14="http://schemas.microsoft.com/office/drawing/2010/main">
+        <mc:Choice Requires="a14">
+          <p:sp>
+            <p:nvSpPr>
+              <p:cNvPr id="4" name="TextBox 3">
+                <a:extLst>
+                  <a:ext uri="{FF2B5EF4-FFF2-40B4-BE49-F238E27FC236}">
+                    <a16:creationId xmlns:a16="http://schemas.microsoft.com/office/drawing/2014/main" id="{AED4EB44-CD48-22FD-3691-9DC6EB1042F5}"/>
+                  </a:ext>
+                </a:extLst>
+              </p:cNvPr>
+              <p:cNvSpPr txBox="1"/>
+              <p:nvPr/>
+            </p:nvSpPr>
+            <p:spPr>
+              <a:xfrm>
+                <a:off x="685707" y="1940663"/>
+                <a:ext cx="10820586" cy="1754326"/>
+              </a:xfrm>
+              <a:prstGeom prst="rect">
+                <a:avLst/>
+              </a:prstGeom>
+              <a:noFill/>
+            </p:spPr>
+            <p:txBody>
+              <a:bodyPr wrap="square" rtlCol="0">
+                <a:spAutoFit/>
+              </a:bodyPr>
+              <a:lstStyle/>
+              <a:p>
+                <a:r>
+                  <a:rPr lang="en-GB" dirty="0"/>
+                  <a:t>For estimations in higher dimensions, the idea of Monte Carlo methods remains largely the same.</a:t>
+                </a:r>
+              </a:p>
+              <a:p>
+                <a:endParaRPr lang="en-GB" dirty="0"/>
+              </a:p>
+              <a:p>
+                <a:r>
+                  <a:rPr lang="en-GB" dirty="0"/>
+                  <a:t>Here is an example of finding the volume of a </a:t>
+                </a:r>
+                <a:r>
+                  <a:rPr lang="en-GB" i="1" dirty="0"/>
+                  <a:t>ball</a:t>
+                </a:r>
+                <a:r>
+                  <a:rPr lang="en-GB" dirty="0"/>
+                  <a:t> in n-dimensions.</a:t>
+                </a:r>
+              </a:p>
+              <a:p>
+                <a:endParaRPr lang="en-GB" dirty="0"/>
+              </a:p>
+              <a:p>
+                <a:r>
+                  <a:rPr lang="en-GB" dirty="0"/>
+                  <a:t>Consider an n-dimensional </a:t>
+                </a:r>
+                <a:r>
+                  <a:rPr lang="en-GB" i="1" dirty="0"/>
+                  <a:t>ball</a:t>
+                </a:r>
+                <a:r>
+                  <a:rPr lang="en-GB" dirty="0"/>
+                  <a:t> with radius </a:t>
+                </a:r>
+                <a14:m>
+                  <m:oMath xmlns:m="http://schemas.openxmlformats.org/officeDocument/2006/math">
+                    <m:r>
+                      <a:rPr lang="en-GB" b="0" i="1" smtClean="0">
+                        <a:latin typeface="Cambria Math" panose="02040503050406030204" pitchFamily="18" charset="0"/>
+                      </a:rPr>
+                      <m:t>𝑅</m:t>
+                    </m:r>
+                  </m:oMath>
+                </a14:m>
+                <a:r>
+                  <a:rPr lang="en-GB" dirty="0"/>
+                  <a:t> that’s centred at the origin. Enclose the ball in an n-dimensional </a:t>
+                </a:r>
+                <a:r>
+                  <a:rPr lang="en-GB" i="1" dirty="0"/>
+                  <a:t>cube</a:t>
+                </a:r>
+                <a:r>
+                  <a:rPr lang="en-GB" dirty="0"/>
+                  <a:t>, side length </a:t>
+                </a:r>
+                <a14:m>
+                  <m:oMath xmlns:m="http://schemas.openxmlformats.org/officeDocument/2006/math">
+                    <m:r>
+                      <a:rPr lang="en-GB" b="0" i="1" smtClean="0">
+                        <a:latin typeface="Cambria Math" panose="02040503050406030204" pitchFamily="18" charset="0"/>
+                      </a:rPr>
+                      <m:t>2</m:t>
+                    </m:r>
+                    <m:r>
+                      <a:rPr lang="en-GB" b="0" i="1" smtClean="0">
+                        <a:latin typeface="Cambria Math" panose="02040503050406030204" pitchFamily="18" charset="0"/>
+                      </a:rPr>
+                      <m:t>𝑅</m:t>
+                    </m:r>
+                  </m:oMath>
+                </a14:m>
+                <a:r>
+                  <a:rPr lang="en-GB" dirty="0"/>
+                  <a:t>.</a:t>
+                </a:r>
+                <a:endParaRPr lang="en-GB" i="1" dirty="0"/>
+              </a:p>
+            </p:txBody>
+          </p:sp>
+        </mc:Choice>
+        <mc:Fallback xmlns="">
+          <p:sp>
+            <p:nvSpPr>
+              <p:cNvPr id="4" name="TextBox 3">
+                <a:extLst>
+                  <a:ext uri="{FF2B5EF4-FFF2-40B4-BE49-F238E27FC236}">
+                    <a16:creationId xmlns:a16="http://schemas.microsoft.com/office/drawing/2014/main" id="{AED4EB44-CD48-22FD-3691-9DC6EB1042F5}"/>
+                  </a:ext>
+                </a:extLst>
+              </p:cNvPr>
+              <p:cNvSpPr txBox="1">
+                <a:spLocks noRot="1" noChangeAspect="1" noMove="1" noResize="1" noEditPoints="1" noAdjustHandles="1" noChangeArrowheads="1" noChangeShapeType="1" noTextEdit="1"/>
+              </p:cNvSpPr>
+              <p:nvPr/>
+            </p:nvSpPr>
+            <p:spPr>
+              <a:xfrm>
+                <a:off x="685707" y="1940663"/>
+                <a:ext cx="10820586" cy="1754326"/>
+              </a:xfrm>
+              <a:prstGeom prst="rect">
+                <a:avLst/>
+              </a:prstGeom>
+              <a:blipFill>
+                <a:blip r:embed="rId2"/>
+                <a:stretch>
+                  <a:fillRect l="-468" t="-1439" b="-4317"/>
+                </a:stretch>
+              </a:blipFill>
+            </p:spPr>
+            <p:txBody>
+              <a:bodyPr/>
+              <a:lstStyle/>
+              <a:p>
+                <a:r>
+                  <a:rPr lang="en-GB">
+                    <a:noFill/>
+                  </a:rPr>
+                  <a:t> </a:t>
+                </a:r>
+              </a:p>
+            </p:txBody>
+          </p:sp>
+        </mc:Fallback>
+      </mc:AlternateContent>
+      <p:pic>
+        <p:nvPicPr>
+          <p:cNvPr id="6" name="Picture 5">
+            <a:extLst>
+              <a:ext uri="{FF2B5EF4-FFF2-40B4-BE49-F238E27FC236}">
+                <a16:creationId xmlns:a16="http://schemas.microsoft.com/office/drawing/2014/main" id="{12E3782B-F1AB-F0AD-2412-91F7F7F8AEB8}"/>
+              </a:ext>
+            </a:extLst>
+          </p:cNvPr>
+          <p:cNvPicPr>
+            <a:picLocks noChangeAspect="1"/>
+          </p:cNvPicPr>
+          <p:nvPr/>
+        </p:nvPicPr>
+        <p:blipFill>
+          <a:blip r:embed="rId3"/>
+          <a:stretch>
+            <a:fillRect/>
+          </a:stretch>
+        </p:blipFill>
+        <p:spPr>
+          <a:xfrm>
+            <a:off x="4764584" y="3741810"/>
+            <a:ext cx="2662830" cy="2602895"/>
+          </a:xfrm>
+          <a:prstGeom prst="rect">
+            <a:avLst/>
+          </a:prstGeom>
+        </p:spPr>
+      </p:pic>
+      <p:sp>
+        <p:nvSpPr>
+          <p:cNvPr id="8" name="TextBox 7">
+            <a:extLst>
+              <a:ext uri="{FF2B5EF4-FFF2-40B4-BE49-F238E27FC236}">
+                <a16:creationId xmlns:a16="http://schemas.microsoft.com/office/drawing/2014/main" id="{BEA31784-5C27-90B1-B94C-1C770410584C}"/>
+              </a:ext>
+            </a:extLst>
+          </p:cNvPr>
+          <p:cNvSpPr txBox="1"/>
+          <p:nvPr/>
+        </p:nvSpPr>
+        <p:spPr>
+          <a:xfrm>
+            <a:off x="5475962" y="6275433"/>
+            <a:ext cx="1240075" cy="369332"/>
+          </a:xfrm>
+          <a:prstGeom prst="rect">
+            <a:avLst/>
+          </a:prstGeom>
+          <a:noFill/>
+        </p:spPr>
+        <p:txBody>
+          <a:bodyPr wrap="square" rtlCol="0">
+            <a:spAutoFit/>
+          </a:bodyPr>
+          <a:lstStyle/>
+          <a:p>
+            <a:r>
+              <a:rPr lang="en-GB" dirty="0"/>
+              <a:t>Here n = 2</a:t>
+            </a:r>
+          </a:p>
+        </p:txBody>
+      </p:sp>
+      <p:sp>
+        <p:nvSpPr>
+          <p:cNvPr id="9" name="TextBox 8">
+            <a:extLst>
+              <a:ext uri="{FF2B5EF4-FFF2-40B4-BE49-F238E27FC236}">
+                <a16:creationId xmlns:a16="http://schemas.microsoft.com/office/drawing/2014/main" id="{968EA790-8EFE-EBFB-9D22-6801982F424C}"/>
+              </a:ext>
+            </a:extLst>
+          </p:cNvPr>
+          <p:cNvSpPr txBox="1"/>
+          <p:nvPr/>
+        </p:nvSpPr>
+        <p:spPr>
+          <a:xfrm>
+            <a:off x="8815606" y="5144376"/>
+            <a:ext cx="2795202" cy="1200329"/>
+          </a:xfrm>
+          <a:prstGeom prst="rect">
+            <a:avLst/>
+          </a:prstGeom>
+          <a:noFill/>
+        </p:spPr>
+        <p:txBody>
+          <a:bodyPr wrap="square" rtlCol="0">
+            <a:spAutoFit/>
+          </a:bodyPr>
+          <a:lstStyle/>
+          <a:p>
+            <a:r>
+              <a:rPr lang="en-GB" dirty="0"/>
+              <a:t>Note: </a:t>
+            </a:r>
+            <a:r>
+              <a:rPr lang="en-GB" i="1" dirty="0"/>
+              <a:t>cube </a:t>
+            </a:r>
+            <a:r>
+              <a:rPr lang="en-GB" dirty="0"/>
+              <a:t>and </a:t>
+            </a:r>
+            <a:r>
+              <a:rPr lang="en-GB" i="1" dirty="0"/>
+              <a:t>ball</a:t>
+            </a:r>
+            <a:r>
+              <a:rPr lang="en-GB" dirty="0"/>
+              <a:t> are italicised as notion of a ball in dimensions higher than 3 is very difficult to grasp.</a:t>
+            </a:r>
+          </a:p>
+        </p:txBody>
+      </p:sp>
+    </p:spTree>
+    <p:extLst>
+      <p:ext uri="{BB962C8B-B14F-4D97-AF65-F5344CB8AC3E}">
+        <p14:creationId xmlns:p14="http://schemas.microsoft.com/office/powerpoint/2010/main" val="1363728379"/>
+      </p:ext>
+    </p:extLst>
+  </p:cSld>
+  <p:clrMapOvr>
+    <a:masterClrMapping/>
+  </p:clrMapOvr>
+</p:sld>
+</file>
+
+<file path=ppt/slides/slide14.xml><?xml version="1.0" encoding="utf-8"?>
+<p:sld xmlns:a="http://schemas.openxmlformats.org/drawingml/2006/main" xmlns:r="http://schemas.openxmlformats.org/officeDocument/2006/relationships" xmlns:p="http://schemas.openxmlformats.org/presentationml/2006/main">
+  <p:cSld>
+    <p:spTree>
+      <p:nvGrpSpPr>
+        <p:cNvPr id="1" name="">
+          <a:extLst>
+            <a:ext uri="{FF2B5EF4-FFF2-40B4-BE49-F238E27FC236}">
+              <a16:creationId xmlns:a16="http://schemas.microsoft.com/office/drawing/2014/main" id="{A64AEAF4-BF20-AE3F-65E7-B95E27810411}"/>
+            </a:ext>
+          </a:extLst>
+        </p:cNvPr>
+        <p:cNvGrpSpPr/>
+        <p:nvPr/>
+      </p:nvGrpSpPr>
+      <p:grpSpPr>
+        <a:xfrm>
+          <a:off x="0" y="0"/>
+          <a:ext cx="0" cy="0"/>
+          <a:chOff x="0" y="0"/>
+          <a:chExt cx="0" cy="0"/>
+        </a:xfrm>
+      </p:grpSpPr>
+      <p:sp>
+        <p:nvSpPr>
+          <p:cNvPr id="2" name="Title 1">
+            <a:extLst>
+              <a:ext uri="{FF2B5EF4-FFF2-40B4-BE49-F238E27FC236}">
+                <a16:creationId xmlns:a16="http://schemas.microsoft.com/office/drawing/2014/main" id="{6AA4D43F-0290-458E-463A-57B21FCE56EE}"/>
+              </a:ext>
+            </a:extLst>
+          </p:cNvPr>
+          <p:cNvSpPr>
+            <a:spLocks noGrp="1"/>
+          </p:cNvSpPr>
+          <p:nvPr>
+            <p:ph type="title"/>
+          </p:nvPr>
+        </p:nvSpPr>
+        <p:spPr/>
+        <p:txBody>
+          <a:bodyPr/>
+          <a:lstStyle/>
+          <a:p>
+            <a:r>
+              <a:rPr lang="en-GB" dirty="0"/>
+              <a:t>Monte Carlo Methods in n-dimensions</a:t>
+            </a:r>
+          </a:p>
+        </p:txBody>
+      </p:sp>
+      <mc:AlternateContent xmlns:mc="http://schemas.openxmlformats.org/markup-compatibility/2006" xmlns:a14="http://schemas.microsoft.com/office/drawing/2010/main">
+        <mc:Choice Requires="a14">
+          <p:sp>
+            <p:nvSpPr>
+              <p:cNvPr id="4" name="TextBox 3">
+                <a:extLst>
+                  <a:ext uri="{FF2B5EF4-FFF2-40B4-BE49-F238E27FC236}">
+                    <a16:creationId xmlns:a16="http://schemas.microsoft.com/office/drawing/2014/main" id="{1B5471C6-178E-18EC-31C1-DECAD7197EF2}"/>
+                  </a:ext>
+                </a:extLst>
+              </p:cNvPr>
+              <p:cNvSpPr txBox="1"/>
+              <p:nvPr/>
+            </p:nvSpPr>
+            <p:spPr>
+              <a:xfrm>
+                <a:off x="685707" y="1940663"/>
+                <a:ext cx="10820586" cy="2311530"/>
+              </a:xfrm>
+              <a:prstGeom prst="rect">
+                <a:avLst/>
+              </a:prstGeom>
+              <a:noFill/>
+            </p:spPr>
+            <p:txBody>
+              <a:bodyPr wrap="square" rtlCol="0">
+                <a:spAutoFit/>
+              </a:bodyPr>
+              <a:lstStyle/>
+              <a:p>
+                <a:r>
+                  <a:rPr lang="en-GB" dirty="0"/>
+                  <a:t>For each dimension in the n-dimensional space, generate a coordinate </a:t>
+                </a:r>
+                <a14:m>
+                  <m:oMath xmlns:m="http://schemas.openxmlformats.org/officeDocument/2006/math">
+                    <m:sSub>
+                      <m:sSubPr>
+                        <m:ctrlPr>
+                          <a:rPr lang="en-GB" i="1" smtClean="0">
+                            <a:latin typeface="Cambria Math" panose="02040503050406030204" pitchFamily="18" charset="0"/>
+                          </a:rPr>
+                        </m:ctrlPr>
+                      </m:sSubPr>
+                      <m:e>
+                        <m:r>
+                          <a:rPr lang="en-GB" b="0" i="1" smtClean="0">
+                            <a:latin typeface="Cambria Math" panose="02040503050406030204" pitchFamily="18" charset="0"/>
+                          </a:rPr>
+                          <m:t>𝑋</m:t>
+                        </m:r>
+                      </m:e>
+                      <m:sub>
+                        <m:r>
+                          <a:rPr lang="en-GB" b="0" i="1" smtClean="0">
+                            <a:latin typeface="Cambria Math" panose="02040503050406030204" pitchFamily="18" charset="0"/>
+                          </a:rPr>
+                          <m:t>𝑖</m:t>
+                        </m:r>
+                      </m:sub>
+                    </m:sSub>
+                  </m:oMath>
+                </a14:m>
+                <a:r>
+                  <a:rPr lang="en-GB" dirty="0"/>
+                  <a:t> from a Uniform[-R, R] distribution.</a:t>
+                </a:r>
+              </a:p>
+              <a:p>
+                <a:r>
+                  <a:rPr lang="en-GB" dirty="0"/>
+                  <a:t>This will give u a random point </a:t>
+                </a:r>
+                <a14:m>
+                  <m:oMath xmlns:m="http://schemas.openxmlformats.org/officeDocument/2006/math">
+                    <m:sSub>
+                      <m:sSubPr>
+                        <m:ctrlPr>
+                          <a:rPr lang="en-GB" i="1" smtClean="0">
+                            <a:latin typeface="Cambria Math" panose="02040503050406030204" pitchFamily="18" charset="0"/>
+                          </a:rPr>
+                        </m:ctrlPr>
+                      </m:sSubPr>
+                      <m:e>
+                        <m:r>
+                          <a:rPr lang="en-GB" b="0" i="1" smtClean="0">
+                            <a:latin typeface="Cambria Math" panose="02040503050406030204" pitchFamily="18" charset="0"/>
+                          </a:rPr>
+                          <m:t>𝑃</m:t>
+                        </m:r>
+                      </m:e>
+                      <m:sub>
+                        <m:r>
+                          <a:rPr lang="en-GB" b="0" i="1" smtClean="0">
+                            <a:latin typeface="Cambria Math" panose="02040503050406030204" pitchFamily="18" charset="0"/>
+                          </a:rPr>
+                          <m:t>𝑖</m:t>
+                        </m:r>
+                      </m:sub>
+                    </m:sSub>
+                    <m:r>
+                      <a:rPr lang="en-GB" b="0" i="1" smtClean="0">
+                        <a:latin typeface="Cambria Math" panose="02040503050406030204" pitchFamily="18" charset="0"/>
+                      </a:rPr>
+                      <m:t>=(</m:t>
+                    </m:r>
+                    <m:sSub>
+                      <m:sSubPr>
+                        <m:ctrlPr>
+                          <a:rPr lang="en-GB" b="0" i="1" smtClean="0">
+                            <a:latin typeface="Cambria Math" panose="02040503050406030204" pitchFamily="18" charset="0"/>
+                          </a:rPr>
+                        </m:ctrlPr>
+                      </m:sSubPr>
+                      <m:e>
+                        <m:r>
+                          <a:rPr lang="en-GB" b="0" i="1" smtClean="0">
+                            <a:latin typeface="Cambria Math" panose="02040503050406030204" pitchFamily="18" charset="0"/>
+                          </a:rPr>
+                          <m:t>𝑋</m:t>
+                        </m:r>
+                      </m:e>
+                      <m:sub>
+                        <m:r>
+                          <a:rPr lang="en-GB" b="0" i="1" smtClean="0">
+                            <a:latin typeface="Cambria Math" panose="02040503050406030204" pitchFamily="18" charset="0"/>
+                          </a:rPr>
+                          <m:t>1</m:t>
+                        </m:r>
+                      </m:sub>
+                    </m:sSub>
+                    <m:r>
+                      <a:rPr lang="en-GB" b="0" i="1" smtClean="0">
+                        <a:latin typeface="Cambria Math" panose="02040503050406030204" pitchFamily="18" charset="0"/>
+                      </a:rPr>
+                      <m:t>,…,</m:t>
+                    </m:r>
+                    <m:sSub>
+                      <m:sSubPr>
+                        <m:ctrlPr>
+                          <a:rPr lang="en-GB" b="0" i="1" smtClean="0">
+                            <a:latin typeface="Cambria Math" panose="02040503050406030204" pitchFamily="18" charset="0"/>
+                          </a:rPr>
+                        </m:ctrlPr>
+                      </m:sSubPr>
+                      <m:e>
+                        <m:r>
+                          <a:rPr lang="en-GB" b="0" i="1" smtClean="0">
+                            <a:latin typeface="Cambria Math" panose="02040503050406030204" pitchFamily="18" charset="0"/>
+                          </a:rPr>
+                          <m:t>𝑋</m:t>
+                        </m:r>
+                      </m:e>
+                      <m:sub>
+                        <m:r>
+                          <a:rPr lang="en-GB" b="0" i="1" smtClean="0">
+                            <a:latin typeface="Cambria Math" panose="02040503050406030204" pitchFamily="18" charset="0"/>
+                          </a:rPr>
+                          <m:t>𝑛</m:t>
+                        </m:r>
+                      </m:sub>
+                    </m:sSub>
+                    <m:r>
+                      <a:rPr lang="en-GB" b="0" i="1" smtClean="0">
+                        <a:latin typeface="Cambria Math" panose="02040503050406030204" pitchFamily="18" charset="0"/>
+                      </a:rPr>
+                      <m:t>)</m:t>
+                    </m:r>
+                  </m:oMath>
+                </a14:m>
+                <a:r>
+                  <a:rPr lang="en-GB" dirty="0"/>
+                  <a:t> inside the n-dimensional </a:t>
+                </a:r>
+                <a:r>
+                  <a:rPr lang="en-GB" i="1" dirty="0"/>
+                  <a:t>cube</a:t>
+                </a:r>
+                <a:r>
+                  <a:rPr lang="en-GB" dirty="0"/>
+                  <a:t>.</a:t>
+                </a:r>
+              </a:p>
+              <a:p>
+                <a:endParaRPr lang="en-GB" b="1" dirty="0"/>
+              </a:p>
+              <a:p>
+                <a14:m>
+                  <m:oMath xmlns:m="http://schemas.openxmlformats.org/officeDocument/2006/math">
+                    <m:sSub>
+                      <m:sSubPr>
+                        <m:ctrlPr>
+                          <a:rPr lang="en-GB" i="1" smtClean="0">
+                            <a:latin typeface="Cambria Math" panose="02040503050406030204" pitchFamily="18" charset="0"/>
+                          </a:rPr>
+                        </m:ctrlPr>
+                      </m:sSubPr>
+                      <m:e>
+                        <m:r>
+                          <a:rPr lang="en-GB" b="0" i="1" smtClean="0">
+                            <a:latin typeface="Cambria Math" panose="02040503050406030204" pitchFamily="18" charset="0"/>
+                          </a:rPr>
+                          <m:t>𝑃</m:t>
+                        </m:r>
+                      </m:e>
+                      <m:sub>
+                        <m:r>
+                          <a:rPr lang="en-GB" b="0" i="1" smtClean="0">
+                            <a:latin typeface="Cambria Math" panose="02040503050406030204" pitchFamily="18" charset="0"/>
+                          </a:rPr>
+                          <m:t>𝑖</m:t>
+                        </m:r>
+                      </m:sub>
+                    </m:sSub>
+                  </m:oMath>
+                </a14:m>
+                <a:r>
+                  <a:rPr lang="en-GB" dirty="0"/>
+                  <a:t> will lie within the </a:t>
+                </a:r>
+                <a:r>
+                  <a:rPr lang="en-GB" i="1" dirty="0"/>
+                  <a:t>ball </a:t>
+                </a:r>
+                <a:r>
+                  <a:rPr lang="en-GB" dirty="0"/>
+                  <a:t>if </a:t>
+                </a:r>
+                <a14:m>
+                  <m:oMath xmlns:m="http://schemas.openxmlformats.org/officeDocument/2006/math">
+                    <m:sSub>
+                      <m:sSubPr>
+                        <m:ctrlPr>
+                          <a:rPr lang="en-GB" b="0" i="1" smtClean="0">
+                            <a:latin typeface="Cambria Math" panose="02040503050406030204" pitchFamily="18" charset="0"/>
+                          </a:rPr>
+                        </m:ctrlPr>
+                      </m:sSubPr>
+                      <m:e>
+                        <m:r>
+                          <a:rPr lang="en-GB" b="0" i="1" smtClean="0">
+                            <a:latin typeface="Cambria Math" panose="02040503050406030204" pitchFamily="18" charset="0"/>
+                          </a:rPr>
+                          <m:t>𝑃</m:t>
+                        </m:r>
+                      </m:e>
+                      <m:sub>
+                        <m:r>
+                          <a:rPr lang="en-GB" b="0" i="1" smtClean="0">
+                            <a:latin typeface="Cambria Math" panose="02040503050406030204" pitchFamily="18" charset="0"/>
+                          </a:rPr>
+                          <m:t>𝑖</m:t>
+                        </m:r>
+                      </m:sub>
+                    </m:sSub>
+                    <m:r>
+                      <a:rPr lang="en-GB" b="0" i="1" smtClean="0">
+                        <a:latin typeface="Cambria Math" panose="02040503050406030204" pitchFamily="18" charset="0"/>
+                        <a:ea typeface="Cambria Math" panose="02040503050406030204" pitchFamily="18" charset="0"/>
+                      </a:rPr>
+                      <m:t>∙</m:t>
+                    </m:r>
+                    <m:sSub>
+                      <m:sSubPr>
+                        <m:ctrlPr>
+                          <a:rPr lang="en-GB" b="0" i="1" smtClean="0">
+                            <a:latin typeface="Cambria Math" panose="02040503050406030204" pitchFamily="18" charset="0"/>
+                            <a:ea typeface="Cambria Math" panose="02040503050406030204" pitchFamily="18" charset="0"/>
+                          </a:rPr>
+                        </m:ctrlPr>
+                      </m:sSubPr>
+                      <m:e>
+                        <m:r>
+                          <a:rPr lang="en-GB" b="0" i="1" smtClean="0">
+                            <a:latin typeface="Cambria Math" panose="02040503050406030204" pitchFamily="18" charset="0"/>
+                            <a:ea typeface="Cambria Math" panose="02040503050406030204" pitchFamily="18" charset="0"/>
+                          </a:rPr>
+                          <m:t>𝑃</m:t>
+                        </m:r>
+                      </m:e>
+                      <m:sub>
+                        <m:r>
+                          <a:rPr lang="en-GB" b="0" i="1" smtClean="0">
+                            <a:latin typeface="Cambria Math" panose="02040503050406030204" pitchFamily="18" charset="0"/>
+                            <a:ea typeface="Cambria Math" panose="02040503050406030204" pitchFamily="18" charset="0"/>
+                          </a:rPr>
+                          <m:t>𝑖</m:t>
+                        </m:r>
+                      </m:sub>
+                    </m:sSub>
+                    <m:r>
+                      <a:rPr lang="en-GB" b="0" i="1" smtClean="0">
+                        <a:latin typeface="Cambria Math" panose="02040503050406030204" pitchFamily="18" charset="0"/>
+                        <a:ea typeface="Cambria Math" panose="02040503050406030204" pitchFamily="18" charset="0"/>
+                      </a:rPr>
+                      <m:t>= </m:t>
+                    </m:r>
+                    <m:sSubSup>
+                      <m:sSubSupPr>
+                        <m:ctrlPr>
+                          <a:rPr lang="en-GB" b="0" i="1" smtClean="0">
+                            <a:latin typeface="Cambria Math" panose="02040503050406030204" pitchFamily="18" charset="0"/>
+                            <a:ea typeface="Cambria Math" panose="02040503050406030204" pitchFamily="18" charset="0"/>
+                          </a:rPr>
+                        </m:ctrlPr>
+                      </m:sSubSupPr>
+                      <m:e>
+                        <m:r>
+                          <a:rPr lang="en-GB" b="0" i="1" smtClean="0">
+                            <a:latin typeface="Cambria Math" panose="02040503050406030204" pitchFamily="18" charset="0"/>
+                            <a:ea typeface="Cambria Math" panose="02040503050406030204" pitchFamily="18" charset="0"/>
+                          </a:rPr>
+                          <m:t>𝑋</m:t>
+                        </m:r>
+                      </m:e>
+                      <m:sub>
+                        <m:r>
+                          <a:rPr lang="en-GB" b="0" i="1" smtClean="0">
+                            <a:latin typeface="Cambria Math" panose="02040503050406030204" pitchFamily="18" charset="0"/>
+                            <a:ea typeface="Cambria Math" panose="02040503050406030204" pitchFamily="18" charset="0"/>
+                          </a:rPr>
+                          <m:t>1</m:t>
+                        </m:r>
+                      </m:sub>
+                      <m:sup>
+                        <m:r>
+                          <a:rPr lang="en-GB" b="0" i="1" smtClean="0">
+                            <a:latin typeface="Cambria Math" panose="02040503050406030204" pitchFamily="18" charset="0"/>
+                            <a:ea typeface="Cambria Math" panose="02040503050406030204" pitchFamily="18" charset="0"/>
+                          </a:rPr>
+                          <m:t>2</m:t>
+                        </m:r>
+                      </m:sup>
+                    </m:sSubSup>
+                    <m:r>
+                      <a:rPr lang="en-GB" b="0" i="1" smtClean="0">
+                        <a:latin typeface="Cambria Math" panose="02040503050406030204" pitchFamily="18" charset="0"/>
+                        <a:ea typeface="Cambria Math" panose="02040503050406030204" pitchFamily="18" charset="0"/>
+                      </a:rPr>
+                      <m:t>+…+ </m:t>
+                    </m:r>
+                    <m:sSubSup>
+                      <m:sSubSupPr>
+                        <m:ctrlPr>
+                          <a:rPr lang="en-GB" b="0" i="1" smtClean="0">
+                            <a:latin typeface="Cambria Math" panose="02040503050406030204" pitchFamily="18" charset="0"/>
+                            <a:ea typeface="Cambria Math" panose="02040503050406030204" pitchFamily="18" charset="0"/>
+                          </a:rPr>
+                        </m:ctrlPr>
+                      </m:sSubSupPr>
+                      <m:e>
+                        <m:r>
+                          <a:rPr lang="en-GB" b="0" i="1" smtClean="0">
+                            <a:latin typeface="Cambria Math" panose="02040503050406030204" pitchFamily="18" charset="0"/>
+                            <a:ea typeface="Cambria Math" panose="02040503050406030204" pitchFamily="18" charset="0"/>
+                          </a:rPr>
+                          <m:t>𝑋</m:t>
+                        </m:r>
+                      </m:e>
+                      <m:sub>
+                        <m:r>
+                          <a:rPr lang="en-GB" b="0" i="1" smtClean="0">
+                            <a:latin typeface="Cambria Math" panose="02040503050406030204" pitchFamily="18" charset="0"/>
+                            <a:ea typeface="Cambria Math" panose="02040503050406030204" pitchFamily="18" charset="0"/>
+                          </a:rPr>
+                          <m:t>𝑛</m:t>
+                        </m:r>
+                      </m:sub>
+                      <m:sup>
+                        <m:r>
+                          <a:rPr lang="en-GB" b="0" i="1" smtClean="0">
+                            <a:latin typeface="Cambria Math" panose="02040503050406030204" pitchFamily="18" charset="0"/>
+                            <a:ea typeface="Cambria Math" panose="02040503050406030204" pitchFamily="18" charset="0"/>
+                          </a:rPr>
+                          <m:t>2</m:t>
+                        </m:r>
+                      </m:sup>
+                    </m:sSubSup>
+                    <m:r>
+                      <a:rPr lang="en-GB" b="0" i="1" smtClean="0">
+                        <a:latin typeface="Cambria Math" panose="02040503050406030204" pitchFamily="18" charset="0"/>
+                        <a:ea typeface="Cambria Math" panose="02040503050406030204" pitchFamily="18" charset="0"/>
+                      </a:rPr>
+                      <m:t>≤</m:t>
+                    </m:r>
+                    <m:sSup>
+                      <m:sSupPr>
+                        <m:ctrlPr>
+                          <a:rPr lang="en-GB" b="0" i="1" smtClean="0">
+                            <a:latin typeface="Cambria Math" panose="02040503050406030204" pitchFamily="18" charset="0"/>
+                            <a:ea typeface="Cambria Math" panose="02040503050406030204" pitchFamily="18" charset="0"/>
+                          </a:rPr>
+                        </m:ctrlPr>
+                      </m:sSupPr>
+                      <m:e>
+                        <m:r>
+                          <a:rPr lang="en-GB" b="0" i="1" smtClean="0">
+                            <a:latin typeface="Cambria Math" panose="02040503050406030204" pitchFamily="18" charset="0"/>
+                            <a:ea typeface="Cambria Math" panose="02040503050406030204" pitchFamily="18" charset="0"/>
+                          </a:rPr>
+                          <m:t>𝑅</m:t>
+                        </m:r>
+                      </m:e>
+                      <m:sup>
+                        <m:r>
+                          <a:rPr lang="en-GB" b="0" i="1" smtClean="0">
+                            <a:latin typeface="Cambria Math" panose="02040503050406030204" pitchFamily="18" charset="0"/>
+                            <a:ea typeface="Cambria Math" panose="02040503050406030204" pitchFamily="18" charset="0"/>
+                          </a:rPr>
+                          <m:t>2</m:t>
+                        </m:r>
+                      </m:sup>
+                    </m:sSup>
+                  </m:oMath>
+                </a14:m>
+                <a:endParaRPr lang="en-GB" dirty="0"/>
+              </a:p>
+              <a:p>
+                <a:endParaRPr lang="en-GB" dirty="0"/>
+              </a:p>
+              <a:p>
+                <a:r>
+                  <a:rPr lang="en-GB" dirty="0"/>
+                  <a:t>Repeat for a desired number of samples.</a:t>
+                </a:r>
+              </a:p>
+              <a:p>
+                <a:endParaRPr lang="en-GB" dirty="0"/>
+              </a:p>
+              <a:p>
+                <a:r>
+                  <a:rPr lang="en-GB" dirty="0"/>
+                  <a:t>Then, we can calculate the </a:t>
+                </a:r>
+                <a:r>
+                  <a:rPr lang="en-GB" i="1" dirty="0"/>
+                  <a:t>volume </a:t>
+                </a:r>
+                <a:r>
+                  <a:rPr lang="en-GB" dirty="0"/>
+                  <a:t>of the </a:t>
+                </a:r>
+                <a:r>
+                  <a:rPr lang="en-GB" i="1" dirty="0"/>
+                  <a:t>ball</a:t>
+                </a:r>
+                <a:r>
+                  <a:rPr lang="en-GB" dirty="0"/>
+                  <a:t> to be</a:t>
+                </a:r>
+              </a:p>
+            </p:txBody>
+          </p:sp>
+        </mc:Choice>
+        <mc:Fallback xmlns="">
+          <p:sp>
+            <p:nvSpPr>
+              <p:cNvPr id="4" name="TextBox 3">
+                <a:extLst>
+                  <a:ext uri="{FF2B5EF4-FFF2-40B4-BE49-F238E27FC236}">
+                    <a16:creationId xmlns:a16="http://schemas.microsoft.com/office/drawing/2014/main" id="{1B5471C6-178E-18EC-31C1-DECAD7197EF2}"/>
+                  </a:ext>
+                </a:extLst>
+              </p:cNvPr>
+              <p:cNvSpPr txBox="1">
+                <a:spLocks noRot="1" noChangeAspect="1" noMove="1" noResize="1" noEditPoints="1" noAdjustHandles="1" noChangeArrowheads="1" noChangeShapeType="1" noTextEdit="1"/>
+              </p:cNvSpPr>
+              <p:nvPr/>
+            </p:nvSpPr>
+            <p:spPr>
+              <a:xfrm>
+                <a:off x="685707" y="1940663"/>
+                <a:ext cx="10820586" cy="2311530"/>
+              </a:xfrm>
+              <a:prstGeom prst="rect">
+                <a:avLst/>
+              </a:prstGeom>
+              <a:blipFill>
+                <a:blip r:embed="rId2"/>
+                <a:stretch>
+                  <a:fillRect l="-468" t="-1087" b="-2717"/>
+                </a:stretch>
+              </a:blipFill>
+            </p:spPr>
+            <p:txBody>
+              <a:bodyPr/>
+              <a:lstStyle/>
+              <a:p>
+                <a:r>
+                  <a:rPr lang="en-GB">
+                    <a:noFill/>
+                  </a:rPr>
+                  <a:t> </a:t>
+                </a:r>
+              </a:p>
+            </p:txBody>
+          </p:sp>
+        </mc:Fallback>
+      </mc:AlternateContent>
+      <mc:AlternateContent xmlns:mc="http://schemas.openxmlformats.org/markup-compatibility/2006" xmlns:a14="http://schemas.microsoft.com/office/drawing/2010/main">
+        <mc:Choice Requires="a14">
+          <p:sp>
+            <p:nvSpPr>
+              <p:cNvPr id="3" name="TextBox 2">
+                <a:extLst>
+                  <a:ext uri="{FF2B5EF4-FFF2-40B4-BE49-F238E27FC236}">
+                    <a16:creationId xmlns:a16="http://schemas.microsoft.com/office/drawing/2014/main" id="{B13CD261-80F4-C242-0096-2469434E6F45}"/>
+                  </a:ext>
+                </a:extLst>
+              </p:cNvPr>
+              <p:cNvSpPr txBox="1"/>
+              <p:nvPr/>
+            </p:nvSpPr>
+            <p:spPr>
+              <a:xfrm>
+                <a:off x="3546763" y="4266047"/>
+                <a:ext cx="5098473" cy="524759"/>
+              </a:xfrm>
+              <a:prstGeom prst="rect">
+                <a:avLst/>
+              </a:prstGeom>
+              <a:noFill/>
+            </p:spPr>
+            <p:txBody>
+              <a:bodyPr wrap="square" lIns="0" tIns="0" rIns="0" bIns="0" rtlCol="0">
+                <a:spAutoFit/>
+              </a:bodyPr>
+              <a:lstStyle/>
+              <a:p>
+                <a:pPr/>
+                <a14:m>
+                  <m:oMathPara xmlns:m="http://schemas.openxmlformats.org/officeDocument/2006/math">
+                    <m:oMathParaPr>
+                      <m:jc m:val="centerGroup"/>
+                    </m:oMathParaPr>
+                    <m:oMath xmlns:m="http://schemas.openxmlformats.org/officeDocument/2006/math">
+                      <m:sSub>
+                        <m:sSubPr>
+                          <m:ctrlPr>
+                            <a:rPr lang="en-GB" i="1" smtClean="0">
+                              <a:latin typeface="Cambria Math" panose="02040503050406030204" pitchFamily="18" charset="0"/>
+                            </a:rPr>
+                          </m:ctrlPr>
+                        </m:sSubPr>
+                        <m:e>
+                          <m:r>
+                            <a:rPr lang="en-GB" b="0" i="1" smtClean="0">
+                              <a:latin typeface="Cambria Math" panose="02040503050406030204" pitchFamily="18" charset="0"/>
+                            </a:rPr>
+                            <m:t>𝑉</m:t>
+                          </m:r>
+                        </m:e>
+                        <m:sub>
+                          <m:r>
+                            <m:rPr>
+                              <m:nor/>
+                            </m:rPr>
+                            <a:rPr lang="en-GB" b="0" i="0" smtClean="0">
+                              <a:latin typeface="Cambria Math" panose="02040503050406030204" pitchFamily="18" charset="0"/>
+                            </a:rPr>
+                            <m:t>ball</m:t>
+                          </m:r>
+                        </m:sub>
+                      </m:sSub>
+                      <m:r>
+                        <a:rPr lang="en-GB" b="0" i="1" smtClean="0">
+                          <a:latin typeface="Cambria Math" panose="02040503050406030204" pitchFamily="18" charset="0"/>
+                        </a:rPr>
+                        <m:t>=</m:t>
+                      </m:r>
+                      <m:sSup>
+                        <m:sSupPr>
+                          <m:ctrlPr>
+                            <a:rPr lang="en-GB" b="0" i="1" smtClean="0">
+                              <a:latin typeface="Cambria Math" panose="02040503050406030204" pitchFamily="18" charset="0"/>
+                            </a:rPr>
+                          </m:ctrlPr>
+                        </m:sSupPr>
+                        <m:e>
+                          <m:r>
+                            <a:rPr lang="en-GB" b="0" i="1" smtClean="0">
+                              <a:latin typeface="Cambria Math" panose="02040503050406030204" pitchFamily="18" charset="0"/>
+                            </a:rPr>
+                            <m:t>(2</m:t>
+                          </m:r>
+                          <m:r>
+                            <a:rPr lang="en-GB" b="0" i="1" smtClean="0">
+                              <a:latin typeface="Cambria Math" panose="02040503050406030204" pitchFamily="18" charset="0"/>
+                            </a:rPr>
+                            <m:t>𝑅</m:t>
+                          </m:r>
+                          <m:r>
+                            <a:rPr lang="en-GB" b="0" i="1" smtClean="0">
+                              <a:latin typeface="Cambria Math" panose="02040503050406030204" pitchFamily="18" charset="0"/>
+                            </a:rPr>
+                            <m:t>)</m:t>
+                          </m:r>
+                        </m:e>
+                        <m:sup>
+                          <m:r>
+                            <a:rPr lang="en-GB" b="0" i="1" smtClean="0">
+                              <a:latin typeface="Cambria Math" panose="02040503050406030204" pitchFamily="18" charset="0"/>
+                            </a:rPr>
+                            <m:t>𝑛</m:t>
+                          </m:r>
+                        </m:sup>
+                      </m:sSup>
+                      <m:f>
+                        <m:fPr>
+                          <m:ctrlPr>
+                            <a:rPr lang="en-GB" b="0" i="1" smtClean="0">
+                              <a:latin typeface="Cambria Math" panose="02040503050406030204" pitchFamily="18" charset="0"/>
+                            </a:rPr>
+                          </m:ctrlPr>
+                        </m:fPr>
+                        <m:num>
+                          <m:r>
+                            <m:rPr>
+                              <m:nor/>
+                            </m:rPr>
+                            <a:rPr lang="en-GB" b="0" i="0" smtClean="0">
+                              <a:latin typeface="Cambria Math" panose="02040503050406030204" pitchFamily="18" charset="0"/>
+                            </a:rPr>
+                            <m:t># </m:t>
+                          </m:r>
+                          <m:r>
+                            <m:rPr>
+                              <m:nor/>
+                            </m:rPr>
+                            <a:rPr lang="en-GB" b="0" i="0" smtClean="0">
+                              <a:latin typeface="Cambria Math" panose="02040503050406030204" pitchFamily="18" charset="0"/>
+                            </a:rPr>
+                            <m:t>of</m:t>
+                          </m:r>
+                          <m:r>
+                            <m:rPr>
+                              <m:nor/>
+                            </m:rPr>
+                            <a:rPr lang="en-GB" b="0" i="0" smtClean="0">
+                              <a:latin typeface="Cambria Math" panose="02040503050406030204" pitchFamily="18" charset="0"/>
+                            </a:rPr>
+                            <m:t> </m:t>
+                          </m:r>
+                          <m:sSub>
+                            <m:sSubPr>
+                              <m:ctrlPr>
+                                <a:rPr lang="en-GB" b="0" i="1" smtClean="0">
+                                  <a:latin typeface="Cambria Math" panose="02040503050406030204" pitchFamily="18" charset="0"/>
+                                </a:rPr>
+                              </m:ctrlPr>
+                            </m:sSubPr>
+                            <m:e>
+                              <m:r>
+                                <a:rPr lang="en-GB" b="0" i="1" smtClean="0">
+                                  <a:latin typeface="Cambria Math" panose="02040503050406030204" pitchFamily="18" charset="0"/>
+                                </a:rPr>
+                                <m:t>𝑃</m:t>
+                              </m:r>
+                            </m:e>
+                            <m:sub>
+                              <m:r>
+                                <a:rPr lang="en-GB" b="0" i="1" smtClean="0">
+                                  <a:latin typeface="Cambria Math" panose="02040503050406030204" pitchFamily="18" charset="0"/>
+                                </a:rPr>
+                                <m:t>𝑖</m:t>
+                              </m:r>
+                            </m:sub>
+                          </m:sSub>
+                          <m:r>
+                            <a:rPr lang="en-GB" b="0" i="1" smtClean="0">
+                              <a:latin typeface="Cambria Math" panose="02040503050406030204" pitchFamily="18" charset="0"/>
+                            </a:rPr>
+                            <m:t> </m:t>
+                          </m:r>
+                          <m:r>
+                            <m:rPr>
+                              <m:nor/>
+                            </m:rPr>
+                            <a:rPr lang="en-GB" b="0" i="0" smtClean="0">
+                              <a:latin typeface="Cambria Math" panose="02040503050406030204" pitchFamily="18" charset="0"/>
+                            </a:rPr>
+                            <m:t>that</m:t>
+                          </m:r>
+                          <m:r>
+                            <m:rPr>
+                              <m:nor/>
+                            </m:rPr>
+                            <a:rPr lang="en-GB" b="0" i="0" smtClean="0">
+                              <a:latin typeface="Cambria Math" panose="02040503050406030204" pitchFamily="18" charset="0"/>
+                            </a:rPr>
+                            <m:t> </m:t>
+                          </m:r>
+                          <m:r>
+                            <m:rPr>
+                              <m:nor/>
+                            </m:rPr>
+                            <a:rPr lang="en-GB" b="0" i="0" smtClean="0">
+                              <a:latin typeface="Cambria Math" panose="02040503050406030204" pitchFamily="18" charset="0"/>
+                            </a:rPr>
+                            <m:t>lie</m:t>
+                          </m:r>
+                          <m:r>
+                            <m:rPr>
+                              <m:nor/>
+                            </m:rPr>
+                            <a:rPr lang="en-GB" b="0" i="0" smtClean="0">
+                              <a:latin typeface="Cambria Math" panose="02040503050406030204" pitchFamily="18" charset="0"/>
+                            </a:rPr>
+                            <m:t> </m:t>
+                          </m:r>
+                          <m:r>
+                            <m:rPr>
+                              <m:nor/>
+                            </m:rPr>
+                            <a:rPr lang="en-GB" b="0" i="0" smtClean="0">
+                              <a:latin typeface="Cambria Math" panose="02040503050406030204" pitchFamily="18" charset="0"/>
+                            </a:rPr>
+                            <m:t>within</m:t>
+                          </m:r>
+                          <m:r>
+                            <a:rPr lang="en-GB" b="0" i="1" smtClean="0">
+                              <a:latin typeface="Cambria Math" panose="02040503050406030204" pitchFamily="18" charset="0"/>
+                            </a:rPr>
+                            <m:t> </m:t>
+                          </m:r>
+                          <m:r>
+                            <m:rPr>
+                              <m:nor/>
+                            </m:rPr>
+                            <a:rPr lang="en-GB" b="0" i="0" smtClean="0">
+                              <a:latin typeface="Cambria Math" panose="02040503050406030204" pitchFamily="18" charset="0"/>
+                            </a:rPr>
+                            <m:t>the</m:t>
+                          </m:r>
+                          <m:r>
+                            <m:rPr>
+                              <m:nor/>
+                            </m:rPr>
+                            <a:rPr lang="en-GB" b="0" i="0" smtClean="0">
+                              <a:latin typeface="Cambria Math" panose="02040503050406030204" pitchFamily="18" charset="0"/>
+                            </a:rPr>
+                            <m:t> </m:t>
+                          </m:r>
+                          <m:r>
+                            <m:rPr>
+                              <m:nor/>
+                            </m:rPr>
+                            <a:rPr lang="en-GB" b="0" i="0" smtClean="0">
+                              <a:latin typeface="Cambria Math" panose="02040503050406030204" pitchFamily="18" charset="0"/>
+                            </a:rPr>
+                            <m:t>ball</m:t>
+                          </m:r>
+                        </m:num>
+                        <m:den>
+                          <m:r>
+                            <a:rPr lang="en-GB" b="0" i="1" smtClean="0">
+                              <a:latin typeface="Cambria Math" panose="02040503050406030204" pitchFamily="18" charset="0"/>
+                            </a:rPr>
+                            <m:t>𝑁</m:t>
+                          </m:r>
+                        </m:den>
+                      </m:f>
+                    </m:oMath>
+                  </m:oMathPara>
+                </a14:m>
+                <a:endParaRPr lang="en-GB" dirty="0"/>
+              </a:p>
+            </p:txBody>
+          </p:sp>
+        </mc:Choice>
+        <mc:Fallback xmlns="">
+          <p:sp>
+            <p:nvSpPr>
+              <p:cNvPr id="3" name="TextBox 2">
+                <a:extLst>
+                  <a:ext uri="{FF2B5EF4-FFF2-40B4-BE49-F238E27FC236}">
+                    <a16:creationId xmlns:a16="http://schemas.microsoft.com/office/drawing/2014/main" id="{B13CD261-80F4-C242-0096-2469434E6F45}"/>
+                  </a:ext>
+                </a:extLst>
+              </p:cNvPr>
+              <p:cNvSpPr txBox="1">
+                <a:spLocks noRot="1" noChangeAspect="1" noMove="1" noResize="1" noEditPoints="1" noAdjustHandles="1" noChangeArrowheads="1" noChangeShapeType="1" noTextEdit="1"/>
+              </p:cNvSpPr>
+              <p:nvPr/>
+            </p:nvSpPr>
+            <p:spPr>
+              <a:xfrm>
+                <a:off x="3546763" y="4266047"/>
+                <a:ext cx="5098473" cy="524759"/>
+              </a:xfrm>
+              <a:prstGeom prst="rect">
+                <a:avLst/>
+              </a:prstGeom>
+              <a:blipFill>
+                <a:blip r:embed="rId3"/>
+                <a:stretch>
+                  <a:fillRect t="-9524" b="-14286"/>
+                </a:stretch>
+              </a:blipFill>
+            </p:spPr>
+            <p:txBody>
+              <a:bodyPr/>
+              <a:lstStyle/>
+              <a:p>
+                <a:r>
+                  <a:rPr lang="en-GB">
+                    <a:noFill/>
+                  </a:rPr>
+                  <a:t> </a:t>
+                </a:r>
+              </a:p>
+            </p:txBody>
+          </p:sp>
+        </mc:Fallback>
+      </mc:AlternateContent>
+      <mc:AlternateContent xmlns:mc="http://schemas.openxmlformats.org/markup-compatibility/2006" xmlns:a14="http://schemas.microsoft.com/office/drawing/2010/main">
+        <mc:Choice Requires="a14">
+          <p:sp>
+            <p:nvSpPr>
+              <p:cNvPr id="5" name="TextBox 4">
+                <a:extLst>
+                  <a:ext uri="{FF2B5EF4-FFF2-40B4-BE49-F238E27FC236}">
+                    <a16:creationId xmlns:a16="http://schemas.microsoft.com/office/drawing/2014/main" id="{A936490C-4427-D49C-C378-3E35574909E5}"/>
+                  </a:ext>
+                </a:extLst>
+              </p:cNvPr>
+              <p:cNvSpPr txBox="1"/>
+              <p:nvPr/>
+            </p:nvSpPr>
+            <p:spPr>
+              <a:xfrm>
+                <a:off x="685706" y="4790806"/>
+                <a:ext cx="10820586" cy="1200329"/>
+              </a:xfrm>
+              <a:prstGeom prst="rect">
+                <a:avLst/>
+              </a:prstGeom>
+              <a:noFill/>
+            </p:spPr>
+            <p:txBody>
+              <a:bodyPr wrap="square" rtlCol="0">
+                <a:spAutoFit/>
+              </a:bodyPr>
+              <a:lstStyle/>
+              <a:p>
+                <a:r>
+                  <a:rPr lang="en-GB" dirty="0"/>
+                  <a:t>where </a:t>
+                </a:r>
+                <a14:m>
+                  <m:oMath xmlns:m="http://schemas.openxmlformats.org/officeDocument/2006/math">
+                    <m:r>
+                      <a:rPr lang="en-GB" b="0" i="1" smtClean="0">
+                        <a:latin typeface="Cambria Math" panose="02040503050406030204" pitchFamily="18" charset="0"/>
+                      </a:rPr>
+                      <m:t>𝑁</m:t>
+                    </m:r>
+                  </m:oMath>
+                </a14:m>
+                <a:r>
+                  <a:rPr lang="en-GB" dirty="0"/>
+                  <a:t> is the number of samples taken.</a:t>
+                </a:r>
+              </a:p>
+              <a:p>
+                <a:endParaRPr lang="en-GB" dirty="0"/>
+              </a:p>
+              <a:p>
+                <a:endParaRPr lang="en-GB" dirty="0"/>
+              </a:p>
+              <a:p>
+                <a:r>
+                  <a:rPr lang="en-GB" dirty="0"/>
+                  <a:t>This gives an idea of how Monte Carlo methods can be generalised to higher dimensions.</a:t>
+                </a:r>
+              </a:p>
+            </p:txBody>
+          </p:sp>
+        </mc:Choice>
+        <mc:Fallback xmlns="">
+          <p:sp>
+            <p:nvSpPr>
+              <p:cNvPr id="5" name="TextBox 4">
+                <a:extLst>
+                  <a:ext uri="{FF2B5EF4-FFF2-40B4-BE49-F238E27FC236}">
+                    <a16:creationId xmlns:a16="http://schemas.microsoft.com/office/drawing/2014/main" id="{A936490C-4427-D49C-C378-3E35574909E5}"/>
+                  </a:ext>
+                </a:extLst>
+              </p:cNvPr>
+              <p:cNvSpPr txBox="1">
+                <a:spLocks noRot="1" noChangeAspect="1" noMove="1" noResize="1" noEditPoints="1" noAdjustHandles="1" noChangeArrowheads="1" noChangeShapeType="1" noTextEdit="1"/>
+              </p:cNvSpPr>
+              <p:nvPr/>
+            </p:nvSpPr>
+            <p:spPr>
+              <a:xfrm>
+                <a:off x="685706" y="4790806"/>
+                <a:ext cx="10820586" cy="1200329"/>
+              </a:xfrm>
+              <a:prstGeom prst="rect">
+                <a:avLst/>
+              </a:prstGeom>
+              <a:blipFill>
+                <a:blip r:embed="rId4"/>
+                <a:stretch>
+                  <a:fillRect l="-468" t="-3158" b="-7368"/>
+                </a:stretch>
+              </a:blipFill>
+            </p:spPr>
+            <p:txBody>
+              <a:bodyPr/>
+              <a:lstStyle/>
+              <a:p>
+                <a:r>
+                  <a:rPr lang="en-GB">
+                    <a:noFill/>
+                  </a:rPr>
+                  <a:t> </a:t>
+                </a:r>
+              </a:p>
+            </p:txBody>
+          </p:sp>
+        </mc:Fallback>
+      </mc:AlternateContent>
+    </p:spTree>
+    <p:extLst>
+      <p:ext uri="{BB962C8B-B14F-4D97-AF65-F5344CB8AC3E}">
+        <p14:creationId xmlns:p14="http://schemas.microsoft.com/office/powerpoint/2010/main" val="1836185349"/>
+      </p:ext>
+    </p:extLst>
+  </p:cSld>
+  <p:clrMapOvr>
+    <a:masterClrMapping/>
+  </p:clrMapOvr>
+</p:sld>
+</file>
+
+<file path=ppt/slides/slide15.xml><?xml version="1.0" encoding="utf-8"?>
+<p:sld xmlns:a="http://schemas.openxmlformats.org/drawingml/2006/main" xmlns:r="http://schemas.openxmlformats.org/officeDocument/2006/relationships" xmlns:p="http://schemas.openxmlformats.org/presentationml/2006/main">
+  <p:cSld>
+    <p:bg>
+      <p:bgPr>
+        <a:solidFill>
+          <a:schemeClr val="bg1"/>
+        </a:solidFill>
+        <a:effectLst/>
+      </p:bgPr>
+    </p:bg>
+    <p:spTree>
+      <p:nvGrpSpPr>
+        <p:cNvPr id="1" name="">
+          <a:extLst>
+            <a:ext uri="{FF2B5EF4-FFF2-40B4-BE49-F238E27FC236}">
+              <a16:creationId xmlns:a16="http://schemas.microsoft.com/office/drawing/2014/main" id="{431D298D-915A-CBC5-D848-B27FFA763F15}"/>
+            </a:ext>
+          </a:extLst>
+        </p:cNvPr>
+        <p:cNvGrpSpPr/>
+        <p:nvPr/>
+      </p:nvGrpSpPr>
+      <p:grpSpPr>
+        <a:xfrm>
+          <a:off x="0" y="0"/>
+          <a:ext cx="0" cy="0"/>
+          <a:chOff x="0" y="0"/>
+          <a:chExt cx="0" cy="0"/>
+        </a:xfrm>
+      </p:grpSpPr>
+      <p:sp>
+        <p:nvSpPr>
+          <p:cNvPr id="8" name="Rectangle 7">
+            <a:extLst>
+              <a:ext uri="{FF2B5EF4-FFF2-40B4-BE49-F238E27FC236}">
+                <a16:creationId xmlns:a16="http://schemas.microsoft.com/office/drawing/2014/main" id="{2928117C-9446-4E7F-AE62-95E0F6DB5B27}"/>
+              </a:ext>
+              <a:ext uri="{C183D7F6-B498-43B3-948B-1728B52AA6E4}">
+                <adec:decorative xmlns:adec="http://schemas.microsoft.com/office/drawing/2017/decorative" val="1"/>
+              </a:ext>
+            </a:extLst>
+          </p:cNvPr>
+          <p:cNvSpPr>
+            <a:spLocks noGrp="1" noRot="1" noChangeAspect="1" noMove="1" noResize="1" noEditPoints="1" noAdjustHandles="1" noChangeArrowheads="1" noChangeShapeType="1" noTextEdit="1"/>
+          </p:cNvSpPr>
+          <p:nvPr>
+            <p:extLst>
+              <p:ext uri="{386F3935-93C4-4BCD-93E2-E3B085C9AB24}">
+                <p16:designElem xmlns:p16="http://schemas.microsoft.com/office/powerpoint/2015/main" val="1"/>
+              </p:ext>
+            </p:extLst>
+          </p:nvPr>
+        </p:nvSpPr>
+        <p:spPr>
+          <a:xfrm>
+            <a:off x="446534" y="457200"/>
+            <a:ext cx="3703320" cy="94997"/>
+          </a:xfrm>
+          <a:prstGeom prst="rect">
+            <a:avLst/>
+          </a:prstGeom>
+          <a:solidFill>
+            <a:schemeClr val="accent1"/>
+          </a:solidFill>
+          <a:ln>
+            <a:noFill/>
+          </a:ln>
+          <a:effectLst/>
+        </p:spPr>
+        <p:style>
+          <a:lnRef idx="1">
+            <a:schemeClr val="accent1"/>
+          </a:lnRef>
+          <a:fillRef idx="3">
+            <a:schemeClr val="accent1"/>
+          </a:fillRef>
+          <a:effectRef idx="2">
+            <a:schemeClr val="accent1"/>
+          </a:effectRef>
+          <a:fontRef idx="minor">
+            <a:schemeClr val="lt1"/>
+          </a:fontRef>
+        </p:style>
+        <p:txBody>
+          <a:bodyPr/>
+          <a:lstStyle/>
+          <a:p>
+            <a:endParaRPr lang="en-GB"/>
+          </a:p>
+        </p:txBody>
+      </p:sp>
+      <p:sp>
+        <p:nvSpPr>
+          <p:cNvPr id="10" name="Rectangle 9">
+            <a:extLst>
+              <a:ext uri="{FF2B5EF4-FFF2-40B4-BE49-F238E27FC236}">
+                <a16:creationId xmlns:a16="http://schemas.microsoft.com/office/drawing/2014/main" id="{84D30AFB-4D71-48B0-AA00-28EE92363A5F}"/>
+              </a:ext>
+              <a:ext uri="{C183D7F6-B498-43B3-948B-1728B52AA6E4}">
+                <adec:decorative xmlns:adec="http://schemas.microsoft.com/office/drawing/2017/decorative" val="1"/>
+              </a:ext>
+            </a:extLst>
+          </p:cNvPr>
+          <p:cNvSpPr>
+            <a:spLocks noGrp="1" noRot="1" noChangeAspect="1" noMove="1" noResize="1" noEditPoints="1" noAdjustHandles="1" noChangeArrowheads="1" noChangeShapeType="1" noTextEdit="1"/>
+          </p:cNvSpPr>
+          <p:nvPr>
+            <p:extLst>
+              <p:ext uri="{386F3935-93C4-4BCD-93E2-E3B085C9AB24}">
+                <p16:designElem xmlns:p16="http://schemas.microsoft.com/office/powerpoint/2015/main" val="1"/>
+              </p:ext>
+            </p:extLst>
+          </p:nvPr>
+        </p:nvSpPr>
+        <p:spPr>
+          <a:xfrm>
+            <a:off x="8042147" y="453643"/>
+            <a:ext cx="3703320" cy="98554"/>
+          </a:xfrm>
+          <a:prstGeom prst="rect">
+            <a:avLst/>
+          </a:prstGeom>
+          <a:solidFill>
+            <a:schemeClr val="accent4"/>
+          </a:solidFill>
+          <a:ln>
+            <a:noFill/>
+          </a:ln>
+          <a:effectLst/>
+        </p:spPr>
+        <p:style>
+          <a:lnRef idx="1">
+            <a:schemeClr val="accent1"/>
+          </a:lnRef>
+          <a:fillRef idx="3">
+            <a:schemeClr val="accent1"/>
+          </a:fillRef>
+          <a:effectRef idx="2">
+            <a:schemeClr val="accent1"/>
+          </a:effectRef>
+          <a:fontRef idx="minor">
+            <a:schemeClr val="lt1"/>
+          </a:fontRef>
+        </p:style>
+        <p:txBody>
+          <a:bodyPr/>
+          <a:lstStyle/>
+          <a:p>
+            <a:endParaRPr lang="en-GB"/>
+          </a:p>
+        </p:txBody>
+      </p:sp>
+      <p:sp>
+        <p:nvSpPr>
+          <p:cNvPr id="12" name="Rectangle 11">
+            <a:extLst>
+              <a:ext uri="{FF2B5EF4-FFF2-40B4-BE49-F238E27FC236}">
+                <a16:creationId xmlns:a16="http://schemas.microsoft.com/office/drawing/2014/main" id="{96A0B76F-8010-4C62-B4B6-C5FC438C059E}"/>
+              </a:ext>
+              <a:ext uri="{C183D7F6-B498-43B3-948B-1728B52AA6E4}">
+                <adec:decorative xmlns:adec="http://schemas.microsoft.com/office/drawing/2017/decorative" val="1"/>
+              </a:ext>
+            </a:extLst>
+          </p:cNvPr>
+          <p:cNvSpPr>
+            <a:spLocks noGrp="1" noRot="1" noChangeAspect="1" noMove="1" noResize="1" noEditPoints="1" noAdjustHandles="1" noChangeArrowheads="1" noChangeShapeType="1" noTextEdit="1"/>
+          </p:cNvSpPr>
+          <p:nvPr>
+            <p:extLst>
+              <p:ext uri="{386F3935-93C4-4BCD-93E2-E3B085C9AB24}">
+                <p16:designElem xmlns:p16="http://schemas.microsoft.com/office/powerpoint/2015/main" val="1"/>
+              </p:ext>
+            </p:extLst>
+          </p:nvPr>
+        </p:nvSpPr>
+        <p:spPr>
+          <a:xfrm>
+            <a:off x="4241830" y="457200"/>
+            <a:ext cx="3703320" cy="91440"/>
+          </a:xfrm>
+          <a:prstGeom prst="rect">
+            <a:avLst/>
+          </a:prstGeom>
+          <a:solidFill>
+            <a:schemeClr val="accent2"/>
+          </a:solidFill>
+          <a:ln>
+            <a:noFill/>
+          </a:ln>
+          <a:effectLst/>
+        </p:spPr>
+        <p:style>
+          <a:lnRef idx="1">
+            <a:schemeClr val="accent1"/>
+          </a:lnRef>
+          <a:fillRef idx="3">
+            <a:schemeClr val="accent1"/>
+          </a:fillRef>
+          <a:effectRef idx="2">
+            <a:schemeClr val="accent1"/>
+          </a:effectRef>
+          <a:fontRef idx="minor">
+            <a:schemeClr val="lt1"/>
+          </a:fontRef>
+        </p:style>
+        <p:txBody>
+          <a:bodyPr/>
+          <a:lstStyle/>
+          <a:p>
+            <a:endParaRPr lang="en-GB"/>
+          </a:p>
+        </p:txBody>
+      </p:sp>
+      <p:sp>
+        <p:nvSpPr>
+          <p:cNvPr id="14" name="Rectangle 13">
+            <a:extLst>
+              <a:ext uri="{FF2B5EF4-FFF2-40B4-BE49-F238E27FC236}">
+                <a16:creationId xmlns:a16="http://schemas.microsoft.com/office/drawing/2014/main" id="{9FC936C0-4624-438D-BDD0-6B296BD6409D}"/>
+              </a:ext>
+              <a:ext uri="{C183D7F6-B498-43B3-948B-1728B52AA6E4}">
+                <adec:decorative xmlns:adec="http://schemas.microsoft.com/office/drawing/2017/decorative" val="1"/>
+              </a:ext>
+            </a:extLst>
+          </p:cNvPr>
+          <p:cNvSpPr>
+            <a:spLocks noGrp="1" noRot="1" noChangeAspect="1" noMove="1" noResize="1" noEditPoints="1" noAdjustHandles="1" noChangeArrowheads="1" noChangeShapeType="1" noTextEdit="1"/>
+          </p:cNvSpPr>
+          <p:nvPr>
+            <p:extLst>
+              <p:ext uri="{386F3935-93C4-4BCD-93E2-E3B085C9AB24}">
+                <p16:designElem xmlns:p16="http://schemas.microsoft.com/office/powerpoint/2015/main" val="1"/>
+              </p:ext>
+            </p:extLst>
+          </p:nvPr>
+        </p:nvSpPr>
+        <p:spPr>
+          <a:xfrm>
+            <a:off x="446534" y="3085765"/>
+            <a:ext cx="11262866" cy="3304800"/>
+          </a:xfrm>
+          <a:prstGeom prst="rect">
+            <a:avLst/>
+          </a:prstGeom>
+          <a:solidFill>
+            <a:schemeClr val="accent1"/>
+          </a:solidFill>
+          <a:ln>
+            <a:noFill/>
+          </a:ln>
+          <a:effectLst/>
+        </p:spPr>
+        <p:style>
+          <a:lnRef idx="1">
+            <a:schemeClr val="accent1"/>
+          </a:lnRef>
+          <a:fillRef idx="3">
+            <a:schemeClr val="accent1"/>
+          </a:fillRef>
+          <a:effectRef idx="2">
+            <a:schemeClr val="accent1"/>
+          </a:effectRef>
+          <a:fontRef idx="minor">
+            <a:schemeClr val="lt1"/>
+          </a:fontRef>
+        </p:style>
+        <p:txBody>
+          <a:bodyPr/>
+          <a:lstStyle/>
+          <a:p>
+            <a:endParaRPr lang="en-GB"/>
+          </a:p>
+        </p:txBody>
+      </p:sp>
+      <p:sp useBgFill="1">
+        <p:nvSpPr>
+          <p:cNvPr id="16" name="Rectangle 15">
+            <a:extLst>
+              <a:ext uri="{FF2B5EF4-FFF2-40B4-BE49-F238E27FC236}">
+                <a16:creationId xmlns:a16="http://schemas.microsoft.com/office/drawing/2014/main" id="{F34F34AF-75E7-4149-A3CF-2E483C744F92}"/>
+              </a:ext>
+              <a:ext uri="{C183D7F6-B498-43B3-948B-1728B52AA6E4}">
+                <adec:decorative xmlns:adec="http://schemas.microsoft.com/office/drawing/2017/decorative" val="1"/>
+              </a:ext>
+            </a:extLst>
+          </p:cNvPr>
+          <p:cNvSpPr>
+            <a:spLocks noGrp="1" noRot="1" noChangeAspect="1" noMove="1" noResize="1" noEditPoints="1" noAdjustHandles="1" noChangeArrowheads="1" noChangeShapeType="1" noTextEdit="1"/>
+          </p:cNvSpPr>
+          <p:nvPr>
+            <p:extLst>
+              <p:ext uri="{386F3935-93C4-4BCD-93E2-E3B085C9AB24}">
+                <p16:designElem xmlns:p16="http://schemas.microsoft.com/office/powerpoint/2015/main" val="1"/>
+              </p:ext>
+            </p:extLst>
+          </p:nvPr>
+        </p:nvSpPr>
+        <p:spPr>
+          <a:xfrm>
+            <a:off x="0" y="0"/>
+            <a:ext cx="12192000" cy="6858000"/>
+          </a:xfrm>
+          <a:prstGeom prst="rect">
+            <a:avLst/>
+          </a:prstGeom>
+          <a:ln>
+            <a:noFill/>
+          </a:ln>
+        </p:spPr>
+        <p:style>
+          <a:lnRef idx="2">
+            <a:schemeClr val="accent1">
+              <a:shade val="50000"/>
+            </a:schemeClr>
+          </a:lnRef>
+          <a:fillRef idx="1">
+            <a:schemeClr val="accent1"/>
+          </a:fillRef>
+          <a:effectRef idx="0">
+            <a:schemeClr val="accent1"/>
+          </a:effectRef>
+          <a:fontRef idx="minor">
+            <a:schemeClr val="lt1"/>
+          </a:fontRef>
+        </p:style>
+        <p:txBody>
+          <a:bodyPr rtlCol="0" anchor="ctr"/>
+          <a:lstStyle/>
+          <a:p>
+            <a:pPr algn="ctr"/>
+            <a:endParaRPr lang="en-US"/>
+          </a:p>
+        </p:txBody>
+      </p:sp>
+      <p:pic>
+        <p:nvPicPr>
+          <p:cNvPr id="4" name="Picture 3" descr="A world map made of pins and strings">
+            <a:extLst>
+              <a:ext uri="{FF2B5EF4-FFF2-40B4-BE49-F238E27FC236}">
+                <a16:creationId xmlns:a16="http://schemas.microsoft.com/office/drawing/2014/main" id="{5AD1263C-3A82-C0C5-40C2-2413F15E60AA}"/>
+              </a:ext>
+            </a:extLst>
+          </p:cNvPr>
+          <p:cNvPicPr>
+            <a:picLocks noChangeAspect="1"/>
+          </p:cNvPicPr>
+          <p:nvPr/>
+        </p:nvPicPr>
+        <p:blipFill>
+          <a:blip r:embed="rId2">
+            <a:grayscl/>
+          </a:blip>
+          <a:srcRect t="9811" b="5919"/>
+          <a:stretch/>
+        </p:blipFill>
+        <p:spPr>
+          <a:xfrm>
+            <a:off x="20" y="10"/>
+            <a:ext cx="12191980" cy="6857990"/>
+          </a:xfrm>
+          <a:prstGeom prst="rect">
+            <a:avLst/>
+          </a:prstGeom>
+        </p:spPr>
+      </p:pic>
+      <p:grpSp>
+        <p:nvGrpSpPr>
+          <p:cNvPr id="18" name="Group 17">
+            <a:extLst>
+              <a:ext uri="{FF2B5EF4-FFF2-40B4-BE49-F238E27FC236}">
+                <a16:creationId xmlns:a16="http://schemas.microsoft.com/office/drawing/2014/main" id="{1654C7F9-AF92-42BD-A713-6B020F63B307}"/>
+              </a:ext>
+              <a:ext uri="{C183D7F6-B498-43B3-948B-1728B52AA6E4}">
+                <adec:decorative xmlns:adec="http://schemas.microsoft.com/office/drawing/2017/decorative" val="1"/>
+              </a:ext>
+            </a:extLst>
+          </p:cNvPr>
+          <p:cNvGrpSpPr>
+            <a:grpSpLocks noGrp="1" noUngrp="1" noRot="1" noChangeAspect="1" noMove="1" noResize="1"/>
+          </p:cNvGrpSpPr>
+          <p:nvPr>
+            <p:extLst>
+              <p:ext uri="{386F3935-93C4-4BCD-93E2-E3B085C9AB24}">
+                <p16:designElem xmlns:p16="http://schemas.microsoft.com/office/powerpoint/2015/main" val="1"/>
+              </p:ext>
+            </p:extLst>
+          </p:nvPr>
+        </p:nvGrpSpPr>
+        <p:grpSpPr>
+          <a:xfrm>
+            <a:off x="438068" y="457200"/>
+            <a:ext cx="3703320" cy="5935132"/>
+            <a:chOff x="438068" y="457200"/>
+            <a:chExt cx="3703320" cy="5935132"/>
+          </a:xfrm>
+        </p:grpSpPr>
+        <p:sp>
+          <p:nvSpPr>
+            <p:cNvPr id="19" name="Rectangle 18">
+              <a:extLst>
+                <a:ext uri="{FF2B5EF4-FFF2-40B4-BE49-F238E27FC236}">
+                  <a16:creationId xmlns:a16="http://schemas.microsoft.com/office/drawing/2014/main" id="{D4E3B121-1133-4B7A-BF30-80EF7C9F06D3}"/>
+                </a:ext>
+                <a:ext uri="{C183D7F6-B498-43B3-948B-1728B52AA6E4}">
+                  <adec:decorative xmlns:adec="http://schemas.microsoft.com/office/drawing/2017/decorative" val="1"/>
+                </a:ext>
+              </a:extLst>
+            </p:cNvPr>
+            <p:cNvSpPr/>
+            <p:nvPr>
+              <p:extLst>
+                <p:ext uri="{386F3935-93C4-4BCD-93E2-E3B085C9AB24}">
+                  <p16:designElem xmlns:p16="http://schemas.microsoft.com/office/powerpoint/2015/main" val="1"/>
+                </p:ext>
+              </p:extLst>
+            </p:nvPr>
+          </p:nvSpPr>
+          <p:spPr>
+            <a:xfrm>
+              <a:off x="438068" y="618067"/>
+              <a:ext cx="3702134" cy="5774265"/>
+            </a:xfrm>
+            <a:prstGeom prst="rect">
+              <a:avLst/>
+            </a:prstGeom>
+            <a:solidFill>
+              <a:schemeClr val="accent1">
+                <a:alpha val="97000"/>
+              </a:schemeClr>
+            </a:solidFill>
+            <a:ln w="6350" cmpd="sng">
+              <a:noFill/>
+            </a:ln>
+            <a:effectLst/>
+          </p:spPr>
+          <p:style>
+            <a:lnRef idx="1">
+              <a:schemeClr val="accent1"/>
+            </a:lnRef>
+            <a:fillRef idx="3">
+              <a:schemeClr val="accent1"/>
+            </a:fillRef>
+            <a:effectRef idx="2">
+              <a:schemeClr val="accent1"/>
+            </a:effectRef>
+            <a:fontRef idx="minor">
+              <a:schemeClr val="lt1"/>
+            </a:fontRef>
+          </p:style>
+          <p:txBody>
+            <a:bodyPr/>
+            <a:lstStyle/>
+            <a:p>
+              <a:endParaRPr lang="en-GB"/>
+            </a:p>
+          </p:txBody>
+        </p:sp>
+        <p:sp>
+          <p:nvSpPr>
+            <p:cNvPr id="20" name="Rectangle 19">
+              <a:extLst>
+                <a:ext uri="{FF2B5EF4-FFF2-40B4-BE49-F238E27FC236}">
+                  <a16:creationId xmlns:a16="http://schemas.microsoft.com/office/drawing/2014/main" id="{8C0F23FC-3B0D-4C62-B729-C43F56DC11B0}"/>
+                </a:ext>
+                <a:ext uri="{C183D7F6-B498-43B3-948B-1728B52AA6E4}">
+                  <adec:decorative xmlns:adec="http://schemas.microsoft.com/office/drawing/2017/decorative" val="1"/>
+                </a:ext>
+              </a:extLst>
+            </p:cNvPr>
+            <p:cNvSpPr/>
+            <p:nvPr>
+              <p:extLst>
+                <p:ext uri="{386F3935-93C4-4BCD-93E2-E3B085C9AB24}">
+                  <p16:designElem xmlns:p16="http://schemas.microsoft.com/office/powerpoint/2015/main" val="1"/>
+                </p:ext>
+              </p:extLst>
+            </p:nvPr>
+          </p:nvSpPr>
+          <p:spPr>
+            <a:xfrm>
+              <a:off x="438068" y="457200"/>
+              <a:ext cx="3703320" cy="94997"/>
+            </a:xfrm>
+            <a:prstGeom prst="rect">
+              <a:avLst/>
+            </a:prstGeom>
+            <a:solidFill>
+              <a:schemeClr val="accent1"/>
+            </a:solidFill>
+            <a:ln>
+              <a:noFill/>
+            </a:ln>
+            <a:effectLst/>
+          </p:spPr>
+          <p:style>
+            <a:lnRef idx="1">
+              <a:schemeClr val="accent1"/>
+            </a:lnRef>
+            <a:fillRef idx="3">
+              <a:schemeClr val="accent1"/>
+            </a:fillRef>
+            <a:effectRef idx="2">
+              <a:schemeClr val="accent1"/>
+            </a:effectRef>
+            <a:fontRef idx="minor">
+              <a:schemeClr val="lt1"/>
+            </a:fontRef>
+          </p:style>
+          <p:txBody>
+            <a:bodyPr/>
+            <a:lstStyle/>
+            <a:p>
+              <a:endParaRPr lang="en-GB"/>
+            </a:p>
+          </p:txBody>
+        </p:sp>
+      </p:grpSp>
+      <p:sp>
+        <p:nvSpPr>
+          <p:cNvPr id="2" name="Title 1">
+            <a:extLst>
+              <a:ext uri="{FF2B5EF4-FFF2-40B4-BE49-F238E27FC236}">
+                <a16:creationId xmlns:a16="http://schemas.microsoft.com/office/drawing/2014/main" id="{F80A42A6-4B80-34E7-A439-37A0966DE9D1}"/>
+              </a:ext>
+            </a:extLst>
+          </p:cNvPr>
+          <p:cNvSpPr>
+            <a:spLocks noGrp="1"/>
+          </p:cNvSpPr>
+          <p:nvPr>
+            <p:ph type="title"/>
+          </p:nvPr>
+        </p:nvSpPr>
+        <p:spPr>
+          <a:xfrm>
+            <a:off x="584200" y="2142067"/>
+            <a:ext cx="3412067" cy="2971801"/>
+          </a:xfrm>
+        </p:spPr>
+        <p:txBody>
+          <a:bodyPr vert="horz" lIns="91440" tIns="45720" rIns="91440" bIns="45720" rtlCol="0" anchor="b">
+            <a:normAutofit/>
+          </a:bodyPr>
+          <a:lstStyle/>
+          <a:p>
+            <a:r>
+              <a:rPr lang="en-US">
+                <a:solidFill>
+                  <a:srgbClr val="FFFFFF"/>
+                </a:solidFill>
+              </a:rPr>
+              <a:t>Applications in the real world</a:t>
+            </a:r>
+          </a:p>
+        </p:txBody>
+      </p:sp>
+    </p:spTree>
+    <p:extLst>
+      <p:ext uri="{BB962C8B-B14F-4D97-AF65-F5344CB8AC3E}">
+        <p14:creationId xmlns:p14="http://schemas.microsoft.com/office/powerpoint/2010/main" val="1112163987"/>
+      </p:ext>
+    </p:extLst>
+  </p:cSld>
+  <p:clrMapOvr>
+    <a:masterClrMapping/>
+  </p:clrMapOvr>
+</p:sld>
+</file>
+
+<file path=ppt/slides/slide16.xml><?xml version="1.0" encoding="utf-8"?>
+<p:sld xmlns:a="http://schemas.openxmlformats.org/drawingml/2006/main" xmlns:r="http://schemas.openxmlformats.org/officeDocument/2006/relationships" xmlns:p="http://schemas.openxmlformats.org/presentationml/2006/main">
+  <p:cSld>
+    <p:spTree>
+      <p:nvGrpSpPr>
+        <p:cNvPr id="1" name="">
+          <a:extLst>
+            <a:ext uri="{FF2B5EF4-FFF2-40B4-BE49-F238E27FC236}">
+              <a16:creationId xmlns:a16="http://schemas.microsoft.com/office/drawing/2014/main" id="{A20B1327-F9A1-E35E-59BB-F09B12AFFCE0}"/>
+            </a:ext>
+          </a:extLst>
+        </p:cNvPr>
+        <p:cNvGrpSpPr/>
+        <p:nvPr/>
+      </p:nvGrpSpPr>
+      <p:grpSpPr>
+        <a:xfrm>
+          <a:off x="0" y="0"/>
+          <a:ext cx="0" cy="0"/>
+          <a:chOff x="0" y="0"/>
+          <a:chExt cx="0" cy="0"/>
+        </a:xfrm>
+      </p:grpSpPr>
+      <p:sp>
+        <p:nvSpPr>
+          <p:cNvPr id="2" name="Title 1">
+            <a:extLst>
+              <a:ext uri="{FF2B5EF4-FFF2-40B4-BE49-F238E27FC236}">
+                <a16:creationId xmlns:a16="http://schemas.microsoft.com/office/drawing/2014/main" id="{C03C5935-6482-0C95-3A74-024E1EBD9FEA}"/>
+              </a:ext>
+            </a:extLst>
+          </p:cNvPr>
+          <p:cNvSpPr>
+            <a:spLocks noGrp="1"/>
+          </p:cNvSpPr>
+          <p:nvPr>
+            <p:ph type="title"/>
+          </p:nvPr>
+        </p:nvSpPr>
+        <p:spPr/>
+        <p:txBody>
+          <a:bodyPr/>
+          <a:lstStyle/>
+          <a:p>
+            <a:r>
+              <a:rPr lang="en-GB" dirty="0"/>
+              <a:t>3d graphics</a:t>
+            </a:r>
+          </a:p>
+        </p:txBody>
+      </p:sp>
+    </p:spTree>
+    <p:extLst>
+      <p:ext uri="{BB962C8B-B14F-4D97-AF65-F5344CB8AC3E}">
+        <p14:creationId xmlns:p14="http://schemas.microsoft.com/office/powerpoint/2010/main" val="297419381"/>
+      </p:ext>
+    </p:extLst>
+  </p:cSld>
+  <p:clrMapOvr>
+    <a:masterClrMapping/>
+  </p:clrMapOvr>
+</p:sld>
+</file>
+
+<file path=ppt/slides/slide17.xml><?xml version="1.0" encoding="utf-8"?>
+<p:sld xmlns:a="http://schemas.openxmlformats.org/drawingml/2006/main" xmlns:r="http://schemas.openxmlformats.org/officeDocument/2006/relationships" xmlns:p="http://schemas.openxmlformats.org/presentationml/2006/main">
+  <p:cSld>
+    <p:spTree>
+      <p:nvGrpSpPr>
+        <p:cNvPr id="1" name=""/>
+        <p:cNvGrpSpPr/>
+        <p:nvPr/>
+      </p:nvGrpSpPr>
+      <p:grpSpPr>
+        <a:xfrm>
+          <a:off x="0" y="0"/>
+          <a:ext cx="0" cy="0"/>
+          <a:chOff x="0" y="0"/>
+          <a:chExt cx="0" cy="0"/>
+        </a:xfrm>
+      </p:grpSpPr>
+      <p:sp>
+        <p:nvSpPr>
+          <p:cNvPr id="2" name="Title 1">
+            <a:extLst>
+              <a:ext uri="{FF2B5EF4-FFF2-40B4-BE49-F238E27FC236}">
+                <a16:creationId xmlns:a16="http://schemas.microsoft.com/office/drawing/2014/main" id="{E9667663-0F24-8E64-DFBA-B32FCAED910F}"/>
+              </a:ext>
+            </a:extLst>
+          </p:cNvPr>
+          <p:cNvSpPr>
+            <a:spLocks noGrp="1"/>
+          </p:cNvSpPr>
+          <p:nvPr>
+            <p:ph type="title"/>
+          </p:nvPr>
+        </p:nvSpPr>
+        <p:spPr/>
+        <p:txBody>
+          <a:bodyPr/>
+          <a:lstStyle/>
+          <a:p>
+            <a:r>
+              <a:rPr lang="en-GB" dirty="0"/>
+              <a:t>Disease outbreaks</a:t>
+            </a:r>
+          </a:p>
+        </p:txBody>
+      </p:sp>
+      <p:sp>
+        <p:nvSpPr>
+          <p:cNvPr id="4" name="TextBox 3">
+            <a:extLst>
+              <a:ext uri="{FF2B5EF4-FFF2-40B4-BE49-F238E27FC236}">
+                <a16:creationId xmlns:a16="http://schemas.microsoft.com/office/drawing/2014/main" id="{CC2051A4-3B2D-66D0-BFD4-1DCFA6CE86CE}"/>
+              </a:ext>
+            </a:extLst>
+          </p:cNvPr>
+          <p:cNvSpPr txBox="1"/>
+          <p:nvPr/>
+        </p:nvSpPr>
+        <p:spPr>
+          <a:xfrm>
+            <a:off x="581192" y="2394857"/>
+            <a:ext cx="9117979" cy="1200329"/>
+          </a:xfrm>
+          <a:prstGeom prst="rect">
+            <a:avLst/>
+          </a:prstGeom>
+          <a:noFill/>
+        </p:spPr>
+        <p:txBody>
+          <a:bodyPr wrap="square" rtlCol="0">
+            <a:spAutoFit/>
+          </a:bodyPr>
+          <a:lstStyle/>
+          <a:p>
+            <a:pPr marL="285750" indent="-285750">
+              <a:buFont typeface="Arial" panose="020B0604020202020204" pitchFamily="34" charset="0"/>
+              <a:buChar char="•"/>
+            </a:pPr>
+            <a:r>
+              <a:rPr lang="en-GB" dirty="0"/>
+              <a:t>Monte Carlo simulations can model disease transmission and recovery rates</a:t>
+            </a:r>
+          </a:p>
+          <a:p>
+            <a:pPr marL="285750" indent="-285750">
+              <a:buFont typeface="Arial" panose="020B0604020202020204" pitchFamily="34" charset="0"/>
+              <a:buChar char="•"/>
+            </a:pPr>
+            <a:r>
+              <a:rPr lang="en-GB" dirty="0"/>
+              <a:t>Crucial for estimating uncertainty, lengths and peak of infection</a:t>
+            </a:r>
+          </a:p>
+          <a:p>
+            <a:pPr marL="285750" indent="-285750">
+              <a:buFont typeface="Arial" panose="020B0604020202020204" pitchFamily="34" charset="0"/>
+              <a:buChar char="•"/>
+            </a:pPr>
+            <a:r>
+              <a:rPr lang="en-GB" dirty="0"/>
+              <a:t>Tests for interventions such as social distancing and vaccinations</a:t>
+            </a:r>
+          </a:p>
+          <a:p>
+            <a:endParaRPr lang="en-GB" dirty="0"/>
+          </a:p>
+        </p:txBody>
+      </p:sp>
+      <p:pic>
+        <p:nvPicPr>
+          <p:cNvPr id="6" name="Picture 5">
+            <a:extLst>
+              <a:ext uri="{FF2B5EF4-FFF2-40B4-BE49-F238E27FC236}">
+                <a16:creationId xmlns:a16="http://schemas.microsoft.com/office/drawing/2014/main" id="{1CFDB9B9-34F0-4E2D-73D9-322FD31E94A5}"/>
+              </a:ext>
+            </a:extLst>
+          </p:cNvPr>
+          <p:cNvPicPr>
+            <a:picLocks noChangeAspect="1"/>
+          </p:cNvPicPr>
+          <p:nvPr/>
+        </p:nvPicPr>
+        <p:blipFill>
+          <a:blip r:embed="rId2"/>
+          <a:stretch>
+            <a:fillRect/>
+          </a:stretch>
+        </p:blipFill>
+        <p:spPr>
+          <a:xfrm>
+            <a:off x="1041710" y="3429000"/>
+            <a:ext cx="10108579" cy="3298981"/>
+          </a:xfrm>
+          <a:prstGeom prst="rect">
+            <a:avLst/>
+          </a:prstGeom>
+        </p:spPr>
+      </p:pic>
+    </p:spTree>
+    <p:extLst>
+      <p:ext uri="{BB962C8B-B14F-4D97-AF65-F5344CB8AC3E}">
+        <p14:creationId xmlns:p14="http://schemas.microsoft.com/office/powerpoint/2010/main" val="2316972543"/>
+      </p:ext>
+    </p:extLst>
+  </p:cSld>
+  <p:clrMapOvr>
+    <a:masterClrMapping/>
+  </p:clrMapOvr>
+</p:sld>
+</file>
+
+<file path=ppt/slides/slide18.xml><?xml version="1.0" encoding="utf-8"?>
+<p:sld xmlns:a="http://schemas.openxmlformats.org/drawingml/2006/main" xmlns:r="http://schemas.openxmlformats.org/officeDocument/2006/relationships" xmlns:p="http://schemas.openxmlformats.org/presentationml/2006/main">
+  <p:cSld>
+    <p:spTree>
+      <p:nvGrpSpPr>
+        <p:cNvPr id="1" name=""/>
+        <p:cNvGrpSpPr/>
+        <p:nvPr/>
+      </p:nvGrpSpPr>
+      <p:grpSpPr>
+        <a:xfrm>
+          <a:off x="0" y="0"/>
+          <a:ext cx="0" cy="0"/>
+          <a:chOff x="0" y="0"/>
+          <a:chExt cx="0" cy="0"/>
+        </a:xfrm>
+      </p:grpSpPr>
+      <p:sp>
+        <p:nvSpPr>
+          <p:cNvPr id="2" name="TextBox 1">
+            <a:extLst>
+              <a:ext uri="{FF2B5EF4-FFF2-40B4-BE49-F238E27FC236}">
+                <a16:creationId xmlns:a16="http://schemas.microsoft.com/office/drawing/2014/main" id="{5F0540AD-EE7A-03AF-F999-16FDDA22CFAE}"/>
+              </a:ext>
+            </a:extLst>
+          </p:cNvPr>
+          <p:cNvSpPr txBox="1"/>
+          <p:nvPr/>
+        </p:nvSpPr>
+        <p:spPr>
+          <a:xfrm>
+            <a:off x="385011" y="86627"/>
+            <a:ext cx="1213345" cy="369332"/>
+          </a:xfrm>
+          <a:prstGeom prst="rect">
+            <a:avLst/>
+          </a:prstGeom>
+          <a:noFill/>
+        </p:spPr>
+        <p:txBody>
+          <a:bodyPr wrap="none" rtlCol="0">
+            <a:spAutoFit/>
+          </a:bodyPr>
+          <a:lstStyle/>
+          <a:p>
+            <a:r>
+              <a:rPr lang="en-GB" dirty="0"/>
+              <a:t>References</a:t>
+            </a:r>
+          </a:p>
+        </p:txBody>
+      </p:sp>
+      <p:sp>
+        <p:nvSpPr>
+          <p:cNvPr id="3" name="TextBox 2">
+            <a:extLst>
+              <a:ext uri="{FF2B5EF4-FFF2-40B4-BE49-F238E27FC236}">
+                <a16:creationId xmlns:a16="http://schemas.microsoft.com/office/drawing/2014/main" id="{2709B80E-C32F-1477-FE9A-A1AA76DCA5D2}"/>
+              </a:ext>
+            </a:extLst>
+          </p:cNvPr>
+          <p:cNvSpPr txBox="1"/>
+          <p:nvPr/>
+        </p:nvSpPr>
+        <p:spPr>
+          <a:xfrm>
+            <a:off x="385010" y="595161"/>
+            <a:ext cx="11434813" cy="1477328"/>
+          </a:xfrm>
+          <a:prstGeom prst="rect">
+            <a:avLst/>
+          </a:prstGeom>
+          <a:noFill/>
+        </p:spPr>
+        <p:txBody>
+          <a:bodyPr wrap="square" rtlCol="0">
+            <a:spAutoFit/>
+          </a:bodyPr>
+          <a:lstStyle/>
+          <a:p>
+            <a:r>
+              <a:rPr lang="en-GB" b="0" i="1" u="none" strike="noStrike" dirty="0">
+                <a:solidFill>
+                  <a:srgbClr val="000000"/>
+                </a:solidFill>
+                <a:effectLst/>
+              </a:rPr>
+              <a:t>Casino de Monte-Carlo</a:t>
+            </a:r>
+            <a:r>
+              <a:rPr lang="en-GB" b="0" i="0" u="none" strike="noStrike" dirty="0">
+                <a:solidFill>
+                  <a:srgbClr val="000000"/>
+                </a:solidFill>
+                <a:effectLst/>
+              </a:rPr>
+              <a:t> (no date) </a:t>
+            </a:r>
+            <a:r>
+              <a:rPr lang="en-GB" b="0" i="1" u="none" strike="noStrike" dirty="0" err="1">
+                <a:solidFill>
+                  <a:srgbClr val="000000"/>
+                </a:solidFill>
+                <a:effectLst/>
+              </a:rPr>
+              <a:t>Encyclopædia</a:t>
+            </a:r>
+            <a:r>
+              <a:rPr lang="en-GB" b="0" i="1" u="none" strike="noStrike" dirty="0">
+                <a:solidFill>
+                  <a:srgbClr val="000000"/>
+                </a:solidFill>
+                <a:effectLst/>
+              </a:rPr>
+              <a:t> Britannica</a:t>
+            </a:r>
+            <a:r>
+              <a:rPr lang="en-GB" b="0" i="0" u="none" strike="noStrike" dirty="0">
+                <a:solidFill>
+                  <a:srgbClr val="000000"/>
+                </a:solidFill>
+                <a:effectLst/>
+              </a:rPr>
+              <a:t>. Available at: https://</a:t>
+            </a:r>
+            <a:r>
+              <a:rPr lang="en-GB" b="0" i="0" u="none" strike="noStrike" dirty="0" err="1">
+                <a:solidFill>
+                  <a:srgbClr val="000000"/>
+                </a:solidFill>
+                <a:effectLst/>
+              </a:rPr>
+              <a:t>www.britannica.com</a:t>
+            </a:r>
+            <a:r>
+              <a:rPr lang="en-GB" b="0" i="0" u="none" strike="noStrike" dirty="0">
+                <a:solidFill>
+                  <a:srgbClr val="000000"/>
+                </a:solidFill>
+                <a:effectLst/>
+              </a:rPr>
+              <a:t>/topic/Casino-de-Monte-Carlo (Accessed: 20 April 2025). </a:t>
+            </a:r>
+          </a:p>
+          <a:p>
+            <a:endParaRPr lang="en-GB" dirty="0"/>
+          </a:p>
+          <a:p>
+            <a:pPr>
+              <a:buNone/>
+            </a:pPr>
+            <a:r>
+              <a:rPr lang="en-GB" dirty="0">
+                <a:solidFill>
+                  <a:srgbClr val="000000"/>
+                </a:solidFill>
+                <a:effectLst/>
+                <a:latin typeface="Helvetica" pitchFamily="2" charset="0"/>
+              </a:rPr>
+              <a:t>Cragg, J.G. (2018). Monte Carlo Methods. The New Palgrave Dictionary of Economics, pp.9128–9130.</a:t>
+            </a:r>
+          </a:p>
+          <a:p>
+            <a:r>
+              <a:rPr lang="en-GB" dirty="0" err="1">
+                <a:solidFill>
+                  <a:srgbClr val="000000"/>
+                </a:solidFill>
+                <a:effectLst/>
+                <a:latin typeface="Helvetica" pitchFamily="2" charset="0"/>
+              </a:rPr>
+              <a:t>doi:https</a:t>
+            </a:r>
+            <a:r>
+              <a:rPr lang="en-GB" dirty="0">
+                <a:solidFill>
+                  <a:srgbClr val="000000"/>
+                </a:solidFill>
+                <a:effectLst/>
+                <a:latin typeface="Helvetica" pitchFamily="2" charset="0"/>
+              </a:rPr>
+              <a:t>://</a:t>
+            </a:r>
+            <a:r>
+              <a:rPr lang="en-GB" dirty="0" err="1">
+                <a:solidFill>
+                  <a:srgbClr val="000000"/>
+                </a:solidFill>
+                <a:effectLst/>
+                <a:latin typeface="Helvetica" pitchFamily="2" charset="0"/>
+              </a:rPr>
+              <a:t>doi.org</a:t>
+            </a:r>
+            <a:r>
+              <a:rPr lang="en-GB" dirty="0">
+                <a:solidFill>
+                  <a:srgbClr val="000000"/>
+                </a:solidFill>
+                <a:effectLst/>
+                <a:latin typeface="Helvetica" pitchFamily="2" charset="0"/>
+              </a:rPr>
+              <a:t>/10.1057/978-1-349-95189-5_733.(Accessed: April 2025).</a:t>
+            </a:r>
+          </a:p>
+        </p:txBody>
+      </p:sp>
+    </p:spTree>
+    <p:extLst>
+      <p:ext uri="{BB962C8B-B14F-4D97-AF65-F5344CB8AC3E}">
+        <p14:creationId xmlns:p14="http://schemas.microsoft.com/office/powerpoint/2010/main" val="101241451"/>
+      </p:ext>
+    </p:extLst>
+  </p:cSld>
+  <p:clrMapOvr>
+    <a:masterClrMapping/>
+  </p:clrMapOvr>
+</p:sld>
+</file>
+
+<file path=ppt/slides/slide2.xml><?xml version="1.0" encoding="utf-8"?>
+<p:sld xmlns:a="http://schemas.openxmlformats.org/drawingml/2006/main" xmlns:r="http://schemas.openxmlformats.org/officeDocument/2006/relationships" xmlns:p="http://schemas.openxmlformats.org/presentationml/2006/main">
+  <p:cSld>
+    <p:spTree>
+      <p:nvGrpSpPr>
+        <p:cNvPr id="1" name=""/>
+        <p:cNvGrpSpPr/>
+        <p:nvPr/>
+      </p:nvGrpSpPr>
+      <p:grpSpPr>
+        <a:xfrm>
+          <a:off x="0" y="0"/>
+          <a:ext cx="0" cy="0"/>
+          <a:chOff x="0" y="0"/>
+          <a:chExt cx="0" cy="0"/>
+        </a:xfrm>
+      </p:grpSpPr>
+      <p:sp>
+        <p:nvSpPr>
+          <p:cNvPr id="2" name="Title 1">
+            <a:extLst>
+              <a:ext uri="{FF2B5EF4-FFF2-40B4-BE49-F238E27FC236}">
+                <a16:creationId xmlns:a16="http://schemas.microsoft.com/office/drawing/2014/main" id="{0D252E13-E62E-5940-B79B-60D00E65A8A3}"/>
+              </a:ext>
+            </a:extLst>
+          </p:cNvPr>
+          <p:cNvSpPr>
+            <a:spLocks noGrp="1"/>
+          </p:cNvSpPr>
+          <p:nvPr>
+            <p:ph type="title"/>
+          </p:nvPr>
+        </p:nvSpPr>
+        <p:spPr>
+          <a:xfrm>
+            <a:off x="581192" y="3584237"/>
+            <a:ext cx="11029615" cy="1497507"/>
+          </a:xfrm>
+        </p:spPr>
+        <p:txBody>
+          <a:bodyPr/>
+          <a:lstStyle/>
+          <a:p>
+            <a:r>
+              <a:rPr lang="en-GB"/>
+              <a:t>Introduction to monte carlo methods</a:t>
+            </a:r>
+            <a:endParaRPr lang="en-GB" dirty="0"/>
+          </a:p>
+        </p:txBody>
+      </p:sp>
+    </p:spTree>
+    <p:extLst>
+      <p:ext uri="{BB962C8B-B14F-4D97-AF65-F5344CB8AC3E}">
+        <p14:creationId xmlns:p14="http://schemas.microsoft.com/office/powerpoint/2010/main" val="2785755565"/>
+      </p:ext>
+    </p:extLst>
+  </p:cSld>
+  <p:clrMapOvr>
+    <a:masterClrMapping/>
+  </p:clrMapOvr>
+</p:sld>
+</file>
+
+<file path=ppt/slides/slide3.xml><?xml version="1.0" encoding="utf-8"?>
+<p:sld xmlns:a="http://schemas.openxmlformats.org/drawingml/2006/main" xmlns:r="http://schemas.openxmlformats.org/officeDocument/2006/relationships" xmlns:p="http://schemas.openxmlformats.org/presentationml/2006/main">
+  <p:cSld>
+    <p:spTree>
+      <p:nvGrpSpPr>
+        <p:cNvPr id="1" name=""/>
+        <p:cNvGrpSpPr/>
+        <p:nvPr/>
+      </p:nvGrpSpPr>
+      <p:grpSpPr>
+        <a:xfrm>
+          <a:off x="0" y="0"/>
+          <a:ext cx="0" cy="0"/>
+          <a:chOff x="0" y="0"/>
+          <a:chExt cx="0" cy="0"/>
+        </a:xfrm>
+      </p:grpSpPr>
+      <p:sp>
+        <p:nvSpPr>
+          <p:cNvPr id="2" name="Title 1">
+            <a:extLst>
+              <a:ext uri="{FF2B5EF4-FFF2-40B4-BE49-F238E27FC236}">
+                <a16:creationId xmlns:a16="http://schemas.microsoft.com/office/drawing/2014/main" id="{BFAE3774-800E-892D-3CF3-AB5BA6BF4FC6}"/>
+              </a:ext>
+            </a:extLst>
+          </p:cNvPr>
+          <p:cNvSpPr>
+            <a:spLocks noGrp="1"/>
+          </p:cNvSpPr>
+          <p:nvPr>
+            <p:ph type="title"/>
+          </p:nvPr>
+        </p:nvSpPr>
+        <p:spPr/>
+        <p:txBody>
+          <a:bodyPr/>
+          <a:lstStyle/>
+          <a:p>
+            <a:r>
+              <a:rPr lang="en-GB"/>
+              <a:t>What are monte </a:t>
+            </a:r>
+            <a:r>
+              <a:rPr lang="en-GB" err="1"/>
+              <a:t>carlo</a:t>
+            </a:r>
+            <a:r>
+              <a:rPr lang="en-GB"/>
+              <a:t> methods</a:t>
+            </a:r>
+          </a:p>
+        </p:txBody>
+      </p:sp>
+      <p:sp>
+        <p:nvSpPr>
+          <p:cNvPr id="4" name="TextBox 3">
+            <a:extLst>
+              <a:ext uri="{FF2B5EF4-FFF2-40B4-BE49-F238E27FC236}">
+                <a16:creationId xmlns:a16="http://schemas.microsoft.com/office/drawing/2014/main" id="{5C7A258B-B030-FFBD-7598-B5954DB4E984}"/>
+              </a:ext>
+            </a:extLst>
+          </p:cNvPr>
+          <p:cNvSpPr txBox="1"/>
+          <p:nvPr/>
+        </p:nvSpPr>
+        <p:spPr>
+          <a:xfrm>
+            <a:off x="581192" y="1905802"/>
+            <a:ext cx="10231656" cy="646331"/>
+          </a:xfrm>
+          <a:prstGeom prst="rect">
+            <a:avLst/>
+          </a:prstGeom>
+          <a:noFill/>
+        </p:spPr>
+        <p:txBody>
+          <a:bodyPr wrap="square" rtlCol="0">
+            <a:spAutoFit/>
+          </a:bodyPr>
+          <a:lstStyle/>
+          <a:p>
+            <a:r>
+              <a:rPr lang="en-GB" dirty="0"/>
+              <a:t>Named after the Monte Carlo casino in Monaco, Monte Carlo simulation is a type of stochastic simulation.</a:t>
+            </a:r>
+          </a:p>
+          <a:p>
+            <a:r>
+              <a:rPr lang="en-GB" dirty="0"/>
+              <a:t>These methods use randomness to create mathematical models.</a:t>
+            </a:r>
+          </a:p>
+        </p:txBody>
+      </p:sp>
+      <p:grpSp>
+        <p:nvGrpSpPr>
+          <p:cNvPr id="6" name="Group 5">
+            <a:extLst>
+              <a:ext uri="{FF2B5EF4-FFF2-40B4-BE49-F238E27FC236}">
+                <a16:creationId xmlns:a16="http://schemas.microsoft.com/office/drawing/2014/main" id="{7D45CD35-FE2E-825E-2B5F-00CBCB03AB75}"/>
+              </a:ext>
+            </a:extLst>
+          </p:cNvPr>
+          <p:cNvGrpSpPr/>
+          <p:nvPr/>
+        </p:nvGrpSpPr>
+        <p:grpSpPr>
+          <a:xfrm>
+            <a:off x="3604861" y="2741979"/>
+            <a:ext cx="4982278" cy="2979364"/>
+            <a:chOff x="3100435" y="2741979"/>
+            <a:chExt cx="6187021" cy="3699792"/>
+          </a:xfrm>
+        </p:grpSpPr>
+        <p:pic>
+          <p:nvPicPr>
+            <p:cNvPr id="1026" name="Picture 2">
+              <a:extLst>
+                <a:ext uri="{FF2B5EF4-FFF2-40B4-BE49-F238E27FC236}">
+                  <a16:creationId xmlns:a16="http://schemas.microsoft.com/office/drawing/2014/main" id="{A70F9274-BF45-0BFE-9E34-418C256A7BCC}"/>
+                </a:ext>
+              </a:extLst>
+            </p:cNvPr>
+            <p:cNvPicPr>
+              <a:picLocks noChangeAspect="1" noChangeArrowheads="1"/>
+            </p:cNvPicPr>
+            <p:nvPr/>
+          </p:nvPicPr>
+          <p:blipFill>
+            <a:blip r:embed="rId2">
+              <a:extLst>
+                <a:ext uri="{28A0092B-C50C-407E-A947-70E740481C1C}">
+                  <a14:useLocalDpi xmlns:a14="http://schemas.microsoft.com/office/drawing/2010/main" val="0"/>
+                </a:ext>
+              </a:extLst>
+            </a:blip>
+            <a:srcRect/>
+            <a:stretch>
+              <a:fillRect/>
+            </a:stretch>
+          </p:blipFill>
+          <p:spPr bwMode="auto">
+            <a:xfrm>
+              <a:off x="3740326" y="2741979"/>
+              <a:ext cx="4711347" cy="3143323"/>
+            </a:xfrm>
+            <a:prstGeom prst="rect">
+              <a:avLst/>
+            </a:prstGeom>
+            <a:noFill/>
+            <a:extLst>
+              <a:ext uri="{909E8E84-426E-40DD-AFC4-6F175D3DCCD1}">
+                <a14:hiddenFill xmlns:a14="http://schemas.microsoft.com/office/drawing/2010/main">
+                  <a:solidFill>
+                    <a:srgbClr val="FFFFFF"/>
+                  </a:solidFill>
+                </a14:hiddenFill>
+              </a:ext>
+            </a:extLst>
+          </p:spPr>
+        </p:pic>
+        <p:sp>
+          <p:nvSpPr>
+            <p:cNvPr id="3" name="TextBox 2">
+              <a:extLst>
+                <a:ext uri="{FF2B5EF4-FFF2-40B4-BE49-F238E27FC236}">
+                  <a16:creationId xmlns:a16="http://schemas.microsoft.com/office/drawing/2014/main" id="{2B151728-DDA8-8217-6447-DC0472537AF1}"/>
+                </a:ext>
+              </a:extLst>
+            </p:cNvPr>
+            <p:cNvSpPr txBox="1"/>
+            <p:nvPr/>
+          </p:nvSpPr>
+          <p:spPr>
+            <a:xfrm>
+              <a:off x="3100435" y="5983132"/>
+              <a:ext cx="6187021" cy="458639"/>
+            </a:xfrm>
+            <a:prstGeom prst="rect">
+              <a:avLst/>
+            </a:prstGeom>
+            <a:noFill/>
+          </p:spPr>
+          <p:txBody>
+            <a:bodyPr wrap="square" rtlCol="0">
+              <a:spAutoFit/>
+            </a:bodyPr>
+            <a:lstStyle/>
+            <a:p>
+              <a:r>
+                <a:rPr lang="en-GB" dirty="0"/>
+                <a:t>Casino de Monte-Carlo, Monaco (Britannica, 2025)</a:t>
+              </a:r>
+            </a:p>
+          </p:txBody>
+        </p:sp>
+      </p:grpSp>
+      <p:sp>
+        <p:nvSpPr>
+          <p:cNvPr id="7" name="TextBox 6">
+            <a:extLst>
+              <a:ext uri="{FF2B5EF4-FFF2-40B4-BE49-F238E27FC236}">
+                <a16:creationId xmlns:a16="http://schemas.microsoft.com/office/drawing/2014/main" id="{315ACC9E-FA6F-6A49-BFDE-D14298D7E1F5}"/>
+              </a:ext>
+            </a:extLst>
+          </p:cNvPr>
+          <p:cNvSpPr txBox="1"/>
+          <p:nvPr/>
+        </p:nvSpPr>
+        <p:spPr>
+          <a:xfrm>
+            <a:off x="901298" y="5832678"/>
+            <a:ext cx="10231656" cy="646331"/>
+          </a:xfrm>
+          <a:prstGeom prst="rect">
+            <a:avLst/>
+          </a:prstGeom>
+          <a:noFill/>
+        </p:spPr>
+        <p:txBody>
+          <a:bodyPr wrap="square" rtlCol="0">
+            <a:spAutoFit/>
+          </a:bodyPr>
+          <a:lstStyle/>
+          <a:p>
+            <a:r>
+              <a:rPr lang="en-GB" dirty="0"/>
+              <a:t>Monte Carlo methods are often used when problems have inherent randomness, like in financial markets, climate modelling, and population growth.</a:t>
+            </a:r>
+          </a:p>
+        </p:txBody>
+      </p:sp>
+    </p:spTree>
+    <p:extLst>
+      <p:ext uri="{BB962C8B-B14F-4D97-AF65-F5344CB8AC3E}">
+        <p14:creationId xmlns:p14="http://schemas.microsoft.com/office/powerpoint/2010/main" val="4184084600"/>
+      </p:ext>
+    </p:extLst>
+  </p:cSld>
+  <p:clrMapOvr>
+    <a:masterClrMapping/>
+  </p:clrMapOvr>
+</p:sld>
+</file>
+
+<file path=ppt/slides/slide4.xml><?xml version="1.0" encoding="utf-8"?>
+<p:sld xmlns:a="http://schemas.openxmlformats.org/drawingml/2006/main" xmlns:r="http://schemas.openxmlformats.org/officeDocument/2006/relationships" xmlns:p="http://schemas.openxmlformats.org/presentationml/2006/main">
+  <p:cSld>
+    <p:spTree>
+      <p:nvGrpSpPr>
+        <p:cNvPr id="1" name="">
+          <a:extLst>
+            <a:ext uri="{FF2B5EF4-FFF2-40B4-BE49-F238E27FC236}">
+              <a16:creationId xmlns:a16="http://schemas.microsoft.com/office/drawing/2014/main" id="{DD1CC5F4-9A1A-BD7E-0EA1-BCEF360FCD5E}"/>
+            </a:ext>
+          </a:extLst>
+        </p:cNvPr>
+        <p:cNvGrpSpPr/>
+        <p:nvPr/>
+      </p:nvGrpSpPr>
+      <p:grpSpPr>
+        <a:xfrm>
+          <a:off x="0" y="0"/>
+          <a:ext cx="0" cy="0"/>
+          <a:chOff x="0" y="0"/>
+          <a:chExt cx="0" cy="0"/>
+        </a:xfrm>
+      </p:grpSpPr>
+      <p:sp>
+        <p:nvSpPr>
+          <p:cNvPr id="2" name="Title 1">
+            <a:extLst>
+              <a:ext uri="{FF2B5EF4-FFF2-40B4-BE49-F238E27FC236}">
+                <a16:creationId xmlns:a16="http://schemas.microsoft.com/office/drawing/2014/main" id="{E8D12B61-A8F8-215A-2CD5-E8E7E34CE464}"/>
+              </a:ext>
+            </a:extLst>
+          </p:cNvPr>
+          <p:cNvSpPr>
+            <a:spLocks noGrp="1"/>
+          </p:cNvSpPr>
+          <p:nvPr>
+            <p:ph type="title"/>
+          </p:nvPr>
+        </p:nvSpPr>
+        <p:spPr/>
+        <p:txBody>
+          <a:bodyPr/>
+          <a:lstStyle/>
+          <a:p>
+            <a:r>
+              <a:rPr lang="en-GB" dirty="0"/>
+              <a:t>Monte </a:t>
+            </a:r>
+            <a:r>
+              <a:rPr lang="en-GB" dirty="0" err="1"/>
+              <a:t>carlo</a:t>
+            </a:r>
+            <a:r>
+              <a:rPr lang="en-GB" dirty="0"/>
+              <a:t> integration</a:t>
+            </a:r>
+          </a:p>
+        </p:txBody>
+      </p:sp>
+      <p:sp>
+        <p:nvSpPr>
+          <p:cNvPr id="5" name="TextBox 4">
+            <a:extLst>
+              <a:ext uri="{FF2B5EF4-FFF2-40B4-BE49-F238E27FC236}">
+                <a16:creationId xmlns:a16="http://schemas.microsoft.com/office/drawing/2014/main" id="{E275339D-9B20-727C-5B78-5D5A1D258626}"/>
+              </a:ext>
+            </a:extLst>
+          </p:cNvPr>
+          <p:cNvSpPr txBox="1"/>
+          <p:nvPr/>
+        </p:nvSpPr>
+        <p:spPr>
+          <a:xfrm>
+            <a:off x="685707" y="1885245"/>
+            <a:ext cx="10820586" cy="923330"/>
+          </a:xfrm>
+          <a:prstGeom prst="rect">
+            <a:avLst/>
+          </a:prstGeom>
+          <a:noFill/>
+        </p:spPr>
+        <p:txBody>
+          <a:bodyPr wrap="square" rtlCol="0">
+            <a:spAutoFit/>
+          </a:bodyPr>
+          <a:lstStyle/>
+          <a:p>
+            <a:r>
+              <a:rPr lang="en-GB" dirty="0"/>
+              <a:t>Monte Carlo integration is a method for approximating definite integrals using random variables. It is commonly applied in Monte Carlo Simulation and is widely used in fields such as physics, computer graphics, and biology to solve deterministic problems through randomness (Cragg, J.G., 2018).</a:t>
+            </a:r>
+          </a:p>
+        </p:txBody>
+      </p:sp>
+      <mc:AlternateContent xmlns:mc="http://schemas.openxmlformats.org/markup-compatibility/2006" xmlns:a14="http://schemas.microsoft.com/office/drawing/2010/main">
+        <mc:Choice Requires="a14">
+          <p:sp>
+            <p:nvSpPr>
+              <p:cNvPr id="10" name="TextBox 9">
+                <a:extLst>
+                  <a:ext uri="{FF2B5EF4-FFF2-40B4-BE49-F238E27FC236}">
+                    <a16:creationId xmlns:a16="http://schemas.microsoft.com/office/drawing/2014/main" id="{2A99B512-6B15-ABB1-144E-5ADB0FE9692C}"/>
+                  </a:ext>
+                </a:extLst>
+              </p:cNvPr>
+              <p:cNvSpPr txBox="1"/>
+              <p:nvPr/>
+            </p:nvSpPr>
+            <p:spPr>
+              <a:xfrm>
+                <a:off x="4843189" y="3756381"/>
+                <a:ext cx="3724288" cy="840295"/>
+              </a:xfrm>
+              <a:prstGeom prst="rect">
+                <a:avLst/>
+              </a:prstGeom>
+              <a:noFill/>
+            </p:spPr>
+            <p:txBody>
+              <a:bodyPr wrap="none" lIns="0" tIns="0" rIns="0" bIns="0" rtlCol="0">
+                <a:spAutoFit/>
+              </a:bodyPr>
+              <a:lstStyle/>
+              <a:p>
+                <a:pPr/>
+                <a14:m>
+                  <m:oMathPara xmlns:m="http://schemas.openxmlformats.org/officeDocument/2006/math">
+                    <m:oMathParaPr>
+                      <m:jc m:val="centerGroup"/>
+                    </m:oMathParaPr>
+                    <m:oMath xmlns:m="http://schemas.openxmlformats.org/officeDocument/2006/math">
+                      <m:nary>
+                        <m:naryPr>
+                          <m:limLoc m:val="undOvr"/>
+                          <m:ctrlPr>
+                            <a:rPr lang="en-GB" i="1" smtClean="0">
+                              <a:latin typeface="Cambria Math" panose="02040503050406030204" pitchFamily="18" charset="0"/>
+                            </a:rPr>
+                          </m:ctrlPr>
+                        </m:naryPr>
+                        <m:sub>
+                          <m:r>
+                            <m:rPr>
+                              <m:brk m:alnAt="24"/>
+                            </m:rPr>
+                            <a:rPr lang="en-GB" b="0" i="1" smtClean="0">
+                              <a:latin typeface="Cambria Math" panose="02040503050406030204" pitchFamily="18" charset="0"/>
+                            </a:rPr>
+                            <m:t>𝑎</m:t>
+                          </m:r>
+                        </m:sub>
+                        <m:sup>
+                          <m:r>
+                            <a:rPr lang="en-GB" b="0" i="1" smtClean="0">
+                              <a:latin typeface="Cambria Math" panose="02040503050406030204" pitchFamily="18" charset="0"/>
+                            </a:rPr>
+                            <m:t>𝑏</m:t>
+                          </m:r>
+                        </m:sup>
+                        <m:e>
+                          <m:r>
+                            <a:rPr lang="en-GB" b="0" i="1" smtClean="0">
+                              <a:latin typeface="Cambria Math" panose="02040503050406030204" pitchFamily="18" charset="0"/>
+                            </a:rPr>
+                            <m:t>𝑔</m:t>
+                          </m:r>
+                          <m:d>
+                            <m:dPr>
+                              <m:ctrlPr>
+                                <a:rPr lang="en-GB" b="0" i="1" smtClean="0">
+                                  <a:latin typeface="Cambria Math" panose="02040503050406030204" pitchFamily="18" charset="0"/>
+                                </a:rPr>
+                              </m:ctrlPr>
+                            </m:dPr>
+                            <m:e>
+                              <m:r>
+                                <a:rPr lang="en-GB" b="0" i="1" smtClean="0">
+                                  <a:latin typeface="Cambria Math" panose="02040503050406030204" pitchFamily="18" charset="0"/>
+                                </a:rPr>
+                                <m:t>𝑥</m:t>
+                              </m:r>
+                            </m:e>
+                          </m:d>
+                          <m:r>
+                            <a:rPr lang="en-GB" b="0" i="1" smtClean="0">
+                              <a:latin typeface="Cambria Math" panose="02040503050406030204" pitchFamily="18" charset="0"/>
+                            </a:rPr>
+                            <m:t> </m:t>
+                          </m:r>
+                          <m:r>
+                            <a:rPr lang="en-GB" b="0" i="1" smtClean="0">
+                              <a:latin typeface="Cambria Math" panose="02040503050406030204" pitchFamily="18" charset="0"/>
+                            </a:rPr>
+                            <m:t>𝑑𝑥</m:t>
+                          </m:r>
+                          <m:r>
+                            <a:rPr lang="en-GB" b="0" i="1" smtClean="0">
+                              <a:latin typeface="Cambria Math" panose="02040503050406030204" pitchFamily="18" charset="0"/>
+                            </a:rPr>
+                            <m:t>=</m:t>
+                          </m:r>
+                          <m:r>
+                            <a:rPr lang="en-GB" b="0" i="1" smtClean="0">
+                              <a:latin typeface="Cambria Math" panose="02040503050406030204" pitchFamily="18" charset="0"/>
+                            </a:rPr>
+                            <m:t>𝐸</m:t>
+                          </m:r>
+                          <m:d>
+                            <m:dPr>
+                              <m:begChr m:val="["/>
+                              <m:endChr m:val="]"/>
+                              <m:ctrlPr>
+                                <a:rPr lang="en-GB" b="0" i="1" smtClean="0">
+                                  <a:latin typeface="Cambria Math" panose="02040503050406030204" pitchFamily="18" charset="0"/>
+                                </a:rPr>
+                              </m:ctrlPr>
+                            </m:dPr>
+                            <m:e>
+                              <m:r>
+                                <a:rPr lang="en-GB" b="0" i="1" smtClean="0">
+                                  <a:latin typeface="Cambria Math" panose="02040503050406030204" pitchFamily="18" charset="0"/>
+                                </a:rPr>
+                                <m:t>𝑔</m:t>
+                              </m:r>
+                              <m:d>
+                                <m:dPr>
+                                  <m:ctrlPr>
+                                    <a:rPr lang="en-GB" b="0" i="1" smtClean="0">
+                                      <a:latin typeface="Cambria Math" panose="02040503050406030204" pitchFamily="18" charset="0"/>
+                                    </a:rPr>
+                                  </m:ctrlPr>
+                                </m:dPr>
+                                <m:e>
+                                  <m:r>
+                                    <a:rPr lang="en-GB" b="0" i="1" smtClean="0">
+                                      <a:latin typeface="Cambria Math" panose="02040503050406030204" pitchFamily="18" charset="0"/>
+                                    </a:rPr>
+                                    <m:t>𝑈</m:t>
+                                  </m:r>
+                                </m:e>
+                              </m:d>
+                            </m:e>
+                          </m:d>
+                          <m:r>
+                            <a:rPr lang="en-GB" b="0" i="1" smtClean="0">
+                              <a:latin typeface="Cambria Math" panose="02040503050406030204" pitchFamily="18" charset="0"/>
+                            </a:rPr>
+                            <m:t>≈</m:t>
+                          </m:r>
+                          <m:f>
+                            <m:fPr>
+                              <m:ctrlPr>
+                                <a:rPr lang="en-GB" b="0" i="1" smtClean="0">
+                                  <a:latin typeface="Cambria Math" panose="02040503050406030204" pitchFamily="18" charset="0"/>
+                                </a:rPr>
+                              </m:ctrlPr>
+                            </m:fPr>
+                            <m:num>
+                              <m:r>
+                                <a:rPr lang="en-GB" b="0" i="1" smtClean="0">
+                                  <a:latin typeface="Cambria Math" panose="02040503050406030204" pitchFamily="18" charset="0"/>
+                                </a:rPr>
+                                <m:t>𝑏</m:t>
+                              </m:r>
+                              <m:r>
+                                <a:rPr lang="en-GB" b="0" i="1" smtClean="0">
+                                  <a:latin typeface="Cambria Math" panose="02040503050406030204" pitchFamily="18" charset="0"/>
+                                </a:rPr>
+                                <m:t>−</m:t>
+                              </m:r>
+                              <m:r>
+                                <a:rPr lang="en-GB" b="0" i="1" smtClean="0">
+                                  <a:latin typeface="Cambria Math" panose="02040503050406030204" pitchFamily="18" charset="0"/>
+                                </a:rPr>
+                                <m:t>𝑎</m:t>
+                              </m:r>
+                            </m:num>
+                            <m:den>
+                              <m:r>
+                                <a:rPr lang="en-GB" b="0" i="1" smtClean="0">
+                                  <a:latin typeface="Cambria Math" panose="02040503050406030204" pitchFamily="18" charset="0"/>
+                                </a:rPr>
+                                <m:t>𝑛</m:t>
+                              </m:r>
+                            </m:den>
+                          </m:f>
+                          <m:r>
+                            <a:rPr lang="en-GB" b="0" i="1" smtClean="0">
+                              <a:latin typeface="Cambria Math" panose="02040503050406030204" pitchFamily="18" charset="0"/>
+                            </a:rPr>
+                            <m:t> </m:t>
+                          </m:r>
+                          <m:nary>
+                            <m:naryPr>
+                              <m:chr m:val="∑"/>
+                              <m:ctrlPr>
+                                <a:rPr lang="en-GB" b="0" i="1" smtClean="0">
+                                  <a:latin typeface="Cambria Math" panose="02040503050406030204" pitchFamily="18" charset="0"/>
+                                </a:rPr>
+                              </m:ctrlPr>
+                            </m:naryPr>
+                            <m:sub>
+                              <m:r>
+                                <m:rPr>
+                                  <m:brk m:alnAt="23"/>
+                                </m:rPr>
+                                <a:rPr lang="en-GB" b="0" i="1" smtClean="0">
+                                  <a:latin typeface="Cambria Math" panose="02040503050406030204" pitchFamily="18" charset="0"/>
+                                </a:rPr>
+                                <m:t>𝑖</m:t>
+                              </m:r>
+                              <m:r>
+                                <a:rPr lang="en-GB" b="0" i="1" smtClean="0">
+                                  <a:latin typeface="Cambria Math" panose="02040503050406030204" pitchFamily="18" charset="0"/>
+                                </a:rPr>
+                                <m:t>=1</m:t>
+                              </m:r>
+                            </m:sub>
+                            <m:sup>
+                              <m:r>
+                                <a:rPr lang="en-GB" b="0" i="1" smtClean="0">
+                                  <a:latin typeface="Cambria Math" panose="02040503050406030204" pitchFamily="18" charset="0"/>
+                                </a:rPr>
+                                <m:t>𝑛</m:t>
+                              </m:r>
+                            </m:sup>
+                            <m:e>
+                              <m:sSub>
+                                <m:sSubPr>
+                                  <m:ctrlPr>
+                                    <a:rPr lang="en-GB" b="0" i="1" smtClean="0">
+                                      <a:latin typeface="Cambria Math" panose="02040503050406030204" pitchFamily="18" charset="0"/>
+                                    </a:rPr>
+                                  </m:ctrlPr>
+                                </m:sSubPr>
+                                <m:e>
+                                  <m:r>
+                                    <a:rPr lang="en-GB" b="0" i="1" smtClean="0">
+                                      <a:latin typeface="Cambria Math" panose="02040503050406030204" pitchFamily="18" charset="0"/>
+                                    </a:rPr>
+                                    <m:t>𝑢</m:t>
+                                  </m:r>
+                                </m:e>
+                                <m:sub>
+                                  <m:r>
+                                    <a:rPr lang="en-GB" b="0" i="1" smtClean="0">
+                                      <a:latin typeface="Cambria Math" panose="02040503050406030204" pitchFamily="18" charset="0"/>
+                                    </a:rPr>
+                                    <m:t>𝑖</m:t>
+                                  </m:r>
+                                </m:sub>
+                              </m:sSub>
+                            </m:e>
+                          </m:nary>
+                        </m:e>
+                      </m:nary>
+                    </m:oMath>
+                  </m:oMathPara>
+                </a14:m>
+                <a:endParaRPr lang="en-GB" dirty="0"/>
+              </a:p>
+            </p:txBody>
+          </p:sp>
+        </mc:Choice>
+        <mc:Fallback xmlns="">
+          <p:sp>
+            <p:nvSpPr>
+              <p:cNvPr id="10" name="TextBox 9">
+                <a:extLst>
+                  <a:ext uri="{FF2B5EF4-FFF2-40B4-BE49-F238E27FC236}">
+                    <a16:creationId xmlns:a16="http://schemas.microsoft.com/office/drawing/2014/main" id="{2A99B512-6B15-ABB1-144E-5ADB0FE9692C}"/>
+                  </a:ext>
+                </a:extLst>
+              </p:cNvPr>
+              <p:cNvSpPr txBox="1">
+                <a:spLocks noRot="1" noChangeAspect="1" noMove="1" noResize="1" noEditPoints="1" noAdjustHandles="1" noChangeArrowheads="1" noChangeShapeType="1" noTextEdit="1"/>
+              </p:cNvSpPr>
+              <p:nvPr/>
+            </p:nvSpPr>
+            <p:spPr>
+              <a:xfrm>
+                <a:off x="4843189" y="3756381"/>
+                <a:ext cx="3724288" cy="840295"/>
+              </a:xfrm>
+              <a:prstGeom prst="rect">
+                <a:avLst/>
+              </a:prstGeom>
+              <a:blipFill>
+                <a:blip r:embed="rId2"/>
+                <a:stretch>
+                  <a:fillRect l="-24490" t="-120896" r="-6803" b="-189552"/>
+                </a:stretch>
+              </a:blipFill>
+            </p:spPr>
+            <p:txBody>
+              <a:bodyPr/>
+              <a:lstStyle/>
+              <a:p>
+                <a:r>
+                  <a:rPr lang="en-GB">
+                    <a:noFill/>
+                  </a:rPr>
+                  <a:t> </a:t>
+                </a:r>
+              </a:p>
+            </p:txBody>
+          </p:sp>
+        </mc:Fallback>
+      </mc:AlternateContent>
+      <p:grpSp>
+        <p:nvGrpSpPr>
+          <p:cNvPr id="14" name="Group 13">
+            <a:extLst>
+              <a:ext uri="{FF2B5EF4-FFF2-40B4-BE49-F238E27FC236}">
+                <a16:creationId xmlns:a16="http://schemas.microsoft.com/office/drawing/2014/main" id="{87F03129-F63F-83F7-F3D0-C7CCC606628A}"/>
+              </a:ext>
+            </a:extLst>
+          </p:cNvPr>
+          <p:cNvGrpSpPr/>
+          <p:nvPr/>
+        </p:nvGrpSpPr>
+        <p:grpSpPr>
+          <a:xfrm>
+            <a:off x="685707" y="4650197"/>
+            <a:ext cx="6166493" cy="369333"/>
+            <a:chOff x="894552" y="5006622"/>
+            <a:chExt cx="6166493" cy="369333"/>
+          </a:xfrm>
+        </p:grpSpPr>
+        <p:sp>
+          <p:nvSpPr>
+            <p:cNvPr id="11" name="TextBox 10">
+              <a:extLst>
+                <a:ext uri="{FF2B5EF4-FFF2-40B4-BE49-F238E27FC236}">
+                  <a16:creationId xmlns:a16="http://schemas.microsoft.com/office/drawing/2014/main" id="{884BA341-AAA0-37EE-6BE1-A5CED130A791}"/>
+                </a:ext>
+              </a:extLst>
+            </p:cNvPr>
+            <p:cNvSpPr txBox="1"/>
+            <p:nvPr/>
+          </p:nvSpPr>
+          <p:spPr>
+            <a:xfrm>
+              <a:off x="894552" y="5006623"/>
+              <a:ext cx="1374515" cy="369332"/>
+            </a:xfrm>
+            <a:prstGeom prst="rect">
+              <a:avLst/>
+            </a:prstGeom>
+            <a:noFill/>
+          </p:spPr>
+          <p:txBody>
+            <a:bodyPr wrap="square" rtlCol="0">
+              <a:spAutoFit/>
+            </a:bodyPr>
+            <a:lstStyle/>
+            <a:p>
+              <a:r>
+                <a:rPr lang="en-GB" dirty="0"/>
+                <a:t>where each</a:t>
+              </a:r>
+            </a:p>
+          </p:txBody>
+        </p:sp>
+        <mc:AlternateContent xmlns:mc="http://schemas.openxmlformats.org/markup-compatibility/2006" xmlns:a14="http://schemas.microsoft.com/office/drawing/2010/main">
+          <mc:Choice Requires="a14">
+            <p:sp>
+              <p:nvSpPr>
+                <p:cNvPr id="12" name="TextBox 11">
+                  <a:extLst>
+                    <a:ext uri="{FF2B5EF4-FFF2-40B4-BE49-F238E27FC236}">
+                      <a16:creationId xmlns:a16="http://schemas.microsoft.com/office/drawing/2014/main" id="{954F5655-AFE9-BBF7-CBD7-B1DBC4094C93}"/>
+                    </a:ext>
+                  </a:extLst>
+                </p:cNvPr>
+                <p:cNvSpPr txBox="1"/>
+                <p:nvPr/>
+              </p:nvSpPr>
+              <p:spPr>
+                <a:xfrm>
+                  <a:off x="1920628" y="5052789"/>
+                  <a:ext cx="626533" cy="276999"/>
+                </a:xfrm>
+                <a:prstGeom prst="rect">
+                  <a:avLst/>
+                </a:prstGeom>
+                <a:noFill/>
+              </p:spPr>
+              <p:txBody>
+                <a:bodyPr wrap="square" lIns="0" tIns="0" rIns="0" bIns="0" rtlCol="0">
+                  <a:spAutoFit/>
+                </a:bodyPr>
+                <a:lstStyle/>
+                <a:p>
+                  <a:pPr/>
+                  <a14:m>
+                    <m:oMathPara xmlns:m="http://schemas.openxmlformats.org/officeDocument/2006/math">
+                      <m:oMathParaPr>
+                        <m:jc m:val="centerGroup"/>
+                      </m:oMathParaPr>
+                      <m:oMath xmlns:m="http://schemas.openxmlformats.org/officeDocument/2006/math">
+                        <m:sSub>
+                          <m:sSubPr>
+                            <m:ctrlPr>
+                              <a:rPr lang="en-GB" i="1" smtClean="0">
+                                <a:latin typeface="Cambria Math" panose="02040503050406030204" pitchFamily="18" charset="0"/>
+                              </a:rPr>
+                            </m:ctrlPr>
+                          </m:sSubPr>
+                          <m:e>
+                            <m:r>
+                              <a:rPr lang="en-GB" b="0" i="1" smtClean="0">
+                                <a:latin typeface="Cambria Math" panose="02040503050406030204" pitchFamily="18" charset="0"/>
+                              </a:rPr>
+                              <m:t>𝑢</m:t>
+                            </m:r>
+                          </m:e>
+                          <m:sub>
+                            <m:r>
+                              <a:rPr lang="en-GB" b="0" i="1" smtClean="0">
+                                <a:latin typeface="Cambria Math" panose="02040503050406030204" pitchFamily="18" charset="0"/>
+                              </a:rPr>
+                              <m:t>𝑖</m:t>
+                            </m:r>
+                          </m:sub>
+                        </m:sSub>
+                      </m:oMath>
+                    </m:oMathPara>
+                  </a14:m>
+                  <a:endParaRPr lang="en-GB" dirty="0"/>
+                </a:p>
+              </p:txBody>
+            </p:sp>
+          </mc:Choice>
+          <mc:Fallback xmlns="">
+            <p:sp>
+              <p:nvSpPr>
+                <p:cNvPr id="12" name="TextBox 11">
+                  <a:extLst>
+                    <a:ext uri="{FF2B5EF4-FFF2-40B4-BE49-F238E27FC236}">
+                      <a16:creationId xmlns:a16="http://schemas.microsoft.com/office/drawing/2014/main" id="{954F5655-AFE9-BBF7-CBD7-B1DBC4094C93}"/>
+                    </a:ext>
+                  </a:extLst>
+                </p:cNvPr>
+                <p:cNvSpPr txBox="1">
+                  <a:spLocks noRot="1" noChangeAspect="1" noMove="1" noResize="1" noEditPoints="1" noAdjustHandles="1" noChangeArrowheads="1" noChangeShapeType="1" noTextEdit="1"/>
+                </p:cNvSpPr>
+                <p:nvPr/>
+              </p:nvSpPr>
+              <p:spPr>
+                <a:xfrm>
+                  <a:off x="1920628" y="5052789"/>
+                  <a:ext cx="626533" cy="276999"/>
+                </a:xfrm>
+                <a:prstGeom prst="rect">
+                  <a:avLst/>
+                </a:prstGeom>
+                <a:blipFill>
+                  <a:blip r:embed="rId3"/>
+                  <a:stretch>
+                    <a:fillRect b="-17391"/>
+                  </a:stretch>
+                </a:blipFill>
+              </p:spPr>
+              <p:txBody>
+                <a:bodyPr/>
+                <a:lstStyle/>
+                <a:p>
+                  <a:r>
+                    <a:rPr lang="en-GB">
+                      <a:noFill/>
+                    </a:rPr>
+                    <a:t> </a:t>
+                  </a:r>
+                </a:p>
+              </p:txBody>
+            </p:sp>
+          </mc:Fallback>
+        </mc:AlternateContent>
+        <p:sp>
+          <p:nvSpPr>
+            <p:cNvPr id="13" name="TextBox 12">
+              <a:extLst>
+                <a:ext uri="{FF2B5EF4-FFF2-40B4-BE49-F238E27FC236}">
+                  <a16:creationId xmlns:a16="http://schemas.microsoft.com/office/drawing/2014/main" id="{7494B948-82DE-DB56-4FB4-BA2D03E704BD}"/>
+                </a:ext>
+              </a:extLst>
+            </p:cNvPr>
+            <p:cNvSpPr txBox="1"/>
+            <p:nvPr/>
+          </p:nvSpPr>
+          <p:spPr>
+            <a:xfrm>
+              <a:off x="2311665" y="5006622"/>
+              <a:ext cx="4749380" cy="369332"/>
+            </a:xfrm>
+            <a:prstGeom prst="rect">
+              <a:avLst/>
+            </a:prstGeom>
+            <a:noFill/>
+          </p:spPr>
+          <p:txBody>
+            <a:bodyPr wrap="square" rtlCol="0">
+              <a:spAutoFit/>
+            </a:bodyPr>
+            <a:lstStyle/>
+            <a:p>
+              <a:r>
+                <a:rPr lang="en-GB" dirty="0"/>
+                <a:t>is a sample of a Uniform[a, b] random variable. </a:t>
+              </a:r>
+            </a:p>
+          </p:txBody>
+        </p:sp>
+      </p:grpSp>
+      <p:sp>
+        <p:nvSpPr>
+          <p:cNvPr id="15" name="TextBox 14">
+            <a:extLst>
+              <a:ext uri="{FF2B5EF4-FFF2-40B4-BE49-F238E27FC236}">
+                <a16:creationId xmlns:a16="http://schemas.microsoft.com/office/drawing/2014/main" id="{22AFFBE0-E627-B590-B0D1-A84E53147134}"/>
+              </a:ext>
+            </a:extLst>
+          </p:cNvPr>
+          <p:cNvSpPr txBox="1"/>
+          <p:nvPr/>
+        </p:nvSpPr>
+        <p:spPr>
+          <a:xfrm>
+            <a:off x="685707" y="3059668"/>
+            <a:ext cx="10820586" cy="646331"/>
+          </a:xfrm>
+          <a:prstGeom prst="rect">
+            <a:avLst/>
+          </a:prstGeom>
+          <a:noFill/>
+        </p:spPr>
+        <p:txBody>
+          <a:bodyPr wrap="square" rtlCol="0">
+            <a:spAutoFit/>
+          </a:bodyPr>
+          <a:lstStyle/>
+          <a:p>
+            <a:r>
+              <a:rPr lang="en-GB" dirty="0"/>
+              <a:t>Here is an example using uniform distributions.</a:t>
+            </a:r>
+          </a:p>
+          <a:p>
+            <a:r>
+              <a:rPr lang="en-GB" dirty="0"/>
+              <a:t>For a function g(x) that might be difficult to integrate using traditional methods,</a:t>
+            </a:r>
+          </a:p>
+        </p:txBody>
+      </p:sp>
+      <p:sp>
+        <p:nvSpPr>
+          <p:cNvPr id="16" name="TextBox 15">
+            <a:extLst>
+              <a:ext uri="{FF2B5EF4-FFF2-40B4-BE49-F238E27FC236}">
+                <a16:creationId xmlns:a16="http://schemas.microsoft.com/office/drawing/2014/main" id="{060469AB-CBAA-248E-29BE-2AD901B5F1F6}"/>
+              </a:ext>
+            </a:extLst>
+          </p:cNvPr>
+          <p:cNvSpPr txBox="1"/>
+          <p:nvPr/>
+        </p:nvSpPr>
+        <p:spPr>
+          <a:xfrm>
+            <a:off x="685707" y="5509513"/>
+            <a:ext cx="10820586" cy="646331"/>
+          </a:xfrm>
+          <a:prstGeom prst="rect">
+            <a:avLst/>
+          </a:prstGeom>
+          <a:noFill/>
+        </p:spPr>
+        <p:txBody>
+          <a:bodyPr wrap="square" rtlCol="0">
+            <a:spAutoFit/>
+          </a:bodyPr>
+          <a:lstStyle/>
+          <a:p>
+            <a:r>
+              <a:rPr lang="en-GB" dirty="0"/>
+              <a:t>Different distributions can be used for Monte Carlo integration depending on the situation. Using different distributions can yield more accurate results with less samples.</a:t>
+            </a:r>
+          </a:p>
+        </p:txBody>
+      </p:sp>
+    </p:spTree>
+    <p:extLst>
+      <p:ext uri="{BB962C8B-B14F-4D97-AF65-F5344CB8AC3E}">
+        <p14:creationId xmlns:p14="http://schemas.microsoft.com/office/powerpoint/2010/main" val="3906065231"/>
+      </p:ext>
+    </p:extLst>
+  </p:cSld>
+  <p:clrMapOvr>
+    <a:masterClrMapping/>
+  </p:clrMapOvr>
+</p:sld>
+</file>
+
+<file path=ppt/slides/slide5.xml><?xml version="1.0" encoding="utf-8"?>
+<p:sld xmlns:a="http://schemas.openxmlformats.org/drawingml/2006/main" xmlns:r="http://schemas.openxmlformats.org/officeDocument/2006/relationships" xmlns:p="http://schemas.openxmlformats.org/presentationml/2006/main">
+  <p:cSld>
+    <p:bg>
+      <p:bgPr>
+        <a:solidFill>
+          <a:schemeClr val="bg1"/>
+        </a:solidFill>
+        <a:effectLst/>
+      </p:bgPr>
+    </p:bg>
+    <p:spTree>
+      <p:nvGrpSpPr>
+        <p:cNvPr id="1" name="">
+          <a:extLst>
+            <a:ext uri="{FF2B5EF4-FFF2-40B4-BE49-F238E27FC236}">
+              <a16:creationId xmlns:a16="http://schemas.microsoft.com/office/drawing/2014/main" id="{478C2E4D-99CC-B5F5-4F6F-76C57F1F4D3B}"/>
+            </a:ext>
+          </a:extLst>
+        </p:cNvPr>
+        <p:cNvGrpSpPr/>
+        <p:nvPr/>
+      </p:nvGrpSpPr>
+      <p:grpSpPr>
+        <a:xfrm>
+          <a:off x="0" y="0"/>
+          <a:ext cx="0" cy="0"/>
+          <a:chOff x="0" y="0"/>
+          <a:chExt cx="0" cy="0"/>
+        </a:xfrm>
+      </p:grpSpPr>
+      <p:sp>
+        <p:nvSpPr>
+          <p:cNvPr id="8" name="Rectangle 7">
+            <a:extLst>
+              <a:ext uri="{FF2B5EF4-FFF2-40B4-BE49-F238E27FC236}">
+                <a16:creationId xmlns:a16="http://schemas.microsoft.com/office/drawing/2014/main" id="{2928117C-9446-4E7F-AE62-95E0F6DB5B27}"/>
+              </a:ext>
+              <a:ext uri="{C183D7F6-B498-43B3-948B-1728B52AA6E4}">
+                <adec:decorative xmlns:adec="http://schemas.microsoft.com/office/drawing/2017/decorative" val="1"/>
+              </a:ext>
+            </a:extLst>
+          </p:cNvPr>
+          <p:cNvSpPr>
+            <a:spLocks noGrp="1" noRot="1" noChangeAspect="1" noMove="1" noResize="1" noEditPoints="1" noAdjustHandles="1" noChangeArrowheads="1" noChangeShapeType="1" noTextEdit="1"/>
+          </p:cNvSpPr>
+          <p:nvPr>
+            <p:extLst>
+              <p:ext uri="{386F3935-93C4-4BCD-93E2-E3B085C9AB24}">
+                <p16:designElem xmlns:p16="http://schemas.microsoft.com/office/powerpoint/2015/main" val="1"/>
+              </p:ext>
+            </p:extLst>
+          </p:nvPr>
+        </p:nvSpPr>
+        <p:spPr>
+          <a:xfrm>
+            <a:off x="446534" y="457200"/>
+            <a:ext cx="3703320" cy="94997"/>
+          </a:xfrm>
+          <a:prstGeom prst="rect">
+            <a:avLst/>
+          </a:prstGeom>
+          <a:solidFill>
+            <a:schemeClr val="accent1"/>
+          </a:solidFill>
+          <a:ln>
+            <a:noFill/>
+          </a:ln>
+          <a:effectLst/>
+        </p:spPr>
+        <p:style>
+          <a:lnRef idx="1">
+            <a:schemeClr val="accent1"/>
+          </a:lnRef>
+          <a:fillRef idx="3">
+            <a:schemeClr val="accent1"/>
+          </a:fillRef>
+          <a:effectRef idx="2">
+            <a:schemeClr val="accent1"/>
+          </a:effectRef>
+          <a:fontRef idx="minor">
+            <a:schemeClr val="lt1"/>
+          </a:fontRef>
+        </p:style>
+        <p:txBody>
+          <a:bodyPr/>
+          <a:lstStyle/>
+          <a:p>
+            <a:endParaRPr lang="en-GB"/>
+          </a:p>
+        </p:txBody>
+      </p:sp>
+      <p:sp>
+        <p:nvSpPr>
+          <p:cNvPr id="10" name="Rectangle 9">
+            <a:extLst>
+              <a:ext uri="{FF2B5EF4-FFF2-40B4-BE49-F238E27FC236}">
+                <a16:creationId xmlns:a16="http://schemas.microsoft.com/office/drawing/2014/main" id="{84D30AFB-4D71-48B0-AA00-28EE92363A5F}"/>
+              </a:ext>
+              <a:ext uri="{C183D7F6-B498-43B3-948B-1728B52AA6E4}">
+                <adec:decorative xmlns:adec="http://schemas.microsoft.com/office/drawing/2017/decorative" val="1"/>
+              </a:ext>
+            </a:extLst>
+          </p:cNvPr>
+          <p:cNvSpPr>
+            <a:spLocks noGrp="1" noRot="1" noChangeAspect="1" noMove="1" noResize="1" noEditPoints="1" noAdjustHandles="1" noChangeArrowheads="1" noChangeShapeType="1" noTextEdit="1"/>
+          </p:cNvSpPr>
+          <p:nvPr>
+            <p:extLst>
+              <p:ext uri="{386F3935-93C4-4BCD-93E2-E3B085C9AB24}">
+                <p16:designElem xmlns:p16="http://schemas.microsoft.com/office/powerpoint/2015/main" val="1"/>
+              </p:ext>
+            </p:extLst>
+          </p:nvPr>
+        </p:nvSpPr>
+        <p:spPr>
+          <a:xfrm>
+            <a:off x="8042147" y="453643"/>
+            <a:ext cx="3703320" cy="98554"/>
+          </a:xfrm>
+          <a:prstGeom prst="rect">
+            <a:avLst/>
+          </a:prstGeom>
+          <a:solidFill>
+            <a:schemeClr val="accent4"/>
+          </a:solidFill>
+          <a:ln>
+            <a:noFill/>
+          </a:ln>
+          <a:effectLst/>
+        </p:spPr>
+        <p:style>
+          <a:lnRef idx="1">
+            <a:schemeClr val="accent1"/>
+          </a:lnRef>
+          <a:fillRef idx="3">
+            <a:schemeClr val="accent1"/>
+          </a:fillRef>
+          <a:effectRef idx="2">
+            <a:schemeClr val="accent1"/>
+          </a:effectRef>
+          <a:fontRef idx="minor">
+            <a:schemeClr val="lt1"/>
+          </a:fontRef>
+        </p:style>
+        <p:txBody>
+          <a:bodyPr/>
+          <a:lstStyle/>
+          <a:p>
+            <a:endParaRPr lang="en-GB"/>
+          </a:p>
+        </p:txBody>
+      </p:sp>
+      <p:sp>
+        <p:nvSpPr>
+          <p:cNvPr id="12" name="Rectangle 11">
+            <a:extLst>
+              <a:ext uri="{FF2B5EF4-FFF2-40B4-BE49-F238E27FC236}">
+                <a16:creationId xmlns:a16="http://schemas.microsoft.com/office/drawing/2014/main" id="{96A0B76F-8010-4C62-B4B6-C5FC438C059E}"/>
+              </a:ext>
+              <a:ext uri="{C183D7F6-B498-43B3-948B-1728B52AA6E4}">
+                <adec:decorative xmlns:adec="http://schemas.microsoft.com/office/drawing/2017/decorative" val="1"/>
+              </a:ext>
+            </a:extLst>
+          </p:cNvPr>
+          <p:cNvSpPr>
+            <a:spLocks noGrp="1" noRot="1" noChangeAspect="1" noMove="1" noResize="1" noEditPoints="1" noAdjustHandles="1" noChangeArrowheads="1" noChangeShapeType="1" noTextEdit="1"/>
+          </p:cNvSpPr>
+          <p:nvPr>
+            <p:extLst>
+              <p:ext uri="{386F3935-93C4-4BCD-93E2-E3B085C9AB24}">
+                <p16:designElem xmlns:p16="http://schemas.microsoft.com/office/powerpoint/2015/main" val="1"/>
+              </p:ext>
+            </p:extLst>
+          </p:nvPr>
+        </p:nvSpPr>
+        <p:spPr>
+          <a:xfrm>
+            <a:off x="4241830" y="457200"/>
+            <a:ext cx="3703320" cy="91440"/>
+          </a:xfrm>
+          <a:prstGeom prst="rect">
+            <a:avLst/>
+          </a:prstGeom>
+          <a:solidFill>
+            <a:schemeClr val="accent2"/>
+          </a:solidFill>
+          <a:ln>
+            <a:noFill/>
+          </a:ln>
+          <a:effectLst/>
+        </p:spPr>
+        <p:style>
+          <a:lnRef idx="1">
+            <a:schemeClr val="accent1"/>
+          </a:lnRef>
+          <a:fillRef idx="3">
+            <a:schemeClr val="accent1"/>
+          </a:fillRef>
+          <a:effectRef idx="2">
+            <a:schemeClr val="accent1"/>
+          </a:effectRef>
+          <a:fontRef idx="minor">
+            <a:schemeClr val="lt1"/>
+          </a:fontRef>
+        </p:style>
+        <p:txBody>
+          <a:bodyPr/>
+          <a:lstStyle/>
+          <a:p>
+            <a:endParaRPr lang="en-GB"/>
+          </a:p>
+        </p:txBody>
+      </p:sp>
+      <p:sp>
+        <p:nvSpPr>
+          <p:cNvPr id="14" name="Rectangle 13">
+            <a:extLst>
+              <a:ext uri="{FF2B5EF4-FFF2-40B4-BE49-F238E27FC236}">
+                <a16:creationId xmlns:a16="http://schemas.microsoft.com/office/drawing/2014/main" id="{9FC936C0-4624-438D-BDD0-6B296BD6409D}"/>
+              </a:ext>
+              <a:ext uri="{C183D7F6-B498-43B3-948B-1728B52AA6E4}">
+                <adec:decorative xmlns:adec="http://schemas.microsoft.com/office/drawing/2017/decorative" val="1"/>
+              </a:ext>
+            </a:extLst>
+          </p:cNvPr>
+          <p:cNvSpPr>
+            <a:spLocks noGrp="1" noRot="1" noChangeAspect="1" noMove="1" noResize="1" noEditPoints="1" noAdjustHandles="1" noChangeArrowheads="1" noChangeShapeType="1" noTextEdit="1"/>
+          </p:cNvSpPr>
+          <p:nvPr>
+            <p:extLst>
+              <p:ext uri="{386F3935-93C4-4BCD-93E2-E3B085C9AB24}">
+                <p16:designElem xmlns:p16="http://schemas.microsoft.com/office/powerpoint/2015/main" val="1"/>
+              </p:ext>
+            </p:extLst>
+          </p:nvPr>
+        </p:nvSpPr>
+        <p:spPr>
+          <a:xfrm>
+            <a:off x="446534" y="3085765"/>
+            <a:ext cx="11262866" cy="3304800"/>
+          </a:xfrm>
+          <a:prstGeom prst="rect">
+            <a:avLst/>
+          </a:prstGeom>
+          <a:solidFill>
+            <a:schemeClr val="accent1"/>
+          </a:solidFill>
+          <a:ln>
+            <a:noFill/>
+          </a:ln>
+          <a:effectLst/>
+        </p:spPr>
+        <p:style>
+          <a:lnRef idx="1">
+            <a:schemeClr val="accent1"/>
+          </a:lnRef>
+          <a:fillRef idx="3">
+            <a:schemeClr val="accent1"/>
+          </a:fillRef>
+          <a:effectRef idx="2">
+            <a:schemeClr val="accent1"/>
+          </a:effectRef>
+          <a:fontRef idx="minor">
+            <a:schemeClr val="lt1"/>
+          </a:fontRef>
+        </p:style>
+        <p:txBody>
+          <a:bodyPr/>
+          <a:lstStyle/>
+          <a:p>
+            <a:endParaRPr lang="en-GB"/>
+          </a:p>
+        </p:txBody>
+      </p:sp>
+      <p:sp useBgFill="1">
+        <p:nvSpPr>
+          <p:cNvPr id="16" name="Rectangle 15">
+            <a:extLst>
+              <a:ext uri="{FF2B5EF4-FFF2-40B4-BE49-F238E27FC236}">
+                <a16:creationId xmlns:a16="http://schemas.microsoft.com/office/drawing/2014/main" id="{4B526CBF-0AA4-49A9-B305-EE0AF3AF6D3C}"/>
+              </a:ext>
+              <a:ext uri="{C183D7F6-B498-43B3-948B-1728B52AA6E4}">
+                <adec:decorative xmlns:adec="http://schemas.microsoft.com/office/drawing/2017/decorative" val="1"/>
+              </a:ext>
+            </a:extLst>
+          </p:cNvPr>
+          <p:cNvSpPr>
+            <a:spLocks noGrp="1" noRot="1" noChangeAspect="1" noMove="1" noResize="1" noEditPoints="1" noAdjustHandles="1" noChangeArrowheads="1" noChangeShapeType="1" noTextEdit="1"/>
+          </p:cNvSpPr>
+          <p:nvPr>
+            <p:extLst>
+              <p:ext uri="{386F3935-93C4-4BCD-93E2-E3B085C9AB24}">
+                <p16:designElem xmlns:p16="http://schemas.microsoft.com/office/powerpoint/2015/main" val="1"/>
+              </p:ext>
+            </p:extLst>
+          </p:nvPr>
+        </p:nvSpPr>
+        <p:spPr>
+          <a:xfrm>
+            <a:off x="0" y="0"/>
+            <a:ext cx="12192000" cy="6858000"/>
+          </a:xfrm>
+          <a:prstGeom prst="rect">
+            <a:avLst/>
+          </a:prstGeom>
+          <a:ln>
+            <a:noFill/>
+          </a:ln>
+        </p:spPr>
+        <p:style>
+          <a:lnRef idx="2">
+            <a:schemeClr val="accent1">
+              <a:shade val="50000"/>
+            </a:schemeClr>
+          </a:lnRef>
+          <a:fillRef idx="1">
+            <a:schemeClr val="accent1"/>
+          </a:fillRef>
+          <a:effectRef idx="0">
+            <a:schemeClr val="accent1"/>
+          </a:effectRef>
+          <a:fontRef idx="minor">
+            <a:schemeClr val="lt1"/>
+          </a:fontRef>
+        </p:style>
+        <p:txBody>
+          <a:bodyPr rtlCol="0" anchor="ctr"/>
+          <a:lstStyle/>
+          <a:p>
+            <a:pPr algn="ctr"/>
+            <a:endParaRPr lang="en-US"/>
+          </a:p>
+        </p:txBody>
+      </p:sp>
+      <p:pic>
+        <p:nvPicPr>
+          <p:cNvPr id="4" name="Picture 3" descr="Yellow pin on a calendar">
+            <a:extLst>
+              <a:ext uri="{FF2B5EF4-FFF2-40B4-BE49-F238E27FC236}">
+                <a16:creationId xmlns:a16="http://schemas.microsoft.com/office/drawing/2014/main" id="{22292F4C-D498-DE76-1910-3D4EC054A088}"/>
+              </a:ext>
+            </a:extLst>
+          </p:cNvPr>
+          <p:cNvPicPr>
+            <a:picLocks noChangeAspect="1"/>
+          </p:cNvPicPr>
+          <p:nvPr/>
+        </p:nvPicPr>
+        <p:blipFill>
+          <a:blip r:embed="rId2"/>
+          <a:srcRect t="15413"/>
+          <a:stretch/>
+        </p:blipFill>
+        <p:spPr>
+          <a:xfrm>
+            <a:off x="20" y="10"/>
+            <a:ext cx="12191980" cy="6857990"/>
+          </a:xfrm>
+          <a:prstGeom prst="rect">
+            <a:avLst/>
+          </a:prstGeom>
+        </p:spPr>
+      </p:pic>
+      <p:grpSp>
+        <p:nvGrpSpPr>
+          <p:cNvPr id="18" name="Group 17">
+            <a:extLst>
+              <a:ext uri="{FF2B5EF4-FFF2-40B4-BE49-F238E27FC236}">
+                <a16:creationId xmlns:a16="http://schemas.microsoft.com/office/drawing/2014/main" id="{CC8B5139-02E6-4DEA-9CCE-962CAF0AFBA0}"/>
+              </a:ext>
+              <a:ext uri="{C183D7F6-B498-43B3-948B-1728B52AA6E4}">
+                <adec:decorative xmlns:adec="http://schemas.microsoft.com/office/drawing/2017/decorative" val="1"/>
+              </a:ext>
+            </a:extLst>
+          </p:cNvPr>
+          <p:cNvGrpSpPr>
+            <a:grpSpLocks noGrp="1" noUngrp="1" noRot="1" noChangeAspect="1" noMove="1" noResize="1"/>
+          </p:cNvGrpSpPr>
+          <p:nvPr>
+            <p:extLst>
+              <p:ext uri="{386F3935-93C4-4BCD-93E2-E3B085C9AB24}">
+                <p16:designElem xmlns:p16="http://schemas.microsoft.com/office/powerpoint/2015/main" val="1"/>
+              </p:ext>
+            </p:extLst>
+          </p:nvPr>
+        </p:nvGrpSpPr>
+        <p:grpSpPr>
+          <a:xfrm>
+            <a:off x="438068" y="457200"/>
+            <a:ext cx="3703320" cy="5935132"/>
+            <a:chOff x="438068" y="457200"/>
+            <a:chExt cx="3703320" cy="5935132"/>
+          </a:xfrm>
+        </p:grpSpPr>
+        <p:sp>
+          <p:nvSpPr>
+            <p:cNvPr id="19" name="Rectangle 18">
+              <a:extLst>
+                <a:ext uri="{FF2B5EF4-FFF2-40B4-BE49-F238E27FC236}">
+                  <a16:creationId xmlns:a16="http://schemas.microsoft.com/office/drawing/2014/main" id="{C0470BC0-AB0D-4A03-B4F1-5DDA9A31C11F}"/>
+                </a:ext>
+                <a:ext uri="{C183D7F6-B498-43B3-948B-1728B52AA6E4}">
+                  <adec:decorative xmlns:adec="http://schemas.microsoft.com/office/drawing/2017/decorative" val="1"/>
+                </a:ext>
+              </a:extLst>
+            </p:cNvPr>
+            <p:cNvSpPr/>
+            <p:nvPr>
+              <p:extLst>
+                <p:ext uri="{386F3935-93C4-4BCD-93E2-E3B085C9AB24}">
+                  <p16:designElem xmlns:p16="http://schemas.microsoft.com/office/powerpoint/2015/main" val="1"/>
+                </p:ext>
+              </p:extLst>
+            </p:nvPr>
+          </p:nvSpPr>
+          <p:spPr>
+            <a:xfrm>
+              <a:off x="438068" y="618067"/>
+              <a:ext cx="3702134" cy="5774265"/>
+            </a:xfrm>
+            <a:prstGeom prst="rect">
+              <a:avLst/>
+            </a:prstGeom>
+            <a:solidFill>
+              <a:schemeClr val="accent1">
+                <a:alpha val="97000"/>
+              </a:schemeClr>
+            </a:solidFill>
+            <a:ln w="6350" cmpd="sng">
+              <a:noFill/>
+            </a:ln>
+            <a:effectLst/>
+          </p:spPr>
+          <p:style>
+            <a:lnRef idx="1">
+              <a:schemeClr val="accent1"/>
+            </a:lnRef>
+            <a:fillRef idx="3">
+              <a:schemeClr val="accent1"/>
+            </a:fillRef>
+            <a:effectRef idx="2">
+              <a:schemeClr val="accent1"/>
+            </a:effectRef>
+            <a:fontRef idx="minor">
+              <a:schemeClr val="lt1"/>
+            </a:fontRef>
+          </p:style>
+          <p:txBody>
+            <a:bodyPr/>
+            <a:lstStyle/>
+            <a:p>
+              <a:endParaRPr lang="en-GB"/>
+            </a:p>
+          </p:txBody>
+        </p:sp>
+        <p:sp>
+          <p:nvSpPr>
+            <p:cNvPr id="20" name="Rectangle 19">
+              <a:extLst>
+                <a:ext uri="{FF2B5EF4-FFF2-40B4-BE49-F238E27FC236}">
+                  <a16:creationId xmlns:a16="http://schemas.microsoft.com/office/drawing/2014/main" id="{724A08B2-EC2C-4641-81BE-FE8B068BE15F}"/>
+                </a:ext>
+                <a:ext uri="{C183D7F6-B498-43B3-948B-1728B52AA6E4}">
+                  <adec:decorative xmlns:adec="http://schemas.microsoft.com/office/drawing/2017/decorative" val="1"/>
+                </a:ext>
+              </a:extLst>
+            </p:cNvPr>
+            <p:cNvSpPr/>
+            <p:nvPr>
+              <p:extLst>
+                <p:ext uri="{386F3935-93C4-4BCD-93E2-E3B085C9AB24}">
+                  <p16:designElem xmlns:p16="http://schemas.microsoft.com/office/powerpoint/2015/main" val="1"/>
+                </p:ext>
+              </p:extLst>
+            </p:nvPr>
+          </p:nvSpPr>
+          <p:spPr>
+            <a:xfrm>
+              <a:off x="438068" y="457200"/>
+              <a:ext cx="3703320" cy="94997"/>
+            </a:xfrm>
+            <a:prstGeom prst="rect">
+              <a:avLst/>
+            </a:prstGeom>
+            <a:solidFill>
+              <a:schemeClr val="accent1"/>
+            </a:solidFill>
+            <a:ln>
+              <a:noFill/>
+            </a:ln>
+            <a:effectLst/>
+          </p:spPr>
+          <p:style>
+            <a:lnRef idx="1">
+              <a:schemeClr val="accent1"/>
+            </a:lnRef>
+            <a:fillRef idx="3">
+              <a:schemeClr val="accent1"/>
+            </a:fillRef>
+            <a:effectRef idx="2">
+              <a:schemeClr val="accent1"/>
+            </a:effectRef>
+            <a:fontRef idx="minor">
+              <a:schemeClr val="lt1"/>
+            </a:fontRef>
+          </p:style>
+          <p:txBody>
+            <a:bodyPr/>
+            <a:lstStyle/>
+            <a:p>
+              <a:endParaRPr lang="en-GB"/>
+            </a:p>
+          </p:txBody>
+        </p:sp>
+      </p:grpSp>
+      <p:sp>
+        <p:nvSpPr>
+          <p:cNvPr id="2" name="Title 1">
+            <a:extLst>
+              <a:ext uri="{FF2B5EF4-FFF2-40B4-BE49-F238E27FC236}">
+                <a16:creationId xmlns:a16="http://schemas.microsoft.com/office/drawing/2014/main" id="{1064CE6B-F585-5643-CF4B-1EB0B63D342B}"/>
+              </a:ext>
+            </a:extLst>
+          </p:cNvPr>
+          <p:cNvSpPr>
+            <a:spLocks noGrp="1"/>
+          </p:cNvSpPr>
+          <p:nvPr>
+            <p:ph type="title"/>
+          </p:nvPr>
+        </p:nvSpPr>
+        <p:spPr>
+          <a:xfrm>
+            <a:off x="584200" y="2142067"/>
+            <a:ext cx="3412067" cy="2971801"/>
+          </a:xfrm>
+        </p:spPr>
+        <p:txBody>
+          <a:bodyPr vert="horz" lIns="91440" tIns="45720" rIns="91440" bIns="45720" rtlCol="0" anchor="b">
+            <a:normAutofit/>
+          </a:bodyPr>
+          <a:lstStyle/>
+          <a:p>
+            <a:r>
+              <a:rPr lang="en-US">
+                <a:solidFill>
+                  <a:srgbClr val="FFFFFF"/>
+                </a:solidFill>
+              </a:rPr>
+              <a:t>Solving problems with monte carlo methods</a:t>
+            </a:r>
+          </a:p>
+        </p:txBody>
+      </p:sp>
+    </p:spTree>
+    <p:extLst>
+      <p:ext uri="{BB962C8B-B14F-4D97-AF65-F5344CB8AC3E}">
+        <p14:creationId xmlns:p14="http://schemas.microsoft.com/office/powerpoint/2010/main" val="2498335217"/>
+      </p:ext>
+    </p:extLst>
+  </p:cSld>
+  <p:clrMapOvr>
+    <a:masterClrMapping/>
+  </p:clrMapOvr>
+</p:sld>
+</file>
+
+<file path=ppt/slides/slide6.xml><?xml version="1.0" encoding="utf-8"?>
+<p:sld xmlns:a="http://schemas.openxmlformats.org/drawingml/2006/main" xmlns:r="http://schemas.openxmlformats.org/officeDocument/2006/relationships" xmlns:p="http://schemas.openxmlformats.org/presentationml/2006/main">
+  <p:cSld>
+    <p:spTree>
+      <p:nvGrpSpPr>
+        <p:cNvPr id="1" name="">
+          <a:extLst>
+            <a:ext uri="{FF2B5EF4-FFF2-40B4-BE49-F238E27FC236}">
+              <a16:creationId xmlns:a16="http://schemas.microsoft.com/office/drawing/2014/main" id="{D65B8AC1-7FD6-C292-DF77-F4B20F14ED20}"/>
+            </a:ext>
+          </a:extLst>
+        </p:cNvPr>
+        <p:cNvGrpSpPr/>
+        <p:nvPr/>
+      </p:nvGrpSpPr>
+      <p:grpSpPr>
+        <a:xfrm>
+          <a:off x="0" y="0"/>
+          <a:ext cx="0" cy="0"/>
+          <a:chOff x="0" y="0"/>
+          <a:chExt cx="0" cy="0"/>
+        </a:xfrm>
+      </p:grpSpPr>
+      <p:sp>
+        <p:nvSpPr>
+          <p:cNvPr id="2" name="Title 1">
+            <a:extLst>
+              <a:ext uri="{FF2B5EF4-FFF2-40B4-BE49-F238E27FC236}">
+                <a16:creationId xmlns:a16="http://schemas.microsoft.com/office/drawing/2014/main" id="{2AB1BDA4-341E-5908-9427-1A7D633FB93C}"/>
+              </a:ext>
+            </a:extLst>
+          </p:cNvPr>
+          <p:cNvSpPr>
+            <a:spLocks noGrp="1"/>
+          </p:cNvSpPr>
+          <p:nvPr>
+            <p:ph type="title"/>
+          </p:nvPr>
+        </p:nvSpPr>
+        <p:spPr/>
+        <p:txBody>
+          <a:bodyPr/>
+          <a:lstStyle/>
+          <a:p>
+            <a:r>
+              <a:rPr lang="en-GB" dirty="0"/>
+              <a:t>Evaluating an integral using monte </a:t>
+            </a:r>
+            <a:r>
+              <a:rPr lang="en-GB" dirty="0" err="1"/>
+              <a:t>carlo</a:t>
+            </a:r>
+            <a:r>
+              <a:rPr lang="en-GB" dirty="0"/>
+              <a:t> integration </a:t>
+            </a:r>
+          </a:p>
+        </p:txBody>
+      </p:sp>
+      <p:sp>
+        <p:nvSpPr>
+          <p:cNvPr id="6" name="TextBox 5">
+            <a:extLst>
+              <a:ext uri="{FF2B5EF4-FFF2-40B4-BE49-F238E27FC236}">
+                <a16:creationId xmlns:a16="http://schemas.microsoft.com/office/drawing/2014/main" id="{73885A34-FAA6-1486-64BB-99EB6BAD1D34}"/>
+              </a:ext>
+            </a:extLst>
+          </p:cNvPr>
+          <p:cNvSpPr txBox="1"/>
+          <p:nvPr/>
+        </p:nvSpPr>
+        <p:spPr>
+          <a:xfrm>
+            <a:off x="469241" y="1973574"/>
+            <a:ext cx="11156091" cy="923330"/>
+          </a:xfrm>
+          <a:prstGeom prst="rect">
+            <a:avLst/>
+          </a:prstGeom>
+          <a:noFill/>
+        </p:spPr>
+        <p:txBody>
+          <a:bodyPr rot="0" spcFirstLastPara="0" vertOverflow="overflow" horzOverflow="overflow" vert="horz" wrap="square" lIns="91440" tIns="45720" rIns="91440" bIns="45720" numCol="1" spcCol="0" rtlCol="0" fromWordArt="0" anchor="t" anchorCtr="0" forceAA="0" compatLnSpc="1">
+            <a:prstTxWarp prst="textNoShape">
+              <a:avLst/>
+            </a:prstTxWarp>
+            <a:spAutoFit/>
+          </a:bodyPr>
+          <a:lstStyle/>
+          <a:p>
+            <a:r>
+              <a:rPr lang="en-GB" dirty="0"/>
+              <a:t>In the tutorial sheet, question 5 helps to showcase the use of monte </a:t>
+            </a:r>
+            <a:r>
+              <a:rPr lang="en-GB" dirty="0" err="1"/>
+              <a:t>carlo</a:t>
+            </a:r>
+            <a:r>
+              <a:rPr lang="en-GB" dirty="0"/>
+              <a:t> integration. </a:t>
+            </a:r>
+          </a:p>
+          <a:p>
+            <a:r>
+              <a:rPr lang="en-GB" dirty="0"/>
+              <a:t>a) For this question, we are looking at the function y = sin(1/x).</a:t>
+            </a:r>
+          </a:p>
+          <a:p>
+            <a:r>
+              <a:rPr lang="en-GB" dirty="0"/>
+              <a:t>Using </a:t>
+            </a:r>
+            <a:r>
+              <a:rPr lang="en-GB" dirty="0" err="1"/>
+              <a:t>desmos</a:t>
+            </a:r>
+            <a:r>
+              <a:rPr lang="en-GB" dirty="0"/>
+              <a:t>, we can plot this, as follows:</a:t>
+            </a:r>
+          </a:p>
+        </p:txBody>
+      </p:sp>
+      <p:pic>
+        <p:nvPicPr>
+          <p:cNvPr id="7" name="Picture 6" descr="A graph of a red line&#10;&#10;AI-generated content may be incorrect.">
+            <a:extLst>
+              <a:ext uri="{FF2B5EF4-FFF2-40B4-BE49-F238E27FC236}">
+                <a16:creationId xmlns:a16="http://schemas.microsoft.com/office/drawing/2014/main" id="{1EAF6BB9-4ABA-84DC-C100-7A806A873B2A}"/>
+              </a:ext>
+            </a:extLst>
+          </p:cNvPr>
+          <p:cNvPicPr>
+            <a:picLocks noChangeAspect="1"/>
+          </p:cNvPicPr>
+          <p:nvPr/>
+        </p:nvPicPr>
+        <p:blipFill>
+          <a:blip r:embed="rId2"/>
+          <a:srcRect t="14451" r="1794" b="16332"/>
+          <a:stretch/>
+        </p:blipFill>
+        <p:spPr>
+          <a:xfrm>
+            <a:off x="2975404" y="3031622"/>
+            <a:ext cx="6251658" cy="3438355"/>
+          </a:xfrm>
+          <a:prstGeom prst="rect">
+            <a:avLst/>
+          </a:prstGeom>
+        </p:spPr>
+      </p:pic>
+    </p:spTree>
+    <p:extLst>
+      <p:ext uri="{BB962C8B-B14F-4D97-AF65-F5344CB8AC3E}">
+        <p14:creationId xmlns:p14="http://schemas.microsoft.com/office/powerpoint/2010/main" val="3973803348"/>
+      </p:ext>
+    </p:extLst>
+  </p:cSld>
+  <p:clrMapOvr>
+    <a:masterClrMapping/>
+  </p:clrMapOvr>
+</p:sld>
+</file>
+
+<file path=ppt/slides/slide7.xml><?xml version="1.0" encoding="utf-8"?>
+<p:sld xmlns:a="http://schemas.openxmlformats.org/drawingml/2006/main" xmlns:r="http://schemas.openxmlformats.org/officeDocument/2006/relationships" xmlns:p="http://schemas.openxmlformats.org/presentationml/2006/main">
+  <p:cSld>
+    <p:spTree>
+      <p:nvGrpSpPr>
+        <p:cNvPr id="1" name="">
+          <a:extLst>
+            <a:ext uri="{FF2B5EF4-FFF2-40B4-BE49-F238E27FC236}">
+              <a16:creationId xmlns:a16="http://schemas.microsoft.com/office/drawing/2014/main" id="{53888318-E2BD-CF2A-6276-DD4F1F1AF8C0}"/>
+            </a:ext>
+          </a:extLst>
+        </p:cNvPr>
+        <p:cNvGrpSpPr/>
+        <p:nvPr/>
+      </p:nvGrpSpPr>
+      <p:grpSpPr>
+        <a:xfrm>
+          <a:off x="0" y="0"/>
+          <a:ext cx="0" cy="0"/>
+          <a:chOff x="0" y="0"/>
+          <a:chExt cx="0" cy="0"/>
+        </a:xfrm>
+      </p:grpSpPr>
+      <p:sp>
+        <p:nvSpPr>
+          <p:cNvPr id="2" name="Title 1">
+            <a:extLst>
+              <a:ext uri="{FF2B5EF4-FFF2-40B4-BE49-F238E27FC236}">
+                <a16:creationId xmlns:a16="http://schemas.microsoft.com/office/drawing/2014/main" id="{2F541AA0-6948-EF2E-2DDE-6176FA8382B7}"/>
+              </a:ext>
+            </a:extLst>
+          </p:cNvPr>
+          <p:cNvSpPr>
+            <a:spLocks noGrp="1"/>
+          </p:cNvSpPr>
+          <p:nvPr>
+            <p:ph type="title"/>
+          </p:nvPr>
+        </p:nvSpPr>
+        <p:spPr/>
+        <p:txBody>
+          <a:bodyPr/>
+          <a:lstStyle/>
+          <a:p>
+            <a:r>
+              <a:rPr lang="en-GB" dirty="0"/>
+              <a:t>Evaluating an integral using monte </a:t>
+            </a:r>
+            <a:r>
+              <a:rPr lang="en-GB" dirty="0" err="1"/>
+              <a:t>carlo</a:t>
+            </a:r>
+            <a:r>
+              <a:rPr lang="en-GB" dirty="0"/>
+              <a:t> integration </a:t>
+            </a:r>
+          </a:p>
+        </p:txBody>
+      </p:sp>
+      <p:sp>
+        <p:nvSpPr>
+          <p:cNvPr id="6" name="TextBox 5">
+            <a:extLst>
+              <a:ext uri="{FF2B5EF4-FFF2-40B4-BE49-F238E27FC236}">
+                <a16:creationId xmlns:a16="http://schemas.microsoft.com/office/drawing/2014/main" id="{E5F847C8-C3BD-E358-2B6D-ED1C8283C489}"/>
+              </a:ext>
+            </a:extLst>
+          </p:cNvPr>
+          <p:cNvSpPr txBox="1"/>
+          <p:nvPr/>
+        </p:nvSpPr>
+        <p:spPr>
+          <a:xfrm>
+            <a:off x="469241" y="1973574"/>
+            <a:ext cx="11156091" cy="646331"/>
+          </a:xfrm>
+          <a:prstGeom prst="rect">
+            <a:avLst/>
+          </a:prstGeom>
+          <a:noFill/>
+        </p:spPr>
+        <p:txBody>
+          <a:bodyPr rot="0" spcFirstLastPara="0" vertOverflow="overflow" horzOverflow="overflow" vert="horz" wrap="square" lIns="91440" tIns="45720" rIns="91440" bIns="45720" numCol="1" spcCol="0" rtlCol="0" fromWordArt="0" anchor="t" anchorCtr="0" forceAA="0" compatLnSpc="1">
+            <a:prstTxWarp prst="textNoShape">
+              <a:avLst/>
+            </a:prstTxWarp>
+            <a:spAutoFit/>
+          </a:bodyPr>
+          <a:lstStyle/>
+          <a:p>
+            <a:r>
+              <a:rPr lang="en-GB" dirty="0"/>
+              <a:t>b) We are then asked to use Monte Carlo integration to estimate the integral of sin(1/x) between 0 and 1. Since this function is undefined at x=0, we can use a lower bound very close to zero and still get a good estimate. </a:t>
+            </a:r>
+          </a:p>
+        </p:txBody>
+      </p:sp>
+      <p:pic>
+        <p:nvPicPr>
+          <p:cNvPr id="4" name="Picture 3" descr="A close up of a word&#10;&#10;AI-generated content may be incorrect.">
+            <a:extLst>
+              <a:ext uri="{FF2B5EF4-FFF2-40B4-BE49-F238E27FC236}">
+                <a16:creationId xmlns:a16="http://schemas.microsoft.com/office/drawing/2014/main" id="{53F90DA2-FBE8-5C14-223F-1FBFDC1E76E4}"/>
+              </a:ext>
+            </a:extLst>
+          </p:cNvPr>
+          <p:cNvPicPr>
+            <a:picLocks noChangeAspect="1"/>
+          </p:cNvPicPr>
+          <p:nvPr/>
+        </p:nvPicPr>
+        <p:blipFill>
+          <a:blip r:embed="rId2"/>
+          <a:stretch>
+            <a:fillRect/>
+          </a:stretch>
+        </p:blipFill>
+        <p:spPr>
+          <a:xfrm>
+            <a:off x="575849" y="2610126"/>
+            <a:ext cx="9659869" cy="456096"/>
+          </a:xfrm>
+          <a:prstGeom prst="rect">
+            <a:avLst/>
+          </a:prstGeom>
+        </p:spPr>
+      </p:pic>
+      <p:pic>
+        <p:nvPicPr>
+          <p:cNvPr id="5" name="Picture 4" descr="A math equations on a white background&#10;&#10;AI-generated content may be incorrect.">
+            <a:extLst>
+              <a:ext uri="{FF2B5EF4-FFF2-40B4-BE49-F238E27FC236}">
+                <a16:creationId xmlns:a16="http://schemas.microsoft.com/office/drawing/2014/main" id="{395ADB0E-3A67-E8AF-1230-7855362B8D6C}"/>
+              </a:ext>
+            </a:extLst>
+          </p:cNvPr>
+          <p:cNvPicPr>
+            <a:picLocks noChangeAspect="1"/>
+          </p:cNvPicPr>
+          <p:nvPr/>
+        </p:nvPicPr>
+        <p:blipFill>
+          <a:blip r:embed="rId3"/>
+          <a:stretch>
+            <a:fillRect/>
+          </a:stretch>
+        </p:blipFill>
+        <p:spPr>
+          <a:xfrm>
+            <a:off x="467277" y="3071813"/>
+            <a:ext cx="7116142" cy="1763506"/>
+          </a:xfrm>
+          <a:prstGeom prst="rect">
+            <a:avLst/>
+          </a:prstGeom>
+        </p:spPr>
+      </p:pic>
+      <p:pic>
+        <p:nvPicPr>
+          <p:cNvPr id="8" name="Picture 7">
+            <a:extLst>
+              <a:ext uri="{FF2B5EF4-FFF2-40B4-BE49-F238E27FC236}">
+                <a16:creationId xmlns:a16="http://schemas.microsoft.com/office/drawing/2014/main" id="{D8226DA5-ACD4-6091-681B-B4DB0B1BB747}"/>
+              </a:ext>
+            </a:extLst>
+          </p:cNvPr>
+          <p:cNvPicPr>
+            <a:picLocks noChangeAspect="1"/>
+          </p:cNvPicPr>
+          <p:nvPr/>
+        </p:nvPicPr>
+        <p:blipFill>
+          <a:blip r:embed="rId4"/>
+          <a:stretch>
+            <a:fillRect/>
+          </a:stretch>
+        </p:blipFill>
+        <p:spPr>
+          <a:xfrm>
+            <a:off x="3369090" y="4339811"/>
+            <a:ext cx="1025387" cy="276640"/>
+          </a:xfrm>
+          <a:prstGeom prst="rect">
+            <a:avLst/>
+          </a:prstGeom>
+        </p:spPr>
+      </p:pic>
+      <p:sp>
+        <p:nvSpPr>
+          <p:cNvPr id="9" name="TextBox 8">
+            <a:extLst>
+              <a:ext uri="{FF2B5EF4-FFF2-40B4-BE49-F238E27FC236}">
+                <a16:creationId xmlns:a16="http://schemas.microsoft.com/office/drawing/2014/main" id="{9257CD16-90B7-E6D1-F007-D378D38F49A0}"/>
+              </a:ext>
+            </a:extLst>
+          </p:cNvPr>
+          <p:cNvSpPr txBox="1"/>
+          <p:nvPr/>
+        </p:nvSpPr>
+        <p:spPr>
+          <a:xfrm>
+            <a:off x="474732" y="5051247"/>
+            <a:ext cx="10871199" cy="369332"/>
+          </a:xfrm>
+          <a:prstGeom prst="rect">
+            <a:avLst/>
+          </a:prstGeom>
+          <a:noFill/>
+        </p:spPr>
+        <p:txBody>
+          <a:bodyPr rot="0" spcFirstLastPara="0" vertOverflow="overflow" horzOverflow="overflow" vert="horz" wrap="square" lIns="91440" tIns="45720" rIns="91440" bIns="45720" numCol="1" spcCol="0" rtlCol="0" fromWordArt="0" anchor="t" anchorCtr="0" forceAA="0" compatLnSpc="1">
+            <a:prstTxWarp prst="textNoShape">
+              <a:avLst/>
+            </a:prstTxWarp>
+            <a:spAutoFit/>
+          </a:bodyPr>
+          <a:lstStyle/>
+          <a:p>
+            <a:r>
+              <a:rPr lang="en-GB" dirty="0"/>
+              <a:t>So now, we can find an estimate for the integral by finding the estimate to E[sin(1/X)].</a:t>
+            </a:r>
+          </a:p>
+        </p:txBody>
+      </p:sp>
+    </p:spTree>
+    <p:extLst>
+      <p:ext uri="{BB962C8B-B14F-4D97-AF65-F5344CB8AC3E}">
+        <p14:creationId xmlns:p14="http://schemas.microsoft.com/office/powerpoint/2010/main" val="293563287"/>
+      </p:ext>
+    </p:extLst>
+  </p:cSld>
+  <p:clrMapOvr>
+    <a:masterClrMapping/>
+  </p:clrMapOvr>
+</p:sld>
+</file>
+
+<file path=ppt/slides/slide8.xml><?xml version="1.0" encoding="utf-8"?>
+<p:sld xmlns:a="http://schemas.openxmlformats.org/drawingml/2006/main" xmlns:r="http://schemas.openxmlformats.org/officeDocument/2006/relationships" xmlns:p="http://schemas.openxmlformats.org/presentationml/2006/main">
+  <p:cSld>
+    <p:spTree>
+      <p:nvGrpSpPr>
+        <p:cNvPr id="1" name="">
+          <a:extLst>
+            <a:ext uri="{FF2B5EF4-FFF2-40B4-BE49-F238E27FC236}">
+              <a16:creationId xmlns:a16="http://schemas.microsoft.com/office/drawing/2014/main" id="{BD4EB749-BF1D-EC81-D595-355BAB894852}"/>
+            </a:ext>
+          </a:extLst>
+        </p:cNvPr>
+        <p:cNvGrpSpPr/>
+        <p:nvPr/>
+      </p:nvGrpSpPr>
+      <p:grpSpPr>
+        <a:xfrm>
+          <a:off x="0" y="0"/>
+          <a:ext cx="0" cy="0"/>
+          <a:chOff x="0" y="0"/>
+          <a:chExt cx="0" cy="0"/>
+        </a:xfrm>
+      </p:grpSpPr>
+      <p:sp>
+        <p:nvSpPr>
+          <p:cNvPr id="2" name="Title 1">
+            <a:extLst>
+              <a:ext uri="{FF2B5EF4-FFF2-40B4-BE49-F238E27FC236}">
+                <a16:creationId xmlns:a16="http://schemas.microsoft.com/office/drawing/2014/main" id="{C959D635-1319-0208-7538-89AE2D294A23}"/>
+              </a:ext>
+            </a:extLst>
+          </p:cNvPr>
+          <p:cNvSpPr>
+            <a:spLocks noGrp="1"/>
+          </p:cNvSpPr>
+          <p:nvPr>
+            <p:ph type="title"/>
+          </p:nvPr>
+        </p:nvSpPr>
+        <p:spPr/>
+        <p:txBody>
+          <a:bodyPr/>
+          <a:lstStyle/>
+          <a:p>
+            <a:r>
+              <a:rPr lang="en-GB" dirty="0"/>
+              <a:t>Evaluating an integral using monte </a:t>
+            </a:r>
+            <a:r>
+              <a:rPr lang="en-GB" dirty="0" err="1"/>
+              <a:t>carlo</a:t>
+            </a:r>
+            <a:r>
+              <a:rPr lang="en-GB" dirty="0"/>
+              <a:t> integration </a:t>
+            </a:r>
+          </a:p>
+        </p:txBody>
+      </p:sp>
+      <p:sp>
+        <p:nvSpPr>
+          <p:cNvPr id="6" name="TextBox 5">
+            <a:extLst>
+              <a:ext uri="{FF2B5EF4-FFF2-40B4-BE49-F238E27FC236}">
+                <a16:creationId xmlns:a16="http://schemas.microsoft.com/office/drawing/2014/main" id="{A9F77961-6577-D63C-2EE7-62D0D797FBB8}"/>
+              </a:ext>
+            </a:extLst>
+          </p:cNvPr>
+          <p:cNvSpPr txBox="1"/>
+          <p:nvPr/>
+        </p:nvSpPr>
+        <p:spPr>
+          <a:xfrm>
+            <a:off x="469241" y="1973574"/>
+            <a:ext cx="11156091" cy="369332"/>
+          </a:xfrm>
+          <a:prstGeom prst="rect">
+            <a:avLst/>
+          </a:prstGeom>
+          <a:noFill/>
+        </p:spPr>
+        <p:txBody>
+          <a:bodyPr rot="0" spcFirstLastPara="0" vertOverflow="overflow" horzOverflow="overflow" vert="horz" wrap="square" lIns="91440" tIns="45720" rIns="91440" bIns="45720" numCol="1" spcCol="0" rtlCol="0" fromWordArt="0" anchor="t" anchorCtr="0" forceAA="0" compatLnSpc="1">
+            <a:prstTxWarp prst="textNoShape">
+              <a:avLst/>
+            </a:prstTxWarp>
+            <a:spAutoFit/>
+          </a:bodyPr>
+          <a:lstStyle/>
+          <a:p>
+            <a:r>
+              <a:rPr lang="en-GB" dirty="0"/>
+              <a:t>Using the following algorithm on R, we compute the value to be approximately </a:t>
+            </a:r>
+            <a:r>
+              <a:rPr lang="en-GB" dirty="0">
+                <a:ea typeface="+mn-lt"/>
+                <a:cs typeface="+mn-lt"/>
+              </a:rPr>
+              <a:t>0.5039177.</a:t>
+            </a:r>
+            <a:endParaRPr lang="en-GB" dirty="0"/>
+          </a:p>
+        </p:txBody>
+      </p:sp>
+      <p:pic>
+        <p:nvPicPr>
+          <p:cNvPr id="3" name="Picture 2" descr="A screen shot of a computer code&#10;&#10;AI-generated content may be incorrect.">
+            <a:extLst>
+              <a:ext uri="{FF2B5EF4-FFF2-40B4-BE49-F238E27FC236}">
+                <a16:creationId xmlns:a16="http://schemas.microsoft.com/office/drawing/2014/main" id="{4DA57EBD-9E99-54CD-BEA4-337CE9EC3669}"/>
+              </a:ext>
+            </a:extLst>
+          </p:cNvPr>
+          <p:cNvPicPr>
+            <a:picLocks noChangeAspect="1"/>
+          </p:cNvPicPr>
+          <p:nvPr/>
+        </p:nvPicPr>
+        <p:blipFill>
+          <a:blip r:embed="rId2"/>
+          <a:stretch>
+            <a:fillRect/>
+          </a:stretch>
+        </p:blipFill>
+        <p:spPr>
+          <a:xfrm>
+            <a:off x="472592" y="2335489"/>
+            <a:ext cx="10584208" cy="2893806"/>
+          </a:xfrm>
+          <a:prstGeom prst="rect">
+            <a:avLst/>
+          </a:prstGeom>
+        </p:spPr>
+      </p:pic>
+      <p:sp>
+        <p:nvSpPr>
+          <p:cNvPr id="7" name="TextBox 6">
+            <a:extLst>
+              <a:ext uri="{FF2B5EF4-FFF2-40B4-BE49-F238E27FC236}">
+                <a16:creationId xmlns:a16="http://schemas.microsoft.com/office/drawing/2014/main" id="{2A078F5A-F1AE-4F2C-D475-F7702E71EB37}"/>
+              </a:ext>
+            </a:extLst>
+          </p:cNvPr>
+          <p:cNvSpPr txBox="1"/>
+          <p:nvPr/>
+        </p:nvSpPr>
+        <p:spPr>
+          <a:xfrm>
+            <a:off x="452694" y="5506687"/>
+            <a:ext cx="10915374" cy="646331"/>
+          </a:xfrm>
+          <a:prstGeom prst="rect">
+            <a:avLst/>
+          </a:prstGeom>
+          <a:noFill/>
+        </p:spPr>
+        <p:txBody>
+          <a:bodyPr rot="0" spcFirstLastPara="0" vertOverflow="overflow" horzOverflow="overflow" vert="horz" wrap="square" lIns="91440" tIns="45720" rIns="91440" bIns="45720" numCol="1" spcCol="0" rtlCol="0" fromWordArt="0" anchor="t" anchorCtr="0" forceAA="0" compatLnSpc="1">
+            <a:prstTxWarp prst="textNoShape">
+              <a:avLst/>
+            </a:prstTxWarp>
+            <a:spAutoFit/>
+          </a:bodyPr>
+          <a:lstStyle/>
+          <a:p>
+            <a:r>
+              <a:rPr lang="en-GB" dirty="0"/>
+              <a:t>The approximate value is </a:t>
+            </a:r>
+            <a:r>
+              <a:rPr lang="en-GB" dirty="0">
+                <a:ea typeface="+mn-lt"/>
+                <a:cs typeface="+mn-lt"/>
+              </a:rPr>
+              <a:t>0.5040670619 according to Wolfram Alpha, meaning that our approximation is correct to 3 significant figures. If we had used a larger sample, we would get an even better approximation.</a:t>
+            </a:r>
+            <a:endParaRPr lang="en-GB" dirty="0"/>
+          </a:p>
+        </p:txBody>
+      </p:sp>
+    </p:spTree>
+    <p:extLst>
+      <p:ext uri="{BB962C8B-B14F-4D97-AF65-F5344CB8AC3E}">
+        <p14:creationId xmlns:p14="http://schemas.microsoft.com/office/powerpoint/2010/main" val="3200321200"/>
+      </p:ext>
+    </p:extLst>
+  </p:cSld>
+  <p:clrMapOvr>
+    <a:masterClrMapping/>
+  </p:clrMapOvr>
+</p:sld>
+</file>
+
+<file path=ppt/slides/slide9.xml><?xml version="1.0" encoding="utf-8"?>
+<p:sld xmlns:a="http://schemas.openxmlformats.org/drawingml/2006/main" xmlns:r="http://schemas.openxmlformats.org/officeDocument/2006/relationships" xmlns:p="http://schemas.openxmlformats.org/presentationml/2006/main">
+  <p:cSld>
+    <p:spTree>
+      <p:nvGrpSpPr>
+        <p:cNvPr id="1" name=""/>
+        <p:cNvGrpSpPr/>
+        <p:nvPr/>
+      </p:nvGrpSpPr>
+      <p:grpSpPr>
+        <a:xfrm>
+          <a:off x="0" y="0"/>
+          <a:ext cx="0" cy="0"/>
+          <a:chOff x="0" y="0"/>
+          <a:chExt cx="0" cy="0"/>
+        </a:xfrm>
+      </p:grpSpPr>
+      <p:sp>
+        <p:nvSpPr>
+          <p:cNvPr id="2" name="Title 1">
+            <a:extLst>
+              <a:ext uri="{FF2B5EF4-FFF2-40B4-BE49-F238E27FC236}">
+                <a16:creationId xmlns:a16="http://schemas.microsoft.com/office/drawing/2014/main" id="{6BB89EFA-1C23-D1A8-6368-855CF3192D8B}"/>
+              </a:ext>
+            </a:extLst>
+          </p:cNvPr>
+          <p:cNvSpPr>
+            <a:spLocks noGrp="1"/>
+          </p:cNvSpPr>
+          <p:nvPr>
+            <p:ph type="title"/>
+          </p:nvPr>
+        </p:nvSpPr>
+        <p:spPr/>
+        <p:txBody>
+          <a:bodyPr/>
+          <a:lstStyle/>
+          <a:p>
+            <a:r>
+              <a:rPr lang="en-GB" dirty="0"/>
+              <a:t>Evaluating an integral using monte </a:t>
+            </a:r>
+            <a:r>
+              <a:rPr lang="en-GB" dirty="0" err="1"/>
+              <a:t>carlo</a:t>
+            </a:r>
+            <a:r>
+              <a:rPr lang="en-GB" dirty="0"/>
+              <a:t> integration </a:t>
+            </a:r>
+          </a:p>
+        </p:txBody>
+      </p:sp>
+      <p:grpSp>
+        <p:nvGrpSpPr>
+          <p:cNvPr id="3" name="Group 2">
+            <a:extLst>
+              <a:ext uri="{FF2B5EF4-FFF2-40B4-BE49-F238E27FC236}">
+                <a16:creationId xmlns:a16="http://schemas.microsoft.com/office/drawing/2014/main" id="{B2B0C817-53E5-438E-5ADE-1AA4670B8C76}"/>
+              </a:ext>
+            </a:extLst>
+          </p:cNvPr>
+          <p:cNvGrpSpPr/>
+          <p:nvPr/>
+        </p:nvGrpSpPr>
+        <p:grpSpPr>
+          <a:xfrm>
+            <a:off x="581192" y="3707216"/>
+            <a:ext cx="11029616" cy="4575612"/>
+            <a:chOff x="581192" y="2340429"/>
+            <a:chExt cx="11029616" cy="4575612"/>
+          </a:xfrm>
+        </p:grpSpPr>
+        <p:sp>
+          <p:nvSpPr>
+            <p:cNvPr id="6" name="TextBox 5">
+              <a:extLst>
+                <a:ext uri="{FF2B5EF4-FFF2-40B4-BE49-F238E27FC236}">
+                  <a16:creationId xmlns:a16="http://schemas.microsoft.com/office/drawing/2014/main" id="{6EE64218-386C-2C06-B9AD-3DF249F93D7E}"/>
+                </a:ext>
+              </a:extLst>
+            </p:cNvPr>
+            <p:cNvSpPr txBox="1"/>
+            <p:nvPr/>
+          </p:nvSpPr>
+          <p:spPr>
+            <a:xfrm>
+              <a:off x="581192" y="2340429"/>
+              <a:ext cx="6566473" cy="4575612"/>
+            </a:xfrm>
+            <a:prstGeom prst="rect">
+              <a:avLst/>
+            </a:prstGeom>
+            <a:noFill/>
+          </p:spPr>
+          <p:txBody>
+            <a:bodyPr wrap="square" rtlCol="0">
+              <a:spAutoFit/>
+            </a:bodyPr>
+            <a:lstStyle/>
+            <a:p>
+              <a:pPr marL="285750" indent="-285750">
+                <a:buFont typeface="Arial" panose="020B0604020202020204" pitchFamily="34" charset="0"/>
+                <a:buChar char="•"/>
+              </a:pPr>
+              <a:r>
+                <a:rPr lang="en-GB" sz="2000" dirty="0"/>
+                <a:t>Uses the formula X</a:t>
+              </a:r>
+              <a:r>
+                <a:rPr lang="en-GB" sz="2000" baseline="-25000" dirty="0"/>
+                <a:t>n+1</a:t>
+              </a:r>
+              <a:r>
+                <a:rPr lang="en-GB" sz="2000" dirty="0"/>
+                <a:t> = </a:t>
+              </a:r>
+              <a:r>
+                <a:rPr lang="en-GB" sz="2000" dirty="0" err="1"/>
+                <a:t>aX</a:t>
+              </a:r>
+              <a:r>
+                <a:rPr lang="en-GB" sz="2000" baseline="-25000" dirty="0" err="1"/>
+                <a:t>n</a:t>
+              </a:r>
+              <a:r>
+                <a:rPr lang="en-GB" sz="2000" dirty="0"/>
+                <a:t> + d (mod m)</a:t>
+              </a:r>
+            </a:p>
+            <a:p>
+              <a:endParaRPr lang="en-GB" sz="2000" dirty="0"/>
+            </a:p>
+            <a:p>
+              <a:r>
+                <a:rPr lang="en-GB" sz="2000" dirty="0">
+                  <a:ea typeface="Calibri" panose="020F0502020204030204" pitchFamily="34" charset="0"/>
+                  <a:cs typeface="Calibri" panose="020F0502020204030204" pitchFamily="34" charset="0"/>
+                </a:rPr>
+                <a:t>For a full period:</a:t>
+              </a:r>
+            </a:p>
+            <a:p>
+              <a:pPr marL="285750" indent="-285750">
+                <a:buFont typeface="Arial" panose="020B0604020202020204" pitchFamily="34" charset="0"/>
+                <a:buChar char="•"/>
+              </a:pPr>
+              <a:r>
+                <a:rPr lang="en-GB" sz="2000" dirty="0">
+                  <a:ea typeface="Calibri" panose="020F0502020204030204" pitchFamily="34" charset="0"/>
+                  <a:cs typeface="Calibri" panose="020F0502020204030204" pitchFamily="34" charset="0"/>
+                </a:rPr>
+                <a:t>d and m must be coprime</a:t>
+              </a:r>
+            </a:p>
+            <a:p>
+              <a:pPr marL="285750" indent="-285750">
+                <a:buFont typeface="Arial" panose="020B0604020202020204" pitchFamily="34" charset="0"/>
+                <a:buChar char="•"/>
+              </a:pPr>
+              <a:r>
+                <a:rPr lang="en-GB" sz="2000" dirty="0">
+                  <a:ea typeface="Calibri" panose="020F0502020204030204" pitchFamily="34" charset="0"/>
+                  <a:cs typeface="Calibri" panose="020F0502020204030204" pitchFamily="34" charset="0"/>
+                </a:rPr>
+                <a:t>a-</a:t>
+              </a:r>
+              <a:r>
+                <a:rPr lang="en-GB" sz="2000" dirty="0">
+                  <a:latin typeface="Calibri" panose="020F0502020204030204" pitchFamily="34" charset="0"/>
+                  <a:ea typeface="Calibri" panose="020F0502020204030204" pitchFamily="34" charset="0"/>
+                  <a:cs typeface="Calibri" panose="020F0502020204030204" pitchFamily="34" charset="0"/>
+                </a:rPr>
+                <a:t>1 </a:t>
+              </a:r>
+              <a:r>
+                <a:rPr lang="en-GB" sz="2000" dirty="0">
+                  <a:ea typeface="Calibri" panose="020F0502020204030204" pitchFamily="34" charset="0"/>
+                  <a:cs typeface="Calibri" panose="020F0502020204030204" pitchFamily="34" charset="0"/>
+                </a:rPr>
+                <a:t>is divisible by all prime factors of m</a:t>
+              </a:r>
+            </a:p>
+            <a:p>
+              <a:pPr marL="285750" indent="-285750">
+                <a:buFont typeface="Arial" panose="020B0604020202020204" pitchFamily="34" charset="0"/>
+                <a:buChar char="•"/>
+              </a:pPr>
+              <a:r>
+                <a:rPr lang="en-GB" sz="2000" dirty="0">
+                  <a:ea typeface="Calibri" panose="020F0502020204030204" pitchFamily="34" charset="0"/>
+                  <a:cs typeface="Calibri" panose="020F0502020204030204" pitchFamily="34" charset="0"/>
+                </a:rPr>
+                <a:t>If 4 divides m then </a:t>
+              </a:r>
+              <a:r>
+                <a:rPr lang="en-GB" sz="2000" dirty="0">
+                  <a:latin typeface="Calibri" panose="020F0502020204030204" pitchFamily="34" charset="0"/>
+                  <a:ea typeface="Calibri" panose="020F0502020204030204" pitchFamily="34" charset="0"/>
+                  <a:cs typeface="Calibri" panose="020F0502020204030204" pitchFamily="34" charset="0"/>
+                </a:rPr>
+                <a:t>a-1 </a:t>
+              </a:r>
+              <a:r>
+                <a:rPr lang="en-GB" sz="2000" dirty="0">
+                  <a:ea typeface="Calibri" panose="020F0502020204030204" pitchFamily="34" charset="0"/>
+                  <a:cs typeface="Calibri" panose="020F0502020204030204" pitchFamily="34" charset="0"/>
+                </a:rPr>
+                <a:t>must also be divisible by 4</a:t>
+              </a:r>
+            </a:p>
+            <a:p>
+              <a:r>
+                <a:rPr lang="en-GB" sz="2000" dirty="0">
+                  <a:latin typeface="Calibri" panose="020F0502020204030204" pitchFamily="34" charset="0"/>
+                  <a:ea typeface="Calibri" panose="020F0502020204030204" pitchFamily="34" charset="0"/>
+                  <a:cs typeface="Calibri" panose="020F0502020204030204" pitchFamily="34" charset="0"/>
+                </a:rPr>
+                <a:t>(Hull-Dobell theorem, 1962)</a:t>
+              </a:r>
+            </a:p>
+            <a:p>
+              <a:endParaRPr lang="en-GB" sz="2000" dirty="0">
+                <a:latin typeface="Calibri" panose="020F0502020204030204" pitchFamily="34" charset="0"/>
+                <a:ea typeface="Calibri" panose="020F0502020204030204" pitchFamily="34" charset="0"/>
+                <a:cs typeface="Calibri" panose="020F0502020204030204" pitchFamily="34" charset="0"/>
+              </a:endParaRPr>
+            </a:p>
+            <a:p>
+              <a:r>
+                <a:rPr lang="en-GB" sz="2000" dirty="0">
+                  <a:latin typeface="Calibri" panose="020F0502020204030204" pitchFamily="34" charset="0"/>
+                  <a:ea typeface="Calibri" panose="020F0502020204030204" pitchFamily="34" charset="0"/>
+                  <a:cs typeface="Calibri" panose="020F0502020204030204" pitchFamily="34" charset="0"/>
+                </a:rPr>
+                <a:t>Generally, we pick a = 1664525, d = 1013904223 and m = 2</a:t>
+              </a:r>
+              <a:r>
+                <a:rPr lang="en-GB" sz="2000" baseline="30000" dirty="0">
+                  <a:latin typeface="Calibri" panose="020F0502020204030204" pitchFamily="34" charset="0"/>
+                  <a:ea typeface="Calibri" panose="020F0502020204030204" pitchFamily="34" charset="0"/>
+                  <a:cs typeface="Calibri" panose="020F0502020204030204" pitchFamily="34" charset="0"/>
+                </a:rPr>
+                <a:t>32</a:t>
+              </a:r>
+            </a:p>
+            <a:p>
+              <a:endParaRPr lang="en-GB" sz="2000" dirty="0">
+                <a:latin typeface="Calibri" panose="020F0502020204030204" pitchFamily="34" charset="0"/>
+                <a:ea typeface="Calibri" panose="020F0502020204030204" pitchFamily="34" charset="0"/>
+                <a:cs typeface="Calibri" panose="020F0502020204030204" pitchFamily="34" charset="0"/>
+              </a:endParaRPr>
+            </a:p>
+            <a:p>
+              <a:endParaRPr lang="en-GB" sz="2000" dirty="0">
+                <a:latin typeface="Calibri" panose="020F0502020204030204" pitchFamily="34" charset="0"/>
+                <a:ea typeface="Calibri" panose="020F0502020204030204" pitchFamily="34" charset="0"/>
+                <a:cs typeface="Calibri" panose="020F0502020204030204" pitchFamily="34" charset="0"/>
+              </a:endParaRPr>
+            </a:p>
+            <a:p>
+              <a:pPr marL="285750" indent="-285750">
+                <a:buFont typeface="Arial" panose="020B0604020202020204" pitchFamily="34" charset="0"/>
+                <a:buChar char="•"/>
+              </a:pPr>
+              <a:endParaRPr lang="en-GB" sz="2000" dirty="0"/>
+            </a:p>
+            <a:p>
+              <a:pPr marL="285750" indent="-285750">
+                <a:buFont typeface="Arial" panose="020B0604020202020204" pitchFamily="34" charset="0"/>
+                <a:buChar char="•"/>
+              </a:pPr>
+              <a:endParaRPr lang="en-GB" sz="2000" dirty="0"/>
+            </a:p>
+            <a:p>
+              <a:endParaRPr lang="en-GB" sz="2000" baseline="-25000" dirty="0"/>
+            </a:p>
+            <a:p>
+              <a:endParaRPr lang="en-GB" sz="2000" dirty="0"/>
+            </a:p>
+          </p:txBody>
+        </p:sp>
+        <p:sp>
+          <p:nvSpPr>
+            <p:cNvPr id="8" name="TextBox 7">
+              <a:extLst>
+                <a:ext uri="{FF2B5EF4-FFF2-40B4-BE49-F238E27FC236}">
+                  <a16:creationId xmlns:a16="http://schemas.microsoft.com/office/drawing/2014/main" id="{0642219C-FC40-F473-4AFC-F941550A80F6}"/>
+                </a:ext>
+              </a:extLst>
+            </p:cNvPr>
+            <p:cNvSpPr txBox="1"/>
+            <p:nvPr/>
+          </p:nvSpPr>
+          <p:spPr>
+            <a:xfrm>
+              <a:off x="7147665" y="2688771"/>
+              <a:ext cx="4463143" cy="2554545"/>
+            </a:xfrm>
+            <a:prstGeom prst="rect">
+              <a:avLst/>
+            </a:prstGeom>
+            <a:noFill/>
+          </p:spPr>
+          <p:txBody>
+            <a:bodyPr wrap="square" rtlCol="0">
+              <a:spAutoFit/>
+            </a:bodyPr>
+            <a:lstStyle/>
+            <a:p>
+              <a:r>
+                <a:rPr lang="en-GB" sz="2000" dirty="0"/>
+                <a:t>X</a:t>
+              </a:r>
+              <a:r>
+                <a:rPr lang="en-GB" sz="2000" baseline="-25000" dirty="0"/>
+                <a:t>0 </a:t>
+              </a:r>
+              <a:r>
+                <a:rPr lang="en-GB" sz="2000" dirty="0"/>
+                <a:t>is the seed for the congruential generator.</a:t>
+              </a:r>
+            </a:p>
+            <a:p>
+              <a:endParaRPr lang="en-GB" sz="2000" dirty="0"/>
+            </a:p>
+            <a:p>
+              <a:r>
+                <a:rPr lang="en-GB" sz="2000" dirty="0"/>
+                <a:t>Keeping X</a:t>
+              </a:r>
+              <a:r>
+                <a:rPr lang="en-GB" sz="2000" baseline="-25000" dirty="0"/>
+                <a:t>0 </a:t>
+              </a:r>
+              <a:r>
+                <a:rPr lang="en-GB" sz="2000" dirty="0"/>
+                <a:t>the same gives reproducible samples.</a:t>
+              </a:r>
+            </a:p>
+            <a:p>
+              <a:endParaRPr lang="en-GB" sz="2000" dirty="0"/>
+            </a:p>
+            <a:p>
+              <a:r>
+                <a:rPr lang="en-GB" sz="2000" dirty="0"/>
+                <a:t>Changing X</a:t>
+              </a:r>
+              <a:r>
+                <a:rPr lang="en-GB" sz="2000" baseline="-25000" dirty="0"/>
+                <a:t>0 </a:t>
+              </a:r>
+              <a:r>
+                <a:rPr lang="en-GB" sz="2000" dirty="0"/>
+                <a:t>changes the values given by the congruential generator.</a:t>
+              </a:r>
+            </a:p>
+          </p:txBody>
+        </p:sp>
+      </p:grpSp>
+      <p:sp>
+        <p:nvSpPr>
+          <p:cNvPr id="4" name="TextBox 3">
+            <a:extLst>
+              <a:ext uri="{FF2B5EF4-FFF2-40B4-BE49-F238E27FC236}">
+                <a16:creationId xmlns:a16="http://schemas.microsoft.com/office/drawing/2014/main" id="{2C3BEF14-950F-A25A-5FC8-9519746A850F}"/>
+              </a:ext>
+            </a:extLst>
+          </p:cNvPr>
+          <p:cNvSpPr txBox="1"/>
+          <p:nvPr/>
+        </p:nvSpPr>
+        <p:spPr>
+          <a:xfrm>
+            <a:off x="581192" y="2059806"/>
+            <a:ext cx="11029616" cy="369332"/>
+          </a:xfrm>
+          <a:prstGeom prst="rect">
+            <a:avLst/>
+          </a:prstGeom>
+          <a:noFill/>
+        </p:spPr>
+        <p:txBody>
+          <a:bodyPr wrap="square" rtlCol="0">
+            <a:spAutoFit/>
+          </a:bodyPr>
+          <a:lstStyle/>
+          <a:p>
+            <a:r>
+              <a:rPr lang="en-GB" dirty="0"/>
+              <a:t>We investigated using different methods of sampling from a uniform distribution.</a:t>
+            </a:r>
+          </a:p>
+        </p:txBody>
+      </p:sp>
+    </p:spTree>
+    <p:extLst>
+      <p:ext uri="{BB962C8B-B14F-4D97-AF65-F5344CB8AC3E}">
+        <p14:creationId xmlns:p14="http://schemas.microsoft.com/office/powerpoint/2010/main" val="2395080859"/>
+      </p:ext>
+    </p:extLst>
+  </p:cSld>
+  <p:clrMapOvr>
+    <a:masterClrMapping/>
+  </p:clrMapOvr>
+</p:sld>
+</file>
+
 <file path=ppt/theme/theme1.xml><?xml version="1.0" encoding="utf-8"?>
 <a:theme xmlns:a="http://schemas.openxmlformats.org/drawingml/2006/main" name="Dividend">
   <a:themeElements>

--- a/presentation.pptx
+++ b/presentation.pptx
@@ -223,7 +223,7 @@
           <a:p>
             <a:fld id="{C19C6AA7-44A4-1C4E-A020-E698FF67B3A6}" type="datetimeFigureOut">
               <a:rPr lang="en-GB" smtClean="0"/>
-              <a:t>21/04/2025</a:t>
+              <a:t>22/04/2025</a:t>
             </a:fld>
             <a:endParaRPr lang="en-GB"/>
           </a:p>
@@ -736,7 +736,7 @@
             <a:fld id="{B61BEF0D-F0BB-DE4B-95CE-6DB70DBA9567}" type="datetimeFigureOut">
               <a:rPr lang="en-US" dirty="0"/>
               <a:pPr/>
-              <a:t>4/21/25</a:t>
+              <a:t>4/22/2025</a:t>
             </a:fld>
             <a:endParaRPr lang="en-US"/>
           </a:p>
@@ -995,7 +995,7 @@
             <a:fld id="{B61BEF0D-F0BB-DE4B-95CE-6DB70DBA9567}" type="datetimeFigureOut">
               <a:rPr lang="en-US" dirty="0"/>
               <a:pPr/>
-              <a:t>4/21/25</a:t>
+              <a:t>4/22/2025</a:t>
             </a:fld>
             <a:endParaRPr lang="en-US"/>
           </a:p>
@@ -1227,7 +1227,7 @@
             <a:fld id="{B61BEF0D-F0BB-DE4B-95CE-6DB70DBA9567}" type="datetimeFigureOut">
               <a:rPr lang="en-US" dirty="0"/>
               <a:pPr/>
-              <a:t>4/21/25</a:t>
+              <a:t>4/22/2025</a:t>
             </a:fld>
             <a:endParaRPr lang="en-US"/>
           </a:p>
@@ -1464,7 +1464,7 @@
             <a:fld id="{B61BEF0D-F0BB-DE4B-95CE-6DB70DBA9567}" type="datetimeFigureOut">
               <a:rPr lang="en-US" dirty="0"/>
               <a:pPr/>
-              <a:t>4/21/25</a:t>
+              <a:t>4/22/2025</a:t>
             </a:fld>
             <a:endParaRPr lang="en-US"/>
           </a:p>
@@ -1768,7 +1768,7 @@
             <a:fld id="{B61BEF0D-F0BB-DE4B-95CE-6DB70DBA9567}" type="datetimeFigureOut">
               <a:rPr lang="en-US" dirty="0"/>
               <a:pPr/>
-              <a:t>4/21/25</a:t>
+              <a:t>4/22/2025</a:t>
             </a:fld>
             <a:endParaRPr lang="en-US"/>
           </a:p>
@@ -2067,7 +2067,7 @@
             <a:fld id="{B61BEF0D-F0BB-DE4B-95CE-6DB70DBA9567}" type="datetimeFigureOut">
               <a:rPr lang="en-US" dirty="0"/>
               <a:pPr/>
-              <a:t>4/21/25</a:t>
+              <a:t>4/22/2025</a:t>
             </a:fld>
             <a:endParaRPr lang="en-US"/>
           </a:p>
@@ -2486,7 +2486,7 @@
             <a:fld id="{B61BEF0D-F0BB-DE4B-95CE-6DB70DBA9567}" type="datetimeFigureOut">
               <a:rPr lang="en-US" dirty="0"/>
               <a:pPr/>
-              <a:t>4/21/25</a:t>
+              <a:t>4/22/2025</a:t>
             </a:fld>
             <a:endParaRPr lang="en-US"/>
           </a:p>
@@ -2645,7 +2645,7 @@
             <a:fld id="{B61BEF0D-F0BB-DE4B-95CE-6DB70DBA9567}" type="datetimeFigureOut">
               <a:rPr lang="en-US" dirty="0"/>
               <a:pPr/>
-              <a:t>4/21/25</a:t>
+              <a:t>4/22/2025</a:t>
             </a:fld>
             <a:endParaRPr lang="en-US"/>
           </a:p>
@@ -2737,7 +2737,7 @@
             <a:fld id="{B61BEF0D-F0BB-DE4B-95CE-6DB70DBA9567}" type="datetimeFigureOut">
               <a:rPr lang="en-US" dirty="0"/>
               <a:pPr/>
-              <a:t>4/21/25</a:t>
+              <a:t>4/22/2025</a:t>
             </a:fld>
             <a:endParaRPr lang="en-US"/>
           </a:p>
@@ -3112,7 +3112,7 @@
             <a:fld id="{B61BEF0D-F0BB-DE4B-95CE-6DB70DBA9567}" type="datetimeFigureOut">
               <a:rPr lang="en-US" dirty="0"/>
               <a:pPr/>
-              <a:t>4/21/25</a:t>
+              <a:t>4/22/2025</a:t>
             </a:fld>
             <a:endParaRPr lang="en-US"/>
           </a:p>
@@ -3398,7 +3398,7 @@
             <a:fld id="{B61BEF0D-F0BB-DE4B-95CE-6DB70DBA9567}" type="datetimeFigureOut">
               <a:rPr lang="en-US" dirty="0"/>
               <a:pPr/>
-              <a:t>4/21/25</a:t>
+              <a:t>4/22/2025</a:t>
             </a:fld>
             <a:endParaRPr lang="en-US"/>
           </a:p>
@@ -3606,7 +3606,7 @@
             <a:fld id="{B61BEF0D-F0BB-DE4B-95CE-6DB70DBA9567}" type="datetimeFigureOut">
               <a:rPr lang="en-US" dirty="0"/>
               <a:pPr/>
-              <a:t>4/21/25</a:t>
+              <a:t>4/22/2025</a:t>
             </a:fld>
             <a:endParaRPr lang="en-US"/>
           </a:p>
@@ -4411,7 +4411,7 @@
         </p:blipFill>
         <p:spPr>
           <a:xfrm>
-            <a:off x="4500049" y="1930301"/>
+            <a:off x="581192" y="1985165"/>
             <a:ext cx="7110759" cy="4290059"/>
           </a:xfrm>
           <a:prstGeom prst="rect">
@@ -4433,8 +4433,8 @@
         </p:nvSpPr>
         <p:spPr>
           <a:xfrm>
-            <a:off x="581192" y="3043990"/>
-            <a:ext cx="3918857" cy="1292662"/>
+            <a:off x="7691951" y="3013517"/>
+            <a:ext cx="3918857" cy="1128514"/>
           </a:xfrm>
           <a:prstGeom prst="rect">
             <a:avLst/>
@@ -4448,29 +4448,73 @@
           <a:lstStyle/>
           <a:p>
             <a:r>
-              <a:rPr lang="en-GB" sz="2000" dirty="0"/>
-              <a:t>Uniform is more accurate across all sample ranges as the LCG plateaus in accuracy past </a:t>
-            </a:r>
-            <a:r>
-              <a:rPr lang="en-GB" sz="2000" dirty="0">
-                <a:latin typeface="Calibri" panose="020F0502020204030204" pitchFamily="34" charset="0"/>
+              <a:rPr lang="en-GB" dirty="0"/>
+              <a:t>Using </a:t>
+            </a:r>
+            <a:r>
+              <a:rPr lang="en-GB" dirty="0" err="1"/>
+              <a:t>runif</a:t>
+            </a:r>
+            <a:r>
+              <a:rPr lang="en-GB" dirty="0"/>
+              <a:t> in R is more accurate across all sample ranges as the LCG plateaus in accuracy past </a:t>
+            </a:r>
+            <a:r>
+              <a:rPr lang="en-GB" dirty="0">
                 <a:ea typeface="Calibri" panose="020F0502020204030204" pitchFamily="34" charset="0"/>
                 <a:cs typeface="Calibri" panose="020F0502020204030204" pitchFamily="34" charset="0"/>
               </a:rPr>
               <a:t>1x10</a:t>
             </a:r>
             <a:r>
-              <a:rPr lang="en-GB" sz="2000" baseline="30000" dirty="0">
-                <a:latin typeface="Calibri" panose="020F0502020204030204" pitchFamily="34" charset="0"/>
+              <a:rPr lang="en-GB" baseline="30000" dirty="0">
                 <a:ea typeface="Calibri" panose="020F0502020204030204" pitchFamily="34" charset="0"/>
                 <a:cs typeface="Calibri" panose="020F0502020204030204" pitchFamily="34" charset="0"/>
               </a:rPr>
-              <a:t>5  </a:t>
-            </a:r>
-            <a:endParaRPr lang="en-GB" sz="2000" dirty="0"/>
-          </a:p>
-          <a:p>
-            <a:endParaRPr lang="en-GB" dirty="0"/>
+              <a:t>5</a:t>
+            </a:r>
+          </a:p>
+          <a:p>
+            <a:endParaRPr lang="en-GB" sz="2000" baseline="30000" dirty="0">
+              <a:latin typeface="Calibri" panose="020F0502020204030204" pitchFamily="34" charset="0"/>
+              <a:ea typeface="Calibri" panose="020F0502020204030204" pitchFamily="34" charset="0"/>
+              <a:cs typeface="Calibri" panose="020F0502020204030204" pitchFamily="34" charset="0"/>
+            </a:endParaRPr>
+          </a:p>
+        </p:txBody>
+      </p:sp>
+      <p:sp>
+        <p:nvSpPr>
+          <p:cNvPr id="3" name="TextBox 2">
+            <a:extLst>
+              <a:ext uri="{FF2B5EF4-FFF2-40B4-BE49-F238E27FC236}">
+                <a16:creationId xmlns:a16="http://schemas.microsoft.com/office/drawing/2014/main" id="{3FC7962F-90A9-15FE-CB38-D46EC7679DCB}"/>
+              </a:ext>
+            </a:extLst>
+          </p:cNvPr>
+          <p:cNvSpPr txBox="1"/>
+          <p:nvPr/>
+        </p:nvSpPr>
+        <p:spPr>
+          <a:xfrm>
+            <a:off x="7691951" y="3941716"/>
+            <a:ext cx="3918857" cy="1200329"/>
+          </a:xfrm>
+          <a:prstGeom prst="rect">
+            <a:avLst/>
+          </a:prstGeom>
+          <a:noFill/>
+        </p:spPr>
+        <p:txBody>
+          <a:bodyPr wrap="square" rtlCol="0">
+            <a:spAutoFit/>
+          </a:bodyPr>
+          <a:lstStyle/>
+          <a:p>
+            <a:r>
+              <a:rPr lang="en-GB" dirty="0"/>
+              <a:t>This could be due to floating point inaccuracies in our implementation, or due to correlations between samples of the LCG.</a:t>
+            </a:r>
           </a:p>
         </p:txBody>
       </p:sp>
@@ -6013,8 +6057,8 @@
           </p:sp>
         </mc:Fallback>
       </mc:AlternateContent>
-      <mc:AlternateContent xmlns:mc="http://schemas.openxmlformats.org/markup-compatibility/2006" xmlns:a14="http://schemas.microsoft.com/office/drawing/2010/main">
-        <mc:Choice Requires="a14">
+      <mc:AlternateContent xmlns:mc="http://schemas.openxmlformats.org/markup-compatibility/2006">
+        <mc:Choice xmlns:a14="http://schemas.microsoft.com/office/drawing/2010/main" Requires="a14">
           <p:sp>
             <p:nvSpPr>
               <p:cNvPr id="9" name="TextBox 8">
@@ -6110,6 +6154,15 @@
                           </m:r>
                         </m:e>
                       </m:d>
+                      <m:r>
+                        <m:rPr>
+                          <m:nor/>
+                        </m:rPr>
+                        <a:rPr lang="en-GB" b="0" i="0" smtClean="0">
+                          <a:latin typeface="Cambria Math" panose="02040503050406030204" pitchFamily="18" charset="0"/>
+                        </a:rPr>
+                        <m:t>]</m:t>
+                      </m:r>
                       <m:r>
                         <m:rPr>
                           <m:nor/>
@@ -6273,7 +6326,7 @@
             </p:txBody>
           </p:sp>
         </mc:Choice>
-        <mc:Fallback xmlns="">
+        <mc:Fallback>
           <p:sp>
             <p:nvSpPr>
               <p:cNvPr id="9" name="TextBox 8">
@@ -6299,7 +6352,7 @@
               <a:blipFill>
                 <a:blip r:embed="rId6"/>
                 <a:stretch>
-                  <a:fillRect t="-116393" b="-177049"/>
+                  <a:fillRect/>
                 </a:stretch>
               </a:blipFill>
             </p:spPr>
@@ -6788,7 +6841,7 @@
         <p:spPr>
           <a:xfrm>
             <a:off x="8815606" y="5144376"/>
-            <a:ext cx="2795202" cy="1200329"/>
+            <a:ext cx="2795202" cy="1477328"/>
           </a:xfrm>
           <a:prstGeom prst="rect">
             <a:avLst/>
@@ -6819,7 +6872,7 @@
             </a:r>
             <a:r>
               <a:rPr lang="en-GB" dirty="0"/>
-              <a:t> are italicised as notion of a ball in dimensions higher than 3 is very difficult to grasp.</a:t>
+              <a:t> are italicised as the notion of a ball in dimensions higher than 3 is very difficult to grasp.</a:t>
             </a:r>
           </a:p>
         </p:txBody>
@@ -9788,7 +9841,7 @@
           <a:p>
             <a:r>
               <a:rPr lang="en-GB" dirty="0"/>
-              <a:t>For a function g(x) that might be difficult to integrate using traditional methods,</a:t>
+              <a:t>For a function g(x),</a:t>
             </a:r>
           </a:p>
         </p:txBody>
@@ -10668,7 +10721,7 @@
           <a:p>
             <a:r>
               <a:rPr lang="en-GB" dirty="0"/>
-              <a:t>b) We are then asked to use Monte Carlo integration to estimate the integral of sin(1/x) between 0 and 1. Since this function is undefined at x=0, we can use a lower bound very close to zero and still get a good estimate. </a:t>
+              <a:t>b) We are then asked to use Monte Carlo integration to estimate the integral of sin(1/x) between 0 and 1. Since this function is undefined at x = 0, we can use a lower bound very close to zero and still get a good estimate. </a:t>
             </a:r>
           </a:p>
         </p:txBody>
@@ -10906,7 +10959,7 @@
           <a:p>
             <a:r>
               <a:rPr lang="en-GB" dirty="0"/>
-              <a:t>Using the following algorithm on R, we compute the value to be approximately </a:t>
+              <a:t>Using the following algorithm in R, we compute the value to be approximately </a:t>
             </a:r>
             <a:r>
               <a:rPr lang="en-GB" dirty="0">
@@ -11075,10 +11128,10 @@
         </p:nvGrpSpPr>
         <p:grpSpPr>
           <a:xfrm>
-            <a:off x="581192" y="3707216"/>
-            <a:ext cx="11029616" cy="4575612"/>
+            <a:off x="581192" y="2946560"/>
+            <a:ext cx="11029616" cy="3115912"/>
             <a:chOff x="581192" y="2340429"/>
-            <a:chExt cx="11029616" cy="4575612"/>
+            <a:chExt cx="11029616" cy="4883388"/>
           </a:xfrm>
         </p:grpSpPr>
         <p:sp>
@@ -11096,7 +11149,7 @@
           <p:spPr>
             <a:xfrm>
               <a:off x="581192" y="2340429"/>
-              <a:ext cx="6566473" cy="4575612"/>
+              <a:ext cx="6566473" cy="4883388"/>
             </a:xfrm>
             <a:prstGeom prst="rect">
               <a:avLst/>
@@ -11109,41 +11162,49 @@
             </a:bodyPr>
             <a:lstStyle/>
             <a:p>
-              <a:pPr marL="285750" indent="-285750">
-                <a:buFont typeface="Arial" panose="020B0604020202020204" pitchFamily="34" charset="0"/>
-                <a:buChar char="•"/>
-              </a:pPr>
               <a:r>
-                <a:rPr lang="en-GB" sz="2000" dirty="0"/>
-                <a:t>Uses the formula X</a:t>
+                <a:rPr lang="en-GB" dirty="0"/>
+                <a:t>Using the recursive formula </a:t>
+              </a:r>
+            </a:p>
+            <a:p>
+              <a:r>
+                <a:rPr lang="en-GB" dirty="0"/>
+                <a:t>X</a:t>
               </a:r>
               <a:r>
-                <a:rPr lang="en-GB" sz="2000" baseline="-25000" dirty="0"/>
+                <a:rPr lang="en-GB" baseline="-25000" dirty="0"/>
                 <a:t>n+1</a:t>
               </a:r>
               <a:r>
-                <a:rPr lang="en-GB" sz="2000" dirty="0"/>
+                <a:rPr lang="en-GB" dirty="0"/>
                 <a:t> = </a:t>
               </a:r>
               <a:r>
-                <a:rPr lang="en-GB" sz="2000" dirty="0" err="1"/>
+                <a:rPr lang="en-GB" dirty="0" err="1"/>
                 <a:t>aX</a:t>
               </a:r>
               <a:r>
-                <a:rPr lang="en-GB" sz="2000" baseline="-25000" dirty="0" err="1"/>
+                <a:rPr lang="en-GB" baseline="-25000" dirty="0" err="1"/>
                 <a:t>n</a:t>
               </a:r>
               <a:r>
-                <a:rPr lang="en-GB" sz="2000" dirty="0"/>
+                <a:rPr lang="en-GB" dirty="0"/>
                 <a:t> + d (mod m)</a:t>
               </a:r>
             </a:p>
             <a:p>
-              <a:endParaRPr lang="en-GB" sz="2000" dirty="0"/>
+              <a:r>
+                <a:rPr lang="en-GB" dirty="0"/>
+                <a:t>we get pseudorandom samples of a uniform distribution.</a:t>
+              </a:r>
+            </a:p>
+            <a:p>
+              <a:endParaRPr lang="en-GB" dirty="0"/>
             </a:p>
             <a:p>
               <a:r>
-                <a:rPr lang="en-GB" sz="2000" dirty="0">
+                <a:rPr lang="en-GB" dirty="0">
                   <a:ea typeface="Calibri" panose="020F0502020204030204" pitchFamily="34" charset="0"/>
                   <a:cs typeface="Calibri" panose="020F0502020204030204" pitchFamily="34" charset="0"/>
                 </a:rPr>
@@ -11156,7 +11217,7 @@
                 <a:buChar char="•"/>
               </a:pPr>
               <a:r>
-                <a:rPr lang="en-GB" sz="2000" dirty="0">
+                <a:rPr lang="en-GB" dirty="0">
                   <a:ea typeface="Calibri" panose="020F0502020204030204" pitchFamily="34" charset="0"/>
                   <a:cs typeface="Calibri" panose="020F0502020204030204" pitchFamily="34" charset="0"/>
                 </a:rPr>
@@ -11169,14 +11230,14 @@
                 <a:buChar char="•"/>
               </a:pPr>
               <a:r>
-                <a:rPr lang="en-GB" sz="2000" dirty="0">
+                <a:rPr lang="en-GB" dirty="0">
                   <a:ea typeface="Calibri" panose="020F0502020204030204" pitchFamily="34" charset="0"/>
                   <a:cs typeface="Calibri" panose="020F0502020204030204" pitchFamily="34" charset="0"/>
                 </a:rPr>
                 <a:t>a-</a:t>
               </a:r>
               <a:r>
-                <a:rPr lang="en-GB" sz="2000" dirty="0">
+                <a:rPr lang="en-GB" dirty="0">
                   <a:latin typeface="Calibri" panose="020F0502020204030204" pitchFamily="34" charset="0"/>
                   <a:ea typeface="Calibri" panose="020F0502020204030204" pitchFamily="34" charset="0"/>
                   <a:cs typeface="Calibri" panose="020F0502020204030204" pitchFamily="34" charset="0"/>
@@ -11184,7 +11245,7 @@
                 <a:t>1 </a:t>
               </a:r>
               <a:r>
-                <a:rPr lang="en-GB" sz="2000" dirty="0">
+                <a:rPr lang="en-GB" dirty="0">
                   <a:ea typeface="Calibri" panose="020F0502020204030204" pitchFamily="34" charset="0"/>
                   <a:cs typeface="Calibri" panose="020F0502020204030204" pitchFamily="34" charset="0"/>
                 </a:rPr>
@@ -11197,14 +11258,14 @@
                 <a:buChar char="•"/>
               </a:pPr>
               <a:r>
-                <a:rPr lang="en-GB" sz="2000" dirty="0">
+                <a:rPr lang="en-GB" dirty="0">
                   <a:ea typeface="Calibri" panose="020F0502020204030204" pitchFamily="34" charset="0"/>
                   <a:cs typeface="Calibri" panose="020F0502020204030204" pitchFamily="34" charset="0"/>
                 </a:rPr>
                 <a:t>If 4 divides m then </a:t>
               </a:r>
               <a:r>
-                <a:rPr lang="en-GB" sz="2000" dirty="0">
+                <a:rPr lang="en-GB" dirty="0">
                   <a:latin typeface="Calibri" panose="020F0502020204030204" pitchFamily="34" charset="0"/>
                   <a:ea typeface="Calibri" panose="020F0502020204030204" pitchFamily="34" charset="0"/>
                   <a:cs typeface="Calibri" panose="020F0502020204030204" pitchFamily="34" charset="0"/>
@@ -11212,7 +11273,7 @@
                 <a:t>a-1 </a:t>
               </a:r>
               <a:r>
-                <a:rPr lang="en-GB" sz="2000" dirty="0">
+                <a:rPr lang="en-GB" dirty="0">
                   <a:ea typeface="Calibri" panose="020F0502020204030204" pitchFamily="34" charset="0"/>
                   <a:cs typeface="Calibri" panose="020F0502020204030204" pitchFamily="34" charset="0"/>
                 </a:rPr>
@@ -11221,7 +11282,7 @@
             </a:p>
             <a:p>
               <a:r>
-                <a:rPr lang="en-GB" sz="2000" dirty="0">
+                <a:rPr lang="en-GB" dirty="0">
                   <a:latin typeface="Calibri" panose="020F0502020204030204" pitchFamily="34" charset="0"/>
                   <a:ea typeface="Calibri" panose="020F0502020204030204" pitchFamily="34" charset="0"/>
                   <a:cs typeface="Calibri" panose="020F0502020204030204" pitchFamily="34" charset="0"/>
@@ -11230,7 +11291,7 @@
               </a:r>
             </a:p>
             <a:p>
-              <a:endParaRPr lang="en-GB" sz="2000" dirty="0">
+              <a:endParaRPr lang="en-GB" dirty="0">
                 <a:latin typeface="Calibri" panose="020F0502020204030204" pitchFamily="34" charset="0"/>
                 <a:ea typeface="Calibri" panose="020F0502020204030204" pitchFamily="34" charset="0"/>
                 <a:cs typeface="Calibri" panose="020F0502020204030204" pitchFamily="34" charset="0"/>
@@ -11238,7 +11299,7 @@
             </a:p>
             <a:p>
               <a:r>
-                <a:rPr lang="en-GB" sz="2000" dirty="0">
+                <a:rPr lang="en-GB" dirty="0">
                   <a:latin typeface="Calibri" panose="020F0502020204030204" pitchFamily="34" charset="0"/>
                   <a:ea typeface="Calibri" panose="020F0502020204030204" pitchFamily="34" charset="0"/>
                   <a:cs typeface="Calibri" panose="020F0502020204030204" pitchFamily="34" charset="0"/>
@@ -11246,12 +11307,20 @@
                 <a:t>Generally, we pick a = 1664525, d = 1013904223 and m = 2</a:t>
               </a:r>
               <a:r>
+                <a:rPr lang="en-GB" baseline="30000" dirty="0">
+                  <a:latin typeface="Calibri" panose="020F0502020204030204" pitchFamily="34" charset="0"/>
+                  <a:ea typeface="Calibri" panose="020F0502020204030204" pitchFamily="34" charset="0"/>
+                  <a:cs typeface="Calibri" panose="020F0502020204030204" pitchFamily="34" charset="0"/>
+                </a:rPr>
+                <a:t>3</a:t>
+              </a:r>
+              <a:r>
                 <a:rPr lang="en-GB" sz="2000" baseline="30000" dirty="0">
                   <a:latin typeface="Calibri" panose="020F0502020204030204" pitchFamily="34" charset="0"/>
                   <a:ea typeface="Calibri" panose="020F0502020204030204" pitchFamily="34" charset="0"/>
                   <a:cs typeface="Calibri" panose="020F0502020204030204" pitchFamily="34" charset="0"/>
                 </a:rPr>
-                <a:t>32</a:t>
+                <a:t>2</a:t>
               </a:r>
             </a:p>
             <a:p>
@@ -11305,7 +11374,7 @@
           <p:spPr>
             <a:xfrm>
               <a:off x="7147665" y="2688771"/>
-              <a:ext cx="4463143" cy="2554545"/>
+              <a:ext cx="4463143" cy="2031325"/>
             </a:xfrm>
             <a:prstGeom prst="rect">
               <a:avLst/>
@@ -11319,49 +11388,49 @@
             <a:lstStyle/>
             <a:p>
               <a:r>
-                <a:rPr lang="en-GB" sz="2000" dirty="0"/>
+                <a:rPr lang="en-GB" dirty="0"/>
                 <a:t>X</a:t>
               </a:r>
               <a:r>
-                <a:rPr lang="en-GB" sz="2000" baseline="-25000" dirty="0"/>
+                <a:rPr lang="en-GB" baseline="-25000" dirty="0"/>
                 <a:t>0 </a:t>
               </a:r>
               <a:r>
-                <a:rPr lang="en-GB" sz="2000" dirty="0"/>
+                <a:rPr lang="en-GB" dirty="0"/>
                 <a:t>is the seed for the congruential generator.</a:t>
               </a:r>
             </a:p>
             <a:p>
-              <a:endParaRPr lang="en-GB" sz="2000" dirty="0"/>
+              <a:endParaRPr lang="en-GB" dirty="0"/>
             </a:p>
             <a:p>
               <a:r>
-                <a:rPr lang="en-GB" sz="2000" dirty="0"/>
+                <a:rPr lang="en-GB" dirty="0"/>
                 <a:t>Keeping X</a:t>
               </a:r>
               <a:r>
-                <a:rPr lang="en-GB" sz="2000" baseline="-25000" dirty="0"/>
+                <a:rPr lang="en-GB" baseline="-25000" dirty="0"/>
                 <a:t>0 </a:t>
               </a:r>
               <a:r>
-                <a:rPr lang="en-GB" sz="2000" dirty="0"/>
+                <a:rPr lang="en-GB" dirty="0"/>
                 <a:t>the same gives reproducible samples.</a:t>
               </a:r>
             </a:p>
             <a:p>
-              <a:endParaRPr lang="en-GB" sz="2000" dirty="0"/>
+              <a:endParaRPr lang="en-GB" dirty="0"/>
             </a:p>
             <a:p>
               <a:r>
-                <a:rPr lang="en-GB" sz="2000" dirty="0"/>
+                <a:rPr lang="en-GB" dirty="0"/>
                 <a:t>Changing X</a:t>
               </a:r>
               <a:r>
-                <a:rPr lang="en-GB" sz="2000" baseline="-25000" dirty="0"/>
+                <a:rPr lang="en-GB" baseline="-25000" dirty="0"/>
                 <a:t>0 </a:t>
               </a:r>
               <a:r>
-                <a:rPr lang="en-GB" sz="2000" dirty="0"/>
+                <a:rPr lang="en-GB" dirty="0"/>
                 <a:t>changes the values given by the congruential generator.</a:t>
               </a:r>
             </a:p>
@@ -11383,7 +11452,7 @@
         <p:spPr>
           <a:xfrm>
             <a:off x="581192" y="2059806"/>
-            <a:ext cx="11029616" cy="369332"/>
+            <a:ext cx="11029616" cy="646331"/>
           </a:xfrm>
           <a:prstGeom prst="rect">
             <a:avLst/>
@@ -11398,7 +11467,15 @@
           <a:p>
             <a:r>
               <a:rPr lang="en-GB" dirty="0"/>
-              <a:t>We investigated using different methods of sampling from a uniform distribution.</a:t>
+              <a:t>We approximated the integral using two methods of sampling a uniform distribution, the </a:t>
+            </a:r>
+            <a:r>
+              <a:rPr lang="en-GB" dirty="0" err="1"/>
+              <a:t>runif</a:t>
+            </a:r>
+            <a:r>
+              <a:rPr lang="en-GB" dirty="0"/>
+              <a:t> function in R and a linear congruence generator:</a:t>
             </a:r>
           </a:p>
         </p:txBody>

--- a/presentation.pptx
+++ b/presentation.pptx
@@ -5,11 +5,11 @@
     <p:sldMasterId id="2147483648" r:id="rId1"/>
   </p:sldMasterIdLst>
   <p:notesMasterIdLst>
-    <p:notesMasterId r:id="rId20"/>
+    <p:notesMasterId r:id="rId21"/>
   </p:notesMasterIdLst>
   <p:sldIdLst>
     <p:sldId id="256" r:id="rId2"/>
-    <p:sldId id="265" r:id="rId3"/>
+    <p:sldId id="275" r:id="rId3"/>
     <p:sldId id="257" r:id="rId4"/>
     <p:sldId id="259" r:id="rId5"/>
     <p:sldId id="267" r:id="rId6"/>
@@ -25,7 +25,8 @@
     <p:sldId id="266" r:id="rId16"/>
     <p:sldId id="268" r:id="rId17"/>
     <p:sldId id="271" r:id="rId18"/>
-    <p:sldId id="258" r:id="rId19"/>
+    <p:sldId id="276" r:id="rId19"/>
+    <p:sldId id="258" r:id="rId20"/>
   </p:sldIdLst>
   <p:sldSz cx="12192000" cy="6858000"/>
   <p:notesSz cx="6858000" cy="9144000"/>
@@ -488,6 +489,90 @@
     </a:lvl9pPr>
   </p:notesStyle>
 </p:notesMaster>
+</file>
+
+<file path=ppt/notesSlides/notesSlide1.xml><?xml version="1.0" encoding="utf-8"?>
+<p:notes xmlns:a="http://schemas.openxmlformats.org/drawingml/2006/main" xmlns:r="http://schemas.openxmlformats.org/officeDocument/2006/relationships" xmlns:p="http://schemas.openxmlformats.org/presentationml/2006/main">
+  <p:cSld>
+    <p:spTree>
+      <p:nvGrpSpPr>
+        <p:cNvPr id="1" name=""/>
+        <p:cNvGrpSpPr/>
+        <p:nvPr/>
+      </p:nvGrpSpPr>
+      <p:grpSpPr>
+        <a:xfrm>
+          <a:off x="0" y="0"/>
+          <a:ext cx="0" cy="0"/>
+          <a:chOff x="0" y="0"/>
+          <a:chExt cx="0" cy="0"/>
+        </a:xfrm>
+      </p:grpSpPr>
+      <p:sp>
+        <p:nvSpPr>
+          <p:cNvPr id="2" name="Slide Image Placeholder 1"/>
+          <p:cNvSpPr>
+            <a:spLocks noGrp="1" noRot="1" noChangeAspect="1"/>
+          </p:cNvSpPr>
+          <p:nvPr>
+            <p:ph type="sldImg"/>
+          </p:nvPr>
+        </p:nvSpPr>
+        <p:spPr/>
+      </p:sp>
+      <p:sp>
+        <p:nvSpPr>
+          <p:cNvPr id="3" name="Notes Placeholder 2"/>
+          <p:cNvSpPr>
+            <a:spLocks noGrp="1"/>
+          </p:cNvSpPr>
+          <p:nvPr>
+            <p:ph type="body" idx="1"/>
+          </p:nvPr>
+        </p:nvSpPr>
+        <p:spPr/>
+        <p:txBody>
+          <a:bodyPr/>
+          <a:lstStyle/>
+          <a:p>
+            <a:endParaRPr lang="en-GB" dirty="0"/>
+          </a:p>
+        </p:txBody>
+      </p:sp>
+      <p:sp>
+        <p:nvSpPr>
+          <p:cNvPr id="4" name="Slide Number Placeholder 3"/>
+          <p:cNvSpPr>
+            <a:spLocks noGrp="1"/>
+          </p:cNvSpPr>
+          <p:nvPr>
+            <p:ph type="sldNum" sz="quarter" idx="5"/>
+          </p:nvPr>
+        </p:nvSpPr>
+        <p:spPr/>
+        <p:txBody>
+          <a:bodyPr/>
+          <a:lstStyle/>
+          <a:p>
+            <a:fld id="{6276ED8E-2DD7-E248-8FEE-09B72A8CF7EB}" type="slidenum">
+              <a:rPr lang="en-GB" smtClean="0"/>
+              <a:t>18</a:t>
+            </a:fld>
+            <a:endParaRPr lang="en-GB"/>
+          </a:p>
+        </p:txBody>
+      </p:sp>
+    </p:spTree>
+    <p:extLst>
+      <p:ext uri="{BB962C8B-B14F-4D97-AF65-F5344CB8AC3E}">
+        <p14:creationId xmlns:p14="http://schemas.microsoft.com/office/powerpoint/2010/main" val="2625352820"/>
+      </p:ext>
+    </p:extLst>
+  </p:cSld>
+  <p:clrMapOvr>
+    <a:masterClrMapping/>
+  </p:clrMapOvr>
+</p:notes>
 </file>
 
 <file path=ppt/slideLayouts/slideLayout1.xml><?xml version="1.0" encoding="utf-8"?>
@@ -8499,6 +8584,159 @@
           </a:p>
         </p:txBody>
       </p:sp>
+      <p:sp>
+        <p:nvSpPr>
+          <p:cNvPr id="3" name="TextBox 2">
+            <a:extLst>
+              <a:ext uri="{FF2B5EF4-FFF2-40B4-BE49-F238E27FC236}">
+                <a16:creationId xmlns:a16="http://schemas.microsoft.com/office/drawing/2014/main" id="{84F299D2-47ED-B6AF-F978-8B345D232554}"/>
+              </a:ext>
+            </a:extLst>
+          </p:cNvPr>
+          <p:cNvSpPr txBox="1"/>
+          <p:nvPr/>
+        </p:nvSpPr>
+        <p:spPr>
+          <a:xfrm>
+            <a:off x="558626" y="1918369"/>
+            <a:ext cx="11042821" cy="1200329"/>
+          </a:xfrm>
+          <a:prstGeom prst="rect">
+            <a:avLst/>
+          </a:prstGeom>
+          <a:noFill/>
+        </p:spPr>
+        <p:txBody>
+          <a:bodyPr rot="0" spcFirstLastPara="0" vertOverflow="overflow" horzOverflow="overflow" vert="horz" wrap="square" lIns="91440" tIns="45720" rIns="91440" bIns="45720" numCol="1" spcCol="0" rtlCol="0" fromWordArt="0" anchor="t" anchorCtr="0" forceAA="0" compatLnSpc="1">
+            <a:prstTxWarp prst="textNoShape">
+              <a:avLst/>
+            </a:prstTxWarp>
+            <a:spAutoFit/>
+          </a:bodyPr>
+          <a:lstStyle/>
+          <a:p>
+            <a:r>
+              <a:rPr lang="en-GB" dirty="0"/>
+              <a:t>Monte Carlo integration can be used for and is widely considered the best method for ray tracing. In a 3D rendering of a realistic scene, for example an architectural model or CGI in a film, there needs to be accurate lighting. With multiple light sources, reflections, shadows this quickly becomes very complicated. So, in 1986, Kajiya devised the "rendering equation" which accurately defined the light level at different points. </a:t>
+            </a:r>
+          </a:p>
+        </p:txBody>
+      </p:sp>
+      <p:pic>
+        <p:nvPicPr>
+          <p:cNvPr id="6" name="Picture 5">
+            <a:extLst>
+              <a:ext uri="{FF2B5EF4-FFF2-40B4-BE49-F238E27FC236}">
+                <a16:creationId xmlns:a16="http://schemas.microsoft.com/office/drawing/2014/main" id="{039F3C5D-B6E3-A49A-439D-94E7F3C5BFA6}"/>
+              </a:ext>
+            </a:extLst>
+          </p:cNvPr>
+          <p:cNvPicPr>
+            <a:picLocks noChangeAspect="1"/>
+          </p:cNvPicPr>
+          <p:nvPr/>
+        </p:nvPicPr>
+        <p:blipFill>
+          <a:blip r:embed="rId2"/>
+          <a:stretch>
+            <a:fillRect/>
+          </a:stretch>
+        </p:blipFill>
+        <p:spPr>
+          <a:xfrm>
+            <a:off x="8219689" y="3126645"/>
+            <a:ext cx="3743325" cy="2066925"/>
+          </a:xfrm>
+          <a:prstGeom prst="rect">
+            <a:avLst/>
+          </a:prstGeom>
+        </p:spPr>
+      </p:pic>
+      <p:sp>
+        <p:nvSpPr>
+          <p:cNvPr id="7" name="TextBox 6">
+            <a:extLst>
+              <a:ext uri="{FF2B5EF4-FFF2-40B4-BE49-F238E27FC236}">
+                <a16:creationId xmlns:a16="http://schemas.microsoft.com/office/drawing/2014/main" id="{1E6D360D-E908-E4F5-AF41-43B66F92220B}"/>
+              </a:ext>
+            </a:extLst>
+          </p:cNvPr>
+          <p:cNvSpPr txBox="1"/>
+          <p:nvPr/>
+        </p:nvSpPr>
+        <p:spPr>
+          <a:xfrm>
+            <a:off x="8222757" y="5189234"/>
+            <a:ext cx="3748156" cy="461665"/>
+          </a:xfrm>
+          <a:prstGeom prst="rect">
+            <a:avLst/>
+          </a:prstGeom>
+          <a:noFill/>
+        </p:spPr>
+        <p:txBody>
+          <a:bodyPr rot="0" spcFirstLastPara="0" vertOverflow="overflow" horzOverflow="overflow" vert="horz" wrap="square" lIns="91440" tIns="45720" rIns="91440" bIns="45720" numCol="1" spcCol="0" rtlCol="0" fromWordArt="0" anchor="t" anchorCtr="0" forceAA="0" compatLnSpc="1">
+            <a:prstTxWarp prst="textNoShape">
+              <a:avLst/>
+            </a:prstTxWarp>
+            <a:spAutoFit/>
+          </a:bodyPr>
+          <a:lstStyle/>
+          <a:p>
+            <a:r>
+              <a:rPr lang="en-GB" sz="1200" dirty="0"/>
+              <a:t>The rendering equation, taken from Kajiya's article "The rendering equation" (Kajiya J. T., 1986)</a:t>
+            </a:r>
+          </a:p>
+        </p:txBody>
+      </p:sp>
+      <p:sp>
+        <p:nvSpPr>
+          <p:cNvPr id="8" name="TextBox 7">
+            <a:extLst>
+              <a:ext uri="{FF2B5EF4-FFF2-40B4-BE49-F238E27FC236}">
+                <a16:creationId xmlns:a16="http://schemas.microsoft.com/office/drawing/2014/main" id="{9D56E7F0-476E-59C1-FC53-5A07377BAD29}"/>
+              </a:ext>
+            </a:extLst>
+          </p:cNvPr>
+          <p:cNvSpPr txBox="1"/>
+          <p:nvPr/>
+        </p:nvSpPr>
+        <p:spPr>
+          <a:xfrm>
+            <a:off x="563067" y="3243274"/>
+            <a:ext cx="7491895" cy="2585323"/>
+          </a:xfrm>
+          <a:prstGeom prst="rect">
+            <a:avLst/>
+          </a:prstGeom>
+          <a:noFill/>
+        </p:spPr>
+        <p:txBody>
+          <a:bodyPr rot="0" spcFirstLastPara="0" vertOverflow="overflow" horzOverflow="overflow" vert="horz" wrap="square" lIns="91440" tIns="45720" rIns="91440" bIns="45720" numCol="1" spcCol="0" rtlCol="0" fromWordArt="0" anchor="t" anchorCtr="0" forceAA="0" compatLnSpc="1">
+            <a:prstTxWarp prst="textNoShape">
+              <a:avLst/>
+            </a:prstTxWarp>
+            <a:spAutoFit/>
+          </a:bodyPr>
+          <a:lstStyle/>
+          <a:p>
+            <a:r>
+              <a:rPr lang="en-GB" dirty="0"/>
+              <a:t>The rendering equation, as shown on the right, is a complex integral which by itself was not very useful as it is too complex to solve, especially in real time to run a simulation. However, with the use of Monte Carlo methods and improvements in technology, it has become feasible to use, and many 3D games or simulations now use ray tracing.</a:t>
+            </a:r>
+          </a:p>
+          <a:p>
+            <a:endParaRPr lang="en-GB" dirty="0"/>
+          </a:p>
+          <a:p>
+            <a:r>
+              <a:rPr lang="en-GB" dirty="0"/>
+              <a:t>This works by repeatedly tracing random samples of the paths light rays can take, and finding an average solution, which would converge to the actual solution to the rendering equation as the number of repetitions increases.</a:t>
+            </a:r>
+          </a:p>
+        </p:txBody>
+      </p:sp>
     </p:spTree>
     <p:extLst>
       <p:ext uri="{BB962C8B-B14F-4D97-AF65-F5344CB8AC3E}">
@@ -8571,7 +8809,7 @@
         </p:nvSpPr>
         <p:spPr>
           <a:xfrm>
-            <a:off x="581192" y="2394857"/>
+            <a:off x="581192" y="1972313"/>
             <a:ext cx="9117979" cy="1200329"/>
           </a:xfrm>
           <a:prstGeom prst="rect">
@@ -8641,7 +8879,7 @@
         </p:blipFill>
         <p:spPr>
           <a:xfrm>
-            <a:off x="1041710" y="3429000"/>
+            <a:off x="1041710" y="3172642"/>
             <a:ext cx="10108579" cy="3298981"/>
           </a:xfrm>
           <a:prstGeom prst="rect">
@@ -8681,6 +8919,303 @@
       </p:grpSpPr>
       <p:sp>
         <p:nvSpPr>
+          <p:cNvPr id="2" name="Title 1">
+            <a:extLst>
+              <a:ext uri="{FF2B5EF4-FFF2-40B4-BE49-F238E27FC236}">
+                <a16:creationId xmlns:a16="http://schemas.microsoft.com/office/drawing/2014/main" id="{D4EEB55E-B56C-BABC-E729-76B35A9A5985}"/>
+              </a:ext>
+            </a:extLst>
+          </p:cNvPr>
+          <p:cNvSpPr>
+            <a:spLocks noGrp="1"/>
+          </p:cNvSpPr>
+          <p:nvPr>
+            <p:ph type="title"/>
+          </p:nvPr>
+        </p:nvSpPr>
+        <p:spPr/>
+        <p:txBody>
+          <a:bodyPr/>
+          <a:lstStyle/>
+          <a:p>
+            <a:r>
+              <a:rPr lang="en-GB" dirty="0"/>
+              <a:t>Options pricing</a:t>
+            </a:r>
+          </a:p>
+        </p:txBody>
+      </p:sp>
+      <p:pic>
+        <p:nvPicPr>
+          <p:cNvPr id="1026" name="Picture 2" descr="A graph showing different colored lines&#10;&#10;AI-generated content may be incorrect.">
+            <a:extLst>
+              <a:ext uri="{FF2B5EF4-FFF2-40B4-BE49-F238E27FC236}">
+                <a16:creationId xmlns:a16="http://schemas.microsoft.com/office/drawing/2014/main" id="{1F03FD7B-63E2-B7F7-C22F-7490A493AF52}"/>
+              </a:ext>
+            </a:extLst>
+          </p:cNvPr>
+          <p:cNvPicPr>
+            <a:picLocks noChangeAspect="1" noChangeArrowheads="1"/>
+          </p:cNvPicPr>
+          <p:nvPr/>
+        </p:nvPicPr>
+        <p:blipFill>
+          <a:blip r:embed="rId3">
+            <a:extLst>
+              <a:ext uri="{28A0092B-C50C-407E-A947-70E740481C1C}">
+                <a14:useLocalDpi xmlns:a14="http://schemas.microsoft.com/office/drawing/2010/main" val="0"/>
+              </a:ext>
+            </a:extLst>
+          </a:blip>
+          <a:srcRect/>
+          <a:stretch>
+            <a:fillRect/>
+          </a:stretch>
+        </p:blipFill>
+        <p:spPr bwMode="auto">
+          <a:xfrm>
+            <a:off x="6047311" y="1877107"/>
+            <a:ext cx="6144689" cy="4915751"/>
+          </a:xfrm>
+          <a:prstGeom prst="rect">
+            <a:avLst/>
+          </a:prstGeom>
+          <a:noFill/>
+          <a:extLst>
+            <a:ext uri="{909E8E84-426E-40DD-AFC4-6F175D3DCCD1}">
+              <a14:hiddenFill xmlns:a14="http://schemas.microsoft.com/office/drawing/2010/main">
+                <a:solidFill>
+                  <a:srgbClr val="FFFFFF"/>
+                </a:solidFill>
+              </a14:hiddenFill>
+            </a:ext>
+          </a:extLst>
+        </p:spPr>
+      </p:pic>
+      <p:sp>
+        <p:nvSpPr>
+          <p:cNvPr id="5" name="TextBox 4">
+            <a:extLst>
+              <a:ext uri="{FF2B5EF4-FFF2-40B4-BE49-F238E27FC236}">
+                <a16:creationId xmlns:a16="http://schemas.microsoft.com/office/drawing/2014/main" id="{E2D1DC25-4442-7349-599E-35F68FC72919}"/>
+              </a:ext>
+            </a:extLst>
+          </p:cNvPr>
+          <p:cNvSpPr txBox="1"/>
+          <p:nvPr/>
+        </p:nvSpPr>
+        <p:spPr>
+          <a:xfrm>
+            <a:off x="440007" y="1787405"/>
+            <a:ext cx="7054048" cy="1077218"/>
+          </a:xfrm>
+          <a:prstGeom prst="rect">
+            <a:avLst/>
+          </a:prstGeom>
+          <a:noFill/>
+        </p:spPr>
+        <p:txBody>
+          <a:bodyPr wrap="square" rtlCol="0">
+            <a:spAutoFit/>
+          </a:bodyPr>
+          <a:lstStyle/>
+          <a:p>
+            <a:r>
+              <a:rPr lang="en-GB" sz="1600" dirty="0"/>
+              <a:t>Options are contracts in which you can buy/sell an asset at a later date</a:t>
+            </a:r>
+          </a:p>
+          <a:p>
+            <a:r>
+              <a:rPr lang="en-GB" sz="1600" dirty="0"/>
+              <a:t>for a stated price. Commonly traded by institutional investors running</a:t>
+            </a:r>
+          </a:p>
+          <a:p>
+            <a:r>
+              <a:rPr lang="en-GB" sz="1600" dirty="0"/>
+              <a:t>many large simulations of price movements, based on stochastic</a:t>
+            </a:r>
+          </a:p>
+          <a:p>
+            <a:r>
+              <a:rPr lang="en-GB" sz="1600" dirty="0"/>
+              <a:t>models like Geometric Brownian Motion.​</a:t>
+            </a:r>
+          </a:p>
+        </p:txBody>
+      </p:sp>
+      <p:sp>
+        <p:nvSpPr>
+          <p:cNvPr id="6" name="TextBox 5">
+            <a:extLst>
+              <a:ext uri="{FF2B5EF4-FFF2-40B4-BE49-F238E27FC236}">
+                <a16:creationId xmlns:a16="http://schemas.microsoft.com/office/drawing/2014/main" id="{D29C85FE-A92A-FBB6-1190-0220DF5EC3B4}"/>
+              </a:ext>
+            </a:extLst>
+          </p:cNvPr>
+          <p:cNvSpPr txBox="1"/>
+          <p:nvPr/>
+        </p:nvSpPr>
+        <p:spPr>
+          <a:xfrm>
+            <a:off x="440007" y="2808144"/>
+            <a:ext cx="5905929" cy="3108543"/>
+          </a:xfrm>
+          <a:prstGeom prst="rect">
+            <a:avLst/>
+          </a:prstGeom>
+          <a:noFill/>
+        </p:spPr>
+        <p:txBody>
+          <a:bodyPr wrap="square" rtlCol="0">
+            <a:spAutoFit/>
+          </a:bodyPr>
+          <a:lstStyle/>
+          <a:p>
+            <a:r>
+              <a:rPr lang="en-GB" sz="1600" dirty="0"/>
+              <a:t>The 3 basic steps are as follows;​</a:t>
+            </a:r>
+          </a:p>
+          <a:p>
+            <a:endParaRPr lang="en-GB" sz="1600" dirty="0"/>
+          </a:p>
+          <a:p>
+            <a:r>
+              <a:rPr lang="en-GB" sz="1600" dirty="0"/>
+              <a:t>1) Simulate many potential price paths for the assets over the</a:t>
+            </a:r>
+          </a:p>
+          <a:p>
+            <a:r>
+              <a:rPr lang="en-GB" sz="1600" dirty="0"/>
+              <a:t>lifespan of the contract.​</a:t>
+            </a:r>
+          </a:p>
+          <a:p>
+            <a:endParaRPr lang="en-GB" sz="1600" dirty="0"/>
+          </a:p>
+          <a:p>
+            <a:r>
+              <a:rPr lang="en-GB" sz="1600" dirty="0"/>
+              <a:t>2) Determine the payoff, which depends on the volatility, strike price,</a:t>
+            </a:r>
+          </a:p>
+          <a:p>
+            <a:r>
+              <a:rPr lang="en-GB" sz="1600" dirty="0"/>
+              <a:t>simulated underlying asset price etc.​</a:t>
+            </a:r>
+          </a:p>
+          <a:p>
+            <a:endParaRPr lang="en-GB" sz="1600" dirty="0"/>
+          </a:p>
+          <a:p>
+            <a:r>
+              <a:rPr lang="en-GB" sz="1600" dirty="0"/>
+              <a:t>3) Discount the simulated return, back to the present value and find</a:t>
+            </a:r>
+          </a:p>
+          <a:p>
+            <a:r>
+              <a:rPr lang="en-GB" sz="1600" dirty="0"/>
+              <a:t>an average to assess the options fair price. This is the price you</a:t>
+            </a:r>
+          </a:p>
+          <a:p>
+            <a:r>
+              <a:rPr lang="en-GB" sz="1600" dirty="0"/>
+              <a:t>would pay considering the value relative to a risk-free investment.</a:t>
+            </a:r>
+          </a:p>
+          <a:p>
+            <a:r>
+              <a:rPr lang="en-GB" sz="1600" dirty="0"/>
+              <a:t>(Lab, T.P., 2023)​</a:t>
+            </a:r>
+          </a:p>
+        </p:txBody>
+      </p:sp>
+      <p:sp>
+        <p:nvSpPr>
+          <p:cNvPr id="7" name="TextBox 6">
+            <a:extLst>
+              <a:ext uri="{FF2B5EF4-FFF2-40B4-BE49-F238E27FC236}">
+                <a16:creationId xmlns:a16="http://schemas.microsoft.com/office/drawing/2014/main" id="{7F6943D0-4882-FBA5-6763-59313AB7FF91}"/>
+              </a:ext>
+            </a:extLst>
+          </p:cNvPr>
+          <p:cNvSpPr txBox="1"/>
+          <p:nvPr/>
+        </p:nvSpPr>
+        <p:spPr>
+          <a:xfrm>
+            <a:off x="440007" y="5885943"/>
+            <a:ext cx="6523696" cy="861774"/>
+          </a:xfrm>
+          <a:prstGeom prst="rect">
+            <a:avLst/>
+          </a:prstGeom>
+          <a:noFill/>
+        </p:spPr>
+        <p:txBody>
+          <a:bodyPr wrap="square" rtlCol="0">
+            <a:spAutoFit/>
+          </a:bodyPr>
+          <a:lstStyle/>
+          <a:p>
+            <a:r>
+              <a:rPr lang="en-GB" sz="1600" dirty="0"/>
+              <a:t>Stochastic methods such as this are often used when numerical-</a:t>
+            </a:r>
+          </a:p>
+          <a:p>
+            <a:r>
+              <a:rPr lang="en-GB" sz="1600" dirty="0"/>
+              <a:t>analysis methods like the Black-Scholes equation, can’t be applied for</a:t>
+            </a:r>
+          </a:p>
+          <a:p>
+            <a:r>
+              <a:rPr lang="en-GB" sz="1600" dirty="0"/>
+              <a:t>various reasons, such as lack of flexibility and difficulty with volatility.​</a:t>
+            </a:r>
+          </a:p>
+        </p:txBody>
+      </p:sp>
+    </p:spTree>
+    <p:extLst>
+      <p:ext uri="{BB962C8B-B14F-4D97-AF65-F5344CB8AC3E}">
+        <p14:creationId xmlns:p14="http://schemas.microsoft.com/office/powerpoint/2010/main" val="2448723751"/>
+      </p:ext>
+    </p:extLst>
+  </p:cSld>
+  <p:clrMapOvr>
+    <a:masterClrMapping/>
+  </p:clrMapOvr>
+</p:sld>
+</file>
+
+<file path=ppt/slides/slide19.xml><?xml version="1.0" encoding="utf-8"?>
+<p:sld xmlns:a="http://schemas.openxmlformats.org/drawingml/2006/main" xmlns:r="http://schemas.openxmlformats.org/officeDocument/2006/relationships" xmlns:p="http://schemas.openxmlformats.org/presentationml/2006/main">
+  <p:cSld>
+    <p:spTree>
+      <p:nvGrpSpPr>
+        <p:cNvPr id="1" name=""/>
+        <p:cNvGrpSpPr/>
+        <p:nvPr/>
+      </p:nvGrpSpPr>
+      <p:grpSpPr>
+        <a:xfrm>
+          <a:off x="0" y="0"/>
+          <a:ext cx="0" cy="0"/>
+          <a:chOff x="0" y="0"/>
+          <a:chExt cx="0" cy="0"/>
+        </a:xfrm>
+      </p:grpSpPr>
+      <p:sp>
+        <p:nvSpPr>
           <p:cNvPr id="2" name="TextBox 1">
             <a:extLst>
               <a:ext uri="{FF2B5EF4-FFF2-40B4-BE49-F238E27FC236}">
@@ -8729,7 +9264,7 @@
         <p:spPr>
           <a:xfrm>
             <a:off x="385010" y="595161"/>
-            <a:ext cx="11434813" cy="1477328"/>
+            <a:ext cx="11434813" cy="4319131"/>
           </a:xfrm>
           <a:prstGeom prst="rect">
             <a:avLst/>
@@ -8819,7 +9354,6 @@
                   <a:srgbClr val="000000"/>
                 </a:solidFill>
                 <a:effectLst/>
-                <a:latin typeface="Helvetica" pitchFamily="2" charset="0"/>
               </a:rPr>
               <a:t>Cragg, J.G. (2018). Monte Carlo Methods. The New Palgrave Dictionary of Economics, pp.9128–9130.</a:t>
             </a:r>
@@ -8831,7 +9365,6 @@
                   <a:srgbClr val="000000"/>
                 </a:solidFill>
                 <a:effectLst/>
-                <a:latin typeface="Helvetica" pitchFamily="2" charset="0"/>
               </a:rPr>
               <a:t>doi:https</a:t>
             </a:r>
@@ -8841,30 +9374,135 @@
                   <a:srgbClr val="000000"/>
                 </a:solidFill>
                 <a:effectLst/>
-                <a:latin typeface="Helvetica" pitchFamily="2" charset="0"/>
               </a:rPr>
-              <a:t>://</a:t>
-            </a:r>
-            <a:r>
-              <a:rPr lang="en-GB" dirty="0" err="1">
+              <a:t>://doi.org/10.1057/978-1-349-95189-5_733.(Accessed: April 2025).</a:t>
+            </a:r>
+          </a:p>
+          <a:p>
+            <a:endParaRPr lang="en-GB" dirty="0">
+              <a:solidFill>
+                <a:srgbClr val="000000"/>
+              </a:solidFill>
+            </a:endParaRPr>
+          </a:p>
+          <a:p>
+            <a:pPr algn="l" rtl="0" fontAlgn="base">
+              <a:lnSpc>
+                <a:spcPts val="2025"/>
+              </a:lnSpc>
+              <a:buNone/>
+            </a:pPr>
+            <a:r>
+              <a:rPr lang="en-GB" sz="1800" b="0" i="0" u="none" strike="noStrike" dirty="0">
                 <a:solidFill>
                   <a:srgbClr val="000000"/>
                 </a:solidFill>
                 <a:effectLst/>
-                <a:latin typeface="Helvetica" pitchFamily="2" charset="0"/>
               </a:rPr>
-              <a:t>doi.org</a:t>
-            </a:r>
-            <a:r>
-              <a:rPr lang="en-GB" dirty="0">
+              <a:t>Kajiya, J. T. (1986). “The rendering equation”. Proceedings of the 13th annual conference on Computer</a:t>
+            </a:r>
+            <a:r>
+              <a:rPr lang="en-GB" sz="1800" b="0" i="0" dirty="0">
                 <a:solidFill>
                   <a:srgbClr val="000000"/>
                 </a:solidFill>
                 <a:effectLst/>
-                <a:latin typeface="Helvetica" pitchFamily="2" charset="0"/>
               </a:rPr>
-              <a:t>/10.1057/978-1-349-95189-5_733.(Accessed: April 2025).</a:t>
-            </a:r>
+              <a:t>​</a:t>
+            </a:r>
+            <a:endParaRPr lang="en-GB" b="0" i="0" dirty="0">
+              <a:solidFill>
+                <a:srgbClr val="000000"/>
+              </a:solidFill>
+              <a:effectLst/>
+            </a:endParaRPr>
+          </a:p>
+          <a:p>
+            <a:pPr algn="l" rtl="0" fontAlgn="base">
+              <a:lnSpc>
+                <a:spcPts val="2025"/>
+              </a:lnSpc>
+            </a:pPr>
+            <a:r>
+              <a:rPr lang="en-GB" sz="1800" b="0" i="0" u="none" strike="noStrike" dirty="0">
+                <a:solidFill>
+                  <a:srgbClr val="000000"/>
+                </a:solidFill>
+                <a:effectLst/>
+              </a:rPr>
+              <a:t>graphics and interactive techniques. ACM. (Accessed: April 2025).</a:t>
+            </a:r>
+            <a:r>
+              <a:rPr lang="en-GB" sz="1800" b="0" i="0" dirty="0">
+                <a:solidFill>
+                  <a:srgbClr val="000000"/>
+                </a:solidFill>
+                <a:effectLst/>
+              </a:rPr>
+              <a:t>​</a:t>
+            </a:r>
+          </a:p>
+          <a:p>
+            <a:pPr algn="l" rtl="0" fontAlgn="base">
+              <a:lnSpc>
+                <a:spcPts val="2025"/>
+              </a:lnSpc>
+            </a:pPr>
+            <a:endParaRPr lang="en-GB" dirty="0">
+              <a:solidFill>
+                <a:srgbClr val="000000"/>
+              </a:solidFill>
+            </a:endParaRPr>
+          </a:p>
+          <a:p>
+            <a:pPr algn="l" rtl="0" fontAlgn="base">
+              <a:lnSpc>
+                <a:spcPts val="2025"/>
+              </a:lnSpc>
+            </a:pPr>
+            <a:r>
+              <a:rPr lang="en-GB" dirty="0"/>
+              <a:t>Lab, T.P. (2023). Implementing Option Pricing Models using Monte Carlo Simulations. [online] Medium. Available at: https://thepythonlab.medium.com/implementing-option-pricing-models-using-monte-carlosimulations-1b9c0a62436f (Accessed: April 2025). </a:t>
+            </a:r>
+            <a:endParaRPr lang="en-GB" dirty="0">
+              <a:solidFill>
+                <a:srgbClr val="000000"/>
+              </a:solidFill>
+            </a:endParaRPr>
+          </a:p>
+          <a:p>
+            <a:pPr algn="l" rtl="0" fontAlgn="base">
+              <a:lnSpc>
+                <a:spcPts val="2025"/>
+              </a:lnSpc>
+            </a:pPr>
+            <a:endParaRPr lang="en-GB" b="0" i="0" dirty="0">
+              <a:solidFill>
+                <a:srgbClr val="000000"/>
+              </a:solidFill>
+              <a:effectLst/>
+            </a:endParaRPr>
+          </a:p>
+          <a:p>
+            <a:pPr algn="l" rtl="0" fontAlgn="base">
+              <a:lnSpc>
+                <a:spcPts val="2025"/>
+              </a:lnSpc>
+            </a:pPr>
+            <a:r>
+              <a:rPr lang="en-GB" dirty="0" err="1"/>
+              <a:t>Konstantinovsky</a:t>
+            </a:r>
+            <a:r>
+              <a:rPr lang="en-GB" dirty="0"/>
+              <a:t>, T. (2024). Monte Carlo Simulation: Ideas and Examples for Advanced Applications. [online] Medium. Available at: https://medium.com/pythoneers/monte-carlo-simulation-ideas-and-examples-foradvanced-day-to-day-applications-447ec3ce9063. (Accessed: April 2025). </a:t>
+            </a:r>
+            <a:endParaRPr lang="en-GB" b="0" i="0" dirty="0">
+              <a:solidFill>
+                <a:srgbClr val="000000"/>
+              </a:solidFill>
+              <a:effectLst/>
+            </a:endParaRPr>
           </a:p>
         </p:txBody>
       </p:sp>
@@ -8884,9 +9522,23 @@
 <file path=ppt/slides/slide2.xml><?xml version="1.0" encoding="utf-8"?>
 <p:sld xmlns:a="http://schemas.openxmlformats.org/drawingml/2006/main" xmlns:r="http://schemas.openxmlformats.org/officeDocument/2006/relationships" xmlns:p="http://schemas.openxmlformats.org/presentationml/2006/main">
   <p:cSld>
+    <p:bg>
+      <p:bgPr>
+        <a:solidFill>
+          <a:schemeClr val="bg1"/>
+        </a:solidFill>
+        <a:effectLst/>
+      </p:bgPr>
+    </p:bg>
     <p:spTree>
       <p:nvGrpSpPr>
-        <p:cNvPr id="1" name=""/>
+        <p:cNvPr id="1" name="">
+          <a:extLst>
+            <a:ext uri="{FF2B5EF4-FFF2-40B4-BE49-F238E27FC236}">
+              <a16:creationId xmlns:a16="http://schemas.microsoft.com/office/drawing/2014/main" id="{69AF394F-E0E6-729D-9BC6-8895153714CC}"/>
+            </a:ext>
+          </a:extLst>
+        </p:cNvPr>
         <p:cNvGrpSpPr/>
         <p:nvPr/>
       </p:nvGrpSpPr>
@@ -8900,10 +9552,495 @@
       </p:grpSpPr>
       <p:sp>
         <p:nvSpPr>
+          <p:cNvPr id="8" name="Rectangle 7">
+            <a:extLst>
+              <a:ext uri="{FF2B5EF4-FFF2-40B4-BE49-F238E27FC236}">
+                <a16:creationId xmlns:a16="http://schemas.microsoft.com/office/drawing/2014/main" id="{279BA08A-E095-8C6D-D087-A522E13B2CA4}"/>
+              </a:ext>
+              <a:ext uri="{C183D7F6-B498-43B3-948B-1728B52AA6E4}">
+                <adec:decorative xmlns:adec="http://schemas.microsoft.com/office/drawing/2017/decorative" val="1"/>
+              </a:ext>
+            </a:extLst>
+          </p:cNvPr>
+          <p:cNvSpPr>
+            <a:spLocks noGrp="1" noRot="1" noChangeAspect="1" noMove="1" noResize="1" noEditPoints="1" noAdjustHandles="1" noChangeArrowheads="1" noChangeShapeType="1" noTextEdit="1"/>
+          </p:cNvSpPr>
+          <p:nvPr>
+            <p:extLst>
+              <p:ext uri="{386F3935-93C4-4BCD-93E2-E3B085C9AB24}">
+                <p16:designElem xmlns:p16="http://schemas.microsoft.com/office/powerpoint/2015/main" val="1"/>
+              </p:ext>
+            </p:extLst>
+          </p:nvPr>
+        </p:nvSpPr>
+        <p:spPr>
+          <a:xfrm>
+            <a:off x="446534" y="457200"/>
+            <a:ext cx="3703320" cy="94997"/>
+          </a:xfrm>
+          <a:prstGeom prst="rect">
+            <a:avLst/>
+          </a:prstGeom>
+          <a:solidFill>
+            <a:schemeClr val="accent1"/>
+          </a:solidFill>
+          <a:ln>
+            <a:noFill/>
+          </a:ln>
+          <a:effectLst/>
+        </p:spPr>
+        <p:style>
+          <a:lnRef idx="1">
+            <a:schemeClr val="accent1"/>
+          </a:lnRef>
+          <a:fillRef idx="3">
+            <a:schemeClr val="accent1"/>
+          </a:fillRef>
+          <a:effectRef idx="2">
+            <a:schemeClr val="accent1"/>
+          </a:effectRef>
+          <a:fontRef idx="minor">
+            <a:schemeClr val="lt1"/>
+          </a:fontRef>
+        </p:style>
+        <p:txBody>
+          <a:bodyPr/>
+          <a:lstStyle/>
+          <a:p>
+            <a:endParaRPr lang="en-GB"/>
+          </a:p>
+        </p:txBody>
+      </p:sp>
+      <p:sp>
+        <p:nvSpPr>
+          <p:cNvPr id="10" name="Rectangle 9">
+            <a:extLst>
+              <a:ext uri="{FF2B5EF4-FFF2-40B4-BE49-F238E27FC236}">
+                <a16:creationId xmlns:a16="http://schemas.microsoft.com/office/drawing/2014/main" id="{B302E14C-4716-2BDC-E9F1-DE07D2EA02B0}"/>
+              </a:ext>
+              <a:ext uri="{C183D7F6-B498-43B3-948B-1728B52AA6E4}">
+                <adec:decorative xmlns:adec="http://schemas.microsoft.com/office/drawing/2017/decorative" val="1"/>
+              </a:ext>
+            </a:extLst>
+          </p:cNvPr>
+          <p:cNvSpPr>
+            <a:spLocks noGrp="1" noRot="1" noChangeAspect="1" noMove="1" noResize="1" noEditPoints="1" noAdjustHandles="1" noChangeArrowheads="1" noChangeShapeType="1" noTextEdit="1"/>
+          </p:cNvSpPr>
+          <p:nvPr>
+            <p:extLst>
+              <p:ext uri="{386F3935-93C4-4BCD-93E2-E3B085C9AB24}">
+                <p16:designElem xmlns:p16="http://schemas.microsoft.com/office/powerpoint/2015/main" val="1"/>
+              </p:ext>
+            </p:extLst>
+          </p:nvPr>
+        </p:nvSpPr>
+        <p:spPr>
+          <a:xfrm>
+            <a:off x="8042147" y="453643"/>
+            <a:ext cx="3703320" cy="98554"/>
+          </a:xfrm>
+          <a:prstGeom prst="rect">
+            <a:avLst/>
+          </a:prstGeom>
+          <a:solidFill>
+            <a:schemeClr val="accent4"/>
+          </a:solidFill>
+          <a:ln>
+            <a:noFill/>
+          </a:ln>
+          <a:effectLst/>
+        </p:spPr>
+        <p:style>
+          <a:lnRef idx="1">
+            <a:schemeClr val="accent1"/>
+          </a:lnRef>
+          <a:fillRef idx="3">
+            <a:schemeClr val="accent1"/>
+          </a:fillRef>
+          <a:effectRef idx="2">
+            <a:schemeClr val="accent1"/>
+          </a:effectRef>
+          <a:fontRef idx="minor">
+            <a:schemeClr val="lt1"/>
+          </a:fontRef>
+        </p:style>
+        <p:txBody>
+          <a:bodyPr/>
+          <a:lstStyle/>
+          <a:p>
+            <a:endParaRPr lang="en-GB"/>
+          </a:p>
+        </p:txBody>
+      </p:sp>
+      <p:sp>
+        <p:nvSpPr>
+          <p:cNvPr id="12" name="Rectangle 11">
+            <a:extLst>
+              <a:ext uri="{FF2B5EF4-FFF2-40B4-BE49-F238E27FC236}">
+                <a16:creationId xmlns:a16="http://schemas.microsoft.com/office/drawing/2014/main" id="{EBA623B1-E14B-3C8E-69AA-A87BBF102443}"/>
+              </a:ext>
+              <a:ext uri="{C183D7F6-B498-43B3-948B-1728B52AA6E4}">
+                <adec:decorative xmlns:adec="http://schemas.microsoft.com/office/drawing/2017/decorative" val="1"/>
+              </a:ext>
+            </a:extLst>
+          </p:cNvPr>
+          <p:cNvSpPr>
+            <a:spLocks noGrp="1" noRot="1" noChangeAspect="1" noMove="1" noResize="1" noEditPoints="1" noAdjustHandles="1" noChangeArrowheads="1" noChangeShapeType="1" noTextEdit="1"/>
+          </p:cNvSpPr>
+          <p:nvPr>
+            <p:extLst>
+              <p:ext uri="{386F3935-93C4-4BCD-93E2-E3B085C9AB24}">
+                <p16:designElem xmlns:p16="http://schemas.microsoft.com/office/powerpoint/2015/main" val="1"/>
+              </p:ext>
+            </p:extLst>
+          </p:nvPr>
+        </p:nvSpPr>
+        <p:spPr>
+          <a:xfrm>
+            <a:off x="4241830" y="457200"/>
+            <a:ext cx="3703320" cy="91440"/>
+          </a:xfrm>
+          <a:prstGeom prst="rect">
+            <a:avLst/>
+          </a:prstGeom>
+          <a:solidFill>
+            <a:schemeClr val="accent2"/>
+          </a:solidFill>
+          <a:ln>
+            <a:noFill/>
+          </a:ln>
+          <a:effectLst/>
+        </p:spPr>
+        <p:style>
+          <a:lnRef idx="1">
+            <a:schemeClr val="accent1"/>
+          </a:lnRef>
+          <a:fillRef idx="3">
+            <a:schemeClr val="accent1"/>
+          </a:fillRef>
+          <a:effectRef idx="2">
+            <a:schemeClr val="accent1"/>
+          </a:effectRef>
+          <a:fontRef idx="minor">
+            <a:schemeClr val="lt1"/>
+          </a:fontRef>
+        </p:style>
+        <p:txBody>
+          <a:bodyPr/>
+          <a:lstStyle/>
+          <a:p>
+            <a:endParaRPr lang="en-GB"/>
+          </a:p>
+        </p:txBody>
+      </p:sp>
+      <p:sp>
+        <p:nvSpPr>
+          <p:cNvPr id="14" name="Rectangle 13">
+            <a:extLst>
+              <a:ext uri="{FF2B5EF4-FFF2-40B4-BE49-F238E27FC236}">
+                <a16:creationId xmlns:a16="http://schemas.microsoft.com/office/drawing/2014/main" id="{A64DEC2C-B697-4250-D5CD-39A23EF97CA2}"/>
+              </a:ext>
+              <a:ext uri="{C183D7F6-B498-43B3-948B-1728B52AA6E4}">
+                <adec:decorative xmlns:adec="http://schemas.microsoft.com/office/drawing/2017/decorative" val="1"/>
+              </a:ext>
+            </a:extLst>
+          </p:cNvPr>
+          <p:cNvSpPr>
+            <a:spLocks noGrp="1" noRot="1" noChangeAspect="1" noMove="1" noResize="1" noEditPoints="1" noAdjustHandles="1" noChangeArrowheads="1" noChangeShapeType="1" noTextEdit="1"/>
+          </p:cNvSpPr>
+          <p:nvPr>
+            <p:extLst>
+              <p:ext uri="{386F3935-93C4-4BCD-93E2-E3B085C9AB24}">
+                <p16:designElem xmlns:p16="http://schemas.microsoft.com/office/powerpoint/2015/main" val="1"/>
+              </p:ext>
+            </p:extLst>
+          </p:nvPr>
+        </p:nvSpPr>
+        <p:spPr>
+          <a:xfrm>
+            <a:off x="446534" y="3085765"/>
+            <a:ext cx="11262866" cy="3304800"/>
+          </a:xfrm>
+          <a:prstGeom prst="rect">
+            <a:avLst/>
+          </a:prstGeom>
+          <a:solidFill>
+            <a:schemeClr val="accent1"/>
+          </a:solidFill>
+          <a:ln>
+            <a:noFill/>
+          </a:ln>
+          <a:effectLst/>
+        </p:spPr>
+        <p:style>
+          <a:lnRef idx="1">
+            <a:schemeClr val="accent1"/>
+          </a:lnRef>
+          <a:fillRef idx="3">
+            <a:schemeClr val="accent1"/>
+          </a:fillRef>
+          <a:effectRef idx="2">
+            <a:schemeClr val="accent1"/>
+          </a:effectRef>
+          <a:fontRef idx="minor">
+            <a:schemeClr val="lt1"/>
+          </a:fontRef>
+        </p:style>
+        <p:txBody>
+          <a:bodyPr/>
+          <a:lstStyle/>
+          <a:p>
+            <a:endParaRPr lang="en-GB"/>
+          </a:p>
+        </p:txBody>
+      </p:sp>
+      <p:sp useBgFill="1">
+        <p:nvSpPr>
+          <p:cNvPr id="16" name="Rectangle 15">
+            <a:extLst>
+              <a:ext uri="{FF2B5EF4-FFF2-40B4-BE49-F238E27FC236}">
+                <a16:creationId xmlns:a16="http://schemas.microsoft.com/office/drawing/2014/main" id="{39789ECC-A4D9-88BE-E718-F10757B4C744}"/>
+              </a:ext>
+              <a:ext uri="{C183D7F6-B498-43B3-948B-1728B52AA6E4}">
+                <adec:decorative xmlns:adec="http://schemas.microsoft.com/office/drawing/2017/decorative" val="1"/>
+              </a:ext>
+            </a:extLst>
+          </p:cNvPr>
+          <p:cNvSpPr>
+            <a:spLocks noGrp="1" noRot="1" noChangeAspect="1" noMove="1" noResize="1" noEditPoints="1" noAdjustHandles="1" noChangeArrowheads="1" noChangeShapeType="1" noTextEdit="1"/>
+          </p:cNvSpPr>
+          <p:nvPr>
+            <p:extLst>
+              <p:ext uri="{386F3935-93C4-4BCD-93E2-E3B085C9AB24}">
+                <p16:designElem xmlns:p16="http://schemas.microsoft.com/office/powerpoint/2015/main" val="1"/>
+              </p:ext>
+            </p:extLst>
+          </p:nvPr>
+        </p:nvSpPr>
+        <p:spPr>
+          <a:xfrm>
+            <a:off x="0" y="0"/>
+            <a:ext cx="12192000" cy="6858000"/>
+          </a:xfrm>
+          <a:prstGeom prst="rect">
+            <a:avLst/>
+          </a:prstGeom>
+          <a:ln>
+            <a:noFill/>
+          </a:ln>
+        </p:spPr>
+        <p:style>
+          <a:lnRef idx="2">
+            <a:schemeClr val="accent1">
+              <a:shade val="50000"/>
+            </a:schemeClr>
+          </a:lnRef>
+          <a:fillRef idx="1">
+            <a:schemeClr val="accent1"/>
+          </a:fillRef>
+          <a:effectRef idx="0">
+            <a:schemeClr val="accent1"/>
+          </a:effectRef>
+          <a:fontRef idx="minor">
+            <a:schemeClr val="lt1"/>
+          </a:fontRef>
+        </p:style>
+        <p:txBody>
+          <a:bodyPr rtlCol="0" anchor="ctr"/>
+          <a:lstStyle/>
+          <a:p>
+            <a:pPr algn="ctr"/>
+            <a:endParaRPr lang="en-US"/>
+          </a:p>
+        </p:txBody>
+      </p:sp>
+      <p:pic>
+        <p:nvPicPr>
+          <p:cNvPr id="5" name="Picture 4" descr="Colorful clear dices on a glass surface">
+            <a:extLst>
+              <a:ext uri="{FF2B5EF4-FFF2-40B4-BE49-F238E27FC236}">
+                <a16:creationId xmlns:a16="http://schemas.microsoft.com/office/drawing/2014/main" id="{C30C370F-8802-939B-5641-98746562A168}"/>
+              </a:ext>
+            </a:extLst>
+          </p:cNvPr>
+          <p:cNvPicPr>
+            <a:picLocks noChangeAspect="1"/>
+          </p:cNvPicPr>
+          <p:nvPr/>
+        </p:nvPicPr>
+        <p:blipFill>
+          <a:blip r:embed="rId2"/>
+          <a:srcRect b="15877"/>
+          <a:stretch/>
+        </p:blipFill>
+        <p:spPr>
+          <a:xfrm>
+            <a:off x="0" y="-1"/>
+            <a:ext cx="12192000" cy="6858001"/>
+          </a:xfrm>
+          <a:prstGeom prst="rect">
+            <a:avLst/>
+          </a:prstGeom>
+        </p:spPr>
+      </p:pic>
+      <p:grpSp>
+        <p:nvGrpSpPr>
+          <p:cNvPr id="18" name="Group 17">
+            <a:extLst>
+              <a:ext uri="{FF2B5EF4-FFF2-40B4-BE49-F238E27FC236}">
+                <a16:creationId xmlns:a16="http://schemas.microsoft.com/office/drawing/2014/main" id="{E8EEE786-2761-1B03-2DBB-8CC3E377F218}"/>
+              </a:ext>
+              <a:ext uri="{C183D7F6-B498-43B3-948B-1728B52AA6E4}">
+                <adec:decorative xmlns:adec="http://schemas.microsoft.com/office/drawing/2017/decorative" val="1"/>
+              </a:ext>
+            </a:extLst>
+          </p:cNvPr>
+          <p:cNvGrpSpPr>
+            <a:grpSpLocks noGrp="1" noUngrp="1" noRot="1" noChangeAspect="1" noMove="1" noResize="1"/>
+          </p:cNvGrpSpPr>
+          <p:nvPr>
+            <p:extLst>
+              <p:ext uri="{386F3935-93C4-4BCD-93E2-E3B085C9AB24}">
+                <p16:designElem xmlns:p16="http://schemas.microsoft.com/office/powerpoint/2015/main" val="1"/>
+              </p:ext>
+            </p:extLst>
+          </p:nvPr>
+        </p:nvGrpSpPr>
+        <p:grpSpPr>
+          <a:xfrm>
+            <a:off x="438068" y="457200"/>
+            <a:ext cx="3703320" cy="5935132"/>
+            <a:chOff x="438068" y="457200"/>
+            <a:chExt cx="3703320" cy="5935132"/>
+          </a:xfrm>
+        </p:grpSpPr>
+        <p:sp>
+          <p:nvSpPr>
+            <p:cNvPr id="19" name="Rectangle 18">
+              <a:extLst>
+                <a:ext uri="{FF2B5EF4-FFF2-40B4-BE49-F238E27FC236}">
+                  <a16:creationId xmlns:a16="http://schemas.microsoft.com/office/drawing/2014/main" id="{3BA4FF27-2F9B-425A-26D1-2A7A4515DC7D}"/>
+                </a:ext>
+                <a:ext uri="{C183D7F6-B498-43B3-948B-1728B52AA6E4}">
+                  <adec:decorative xmlns:adec="http://schemas.microsoft.com/office/drawing/2017/decorative" val="1"/>
+                </a:ext>
+              </a:extLst>
+            </p:cNvPr>
+            <p:cNvSpPr/>
+            <p:nvPr>
+              <p:extLst>
+                <p:ext uri="{386F3935-93C4-4BCD-93E2-E3B085C9AB24}">
+                  <p16:designElem xmlns:p16="http://schemas.microsoft.com/office/powerpoint/2015/main" val="1"/>
+                </p:ext>
+              </p:extLst>
+            </p:nvPr>
+          </p:nvSpPr>
+          <p:spPr>
+            <a:xfrm>
+              <a:off x="438068" y="618067"/>
+              <a:ext cx="3702134" cy="5774265"/>
+            </a:xfrm>
+            <a:prstGeom prst="rect">
+              <a:avLst/>
+            </a:prstGeom>
+            <a:solidFill>
+              <a:schemeClr val="accent1">
+                <a:alpha val="97000"/>
+              </a:schemeClr>
+            </a:solidFill>
+            <a:ln w="6350" cmpd="sng">
+              <a:noFill/>
+            </a:ln>
+            <a:effectLst/>
+          </p:spPr>
+          <p:style>
+            <a:lnRef idx="1">
+              <a:schemeClr val="accent1"/>
+            </a:lnRef>
+            <a:fillRef idx="3">
+              <a:schemeClr val="accent1"/>
+            </a:fillRef>
+            <a:effectRef idx="2">
+              <a:schemeClr val="accent1"/>
+            </a:effectRef>
+            <a:fontRef idx="minor">
+              <a:schemeClr val="lt1"/>
+            </a:fontRef>
+          </p:style>
+          <p:txBody>
+            <a:bodyPr/>
+            <a:lstStyle/>
+            <a:p>
+              <a:endParaRPr lang="en-GB"/>
+            </a:p>
+          </p:txBody>
+        </p:sp>
+        <p:sp>
+          <p:nvSpPr>
+            <p:cNvPr id="20" name="Rectangle 19">
+              <a:extLst>
+                <a:ext uri="{FF2B5EF4-FFF2-40B4-BE49-F238E27FC236}">
+                  <a16:creationId xmlns:a16="http://schemas.microsoft.com/office/drawing/2014/main" id="{44F5A866-1E88-0060-2036-5A14C76977BE}"/>
+                </a:ext>
+                <a:ext uri="{C183D7F6-B498-43B3-948B-1728B52AA6E4}">
+                  <adec:decorative xmlns:adec="http://schemas.microsoft.com/office/drawing/2017/decorative" val="1"/>
+                </a:ext>
+              </a:extLst>
+            </p:cNvPr>
+            <p:cNvSpPr/>
+            <p:nvPr>
+              <p:extLst>
+                <p:ext uri="{386F3935-93C4-4BCD-93E2-E3B085C9AB24}">
+                  <p16:designElem xmlns:p16="http://schemas.microsoft.com/office/powerpoint/2015/main" val="1"/>
+                </p:ext>
+              </p:extLst>
+            </p:nvPr>
+          </p:nvSpPr>
+          <p:spPr>
+            <a:xfrm>
+              <a:off x="438068" y="457200"/>
+              <a:ext cx="3703320" cy="94997"/>
+            </a:xfrm>
+            <a:prstGeom prst="rect">
+              <a:avLst/>
+            </a:prstGeom>
+            <a:solidFill>
+              <a:schemeClr val="accent1"/>
+            </a:solidFill>
+            <a:ln>
+              <a:noFill/>
+            </a:ln>
+            <a:effectLst/>
+          </p:spPr>
+          <p:style>
+            <a:lnRef idx="1">
+              <a:schemeClr val="accent1"/>
+            </a:lnRef>
+            <a:fillRef idx="3">
+              <a:schemeClr val="accent1"/>
+            </a:fillRef>
+            <a:effectRef idx="2">
+              <a:schemeClr val="accent1"/>
+            </a:effectRef>
+            <a:fontRef idx="minor">
+              <a:schemeClr val="lt1"/>
+            </a:fontRef>
+          </p:style>
+          <p:txBody>
+            <a:bodyPr/>
+            <a:lstStyle/>
+            <a:p>
+              <a:endParaRPr lang="en-GB"/>
+            </a:p>
+          </p:txBody>
+        </p:sp>
+      </p:grpSp>
+      <p:sp>
+        <p:nvSpPr>
           <p:cNvPr id="2" name="Title 1">
             <a:extLst>
               <a:ext uri="{FF2B5EF4-FFF2-40B4-BE49-F238E27FC236}">
-                <a16:creationId xmlns:a16="http://schemas.microsoft.com/office/drawing/2014/main" id="{0D252E13-E62E-5940-B79B-60D00E65A8A3}"/>
+                <a16:creationId xmlns:a16="http://schemas.microsoft.com/office/drawing/2014/main" id="{8C2EA7CD-3899-21D9-2948-09EB3A5D2626}"/>
               </a:ext>
             </a:extLst>
           </p:cNvPr>
@@ -8916,26 +10053,31 @@
         </p:nvSpPr>
         <p:spPr>
           <a:xfrm>
-            <a:off x="581192" y="3584237"/>
-            <a:ext cx="11029615" cy="1497507"/>
+            <a:off x="583101" y="2019298"/>
+            <a:ext cx="3412067" cy="2971801"/>
           </a:xfrm>
         </p:spPr>
         <p:txBody>
-          <a:bodyPr/>
+          <a:bodyPr vert="horz" lIns="91440" tIns="45720" rIns="91440" bIns="45720" rtlCol="0" anchor="b">
+            <a:normAutofit/>
+          </a:bodyPr>
           <a:lstStyle/>
           <a:p>
             <a:r>
-              <a:rPr lang="en-GB"/>
-              <a:t>Introduction to monte carlo methods</a:t>
-            </a:r>
-            <a:endParaRPr lang="en-GB" dirty="0"/>
+              <a:rPr lang="en-US" sz="3200" dirty="0">
+                <a:solidFill>
+                  <a:srgbClr val="FFFFFF"/>
+                </a:solidFill>
+              </a:rPr>
+              <a:t>Introduction to monte Carlo Methods</a:t>
+            </a:r>
           </a:p>
         </p:txBody>
       </p:sp>
     </p:spTree>
     <p:extLst>
       <p:ext uri="{BB962C8B-B14F-4D97-AF65-F5344CB8AC3E}">
-        <p14:creationId xmlns:p14="http://schemas.microsoft.com/office/powerpoint/2010/main" val="2785755565"/>
+        <p14:creationId xmlns:p14="http://schemas.microsoft.com/office/powerpoint/2010/main" val="2105460175"/>
       </p:ext>
     </p:extLst>
   </p:cSld>
@@ -8984,15 +10126,15 @@
           <a:lstStyle/>
           <a:p>
             <a:r>
-              <a:rPr lang="en-GB"/>
+              <a:rPr lang="en-GB" dirty="0"/>
               <a:t>What are monte </a:t>
             </a:r>
             <a:r>
-              <a:rPr lang="en-GB" err="1"/>
+              <a:rPr lang="en-GB" dirty="0" err="1"/>
               <a:t>carlo</a:t>
             </a:r>
             <a:r>
-              <a:rPr lang="en-GB"/>
+              <a:rPr lang="en-GB" dirty="0"/>
               <a:t> methods</a:t>
             </a:r>
           </a:p>
@@ -10439,12 +11581,28 @@
           <a:lstStyle/>
           <a:p>
             <a:r>
-              <a:rPr lang="en-US">
+              <a:rPr lang="en-US" dirty="0">
                 <a:solidFill>
                   <a:srgbClr val="FFFFFF"/>
                 </a:solidFill>
               </a:rPr>
-              <a:t>Solving problems with monte carlo methods</a:t>
+              <a:t>Solving problems with monte </a:t>
+            </a:r>
+            <a:r>
+              <a:rPr lang="en-US" dirty="0" err="1">
+                <a:solidFill>
+                  <a:srgbClr val="FFFFFF"/>
+                </a:solidFill>
+              </a:rPr>
+              <a:t>carlo</a:t>
+            </a:r>
+            <a:r>
+              <a:rPr lang="en-US" dirty="0">
+                <a:solidFill>
+                  <a:srgbClr val="FFFFFF"/>
+                </a:solidFill>
+              </a:rPr>
+              <a:t> methods</a:t>
             </a:r>
           </a:p>
         </p:txBody>

--- a/presentation.pptx
+++ b/presentation.pptx
@@ -23,7 +23,7 @@
     <p:sldId id="260" r:id="rId14"/>
     <p:sldId id="261" r:id="rId15"/>
     <p:sldId id="266" r:id="rId16"/>
-    <p:sldId id="268" r:id="rId17"/>
+    <p:sldId id="277" r:id="rId17"/>
     <p:sldId id="271" r:id="rId18"/>
     <p:sldId id="276" r:id="rId19"/>
     <p:sldId id="258" r:id="rId20"/>
@@ -535,7 +535,445 @@
           <a:bodyPr/>
           <a:lstStyle/>
           <a:p>
-            <a:endParaRPr lang="en-GB" dirty="0"/>
+            <a:r>
+              <a:rPr lang="en-GB" dirty="0"/>
+              <a:t>Archie</a:t>
+            </a:r>
+          </a:p>
+        </p:txBody>
+      </p:sp>
+      <p:sp>
+        <p:nvSpPr>
+          <p:cNvPr id="4" name="Slide Number Placeholder 3"/>
+          <p:cNvSpPr>
+            <a:spLocks noGrp="1"/>
+          </p:cNvSpPr>
+          <p:nvPr>
+            <p:ph type="sldNum" sz="quarter" idx="5"/>
+          </p:nvPr>
+        </p:nvSpPr>
+        <p:spPr/>
+        <p:txBody>
+          <a:bodyPr/>
+          <a:lstStyle/>
+          <a:p>
+            <a:fld id="{6276ED8E-2DD7-E248-8FEE-09B72A8CF7EB}" type="slidenum">
+              <a:rPr lang="en-GB" smtClean="0"/>
+              <a:t>3</a:t>
+            </a:fld>
+            <a:endParaRPr lang="en-GB"/>
+          </a:p>
+        </p:txBody>
+      </p:sp>
+    </p:spTree>
+    <p:extLst>
+      <p:ext uri="{BB962C8B-B14F-4D97-AF65-F5344CB8AC3E}">
+        <p14:creationId xmlns:p14="http://schemas.microsoft.com/office/powerpoint/2010/main" val="2667025658"/>
+      </p:ext>
+    </p:extLst>
+  </p:cSld>
+  <p:clrMapOvr>
+    <a:masterClrMapping/>
+  </p:clrMapOvr>
+</p:notes>
+</file>
+
+<file path=ppt/notesSlides/notesSlide10.xml><?xml version="1.0" encoding="utf-8"?>
+<p:notes xmlns:a="http://schemas.openxmlformats.org/drawingml/2006/main" xmlns:r="http://schemas.openxmlformats.org/officeDocument/2006/relationships" xmlns:p="http://schemas.openxmlformats.org/presentationml/2006/main">
+  <p:cSld>
+    <p:spTree>
+      <p:nvGrpSpPr>
+        <p:cNvPr id="1" name=""/>
+        <p:cNvGrpSpPr/>
+        <p:nvPr/>
+      </p:nvGrpSpPr>
+      <p:grpSpPr>
+        <a:xfrm>
+          <a:off x="0" y="0"/>
+          <a:ext cx="0" cy="0"/>
+          <a:chOff x="0" y="0"/>
+          <a:chExt cx="0" cy="0"/>
+        </a:xfrm>
+      </p:grpSpPr>
+      <p:sp>
+        <p:nvSpPr>
+          <p:cNvPr id="2" name="Slide Image Placeholder 1"/>
+          <p:cNvSpPr>
+            <a:spLocks noGrp="1" noRot="1" noChangeAspect="1"/>
+          </p:cNvSpPr>
+          <p:nvPr>
+            <p:ph type="sldImg"/>
+          </p:nvPr>
+        </p:nvSpPr>
+        <p:spPr/>
+      </p:sp>
+      <p:sp>
+        <p:nvSpPr>
+          <p:cNvPr id="3" name="Notes Placeholder 2"/>
+          <p:cNvSpPr>
+            <a:spLocks noGrp="1"/>
+          </p:cNvSpPr>
+          <p:nvPr>
+            <p:ph type="body" idx="1"/>
+          </p:nvPr>
+        </p:nvSpPr>
+        <p:spPr/>
+        <p:txBody>
+          <a:bodyPr/>
+          <a:lstStyle/>
+          <a:p>
+            <a:r>
+              <a:rPr lang="en-GB" dirty="0"/>
+              <a:t>Bobby</a:t>
+            </a:r>
+          </a:p>
+        </p:txBody>
+      </p:sp>
+      <p:sp>
+        <p:nvSpPr>
+          <p:cNvPr id="4" name="Slide Number Placeholder 3"/>
+          <p:cNvSpPr>
+            <a:spLocks noGrp="1"/>
+          </p:cNvSpPr>
+          <p:nvPr>
+            <p:ph type="sldNum" sz="quarter" idx="5"/>
+          </p:nvPr>
+        </p:nvSpPr>
+        <p:spPr/>
+        <p:txBody>
+          <a:bodyPr/>
+          <a:lstStyle/>
+          <a:p>
+            <a:fld id="{6276ED8E-2DD7-E248-8FEE-09B72A8CF7EB}" type="slidenum">
+              <a:rPr lang="en-GB" smtClean="0"/>
+              <a:t>13</a:t>
+            </a:fld>
+            <a:endParaRPr lang="en-GB"/>
+          </a:p>
+        </p:txBody>
+      </p:sp>
+    </p:spTree>
+    <p:extLst>
+      <p:ext uri="{BB962C8B-B14F-4D97-AF65-F5344CB8AC3E}">
+        <p14:creationId xmlns:p14="http://schemas.microsoft.com/office/powerpoint/2010/main" val="1601431483"/>
+      </p:ext>
+    </p:extLst>
+  </p:cSld>
+  <p:clrMapOvr>
+    <a:masterClrMapping/>
+  </p:clrMapOvr>
+</p:notes>
+</file>
+
+<file path=ppt/notesSlides/notesSlide11.xml><?xml version="1.0" encoding="utf-8"?>
+<p:notes xmlns:a="http://schemas.openxmlformats.org/drawingml/2006/main" xmlns:r="http://schemas.openxmlformats.org/officeDocument/2006/relationships" xmlns:p="http://schemas.openxmlformats.org/presentationml/2006/main">
+  <p:cSld>
+    <p:spTree>
+      <p:nvGrpSpPr>
+        <p:cNvPr id="1" name=""/>
+        <p:cNvGrpSpPr/>
+        <p:nvPr/>
+      </p:nvGrpSpPr>
+      <p:grpSpPr>
+        <a:xfrm>
+          <a:off x="0" y="0"/>
+          <a:ext cx="0" cy="0"/>
+          <a:chOff x="0" y="0"/>
+          <a:chExt cx="0" cy="0"/>
+        </a:xfrm>
+      </p:grpSpPr>
+      <p:sp>
+        <p:nvSpPr>
+          <p:cNvPr id="2" name="Slide Image Placeholder 1"/>
+          <p:cNvSpPr>
+            <a:spLocks noGrp="1" noRot="1" noChangeAspect="1"/>
+          </p:cNvSpPr>
+          <p:nvPr>
+            <p:ph type="sldImg"/>
+          </p:nvPr>
+        </p:nvSpPr>
+        <p:spPr/>
+      </p:sp>
+      <p:sp>
+        <p:nvSpPr>
+          <p:cNvPr id="3" name="Notes Placeholder 2"/>
+          <p:cNvSpPr>
+            <a:spLocks noGrp="1"/>
+          </p:cNvSpPr>
+          <p:nvPr>
+            <p:ph type="body" idx="1"/>
+          </p:nvPr>
+        </p:nvSpPr>
+        <p:spPr/>
+        <p:txBody>
+          <a:bodyPr/>
+          <a:lstStyle/>
+          <a:p>
+            <a:r>
+              <a:rPr lang="en-GB" dirty="0"/>
+              <a:t>Bobby</a:t>
+            </a:r>
+          </a:p>
+        </p:txBody>
+      </p:sp>
+      <p:sp>
+        <p:nvSpPr>
+          <p:cNvPr id="4" name="Slide Number Placeholder 3"/>
+          <p:cNvSpPr>
+            <a:spLocks noGrp="1"/>
+          </p:cNvSpPr>
+          <p:nvPr>
+            <p:ph type="sldNum" sz="quarter" idx="5"/>
+          </p:nvPr>
+        </p:nvSpPr>
+        <p:spPr/>
+        <p:txBody>
+          <a:bodyPr/>
+          <a:lstStyle/>
+          <a:p>
+            <a:fld id="{6276ED8E-2DD7-E248-8FEE-09B72A8CF7EB}" type="slidenum">
+              <a:rPr lang="en-GB" smtClean="0"/>
+              <a:t>14</a:t>
+            </a:fld>
+            <a:endParaRPr lang="en-GB"/>
+          </a:p>
+        </p:txBody>
+      </p:sp>
+    </p:spTree>
+    <p:extLst>
+      <p:ext uri="{BB962C8B-B14F-4D97-AF65-F5344CB8AC3E}">
+        <p14:creationId xmlns:p14="http://schemas.microsoft.com/office/powerpoint/2010/main" val="975709636"/>
+      </p:ext>
+    </p:extLst>
+  </p:cSld>
+  <p:clrMapOvr>
+    <a:masterClrMapping/>
+  </p:clrMapOvr>
+</p:notes>
+</file>
+
+<file path=ppt/notesSlides/notesSlide12.xml><?xml version="1.0" encoding="utf-8"?>
+<p:notes xmlns:a="http://schemas.openxmlformats.org/drawingml/2006/main" xmlns:r="http://schemas.openxmlformats.org/officeDocument/2006/relationships" xmlns:p="http://schemas.openxmlformats.org/presentationml/2006/main">
+  <p:cSld>
+    <p:spTree>
+      <p:nvGrpSpPr>
+        <p:cNvPr id="1" name=""/>
+        <p:cNvGrpSpPr/>
+        <p:nvPr/>
+      </p:nvGrpSpPr>
+      <p:grpSpPr>
+        <a:xfrm>
+          <a:off x="0" y="0"/>
+          <a:ext cx="0" cy="0"/>
+          <a:chOff x="0" y="0"/>
+          <a:chExt cx="0" cy="0"/>
+        </a:xfrm>
+      </p:grpSpPr>
+      <p:sp>
+        <p:nvSpPr>
+          <p:cNvPr id="2" name="Slide Image Placeholder 1"/>
+          <p:cNvSpPr>
+            <a:spLocks noGrp="1" noRot="1" noChangeAspect="1"/>
+          </p:cNvSpPr>
+          <p:nvPr>
+            <p:ph type="sldImg"/>
+          </p:nvPr>
+        </p:nvSpPr>
+        <p:spPr/>
+      </p:sp>
+      <p:sp>
+        <p:nvSpPr>
+          <p:cNvPr id="3" name="Notes Placeholder 2"/>
+          <p:cNvSpPr>
+            <a:spLocks noGrp="1"/>
+          </p:cNvSpPr>
+          <p:nvPr>
+            <p:ph type="body" idx="1"/>
+          </p:nvPr>
+        </p:nvSpPr>
+        <p:spPr/>
+        <p:txBody>
+          <a:bodyPr/>
+          <a:lstStyle/>
+          <a:p>
+            <a:r>
+              <a:rPr lang="en-GB" dirty="0"/>
+              <a:t>Josh</a:t>
+            </a:r>
+          </a:p>
+        </p:txBody>
+      </p:sp>
+      <p:sp>
+        <p:nvSpPr>
+          <p:cNvPr id="4" name="Slide Number Placeholder 3"/>
+          <p:cNvSpPr>
+            <a:spLocks noGrp="1"/>
+          </p:cNvSpPr>
+          <p:nvPr>
+            <p:ph type="sldNum" sz="quarter" idx="5"/>
+          </p:nvPr>
+        </p:nvSpPr>
+        <p:spPr/>
+        <p:txBody>
+          <a:bodyPr/>
+          <a:lstStyle/>
+          <a:p>
+            <a:fld id="{6276ED8E-2DD7-E248-8FEE-09B72A8CF7EB}" type="slidenum">
+              <a:rPr lang="en-GB" smtClean="0"/>
+              <a:t>16</a:t>
+            </a:fld>
+            <a:endParaRPr lang="en-GB"/>
+          </a:p>
+        </p:txBody>
+      </p:sp>
+    </p:spTree>
+    <p:extLst>
+      <p:ext uri="{BB962C8B-B14F-4D97-AF65-F5344CB8AC3E}">
+        <p14:creationId xmlns:p14="http://schemas.microsoft.com/office/powerpoint/2010/main" val="3331477460"/>
+      </p:ext>
+    </p:extLst>
+  </p:cSld>
+  <p:clrMapOvr>
+    <a:masterClrMapping/>
+  </p:clrMapOvr>
+</p:notes>
+</file>
+
+<file path=ppt/notesSlides/notesSlide13.xml><?xml version="1.0" encoding="utf-8"?>
+<p:notes xmlns:a="http://schemas.openxmlformats.org/drawingml/2006/main" xmlns:r="http://schemas.openxmlformats.org/officeDocument/2006/relationships" xmlns:p="http://schemas.openxmlformats.org/presentationml/2006/main">
+  <p:cSld>
+    <p:spTree>
+      <p:nvGrpSpPr>
+        <p:cNvPr id="1" name=""/>
+        <p:cNvGrpSpPr/>
+        <p:nvPr/>
+      </p:nvGrpSpPr>
+      <p:grpSpPr>
+        <a:xfrm>
+          <a:off x="0" y="0"/>
+          <a:ext cx="0" cy="0"/>
+          <a:chOff x="0" y="0"/>
+          <a:chExt cx="0" cy="0"/>
+        </a:xfrm>
+      </p:grpSpPr>
+      <p:sp>
+        <p:nvSpPr>
+          <p:cNvPr id="2" name="Slide Image Placeholder 1"/>
+          <p:cNvSpPr>
+            <a:spLocks noGrp="1" noRot="1" noChangeAspect="1"/>
+          </p:cNvSpPr>
+          <p:nvPr>
+            <p:ph type="sldImg"/>
+          </p:nvPr>
+        </p:nvSpPr>
+        <p:spPr/>
+      </p:sp>
+      <p:sp>
+        <p:nvSpPr>
+          <p:cNvPr id="3" name="Notes Placeholder 2"/>
+          <p:cNvSpPr>
+            <a:spLocks noGrp="1"/>
+          </p:cNvSpPr>
+          <p:nvPr>
+            <p:ph type="body" idx="1"/>
+          </p:nvPr>
+        </p:nvSpPr>
+        <p:spPr/>
+        <p:txBody>
+          <a:bodyPr/>
+          <a:lstStyle/>
+          <a:p>
+            <a:r>
+              <a:rPr lang="en-GB" dirty="0"/>
+              <a:t>Tom</a:t>
+            </a:r>
+          </a:p>
+        </p:txBody>
+      </p:sp>
+      <p:sp>
+        <p:nvSpPr>
+          <p:cNvPr id="4" name="Slide Number Placeholder 3"/>
+          <p:cNvSpPr>
+            <a:spLocks noGrp="1"/>
+          </p:cNvSpPr>
+          <p:nvPr>
+            <p:ph type="sldNum" sz="quarter" idx="5"/>
+          </p:nvPr>
+        </p:nvSpPr>
+        <p:spPr/>
+        <p:txBody>
+          <a:bodyPr/>
+          <a:lstStyle/>
+          <a:p>
+            <a:fld id="{6276ED8E-2DD7-E248-8FEE-09B72A8CF7EB}" type="slidenum">
+              <a:rPr lang="en-GB" smtClean="0"/>
+              <a:t>17</a:t>
+            </a:fld>
+            <a:endParaRPr lang="en-GB"/>
+          </a:p>
+        </p:txBody>
+      </p:sp>
+    </p:spTree>
+    <p:extLst>
+      <p:ext uri="{BB962C8B-B14F-4D97-AF65-F5344CB8AC3E}">
+        <p14:creationId xmlns:p14="http://schemas.microsoft.com/office/powerpoint/2010/main" val="4228163247"/>
+      </p:ext>
+    </p:extLst>
+  </p:cSld>
+  <p:clrMapOvr>
+    <a:masterClrMapping/>
+  </p:clrMapOvr>
+</p:notes>
+</file>
+
+<file path=ppt/notesSlides/notesSlide14.xml><?xml version="1.0" encoding="utf-8"?>
+<p:notes xmlns:a="http://schemas.openxmlformats.org/drawingml/2006/main" xmlns:r="http://schemas.openxmlformats.org/officeDocument/2006/relationships" xmlns:p="http://schemas.openxmlformats.org/presentationml/2006/main">
+  <p:cSld>
+    <p:spTree>
+      <p:nvGrpSpPr>
+        <p:cNvPr id="1" name=""/>
+        <p:cNvGrpSpPr/>
+        <p:nvPr/>
+      </p:nvGrpSpPr>
+      <p:grpSpPr>
+        <a:xfrm>
+          <a:off x="0" y="0"/>
+          <a:ext cx="0" cy="0"/>
+          <a:chOff x="0" y="0"/>
+          <a:chExt cx="0" cy="0"/>
+        </a:xfrm>
+      </p:grpSpPr>
+      <p:sp>
+        <p:nvSpPr>
+          <p:cNvPr id="2" name="Slide Image Placeholder 1"/>
+          <p:cNvSpPr>
+            <a:spLocks noGrp="1" noRot="1" noChangeAspect="1"/>
+          </p:cNvSpPr>
+          <p:nvPr>
+            <p:ph type="sldImg"/>
+          </p:nvPr>
+        </p:nvSpPr>
+        <p:spPr/>
+      </p:sp>
+      <p:sp>
+        <p:nvSpPr>
+          <p:cNvPr id="3" name="Notes Placeholder 2"/>
+          <p:cNvSpPr>
+            <a:spLocks noGrp="1"/>
+          </p:cNvSpPr>
+          <p:nvPr>
+            <p:ph type="body" idx="1"/>
+          </p:nvPr>
+        </p:nvSpPr>
+        <p:spPr/>
+        <p:txBody>
+          <a:bodyPr/>
+          <a:lstStyle/>
+          <a:p>
+            <a:r>
+              <a:rPr lang="en-GB" dirty="0"/>
+              <a:t>Archie</a:t>
+            </a:r>
           </a:p>
         </p:txBody>
       </p:sp>
@@ -566,6 +1004,702 @@
     <p:extLst>
       <p:ext uri="{BB962C8B-B14F-4D97-AF65-F5344CB8AC3E}">
         <p14:creationId xmlns:p14="http://schemas.microsoft.com/office/powerpoint/2010/main" val="2625352820"/>
+      </p:ext>
+    </p:extLst>
+  </p:cSld>
+  <p:clrMapOvr>
+    <a:masterClrMapping/>
+  </p:clrMapOvr>
+</p:notes>
+</file>
+
+<file path=ppt/notesSlides/notesSlide2.xml><?xml version="1.0" encoding="utf-8"?>
+<p:notes xmlns:a="http://schemas.openxmlformats.org/drawingml/2006/main" xmlns:r="http://schemas.openxmlformats.org/officeDocument/2006/relationships" xmlns:p="http://schemas.openxmlformats.org/presentationml/2006/main">
+  <p:cSld>
+    <p:spTree>
+      <p:nvGrpSpPr>
+        <p:cNvPr id="1" name=""/>
+        <p:cNvGrpSpPr/>
+        <p:nvPr/>
+      </p:nvGrpSpPr>
+      <p:grpSpPr>
+        <a:xfrm>
+          <a:off x="0" y="0"/>
+          <a:ext cx="0" cy="0"/>
+          <a:chOff x="0" y="0"/>
+          <a:chExt cx="0" cy="0"/>
+        </a:xfrm>
+      </p:grpSpPr>
+      <p:sp>
+        <p:nvSpPr>
+          <p:cNvPr id="2" name="Slide Image Placeholder 1"/>
+          <p:cNvSpPr>
+            <a:spLocks noGrp="1" noRot="1" noChangeAspect="1"/>
+          </p:cNvSpPr>
+          <p:nvPr>
+            <p:ph type="sldImg"/>
+          </p:nvPr>
+        </p:nvSpPr>
+        <p:spPr/>
+      </p:sp>
+      <p:sp>
+        <p:nvSpPr>
+          <p:cNvPr id="3" name="Notes Placeholder 2"/>
+          <p:cNvSpPr>
+            <a:spLocks noGrp="1"/>
+          </p:cNvSpPr>
+          <p:nvPr>
+            <p:ph type="body" idx="1"/>
+          </p:nvPr>
+        </p:nvSpPr>
+        <p:spPr/>
+        <p:txBody>
+          <a:bodyPr/>
+          <a:lstStyle/>
+          <a:p>
+            <a:r>
+              <a:rPr lang="en-GB" dirty="0"/>
+              <a:t>Eoin</a:t>
+            </a:r>
+          </a:p>
+        </p:txBody>
+      </p:sp>
+      <p:sp>
+        <p:nvSpPr>
+          <p:cNvPr id="4" name="Slide Number Placeholder 3"/>
+          <p:cNvSpPr>
+            <a:spLocks noGrp="1"/>
+          </p:cNvSpPr>
+          <p:nvPr>
+            <p:ph type="sldNum" sz="quarter" idx="5"/>
+          </p:nvPr>
+        </p:nvSpPr>
+        <p:spPr/>
+        <p:txBody>
+          <a:bodyPr/>
+          <a:lstStyle/>
+          <a:p>
+            <a:fld id="{6276ED8E-2DD7-E248-8FEE-09B72A8CF7EB}" type="slidenum">
+              <a:rPr lang="en-GB" smtClean="0"/>
+              <a:t>4</a:t>
+            </a:fld>
+            <a:endParaRPr lang="en-GB"/>
+          </a:p>
+        </p:txBody>
+      </p:sp>
+    </p:spTree>
+    <p:extLst>
+      <p:ext uri="{BB962C8B-B14F-4D97-AF65-F5344CB8AC3E}">
+        <p14:creationId xmlns:p14="http://schemas.microsoft.com/office/powerpoint/2010/main" val="1416422421"/>
+      </p:ext>
+    </p:extLst>
+  </p:cSld>
+  <p:clrMapOvr>
+    <a:masterClrMapping/>
+  </p:clrMapOvr>
+</p:notes>
+</file>
+
+<file path=ppt/notesSlides/notesSlide3.xml><?xml version="1.0" encoding="utf-8"?>
+<p:notes xmlns:a="http://schemas.openxmlformats.org/drawingml/2006/main" xmlns:r="http://schemas.openxmlformats.org/officeDocument/2006/relationships" xmlns:p="http://schemas.openxmlformats.org/presentationml/2006/main">
+  <p:cSld>
+    <p:spTree>
+      <p:nvGrpSpPr>
+        <p:cNvPr id="1" name=""/>
+        <p:cNvGrpSpPr/>
+        <p:nvPr/>
+      </p:nvGrpSpPr>
+      <p:grpSpPr>
+        <a:xfrm>
+          <a:off x="0" y="0"/>
+          <a:ext cx="0" cy="0"/>
+          <a:chOff x="0" y="0"/>
+          <a:chExt cx="0" cy="0"/>
+        </a:xfrm>
+      </p:grpSpPr>
+      <p:sp>
+        <p:nvSpPr>
+          <p:cNvPr id="2" name="Slide Image Placeholder 1"/>
+          <p:cNvSpPr>
+            <a:spLocks noGrp="1" noRot="1" noChangeAspect="1"/>
+          </p:cNvSpPr>
+          <p:nvPr>
+            <p:ph type="sldImg"/>
+          </p:nvPr>
+        </p:nvSpPr>
+        <p:spPr/>
+      </p:sp>
+      <p:sp>
+        <p:nvSpPr>
+          <p:cNvPr id="3" name="Notes Placeholder 2"/>
+          <p:cNvSpPr>
+            <a:spLocks noGrp="1"/>
+          </p:cNvSpPr>
+          <p:nvPr>
+            <p:ph type="body" idx="1"/>
+          </p:nvPr>
+        </p:nvSpPr>
+        <p:spPr/>
+        <p:txBody>
+          <a:bodyPr/>
+          <a:lstStyle/>
+          <a:p>
+            <a:r>
+              <a:rPr lang="en-GB" dirty="0"/>
+              <a:t>Josh</a:t>
+            </a:r>
+          </a:p>
+        </p:txBody>
+      </p:sp>
+      <p:sp>
+        <p:nvSpPr>
+          <p:cNvPr id="4" name="Slide Number Placeholder 3"/>
+          <p:cNvSpPr>
+            <a:spLocks noGrp="1"/>
+          </p:cNvSpPr>
+          <p:nvPr>
+            <p:ph type="sldNum" sz="quarter" idx="5"/>
+          </p:nvPr>
+        </p:nvSpPr>
+        <p:spPr/>
+        <p:txBody>
+          <a:bodyPr/>
+          <a:lstStyle/>
+          <a:p>
+            <a:fld id="{6276ED8E-2DD7-E248-8FEE-09B72A8CF7EB}" type="slidenum">
+              <a:rPr lang="en-GB" smtClean="0"/>
+              <a:t>6</a:t>
+            </a:fld>
+            <a:endParaRPr lang="en-GB"/>
+          </a:p>
+        </p:txBody>
+      </p:sp>
+    </p:spTree>
+    <p:extLst>
+      <p:ext uri="{BB962C8B-B14F-4D97-AF65-F5344CB8AC3E}">
+        <p14:creationId xmlns:p14="http://schemas.microsoft.com/office/powerpoint/2010/main" val="4009990399"/>
+      </p:ext>
+    </p:extLst>
+  </p:cSld>
+  <p:clrMapOvr>
+    <a:masterClrMapping/>
+  </p:clrMapOvr>
+</p:notes>
+</file>
+
+<file path=ppt/notesSlides/notesSlide4.xml><?xml version="1.0" encoding="utf-8"?>
+<p:notes xmlns:a="http://schemas.openxmlformats.org/drawingml/2006/main" xmlns:r="http://schemas.openxmlformats.org/officeDocument/2006/relationships" xmlns:p="http://schemas.openxmlformats.org/presentationml/2006/main">
+  <p:cSld>
+    <p:spTree>
+      <p:nvGrpSpPr>
+        <p:cNvPr id="1" name=""/>
+        <p:cNvGrpSpPr/>
+        <p:nvPr/>
+      </p:nvGrpSpPr>
+      <p:grpSpPr>
+        <a:xfrm>
+          <a:off x="0" y="0"/>
+          <a:ext cx="0" cy="0"/>
+          <a:chOff x="0" y="0"/>
+          <a:chExt cx="0" cy="0"/>
+        </a:xfrm>
+      </p:grpSpPr>
+      <p:sp>
+        <p:nvSpPr>
+          <p:cNvPr id="2" name="Slide Image Placeholder 1"/>
+          <p:cNvSpPr>
+            <a:spLocks noGrp="1" noRot="1" noChangeAspect="1"/>
+          </p:cNvSpPr>
+          <p:nvPr>
+            <p:ph type="sldImg"/>
+          </p:nvPr>
+        </p:nvSpPr>
+        <p:spPr/>
+      </p:sp>
+      <p:sp>
+        <p:nvSpPr>
+          <p:cNvPr id="3" name="Notes Placeholder 2"/>
+          <p:cNvSpPr>
+            <a:spLocks noGrp="1"/>
+          </p:cNvSpPr>
+          <p:nvPr>
+            <p:ph type="body" idx="1"/>
+          </p:nvPr>
+        </p:nvSpPr>
+        <p:spPr/>
+        <p:txBody>
+          <a:bodyPr/>
+          <a:lstStyle/>
+          <a:p>
+            <a:r>
+              <a:rPr lang="en-GB" dirty="0"/>
+              <a:t>Josh</a:t>
+            </a:r>
+          </a:p>
+        </p:txBody>
+      </p:sp>
+      <p:sp>
+        <p:nvSpPr>
+          <p:cNvPr id="4" name="Slide Number Placeholder 3"/>
+          <p:cNvSpPr>
+            <a:spLocks noGrp="1"/>
+          </p:cNvSpPr>
+          <p:nvPr>
+            <p:ph type="sldNum" sz="quarter" idx="5"/>
+          </p:nvPr>
+        </p:nvSpPr>
+        <p:spPr/>
+        <p:txBody>
+          <a:bodyPr/>
+          <a:lstStyle/>
+          <a:p>
+            <a:fld id="{6276ED8E-2DD7-E248-8FEE-09B72A8CF7EB}" type="slidenum">
+              <a:rPr lang="en-GB" smtClean="0"/>
+              <a:t>7</a:t>
+            </a:fld>
+            <a:endParaRPr lang="en-GB"/>
+          </a:p>
+        </p:txBody>
+      </p:sp>
+    </p:spTree>
+    <p:extLst>
+      <p:ext uri="{BB962C8B-B14F-4D97-AF65-F5344CB8AC3E}">
+        <p14:creationId xmlns:p14="http://schemas.microsoft.com/office/powerpoint/2010/main" val="483528016"/>
+      </p:ext>
+    </p:extLst>
+  </p:cSld>
+  <p:clrMapOvr>
+    <a:masterClrMapping/>
+  </p:clrMapOvr>
+</p:notes>
+</file>
+
+<file path=ppt/notesSlides/notesSlide5.xml><?xml version="1.0" encoding="utf-8"?>
+<p:notes xmlns:a="http://schemas.openxmlformats.org/drawingml/2006/main" xmlns:r="http://schemas.openxmlformats.org/officeDocument/2006/relationships" xmlns:p="http://schemas.openxmlformats.org/presentationml/2006/main">
+  <p:cSld>
+    <p:spTree>
+      <p:nvGrpSpPr>
+        <p:cNvPr id="1" name=""/>
+        <p:cNvGrpSpPr/>
+        <p:nvPr/>
+      </p:nvGrpSpPr>
+      <p:grpSpPr>
+        <a:xfrm>
+          <a:off x="0" y="0"/>
+          <a:ext cx="0" cy="0"/>
+          <a:chOff x="0" y="0"/>
+          <a:chExt cx="0" cy="0"/>
+        </a:xfrm>
+      </p:grpSpPr>
+      <p:sp>
+        <p:nvSpPr>
+          <p:cNvPr id="2" name="Slide Image Placeholder 1"/>
+          <p:cNvSpPr>
+            <a:spLocks noGrp="1" noRot="1" noChangeAspect="1"/>
+          </p:cNvSpPr>
+          <p:nvPr>
+            <p:ph type="sldImg"/>
+          </p:nvPr>
+        </p:nvSpPr>
+        <p:spPr/>
+      </p:sp>
+      <p:sp>
+        <p:nvSpPr>
+          <p:cNvPr id="3" name="Notes Placeholder 2"/>
+          <p:cNvSpPr>
+            <a:spLocks noGrp="1"/>
+          </p:cNvSpPr>
+          <p:nvPr>
+            <p:ph type="body" idx="1"/>
+          </p:nvPr>
+        </p:nvSpPr>
+        <p:spPr/>
+        <p:txBody>
+          <a:bodyPr/>
+          <a:lstStyle/>
+          <a:p>
+            <a:r>
+              <a:rPr lang="en-GB" dirty="0"/>
+              <a:t>Josh</a:t>
+            </a:r>
+          </a:p>
+        </p:txBody>
+      </p:sp>
+      <p:sp>
+        <p:nvSpPr>
+          <p:cNvPr id="4" name="Slide Number Placeholder 3"/>
+          <p:cNvSpPr>
+            <a:spLocks noGrp="1"/>
+          </p:cNvSpPr>
+          <p:nvPr>
+            <p:ph type="sldNum" sz="quarter" idx="5"/>
+          </p:nvPr>
+        </p:nvSpPr>
+        <p:spPr/>
+        <p:txBody>
+          <a:bodyPr/>
+          <a:lstStyle/>
+          <a:p>
+            <a:fld id="{6276ED8E-2DD7-E248-8FEE-09B72A8CF7EB}" type="slidenum">
+              <a:rPr lang="en-GB" smtClean="0"/>
+              <a:t>8</a:t>
+            </a:fld>
+            <a:endParaRPr lang="en-GB"/>
+          </a:p>
+        </p:txBody>
+      </p:sp>
+    </p:spTree>
+    <p:extLst>
+      <p:ext uri="{BB962C8B-B14F-4D97-AF65-F5344CB8AC3E}">
+        <p14:creationId xmlns:p14="http://schemas.microsoft.com/office/powerpoint/2010/main" val="707871604"/>
+      </p:ext>
+    </p:extLst>
+  </p:cSld>
+  <p:clrMapOvr>
+    <a:masterClrMapping/>
+  </p:clrMapOvr>
+</p:notes>
+</file>
+
+<file path=ppt/notesSlides/notesSlide6.xml><?xml version="1.0" encoding="utf-8"?>
+<p:notes xmlns:a="http://schemas.openxmlformats.org/drawingml/2006/main" xmlns:r="http://schemas.openxmlformats.org/officeDocument/2006/relationships" xmlns:p="http://schemas.openxmlformats.org/presentationml/2006/main">
+  <p:cSld>
+    <p:spTree>
+      <p:nvGrpSpPr>
+        <p:cNvPr id="1" name=""/>
+        <p:cNvGrpSpPr/>
+        <p:nvPr/>
+      </p:nvGrpSpPr>
+      <p:grpSpPr>
+        <a:xfrm>
+          <a:off x="0" y="0"/>
+          <a:ext cx="0" cy="0"/>
+          <a:chOff x="0" y="0"/>
+          <a:chExt cx="0" cy="0"/>
+        </a:xfrm>
+      </p:grpSpPr>
+      <p:sp>
+        <p:nvSpPr>
+          <p:cNvPr id="2" name="Slide Image Placeholder 1"/>
+          <p:cNvSpPr>
+            <a:spLocks noGrp="1" noRot="1" noChangeAspect="1"/>
+          </p:cNvSpPr>
+          <p:nvPr>
+            <p:ph type="sldImg"/>
+          </p:nvPr>
+        </p:nvSpPr>
+        <p:spPr/>
+      </p:sp>
+      <p:sp>
+        <p:nvSpPr>
+          <p:cNvPr id="3" name="Notes Placeholder 2"/>
+          <p:cNvSpPr>
+            <a:spLocks noGrp="1"/>
+          </p:cNvSpPr>
+          <p:nvPr>
+            <p:ph type="body" idx="1"/>
+          </p:nvPr>
+        </p:nvSpPr>
+        <p:spPr/>
+        <p:txBody>
+          <a:bodyPr/>
+          <a:lstStyle/>
+          <a:p>
+            <a:r>
+              <a:rPr lang="en-GB" dirty="0"/>
+              <a:t>Tom</a:t>
+            </a:r>
+          </a:p>
+        </p:txBody>
+      </p:sp>
+      <p:sp>
+        <p:nvSpPr>
+          <p:cNvPr id="4" name="Slide Number Placeholder 3"/>
+          <p:cNvSpPr>
+            <a:spLocks noGrp="1"/>
+          </p:cNvSpPr>
+          <p:nvPr>
+            <p:ph type="sldNum" sz="quarter" idx="5"/>
+          </p:nvPr>
+        </p:nvSpPr>
+        <p:spPr/>
+        <p:txBody>
+          <a:bodyPr/>
+          <a:lstStyle/>
+          <a:p>
+            <a:fld id="{6276ED8E-2DD7-E248-8FEE-09B72A8CF7EB}" type="slidenum">
+              <a:rPr lang="en-GB" smtClean="0"/>
+              <a:t>9</a:t>
+            </a:fld>
+            <a:endParaRPr lang="en-GB"/>
+          </a:p>
+        </p:txBody>
+      </p:sp>
+    </p:spTree>
+    <p:extLst>
+      <p:ext uri="{BB962C8B-B14F-4D97-AF65-F5344CB8AC3E}">
+        <p14:creationId xmlns:p14="http://schemas.microsoft.com/office/powerpoint/2010/main" val="33717465"/>
+      </p:ext>
+    </p:extLst>
+  </p:cSld>
+  <p:clrMapOvr>
+    <a:masterClrMapping/>
+  </p:clrMapOvr>
+</p:notes>
+</file>
+
+<file path=ppt/notesSlides/notesSlide7.xml><?xml version="1.0" encoding="utf-8"?>
+<p:notes xmlns:a="http://schemas.openxmlformats.org/drawingml/2006/main" xmlns:r="http://schemas.openxmlformats.org/officeDocument/2006/relationships" xmlns:p="http://schemas.openxmlformats.org/presentationml/2006/main">
+  <p:cSld>
+    <p:spTree>
+      <p:nvGrpSpPr>
+        <p:cNvPr id="1" name=""/>
+        <p:cNvGrpSpPr/>
+        <p:nvPr/>
+      </p:nvGrpSpPr>
+      <p:grpSpPr>
+        <a:xfrm>
+          <a:off x="0" y="0"/>
+          <a:ext cx="0" cy="0"/>
+          <a:chOff x="0" y="0"/>
+          <a:chExt cx="0" cy="0"/>
+        </a:xfrm>
+      </p:grpSpPr>
+      <p:sp>
+        <p:nvSpPr>
+          <p:cNvPr id="2" name="Slide Image Placeholder 1"/>
+          <p:cNvSpPr>
+            <a:spLocks noGrp="1" noRot="1" noChangeAspect="1"/>
+          </p:cNvSpPr>
+          <p:nvPr>
+            <p:ph type="sldImg"/>
+          </p:nvPr>
+        </p:nvSpPr>
+        <p:spPr/>
+      </p:sp>
+      <p:sp>
+        <p:nvSpPr>
+          <p:cNvPr id="3" name="Notes Placeholder 2"/>
+          <p:cNvSpPr>
+            <a:spLocks noGrp="1"/>
+          </p:cNvSpPr>
+          <p:nvPr>
+            <p:ph type="body" idx="1"/>
+          </p:nvPr>
+        </p:nvSpPr>
+        <p:spPr/>
+        <p:txBody>
+          <a:bodyPr/>
+          <a:lstStyle/>
+          <a:p>
+            <a:r>
+              <a:rPr lang="en-GB" dirty="0"/>
+              <a:t>Tom</a:t>
+            </a:r>
+          </a:p>
+        </p:txBody>
+      </p:sp>
+      <p:sp>
+        <p:nvSpPr>
+          <p:cNvPr id="4" name="Slide Number Placeholder 3"/>
+          <p:cNvSpPr>
+            <a:spLocks noGrp="1"/>
+          </p:cNvSpPr>
+          <p:nvPr>
+            <p:ph type="sldNum" sz="quarter" idx="5"/>
+          </p:nvPr>
+        </p:nvSpPr>
+        <p:spPr/>
+        <p:txBody>
+          <a:bodyPr/>
+          <a:lstStyle/>
+          <a:p>
+            <a:fld id="{6276ED8E-2DD7-E248-8FEE-09B72A8CF7EB}" type="slidenum">
+              <a:rPr lang="en-GB" smtClean="0"/>
+              <a:t>10</a:t>
+            </a:fld>
+            <a:endParaRPr lang="en-GB"/>
+          </a:p>
+        </p:txBody>
+      </p:sp>
+    </p:spTree>
+    <p:extLst>
+      <p:ext uri="{BB962C8B-B14F-4D97-AF65-F5344CB8AC3E}">
+        <p14:creationId xmlns:p14="http://schemas.microsoft.com/office/powerpoint/2010/main" val="194278547"/>
+      </p:ext>
+    </p:extLst>
+  </p:cSld>
+  <p:clrMapOvr>
+    <a:masterClrMapping/>
+  </p:clrMapOvr>
+</p:notes>
+</file>
+
+<file path=ppt/notesSlides/notesSlide8.xml><?xml version="1.0" encoding="utf-8"?>
+<p:notes xmlns:a="http://schemas.openxmlformats.org/drawingml/2006/main" xmlns:r="http://schemas.openxmlformats.org/officeDocument/2006/relationships" xmlns:p="http://schemas.openxmlformats.org/presentationml/2006/main">
+  <p:cSld>
+    <p:spTree>
+      <p:nvGrpSpPr>
+        <p:cNvPr id="1" name=""/>
+        <p:cNvGrpSpPr/>
+        <p:nvPr/>
+      </p:nvGrpSpPr>
+      <p:grpSpPr>
+        <a:xfrm>
+          <a:off x="0" y="0"/>
+          <a:ext cx="0" cy="0"/>
+          <a:chOff x="0" y="0"/>
+          <a:chExt cx="0" cy="0"/>
+        </a:xfrm>
+      </p:grpSpPr>
+      <p:sp>
+        <p:nvSpPr>
+          <p:cNvPr id="2" name="Slide Image Placeholder 1"/>
+          <p:cNvSpPr>
+            <a:spLocks noGrp="1" noRot="1" noChangeAspect="1"/>
+          </p:cNvSpPr>
+          <p:nvPr>
+            <p:ph type="sldImg"/>
+          </p:nvPr>
+        </p:nvSpPr>
+        <p:spPr/>
+      </p:sp>
+      <p:sp>
+        <p:nvSpPr>
+          <p:cNvPr id="3" name="Notes Placeholder 2"/>
+          <p:cNvSpPr>
+            <a:spLocks noGrp="1"/>
+          </p:cNvSpPr>
+          <p:nvPr>
+            <p:ph type="body" idx="1"/>
+          </p:nvPr>
+        </p:nvSpPr>
+        <p:spPr/>
+        <p:txBody>
+          <a:bodyPr/>
+          <a:lstStyle/>
+          <a:p>
+            <a:r>
+              <a:rPr lang="en-GB" dirty="0"/>
+              <a:t>Eoin</a:t>
+            </a:r>
+          </a:p>
+        </p:txBody>
+      </p:sp>
+      <p:sp>
+        <p:nvSpPr>
+          <p:cNvPr id="4" name="Slide Number Placeholder 3"/>
+          <p:cNvSpPr>
+            <a:spLocks noGrp="1"/>
+          </p:cNvSpPr>
+          <p:nvPr>
+            <p:ph type="sldNum" sz="quarter" idx="5"/>
+          </p:nvPr>
+        </p:nvSpPr>
+        <p:spPr/>
+        <p:txBody>
+          <a:bodyPr/>
+          <a:lstStyle/>
+          <a:p>
+            <a:fld id="{6276ED8E-2DD7-E248-8FEE-09B72A8CF7EB}" type="slidenum">
+              <a:rPr lang="en-GB" smtClean="0"/>
+              <a:t>11</a:t>
+            </a:fld>
+            <a:endParaRPr lang="en-GB"/>
+          </a:p>
+        </p:txBody>
+      </p:sp>
+    </p:spTree>
+    <p:extLst>
+      <p:ext uri="{BB962C8B-B14F-4D97-AF65-F5344CB8AC3E}">
+        <p14:creationId xmlns:p14="http://schemas.microsoft.com/office/powerpoint/2010/main" val="1635588964"/>
+      </p:ext>
+    </p:extLst>
+  </p:cSld>
+  <p:clrMapOvr>
+    <a:masterClrMapping/>
+  </p:clrMapOvr>
+</p:notes>
+</file>
+
+<file path=ppt/notesSlides/notesSlide9.xml><?xml version="1.0" encoding="utf-8"?>
+<p:notes xmlns:a="http://schemas.openxmlformats.org/drawingml/2006/main" xmlns:r="http://schemas.openxmlformats.org/officeDocument/2006/relationships" xmlns:p="http://schemas.openxmlformats.org/presentationml/2006/main">
+  <p:cSld>
+    <p:spTree>
+      <p:nvGrpSpPr>
+        <p:cNvPr id="1" name=""/>
+        <p:cNvGrpSpPr/>
+        <p:nvPr/>
+      </p:nvGrpSpPr>
+      <p:grpSpPr>
+        <a:xfrm>
+          <a:off x="0" y="0"/>
+          <a:ext cx="0" cy="0"/>
+          <a:chOff x="0" y="0"/>
+          <a:chExt cx="0" cy="0"/>
+        </a:xfrm>
+      </p:grpSpPr>
+      <p:sp>
+        <p:nvSpPr>
+          <p:cNvPr id="2" name="Slide Image Placeholder 1"/>
+          <p:cNvSpPr>
+            <a:spLocks noGrp="1" noRot="1" noChangeAspect="1"/>
+          </p:cNvSpPr>
+          <p:nvPr>
+            <p:ph type="sldImg"/>
+          </p:nvPr>
+        </p:nvSpPr>
+        <p:spPr/>
+      </p:sp>
+      <p:sp>
+        <p:nvSpPr>
+          <p:cNvPr id="3" name="Notes Placeholder 2"/>
+          <p:cNvSpPr>
+            <a:spLocks noGrp="1"/>
+          </p:cNvSpPr>
+          <p:nvPr>
+            <p:ph type="body" idx="1"/>
+          </p:nvPr>
+        </p:nvSpPr>
+        <p:spPr/>
+        <p:txBody>
+          <a:bodyPr/>
+          <a:lstStyle/>
+          <a:p>
+            <a:r>
+              <a:rPr lang="en-GB" dirty="0"/>
+              <a:t>Eoin</a:t>
+            </a:r>
+          </a:p>
+        </p:txBody>
+      </p:sp>
+      <p:sp>
+        <p:nvSpPr>
+          <p:cNvPr id="4" name="Slide Number Placeholder 3"/>
+          <p:cNvSpPr>
+            <a:spLocks noGrp="1"/>
+          </p:cNvSpPr>
+          <p:nvPr>
+            <p:ph type="sldNum" sz="quarter" idx="5"/>
+          </p:nvPr>
+        </p:nvSpPr>
+        <p:spPr/>
+        <p:txBody>
+          <a:bodyPr/>
+          <a:lstStyle/>
+          <a:p>
+            <a:fld id="{6276ED8E-2DD7-E248-8FEE-09B72A8CF7EB}" type="slidenum">
+              <a:rPr lang="en-GB" smtClean="0"/>
+              <a:t>12</a:t>
+            </a:fld>
+            <a:endParaRPr lang="en-GB"/>
+          </a:p>
+        </p:txBody>
+      </p:sp>
+    </p:spTree>
+    <p:extLst>
+      <p:ext uri="{BB962C8B-B14F-4D97-AF65-F5344CB8AC3E}">
+        <p14:creationId xmlns:p14="http://schemas.microsoft.com/office/powerpoint/2010/main" val="2371259988"/>
       </p:ext>
     </p:extLst>
   </p:cSld>
@@ -821,7 +1955,7 @@
             <a:fld id="{B61BEF0D-F0BB-DE4B-95CE-6DB70DBA9567}" type="datetimeFigureOut">
               <a:rPr lang="en-US" dirty="0"/>
               <a:pPr/>
-              <a:t>4/22/2025</a:t>
+              <a:t>4/22/25</a:t>
             </a:fld>
             <a:endParaRPr lang="en-US"/>
           </a:p>
@@ -1080,7 +2214,7 @@
             <a:fld id="{B61BEF0D-F0BB-DE4B-95CE-6DB70DBA9567}" type="datetimeFigureOut">
               <a:rPr lang="en-US" dirty="0"/>
               <a:pPr/>
-              <a:t>4/22/2025</a:t>
+              <a:t>4/22/25</a:t>
             </a:fld>
             <a:endParaRPr lang="en-US"/>
           </a:p>
@@ -1312,7 +2446,7 @@
             <a:fld id="{B61BEF0D-F0BB-DE4B-95CE-6DB70DBA9567}" type="datetimeFigureOut">
               <a:rPr lang="en-US" dirty="0"/>
               <a:pPr/>
-              <a:t>4/22/2025</a:t>
+              <a:t>4/22/25</a:t>
             </a:fld>
             <a:endParaRPr lang="en-US"/>
           </a:p>
@@ -1549,7 +2683,7 @@
             <a:fld id="{B61BEF0D-F0BB-DE4B-95CE-6DB70DBA9567}" type="datetimeFigureOut">
               <a:rPr lang="en-US" dirty="0"/>
               <a:pPr/>
-              <a:t>4/22/2025</a:t>
+              <a:t>4/22/25</a:t>
             </a:fld>
             <a:endParaRPr lang="en-US"/>
           </a:p>
@@ -1853,7 +2987,7 @@
             <a:fld id="{B61BEF0D-F0BB-DE4B-95CE-6DB70DBA9567}" type="datetimeFigureOut">
               <a:rPr lang="en-US" dirty="0"/>
               <a:pPr/>
-              <a:t>4/22/2025</a:t>
+              <a:t>4/22/25</a:t>
             </a:fld>
             <a:endParaRPr lang="en-US"/>
           </a:p>
@@ -2152,7 +3286,7 @@
             <a:fld id="{B61BEF0D-F0BB-DE4B-95CE-6DB70DBA9567}" type="datetimeFigureOut">
               <a:rPr lang="en-US" dirty="0"/>
               <a:pPr/>
-              <a:t>4/22/2025</a:t>
+              <a:t>4/22/25</a:t>
             </a:fld>
             <a:endParaRPr lang="en-US"/>
           </a:p>
@@ -2571,7 +3705,7 @@
             <a:fld id="{B61BEF0D-F0BB-DE4B-95CE-6DB70DBA9567}" type="datetimeFigureOut">
               <a:rPr lang="en-US" dirty="0"/>
               <a:pPr/>
-              <a:t>4/22/2025</a:t>
+              <a:t>4/22/25</a:t>
             </a:fld>
             <a:endParaRPr lang="en-US"/>
           </a:p>
@@ -2730,7 +3864,7 @@
             <a:fld id="{B61BEF0D-F0BB-DE4B-95CE-6DB70DBA9567}" type="datetimeFigureOut">
               <a:rPr lang="en-US" dirty="0"/>
               <a:pPr/>
-              <a:t>4/22/2025</a:t>
+              <a:t>4/22/25</a:t>
             </a:fld>
             <a:endParaRPr lang="en-US"/>
           </a:p>
@@ -2822,7 +3956,7 @@
             <a:fld id="{B61BEF0D-F0BB-DE4B-95CE-6DB70DBA9567}" type="datetimeFigureOut">
               <a:rPr lang="en-US" dirty="0"/>
               <a:pPr/>
-              <a:t>4/22/2025</a:t>
+              <a:t>4/22/25</a:t>
             </a:fld>
             <a:endParaRPr lang="en-US"/>
           </a:p>
@@ -3197,7 +4331,7 @@
             <a:fld id="{B61BEF0D-F0BB-DE4B-95CE-6DB70DBA9567}" type="datetimeFigureOut">
               <a:rPr lang="en-US" dirty="0"/>
               <a:pPr/>
-              <a:t>4/22/2025</a:t>
+              <a:t>4/22/25</a:t>
             </a:fld>
             <a:endParaRPr lang="en-US"/>
           </a:p>
@@ -3483,7 +4617,7 @@
             <a:fld id="{B61BEF0D-F0BB-DE4B-95CE-6DB70DBA9567}" type="datetimeFigureOut">
               <a:rPr lang="en-US" dirty="0"/>
               <a:pPr/>
-              <a:t>4/22/2025</a:t>
+              <a:t>4/22/25</a:t>
             </a:fld>
             <a:endParaRPr lang="en-US"/>
           </a:p>
@@ -3691,7 +4825,7 @@
             <a:fld id="{B61BEF0D-F0BB-DE4B-95CE-6DB70DBA9567}" type="datetimeFigureOut">
               <a:rPr lang="en-US" dirty="0"/>
               <a:pPr/>
-              <a:t>4/22/2025</a:t>
+              <a:t>4/22/25</a:t>
             </a:fld>
             <a:endParaRPr lang="en-US"/>
           </a:p>
@@ -4489,7 +5623,7 @@
           <p:nvPr/>
         </p:nvPicPr>
         <p:blipFill>
-          <a:blip r:embed="rId2"/>
+          <a:blip r:embed="rId3"/>
           <a:stretch>
             <a:fillRect/>
           </a:stretch>
@@ -4518,7 +5652,7 @@
         </p:nvSpPr>
         <p:spPr>
           <a:xfrm>
-            <a:off x="7691951" y="3013517"/>
+            <a:off x="7691951" y="3660007"/>
             <a:ext cx="3918857" cy="1128514"/>
           </a:xfrm>
           <a:prstGeom prst="rect">
@@ -4565,41 +5699,6 @@
               <a:ea typeface="Calibri" panose="020F0502020204030204" pitchFamily="34" charset="0"/>
               <a:cs typeface="Calibri" panose="020F0502020204030204" pitchFamily="34" charset="0"/>
             </a:endParaRPr>
-          </a:p>
-        </p:txBody>
-      </p:sp>
-      <p:sp>
-        <p:nvSpPr>
-          <p:cNvPr id="3" name="TextBox 2">
-            <a:extLst>
-              <a:ext uri="{FF2B5EF4-FFF2-40B4-BE49-F238E27FC236}">
-                <a16:creationId xmlns:a16="http://schemas.microsoft.com/office/drawing/2014/main" id="{3FC7962F-90A9-15FE-CB38-D46EC7679DCB}"/>
-              </a:ext>
-            </a:extLst>
-          </p:cNvPr>
-          <p:cNvSpPr txBox="1"/>
-          <p:nvPr/>
-        </p:nvSpPr>
-        <p:spPr>
-          <a:xfrm>
-            <a:off x="7691951" y="3941716"/>
-            <a:ext cx="3918857" cy="1200329"/>
-          </a:xfrm>
-          <a:prstGeom prst="rect">
-            <a:avLst/>
-          </a:prstGeom>
-          <a:noFill/>
-        </p:spPr>
-        <p:txBody>
-          <a:bodyPr wrap="square" rtlCol="0">
-            <a:spAutoFit/>
-          </a:bodyPr>
-          <a:lstStyle/>
-          <a:p>
-            <a:r>
-              <a:rPr lang="en-GB" dirty="0"/>
-              <a:t>This could be due to floating point inaccuracies in our implementation, or due to correlations between samples of the LCG.</a:t>
-            </a:r>
           </a:p>
         </p:txBody>
       </p:sp>
@@ -4719,7 +5818,7 @@
           <p:nvPr/>
         </p:nvPicPr>
         <p:blipFill>
-          <a:blip r:embed="rId2"/>
+          <a:blip r:embed="rId3"/>
           <a:stretch>
             <a:fillRect/>
           </a:stretch>
@@ -4851,7 +5950,7 @@
                 <a:avLst/>
               </a:prstGeom>
               <a:blipFill>
-                <a:blip r:embed="rId3"/>
+                <a:blip r:embed="rId4"/>
                 <a:stretch>
                   <a:fillRect l="-1802" b="-21212"/>
                 </a:stretch>
@@ -5331,7 +6430,7 @@
                 <a:avLst/>
               </a:prstGeom>
               <a:blipFill>
-                <a:blip r:embed="rId2"/>
+                <a:blip r:embed="rId3"/>
                 <a:stretch>
                   <a:fillRect l="-460" t="-2027" r="-575" b="-3378"/>
                 </a:stretch>
@@ -5661,7 +6760,7 @@
                 <a:avLst/>
               </a:prstGeom>
               <a:blipFill>
-                <a:blip r:embed="rId3"/>
+                <a:blip r:embed="rId4"/>
                 <a:stretch>
                   <a:fillRect l="-597" t="-129231" r="-1194" b="-193846"/>
                 </a:stretch>
@@ -5991,7 +7090,7 @@
                 <a:avLst/>
               </a:prstGeom>
               <a:blipFill>
-                <a:blip r:embed="rId4"/>
+                <a:blip r:embed="rId5"/>
                 <a:stretch>
                   <a:fillRect l="-4286" t="-38710" b="-70968"/>
                 </a:stretch>
@@ -6121,7 +7220,7 @@
                 <a:avLst/>
               </a:prstGeom>
               <a:blipFill>
-                <a:blip r:embed="rId5"/>
+                <a:blip r:embed="rId6"/>
                 <a:stretch>
                   <a:fillRect l="-460" t="-6667" b="-23333"/>
                 </a:stretch>
@@ -6142,8 +7241,8 @@
           </p:sp>
         </mc:Fallback>
       </mc:AlternateContent>
-      <mc:AlternateContent xmlns:mc="http://schemas.openxmlformats.org/markup-compatibility/2006">
-        <mc:Choice xmlns:a14="http://schemas.microsoft.com/office/drawing/2010/main" Requires="a14">
+      <mc:AlternateContent xmlns:mc="http://schemas.openxmlformats.org/markup-compatibility/2006" xmlns:a14="http://schemas.microsoft.com/office/drawing/2010/main">
+        <mc:Choice Requires="a14">
           <p:sp>
             <p:nvSpPr>
               <p:cNvPr id="9" name="TextBox 8">
@@ -6246,16 +7345,7 @@
                         <a:rPr lang="en-GB" b="0" i="0" smtClean="0">
                           <a:latin typeface="Cambria Math" panose="02040503050406030204" pitchFamily="18" charset="0"/>
                         </a:rPr>
-                        <m:t>]</m:t>
-                      </m:r>
-                      <m:r>
-                        <m:rPr>
-                          <m:nor/>
-                        </m:rPr>
-                        <a:rPr lang="en-GB" b="0" i="0" smtClean="0">
-                          <a:latin typeface="Cambria Math" panose="02040503050406030204" pitchFamily="18" charset="0"/>
-                        </a:rPr>
-                        <m:t> </m:t>
+                        <m:t>] </m:t>
                       </m:r>
                       <m:r>
                         <a:rPr lang="en-GB" b="0" i="1" smtClean="0">
@@ -6411,7 +7501,7 @@
             </p:txBody>
           </p:sp>
         </mc:Choice>
-        <mc:Fallback>
+        <mc:Fallback xmlns="">
           <p:sp>
             <p:nvSpPr>
               <p:cNvPr id="9" name="TextBox 8">
@@ -6435,7 +7525,7 @@
                 <a:avLst/>
               </a:prstGeom>
               <a:blipFill>
-                <a:blip r:embed="rId6"/>
+                <a:blip r:embed="rId7"/>
                 <a:stretch>
                   <a:fillRect/>
                 </a:stretch>
@@ -6607,7 +7697,7 @@
                 <a:avLst/>
               </a:prstGeom>
               <a:blipFill>
-                <a:blip r:embed="rId7"/>
+                <a:blip r:embed="rId8"/>
                 <a:stretch>
                   <a:fillRect l="-460" b="-12500"/>
                 </a:stretch>
@@ -6825,7 +7915,7 @@
                 <a:avLst/>
               </a:prstGeom>
               <a:blipFill>
-                <a:blip r:embed="rId2"/>
+                <a:blip r:embed="rId3"/>
                 <a:stretch>
                   <a:fillRect l="-468" t="-1439" b="-4317"/>
                 </a:stretch>
@@ -6861,7 +7951,7 @@
           <p:nvPr/>
         </p:nvPicPr>
         <p:blipFill>
-          <a:blip r:embed="rId3"/>
+          <a:blip r:embed="rId4"/>
           <a:stretch>
             <a:fillRect/>
           </a:stretch>
@@ -7504,7 +8594,7 @@
                 <a:avLst/>
               </a:prstGeom>
               <a:blipFill>
-                <a:blip r:embed="rId2"/>
+                <a:blip r:embed="rId3"/>
                 <a:stretch>
                   <a:fillRect l="-468" t="-1087" b="-2717"/>
                 </a:stretch>
@@ -7820,7 +8910,7 @@
                 <a:avLst/>
               </a:prstGeom>
               <a:blipFill>
-                <a:blip r:embed="rId3"/>
+                <a:blip r:embed="rId4"/>
                 <a:stretch>
                   <a:fillRect t="-9524" b="-14286"/>
                 </a:stretch>
@@ -7929,7 +9019,7 @@
                 <a:avLst/>
               </a:prstGeom>
               <a:blipFill>
-                <a:blip r:embed="rId4"/>
+                <a:blip r:embed="rId5"/>
                 <a:stretch>
                   <a:fillRect l="-468" t="-3158" b="-7368"/>
                 </a:stretch>
@@ -8541,7 +9631,7 @@
         <p:cNvPr id="1" name="">
           <a:extLst>
             <a:ext uri="{FF2B5EF4-FFF2-40B4-BE49-F238E27FC236}">
-              <a16:creationId xmlns:a16="http://schemas.microsoft.com/office/drawing/2014/main" id="{A20B1327-F9A1-E35E-59BB-F09B12AFFCE0}"/>
+              <a16:creationId xmlns:a16="http://schemas.microsoft.com/office/drawing/2014/main" id="{2F6DA124-4075-F2DF-6307-4CAC237F56E2}"/>
             </a:ext>
           </a:extLst>
         </p:cNvPr>
@@ -8561,7 +9651,7 @@
           <p:cNvPr id="2" name="Title 1">
             <a:extLst>
               <a:ext uri="{FF2B5EF4-FFF2-40B4-BE49-F238E27FC236}">
-                <a16:creationId xmlns:a16="http://schemas.microsoft.com/office/drawing/2014/main" id="{C03C5935-6482-0C95-3A74-024E1EBD9FEA}"/>
+                <a16:creationId xmlns:a16="http://schemas.microsoft.com/office/drawing/2014/main" id="{67110092-89A6-ED4F-24C4-D7E8A0B0C572}"/>
               </a:ext>
             </a:extLst>
           </p:cNvPr>
@@ -8589,7 +9679,7 @@
           <p:cNvPr id="3" name="TextBox 2">
             <a:extLst>
               <a:ext uri="{FF2B5EF4-FFF2-40B4-BE49-F238E27FC236}">
-                <a16:creationId xmlns:a16="http://schemas.microsoft.com/office/drawing/2014/main" id="{84F299D2-47ED-B6AF-F978-8B345D232554}"/>
+                <a16:creationId xmlns:a16="http://schemas.microsoft.com/office/drawing/2014/main" id="{3FA0C7DA-8CCA-61C1-6FAE-18E999FC7189}"/>
               </a:ext>
             </a:extLst>
           </p:cNvPr>
@@ -8598,8 +9688,8 @@
         </p:nvSpPr>
         <p:spPr>
           <a:xfrm>
-            <a:off x="558626" y="1918369"/>
-            <a:ext cx="11042821" cy="1200329"/>
+            <a:off x="487218" y="2049913"/>
+            <a:ext cx="7653164" cy="4247317"/>
           </a:xfrm>
           <a:prstGeom prst="rect">
             <a:avLst/>
@@ -8615,9 +9705,125 @@
           </a:bodyPr>
           <a:lstStyle/>
           <a:p>
+            <a:pPr algn="l">
+              <a:buFont typeface="Arial" panose="020B0604020202020204" pitchFamily="34" charset="0"/>
+              <a:buChar char="•"/>
+            </a:pPr>
+            <a:r>
+              <a:rPr lang="en-GB" b="1" i="0" u="none" strike="noStrike" dirty="0">
+                <a:solidFill>
+                  <a:srgbClr val="000000"/>
+                </a:solidFill>
+                <a:effectLst/>
+              </a:rPr>
+              <a:t> </a:t>
+            </a:r>
+            <a:r>
+              <a:rPr lang="en-GB" i="0" u="none" strike="noStrike" dirty="0">
+                <a:solidFill>
+                  <a:srgbClr val="000000"/>
+                </a:solidFill>
+                <a:effectLst/>
+              </a:rPr>
+              <a:t>Realistic 3D Rendering needs accurate lighting: handling shadows, reflections, and multiple light sources.</a:t>
+            </a:r>
+          </a:p>
+          <a:p>
+            <a:pPr algn="l">
+              <a:buFont typeface="Arial" panose="020B0604020202020204" pitchFamily="34" charset="0"/>
+              <a:buChar char="•"/>
+            </a:pPr>
+            <a:endParaRPr lang="en-GB" i="0" u="none" strike="noStrike" dirty="0">
+              <a:solidFill>
+                <a:srgbClr val="000000"/>
+              </a:solidFill>
+              <a:effectLst/>
+            </a:endParaRPr>
+          </a:p>
+          <a:p>
+            <a:pPr algn="l">
+              <a:buFont typeface="Arial" panose="020B0604020202020204" pitchFamily="34" charset="0"/>
+              <a:buChar char="•"/>
+            </a:pPr>
+            <a:r>
+              <a:rPr lang="en-GB" i="0" u="none" strike="noStrike" dirty="0">
+                <a:solidFill>
+                  <a:srgbClr val="000000"/>
+                </a:solidFill>
+                <a:effectLst/>
+              </a:rPr>
+              <a:t>This is computationally complex due to the randomness and interaction of light rays in a scene.</a:t>
+            </a:r>
+          </a:p>
+          <a:p>
+            <a:pPr algn="l">
+              <a:buFont typeface="Arial" panose="020B0604020202020204" pitchFamily="34" charset="0"/>
+              <a:buChar char="•"/>
+            </a:pPr>
+            <a:endParaRPr lang="en-GB" i="0" u="none" strike="noStrike" dirty="0">
+              <a:solidFill>
+                <a:srgbClr val="000000"/>
+              </a:solidFill>
+              <a:effectLst/>
+            </a:endParaRPr>
+          </a:p>
+          <a:p>
+            <a:pPr algn="l">
+              <a:buFont typeface="Arial" panose="020B0604020202020204" pitchFamily="34" charset="0"/>
+              <a:buChar char="•"/>
+            </a:pPr>
+            <a:r>
+              <a:rPr lang="en-GB" i="0" u="none" strike="noStrike" dirty="0">
+                <a:solidFill>
+                  <a:srgbClr val="000000"/>
+                </a:solidFill>
+                <a:effectLst/>
+              </a:rPr>
+              <a:t>In 1986, James Kajiya introduced the Rendering Equation, which mathematically describes the total light at a point.</a:t>
+            </a:r>
+          </a:p>
+          <a:p>
+            <a:pPr algn="l">
+              <a:buFont typeface="Arial" panose="020B0604020202020204" pitchFamily="34" charset="0"/>
+              <a:buChar char="•"/>
+            </a:pPr>
+            <a:endParaRPr lang="en-GB" i="0" u="none" strike="noStrike" dirty="0">
+              <a:solidFill>
+                <a:srgbClr val="000000"/>
+              </a:solidFill>
+              <a:effectLst/>
+            </a:endParaRPr>
+          </a:p>
+          <a:p>
+            <a:pPr algn="l">
+              <a:buFont typeface="Arial" panose="020B0604020202020204" pitchFamily="34" charset="0"/>
+              <a:buChar char="•"/>
+            </a:pPr>
+            <a:r>
+              <a:rPr lang="en-GB" i="0" u="none" strike="noStrike" dirty="0">
+                <a:solidFill>
+                  <a:srgbClr val="000000"/>
+                </a:solidFill>
+                <a:effectLst/>
+              </a:rPr>
+              <a:t>Monte Carlo Integration is widely used to solve this equation by simulating random light paths—ideal for handling the complexity of real-world lighting.</a:t>
+            </a:r>
+          </a:p>
+          <a:p>
+            <a:pPr algn="l">
+              <a:buFont typeface="Arial" panose="020B0604020202020204" pitchFamily="34" charset="0"/>
+              <a:buChar char="•"/>
+            </a:pPr>
+            <a:endParaRPr lang="en-GB" dirty="0">
+              <a:solidFill>
+                <a:srgbClr val="000000"/>
+              </a:solidFill>
+            </a:endParaRPr>
+          </a:p>
+          <a:p>
             <a:r>
               <a:rPr lang="en-GB" dirty="0"/>
-              <a:t>Monte Carlo integration can be used for and is widely considered the best method for ray tracing. In a 3D rendering of a realistic scene, for example an architectural model or CGI in a film, there needs to be accurate lighting. With multiple light sources, reflections, shadows this quickly becomes very complicated. So, in 1986, Kajiya devised the "rendering equation" which accurately defined the light level at different points. </a:t>
+              <a:t>This works by repeatedly tracing random samples of the paths light rays can take, and finding an average solution, which would converge to the actual solution to the rendering equation as the number of repetitions increases.</a:t>
             </a:r>
           </a:p>
         </p:txBody>
@@ -8627,7 +9833,7 @@
           <p:cNvPr id="6" name="Picture 5">
             <a:extLst>
               <a:ext uri="{FF2B5EF4-FFF2-40B4-BE49-F238E27FC236}">
-                <a16:creationId xmlns:a16="http://schemas.microsoft.com/office/drawing/2014/main" id="{039F3C5D-B6E3-A49A-439D-94E7F3C5BFA6}"/>
+                <a16:creationId xmlns:a16="http://schemas.microsoft.com/office/drawing/2014/main" id="{517BDC92-0396-CB8E-88DD-FDFCA2FF16FB}"/>
               </a:ext>
             </a:extLst>
           </p:cNvPr>
@@ -8637,7 +9843,7 @@
           <p:nvPr/>
         </p:nvPicPr>
         <p:blipFill>
-          <a:blip r:embed="rId2"/>
+          <a:blip r:embed="rId3"/>
           <a:stretch>
             <a:fillRect/>
           </a:stretch>
@@ -8657,7 +9863,7 @@
           <p:cNvPr id="7" name="TextBox 6">
             <a:extLst>
               <a:ext uri="{FF2B5EF4-FFF2-40B4-BE49-F238E27FC236}">
-                <a16:creationId xmlns:a16="http://schemas.microsoft.com/office/drawing/2014/main" id="{1E6D360D-E908-E4F5-AF41-43B66F92220B}"/>
+                <a16:creationId xmlns:a16="http://schemas.microsoft.com/office/drawing/2014/main" id="{51F8A506-7B43-EF11-5F62-C6422F2957D9}"/>
               </a:ext>
             </a:extLst>
           </p:cNvPr>
@@ -8690,57 +9896,10 @@
           </a:p>
         </p:txBody>
       </p:sp>
-      <p:sp>
-        <p:nvSpPr>
-          <p:cNvPr id="8" name="TextBox 7">
-            <a:extLst>
-              <a:ext uri="{FF2B5EF4-FFF2-40B4-BE49-F238E27FC236}">
-                <a16:creationId xmlns:a16="http://schemas.microsoft.com/office/drawing/2014/main" id="{9D56E7F0-476E-59C1-FC53-5A07377BAD29}"/>
-              </a:ext>
-            </a:extLst>
-          </p:cNvPr>
-          <p:cNvSpPr txBox="1"/>
-          <p:nvPr/>
-        </p:nvSpPr>
-        <p:spPr>
-          <a:xfrm>
-            <a:off x="563067" y="3243274"/>
-            <a:ext cx="7491895" cy="2585323"/>
-          </a:xfrm>
-          <a:prstGeom prst="rect">
-            <a:avLst/>
-          </a:prstGeom>
-          <a:noFill/>
-        </p:spPr>
-        <p:txBody>
-          <a:bodyPr rot="0" spcFirstLastPara="0" vertOverflow="overflow" horzOverflow="overflow" vert="horz" wrap="square" lIns="91440" tIns="45720" rIns="91440" bIns="45720" numCol="1" spcCol="0" rtlCol="0" fromWordArt="0" anchor="t" anchorCtr="0" forceAA="0" compatLnSpc="1">
-            <a:prstTxWarp prst="textNoShape">
-              <a:avLst/>
-            </a:prstTxWarp>
-            <a:spAutoFit/>
-          </a:bodyPr>
-          <a:lstStyle/>
-          <a:p>
-            <a:r>
-              <a:rPr lang="en-GB" dirty="0"/>
-              <a:t>The rendering equation, as shown on the right, is a complex integral which by itself was not very useful as it is too complex to solve, especially in real time to run a simulation. However, with the use of Monte Carlo methods and improvements in technology, it has become feasible to use, and many 3D games or simulations now use ray tracing.</a:t>
-            </a:r>
-          </a:p>
-          <a:p>
-            <a:endParaRPr lang="en-GB" dirty="0"/>
-          </a:p>
-          <a:p>
-            <a:r>
-              <a:rPr lang="en-GB" dirty="0"/>
-              <a:t>This works by repeatedly tracing random samples of the paths light rays can take, and finding an average solution, which would converge to the actual solution to the rendering equation as the number of repetitions increases.</a:t>
-            </a:r>
-          </a:p>
-        </p:txBody>
-      </p:sp>
     </p:spTree>
     <p:extLst>
       <p:ext uri="{BB962C8B-B14F-4D97-AF65-F5344CB8AC3E}">
-        <p14:creationId xmlns:p14="http://schemas.microsoft.com/office/powerpoint/2010/main" val="297419381"/>
+        <p14:creationId xmlns:p14="http://schemas.microsoft.com/office/powerpoint/2010/main" val="3082061408"/>
       </p:ext>
     </p:extLst>
   </p:cSld>
@@ -8872,7 +10031,7 @@
           <p:nvPr/>
         </p:nvPicPr>
         <p:blipFill>
-          <a:blip r:embed="rId2"/>
+          <a:blip r:embed="rId3"/>
           <a:stretch>
             <a:fillRect/>
           </a:stretch>
@@ -9006,8 +10165,8 @@
         </p:nvSpPr>
         <p:spPr>
           <a:xfrm>
-            <a:off x="440007" y="1787405"/>
-            <a:ext cx="7054048" cy="1077218"/>
+            <a:off x="440007" y="1893281"/>
+            <a:ext cx="6523696" cy="830997"/>
           </a:xfrm>
           <a:prstGeom prst="rect">
             <a:avLst/>
@@ -9028,19 +10187,7 @@
           <a:p>
             <a:r>
               <a:rPr lang="en-GB" sz="1600" dirty="0"/>
-              <a:t>for a stated price. Commonly traded by institutional investors running</a:t>
-            </a:r>
-          </a:p>
-          <a:p>
-            <a:r>
-              <a:rPr lang="en-GB" sz="1600" dirty="0"/>
-              <a:t>many large simulations of price movements, based on stochastic</a:t>
-            </a:r>
-          </a:p>
-          <a:p>
-            <a:r>
-              <a:rPr lang="en-GB" sz="1600" dirty="0"/>
-              <a:t>models like Geometric Brownian Motion.​</a:t>
+              <a:t>for a stated price. Investment banks are interested in finding the correct price to sell/buy these contracts.</a:t>
             </a:r>
           </a:p>
         </p:txBody>
@@ -9059,7 +10206,7 @@
         </p:nvSpPr>
         <p:spPr>
           <a:xfrm>
-            <a:off x="440007" y="2808144"/>
+            <a:off x="440007" y="2724278"/>
             <a:ext cx="5905929" cy="3108543"/>
           </a:xfrm>
           <a:prstGeom prst="rect">
@@ -9151,7 +10298,7 @@
         </p:nvSpPr>
         <p:spPr>
           <a:xfrm>
-            <a:off x="440007" y="5885943"/>
+            <a:off x="440007" y="5802077"/>
             <a:ext cx="6523696" cy="861774"/>
           </a:xfrm>
           <a:prstGeom prst="rect">
@@ -10216,7 +11363,7 @@
             <p:nvPr/>
           </p:nvPicPr>
           <p:blipFill>
-            <a:blip r:embed="rId2">
+            <a:blip r:embed="rId3">
               <a:extLst>
                 <a:ext uri="{28A0092B-C50C-407E-A947-70E740481C1C}">
                   <a14:useLocalDpi xmlns:a14="http://schemas.microsoft.com/office/drawing/2010/main" val="0"/>
@@ -10720,7 +11867,7 @@
                 <a:avLst/>
               </a:prstGeom>
               <a:blipFill>
-                <a:blip r:embed="rId2"/>
+                <a:blip r:embed="rId3"/>
                 <a:stretch>
                   <a:fillRect l="-24490" t="-120896" r="-6803" b="-189552"/>
                 </a:stretch>
@@ -10890,7 +12037,7 @@
                   <a:avLst/>
                 </a:prstGeom>
                 <a:blipFill>
-                  <a:blip r:embed="rId3"/>
+                  <a:blip r:embed="rId4"/>
                   <a:stretch>
                     <a:fillRect b="-17391"/>
                   </a:stretch>
@@ -11760,7 +12907,7 @@
           <p:nvPr/>
         </p:nvPicPr>
         <p:blipFill>
-          <a:blip r:embed="rId2"/>
+          <a:blip r:embed="rId3"/>
           <a:srcRect t="14451" r="1794" b="16332"/>
           <a:stretch/>
         </p:blipFill>
@@ -11899,7 +13046,7 @@
           <p:nvPr/>
         </p:nvPicPr>
         <p:blipFill>
-          <a:blip r:embed="rId2"/>
+          <a:blip r:embed="rId3"/>
           <a:stretch>
             <a:fillRect/>
           </a:stretch>
@@ -11929,7 +13076,7 @@
           <p:nvPr/>
         </p:nvPicPr>
         <p:blipFill>
-          <a:blip r:embed="rId3"/>
+          <a:blip r:embed="rId4"/>
           <a:stretch>
             <a:fillRect/>
           </a:stretch>
@@ -11959,7 +13106,7 @@
           <p:nvPr/>
         </p:nvPicPr>
         <p:blipFill>
-          <a:blip r:embed="rId4"/>
+          <a:blip r:embed="rId5"/>
           <a:stretch>
             <a:fillRect/>
           </a:stretch>
@@ -12145,7 +13292,7 @@
           <p:nvPr/>
         </p:nvPicPr>
         <p:blipFill>
-          <a:blip r:embed="rId2"/>
+          <a:blip r:embed="rId3"/>
           <a:stretch>
             <a:fillRect/>
           </a:stretch>
@@ -12272,329 +13419,231 @@
           </a:p>
         </p:txBody>
       </p:sp>
-      <p:grpSp>
-        <p:nvGrpSpPr>
-          <p:cNvPr id="3" name="Group 2">
+      <p:sp>
+        <p:nvSpPr>
+          <p:cNvPr id="6" name="TextBox 5">
             <a:extLst>
               <a:ext uri="{FF2B5EF4-FFF2-40B4-BE49-F238E27FC236}">
-                <a16:creationId xmlns:a16="http://schemas.microsoft.com/office/drawing/2014/main" id="{B2B0C817-53E5-438E-5ADE-1AA4670B8C76}"/>
+                <a16:creationId xmlns:a16="http://schemas.microsoft.com/office/drawing/2014/main" id="{6EE64218-386C-2C06-B9AD-3DF249F93D7E}"/>
               </a:ext>
             </a:extLst>
           </p:cNvPr>
-          <p:cNvGrpSpPr/>
+          <p:cNvSpPr txBox="1"/>
           <p:nvPr/>
-        </p:nvGrpSpPr>
-        <p:grpSpPr>
+        </p:nvSpPr>
+        <p:spPr>
           <a:xfrm>
             <a:off x="581192" y="2946560"/>
-            <a:ext cx="11029616" cy="3115912"/>
-            <a:chOff x="581192" y="2340429"/>
-            <a:chExt cx="11029616" cy="4883388"/>
+            <a:ext cx="11029616" cy="4883388"/>
           </a:xfrm>
-        </p:grpSpPr>
-        <p:sp>
-          <p:nvSpPr>
-            <p:cNvPr id="6" name="TextBox 5">
-              <a:extLst>
-                <a:ext uri="{FF2B5EF4-FFF2-40B4-BE49-F238E27FC236}">
-                  <a16:creationId xmlns:a16="http://schemas.microsoft.com/office/drawing/2014/main" id="{6EE64218-386C-2C06-B9AD-3DF249F93D7E}"/>
-                </a:ext>
-              </a:extLst>
-            </p:cNvPr>
-            <p:cNvSpPr txBox="1"/>
-            <p:nvPr/>
-          </p:nvSpPr>
-          <p:spPr>
-            <a:xfrm>
-              <a:off x="581192" y="2340429"/>
-              <a:ext cx="6566473" cy="4883388"/>
-            </a:xfrm>
-            <a:prstGeom prst="rect">
-              <a:avLst/>
-            </a:prstGeom>
-            <a:noFill/>
-          </p:spPr>
-          <p:txBody>
-            <a:bodyPr wrap="square" rtlCol="0">
-              <a:spAutoFit/>
-            </a:bodyPr>
-            <a:lstStyle/>
-            <a:p>
-              <a:r>
-                <a:rPr lang="en-GB" dirty="0"/>
-                <a:t>Using the recursive formula </a:t>
-              </a:r>
-            </a:p>
-            <a:p>
-              <a:r>
-                <a:rPr lang="en-GB" dirty="0"/>
-                <a:t>X</a:t>
-              </a:r>
-              <a:r>
-                <a:rPr lang="en-GB" baseline="-25000" dirty="0"/>
-                <a:t>n+1</a:t>
-              </a:r>
-              <a:r>
-                <a:rPr lang="en-GB" dirty="0"/>
-                <a:t> = </a:t>
-              </a:r>
-              <a:r>
-                <a:rPr lang="en-GB" dirty="0" err="1"/>
-                <a:t>aX</a:t>
-              </a:r>
-              <a:r>
-                <a:rPr lang="en-GB" baseline="-25000" dirty="0" err="1"/>
-                <a:t>n</a:t>
-              </a:r>
-              <a:r>
-                <a:rPr lang="en-GB" dirty="0"/>
-                <a:t> + d (mod m)</a:t>
-              </a:r>
-            </a:p>
-            <a:p>
-              <a:r>
-                <a:rPr lang="en-GB" dirty="0"/>
-                <a:t>we get pseudorandom samples of a uniform distribution.</a:t>
-              </a:r>
-            </a:p>
-            <a:p>
-              <a:endParaRPr lang="en-GB" dirty="0"/>
-            </a:p>
-            <a:p>
-              <a:r>
-                <a:rPr lang="en-GB" dirty="0">
-                  <a:ea typeface="Calibri" panose="020F0502020204030204" pitchFamily="34" charset="0"/>
-                  <a:cs typeface="Calibri" panose="020F0502020204030204" pitchFamily="34" charset="0"/>
-                </a:rPr>
-                <a:t>For a full period:</a:t>
-              </a:r>
-            </a:p>
-            <a:p>
-              <a:pPr marL="285750" indent="-285750">
-                <a:buFont typeface="Arial" panose="020B0604020202020204" pitchFamily="34" charset="0"/>
-                <a:buChar char="•"/>
-              </a:pPr>
-              <a:r>
-                <a:rPr lang="en-GB" dirty="0">
-                  <a:ea typeface="Calibri" panose="020F0502020204030204" pitchFamily="34" charset="0"/>
-                  <a:cs typeface="Calibri" panose="020F0502020204030204" pitchFamily="34" charset="0"/>
-                </a:rPr>
-                <a:t>d and m must be coprime</a:t>
-              </a:r>
-            </a:p>
-            <a:p>
-              <a:pPr marL="285750" indent="-285750">
-                <a:buFont typeface="Arial" panose="020B0604020202020204" pitchFamily="34" charset="0"/>
-                <a:buChar char="•"/>
-              </a:pPr>
-              <a:r>
-                <a:rPr lang="en-GB" dirty="0">
-                  <a:ea typeface="Calibri" panose="020F0502020204030204" pitchFamily="34" charset="0"/>
-                  <a:cs typeface="Calibri" panose="020F0502020204030204" pitchFamily="34" charset="0"/>
-                </a:rPr>
-                <a:t>a-</a:t>
-              </a:r>
-              <a:r>
-                <a:rPr lang="en-GB" dirty="0">
-                  <a:latin typeface="Calibri" panose="020F0502020204030204" pitchFamily="34" charset="0"/>
-                  <a:ea typeface="Calibri" panose="020F0502020204030204" pitchFamily="34" charset="0"/>
-                  <a:cs typeface="Calibri" panose="020F0502020204030204" pitchFamily="34" charset="0"/>
-                </a:rPr>
-                <a:t>1 </a:t>
-              </a:r>
-              <a:r>
-                <a:rPr lang="en-GB" dirty="0">
-                  <a:ea typeface="Calibri" panose="020F0502020204030204" pitchFamily="34" charset="0"/>
-                  <a:cs typeface="Calibri" panose="020F0502020204030204" pitchFamily="34" charset="0"/>
-                </a:rPr>
-                <a:t>is divisible by all prime factors of m</a:t>
-              </a:r>
-            </a:p>
-            <a:p>
-              <a:pPr marL="285750" indent="-285750">
-                <a:buFont typeface="Arial" panose="020B0604020202020204" pitchFamily="34" charset="0"/>
-                <a:buChar char="•"/>
-              </a:pPr>
-              <a:r>
-                <a:rPr lang="en-GB" dirty="0">
-                  <a:ea typeface="Calibri" panose="020F0502020204030204" pitchFamily="34" charset="0"/>
-                  <a:cs typeface="Calibri" panose="020F0502020204030204" pitchFamily="34" charset="0"/>
-                </a:rPr>
-                <a:t>If 4 divides m then </a:t>
-              </a:r>
-              <a:r>
-                <a:rPr lang="en-GB" dirty="0">
-                  <a:latin typeface="Calibri" panose="020F0502020204030204" pitchFamily="34" charset="0"/>
-                  <a:ea typeface="Calibri" panose="020F0502020204030204" pitchFamily="34" charset="0"/>
-                  <a:cs typeface="Calibri" panose="020F0502020204030204" pitchFamily="34" charset="0"/>
-                </a:rPr>
-                <a:t>a-1 </a:t>
-              </a:r>
-              <a:r>
-                <a:rPr lang="en-GB" dirty="0">
-                  <a:ea typeface="Calibri" panose="020F0502020204030204" pitchFamily="34" charset="0"/>
-                  <a:cs typeface="Calibri" panose="020F0502020204030204" pitchFamily="34" charset="0"/>
-                </a:rPr>
-                <a:t>must also be divisible by 4</a:t>
-              </a:r>
-            </a:p>
-            <a:p>
-              <a:r>
-                <a:rPr lang="en-GB" dirty="0">
-                  <a:latin typeface="Calibri" panose="020F0502020204030204" pitchFamily="34" charset="0"/>
-                  <a:ea typeface="Calibri" panose="020F0502020204030204" pitchFamily="34" charset="0"/>
-                  <a:cs typeface="Calibri" panose="020F0502020204030204" pitchFamily="34" charset="0"/>
-                </a:rPr>
-                <a:t>(Hull-Dobell theorem, 1962)</a:t>
-              </a:r>
-            </a:p>
-            <a:p>
-              <a:endParaRPr lang="en-GB" dirty="0">
+          <a:prstGeom prst="rect">
+            <a:avLst/>
+          </a:prstGeom>
+          <a:noFill/>
+        </p:spPr>
+        <p:txBody>
+          <a:bodyPr wrap="square" rtlCol="0">
+            <a:spAutoFit/>
+          </a:bodyPr>
+          <a:lstStyle/>
+          <a:p>
+            <a:r>
+              <a:rPr lang="en-GB" dirty="0"/>
+              <a:t>Using the recursive formula </a:t>
+            </a:r>
+          </a:p>
+          <a:p>
+            <a:r>
+              <a:rPr lang="en-GB" dirty="0"/>
+              <a:t>X</a:t>
+            </a:r>
+            <a:r>
+              <a:rPr lang="en-GB" baseline="-25000" dirty="0"/>
+              <a:t>n+1</a:t>
+            </a:r>
+            <a:r>
+              <a:rPr lang="en-GB" dirty="0"/>
+              <a:t> = </a:t>
+            </a:r>
+            <a:r>
+              <a:rPr lang="en-GB" dirty="0" err="1"/>
+              <a:t>aX</a:t>
+            </a:r>
+            <a:r>
+              <a:rPr lang="en-GB" baseline="-25000" dirty="0" err="1"/>
+              <a:t>n</a:t>
+            </a:r>
+            <a:r>
+              <a:rPr lang="en-GB" dirty="0"/>
+              <a:t> + d (mod m)</a:t>
+            </a:r>
+          </a:p>
+          <a:p>
+            <a:r>
+              <a:rPr lang="en-GB" dirty="0"/>
+              <a:t>we get pseudorandom samples of a uniform distribution.</a:t>
+            </a:r>
+          </a:p>
+          <a:p>
+            <a:endParaRPr lang="en-GB" dirty="0"/>
+          </a:p>
+          <a:p>
+            <a:r>
+              <a:rPr lang="en-GB" dirty="0">
+                <a:ea typeface="Calibri" panose="020F0502020204030204" pitchFamily="34" charset="0"/>
+                <a:cs typeface="Calibri" panose="020F0502020204030204" pitchFamily="34" charset="0"/>
+              </a:rPr>
+              <a:t>For a full period:</a:t>
+            </a:r>
+          </a:p>
+          <a:p>
+            <a:pPr marL="285750" indent="-285750">
+              <a:buFont typeface="Arial" panose="020B0604020202020204" pitchFamily="34" charset="0"/>
+              <a:buChar char="•"/>
+            </a:pPr>
+            <a:r>
+              <a:rPr lang="en-GB" dirty="0">
+                <a:ea typeface="Calibri" panose="020F0502020204030204" pitchFamily="34" charset="0"/>
+                <a:cs typeface="Calibri" panose="020F0502020204030204" pitchFamily="34" charset="0"/>
+              </a:rPr>
+              <a:t>d and m must be coprime</a:t>
+            </a:r>
+          </a:p>
+          <a:p>
+            <a:pPr marL="285750" indent="-285750">
+              <a:buFont typeface="Arial" panose="020B0604020202020204" pitchFamily="34" charset="0"/>
+              <a:buChar char="•"/>
+            </a:pPr>
+            <a:r>
+              <a:rPr lang="en-GB" dirty="0">
+                <a:ea typeface="Calibri" panose="020F0502020204030204" pitchFamily="34" charset="0"/>
+                <a:cs typeface="Calibri" panose="020F0502020204030204" pitchFamily="34" charset="0"/>
+              </a:rPr>
+              <a:t>a-</a:t>
+            </a:r>
+            <a:r>
+              <a:rPr lang="en-GB" dirty="0">
                 <a:latin typeface="Calibri" panose="020F0502020204030204" pitchFamily="34" charset="0"/>
                 <a:ea typeface="Calibri" panose="020F0502020204030204" pitchFamily="34" charset="0"/>
                 <a:cs typeface="Calibri" panose="020F0502020204030204" pitchFamily="34" charset="0"/>
-              </a:endParaRPr>
-            </a:p>
-            <a:p>
-              <a:r>
-                <a:rPr lang="en-GB" dirty="0">
-                  <a:latin typeface="Calibri" panose="020F0502020204030204" pitchFamily="34" charset="0"/>
-                  <a:ea typeface="Calibri" panose="020F0502020204030204" pitchFamily="34" charset="0"/>
-                  <a:cs typeface="Calibri" panose="020F0502020204030204" pitchFamily="34" charset="0"/>
-                </a:rPr>
-                <a:t>Generally, we pick a = 1664525, d = 1013904223 and m = 2</a:t>
-              </a:r>
-              <a:r>
-                <a:rPr lang="en-GB" baseline="30000" dirty="0">
-                  <a:latin typeface="Calibri" panose="020F0502020204030204" pitchFamily="34" charset="0"/>
-                  <a:ea typeface="Calibri" panose="020F0502020204030204" pitchFamily="34" charset="0"/>
-                  <a:cs typeface="Calibri" panose="020F0502020204030204" pitchFamily="34" charset="0"/>
-                </a:rPr>
-                <a:t>3</a:t>
-              </a:r>
-              <a:r>
-                <a:rPr lang="en-GB" sz="2000" baseline="30000" dirty="0">
-                  <a:latin typeface="Calibri" panose="020F0502020204030204" pitchFamily="34" charset="0"/>
-                  <a:ea typeface="Calibri" panose="020F0502020204030204" pitchFamily="34" charset="0"/>
-                  <a:cs typeface="Calibri" panose="020F0502020204030204" pitchFamily="34" charset="0"/>
-                </a:rPr>
-                <a:t>2</a:t>
-              </a:r>
-            </a:p>
-            <a:p>
-              <a:endParaRPr lang="en-GB" sz="2000" dirty="0">
+              </a:rPr>
+              <a:t>1 </a:t>
+            </a:r>
+            <a:r>
+              <a:rPr lang="en-GB" dirty="0">
+                <a:ea typeface="Calibri" panose="020F0502020204030204" pitchFamily="34" charset="0"/>
+                <a:cs typeface="Calibri" panose="020F0502020204030204" pitchFamily="34" charset="0"/>
+              </a:rPr>
+              <a:t>is divisible by all prime factors of m</a:t>
+            </a:r>
+          </a:p>
+          <a:p>
+            <a:pPr marL="285750" indent="-285750">
+              <a:buFont typeface="Arial" panose="020B0604020202020204" pitchFamily="34" charset="0"/>
+              <a:buChar char="•"/>
+            </a:pPr>
+            <a:r>
+              <a:rPr lang="en-GB" dirty="0">
+                <a:ea typeface="Calibri" panose="020F0502020204030204" pitchFamily="34" charset="0"/>
+                <a:cs typeface="Calibri" panose="020F0502020204030204" pitchFamily="34" charset="0"/>
+              </a:rPr>
+              <a:t>If 4 divides m then </a:t>
+            </a:r>
+            <a:r>
+              <a:rPr lang="en-GB" dirty="0">
                 <a:latin typeface="Calibri" panose="020F0502020204030204" pitchFamily="34" charset="0"/>
                 <a:ea typeface="Calibri" panose="020F0502020204030204" pitchFamily="34" charset="0"/>
                 <a:cs typeface="Calibri" panose="020F0502020204030204" pitchFamily="34" charset="0"/>
-              </a:endParaRPr>
-            </a:p>
-            <a:p>
-              <a:endParaRPr lang="en-GB" sz="2000" dirty="0">
+              </a:rPr>
+              <a:t>a-1 </a:t>
+            </a:r>
+            <a:r>
+              <a:rPr lang="en-GB" dirty="0">
+                <a:ea typeface="Calibri" panose="020F0502020204030204" pitchFamily="34" charset="0"/>
+                <a:cs typeface="Calibri" panose="020F0502020204030204" pitchFamily="34" charset="0"/>
+              </a:rPr>
+              <a:t>must also be divisible by 4</a:t>
+            </a:r>
+          </a:p>
+          <a:p>
+            <a:r>
+              <a:rPr lang="en-GB" dirty="0">
                 <a:latin typeface="Calibri" panose="020F0502020204030204" pitchFamily="34" charset="0"/>
                 <a:ea typeface="Calibri" panose="020F0502020204030204" pitchFamily="34" charset="0"/>
                 <a:cs typeface="Calibri" panose="020F0502020204030204" pitchFamily="34" charset="0"/>
-              </a:endParaRPr>
-            </a:p>
-            <a:p>
-              <a:pPr marL="285750" indent="-285750">
-                <a:buFont typeface="Arial" panose="020B0604020202020204" pitchFamily="34" charset="0"/>
-                <a:buChar char="•"/>
-              </a:pPr>
-              <a:endParaRPr lang="en-GB" sz="2000" dirty="0"/>
-            </a:p>
-            <a:p>
-              <a:pPr marL="285750" indent="-285750">
-                <a:buFont typeface="Arial" panose="020B0604020202020204" pitchFamily="34" charset="0"/>
-                <a:buChar char="•"/>
-              </a:pPr>
-              <a:endParaRPr lang="en-GB" sz="2000" dirty="0"/>
-            </a:p>
-            <a:p>
-              <a:endParaRPr lang="en-GB" sz="2000" baseline="-25000" dirty="0"/>
-            </a:p>
-            <a:p>
-              <a:endParaRPr lang="en-GB" sz="2000" dirty="0"/>
-            </a:p>
-          </p:txBody>
-        </p:sp>
-        <p:sp>
-          <p:nvSpPr>
-            <p:cNvPr id="8" name="TextBox 7">
-              <a:extLst>
-                <a:ext uri="{FF2B5EF4-FFF2-40B4-BE49-F238E27FC236}">
-                  <a16:creationId xmlns:a16="http://schemas.microsoft.com/office/drawing/2014/main" id="{0642219C-FC40-F473-4AFC-F941550A80F6}"/>
-                </a:ext>
-              </a:extLst>
-            </p:cNvPr>
-            <p:cNvSpPr txBox="1"/>
-            <p:nvPr/>
-          </p:nvSpPr>
-          <p:spPr>
-            <a:xfrm>
-              <a:off x="7147665" y="2688771"/>
-              <a:ext cx="4463143" cy="2031325"/>
-            </a:xfrm>
-            <a:prstGeom prst="rect">
-              <a:avLst/>
-            </a:prstGeom>
-            <a:noFill/>
-          </p:spPr>
-          <p:txBody>
-            <a:bodyPr wrap="square" rtlCol="0">
-              <a:spAutoFit/>
-            </a:bodyPr>
-            <a:lstStyle/>
-            <a:p>
-              <a:r>
-                <a:rPr lang="en-GB" dirty="0"/>
-                <a:t>X</a:t>
-              </a:r>
-              <a:r>
-                <a:rPr lang="en-GB" baseline="-25000" dirty="0"/>
-                <a:t>0 </a:t>
-              </a:r>
-              <a:r>
-                <a:rPr lang="en-GB" dirty="0"/>
-                <a:t>is the seed for the congruential generator.</a:t>
-              </a:r>
-            </a:p>
-            <a:p>
-              <a:endParaRPr lang="en-GB" dirty="0"/>
-            </a:p>
-            <a:p>
-              <a:r>
-                <a:rPr lang="en-GB" dirty="0"/>
-                <a:t>Keeping X</a:t>
-              </a:r>
-              <a:r>
-                <a:rPr lang="en-GB" baseline="-25000" dirty="0"/>
-                <a:t>0 </a:t>
-              </a:r>
-              <a:r>
-                <a:rPr lang="en-GB" dirty="0"/>
-                <a:t>the same gives reproducible samples.</a:t>
-              </a:r>
-            </a:p>
-            <a:p>
-              <a:endParaRPr lang="en-GB" dirty="0"/>
-            </a:p>
-            <a:p>
-              <a:r>
-                <a:rPr lang="en-GB" dirty="0"/>
-                <a:t>Changing X</a:t>
-              </a:r>
-              <a:r>
-                <a:rPr lang="en-GB" baseline="-25000" dirty="0"/>
-                <a:t>0 </a:t>
-              </a:r>
-              <a:r>
-                <a:rPr lang="en-GB" dirty="0"/>
-                <a:t>changes the values given by the congruential generator.</a:t>
-              </a:r>
-            </a:p>
-          </p:txBody>
-        </p:sp>
-      </p:grpSp>
+              </a:rPr>
+              <a:t>(Hull-Dobell theorem, 1962)</a:t>
+            </a:r>
+          </a:p>
+          <a:p>
+            <a:endParaRPr lang="en-GB" dirty="0">
+              <a:latin typeface="Calibri" panose="020F0502020204030204" pitchFamily="34" charset="0"/>
+              <a:ea typeface="Calibri" panose="020F0502020204030204" pitchFamily="34" charset="0"/>
+              <a:cs typeface="Calibri" panose="020F0502020204030204" pitchFamily="34" charset="0"/>
+            </a:endParaRPr>
+          </a:p>
+          <a:p>
+            <a:r>
+              <a:rPr lang="en-GB" dirty="0">
+                <a:latin typeface="Calibri" panose="020F0502020204030204" pitchFamily="34" charset="0"/>
+                <a:ea typeface="Calibri" panose="020F0502020204030204" pitchFamily="34" charset="0"/>
+                <a:cs typeface="Calibri" panose="020F0502020204030204" pitchFamily="34" charset="0"/>
+              </a:rPr>
+              <a:t>Generally, we pick a = 1664525, d = 1013904223 and m = 2</a:t>
+            </a:r>
+            <a:r>
+              <a:rPr lang="en-GB" baseline="30000" dirty="0">
+                <a:latin typeface="Calibri" panose="020F0502020204030204" pitchFamily="34" charset="0"/>
+                <a:ea typeface="Calibri" panose="020F0502020204030204" pitchFamily="34" charset="0"/>
+                <a:cs typeface="Calibri" panose="020F0502020204030204" pitchFamily="34" charset="0"/>
+              </a:rPr>
+              <a:t>3</a:t>
+            </a:r>
+            <a:r>
+              <a:rPr lang="en-GB" sz="2000" baseline="30000" dirty="0">
+                <a:latin typeface="Calibri" panose="020F0502020204030204" pitchFamily="34" charset="0"/>
+                <a:ea typeface="Calibri" panose="020F0502020204030204" pitchFamily="34" charset="0"/>
+                <a:cs typeface="Calibri" panose="020F0502020204030204" pitchFamily="34" charset="0"/>
+              </a:rPr>
+              <a:t>2</a:t>
+            </a:r>
+          </a:p>
+          <a:p>
+            <a:endParaRPr lang="en-GB" sz="2000" dirty="0">
+              <a:latin typeface="Calibri" panose="020F0502020204030204" pitchFamily="34" charset="0"/>
+              <a:ea typeface="Calibri" panose="020F0502020204030204" pitchFamily="34" charset="0"/>
+              <a:cs typeface="Calibri" panose="020F0502020204030204" pitchFamily="34" charset="0"/>
+            </a:endParaRPr>
+          </a:p>
+          <a:p>
+            <a:endParaRPr lang="en-GB" sz="2000" dirty="0">
+              <a:latin typeface="Calibri" panose="020F0502020204030204" pitchFamily="34" charset="0"/>
+              <a:ea typeface="Calibri" panose="020F0502020204030204" pitchFamily="34" charset="0"/>
+              <a:cs typeface="Calibri" panose="020F0502020204030204" pitchFamily="34" charset="0"/>
+            </a:endParaRPr>
+          </a:p>
+          <a:p>
+            <a:pPr marL="285750" indent="-285750">
+              <a:buFont typeface="Arial" panose="020B0604020202020204" pitchFamily="34" charset="0"/>
+              <a:buChar char="•"/>
+            </a:pPr>
+            <a:endParaRPr lang="en-GB" sz="2000" dirty="0"/>
+          </a:p>
+          <a:p>
+            <a:pPr marL="285750" indent="-285750">
+              <a:buFont typeface="Arial" panose="020B0604020202020204" pitchFamily="34" charset="0"/>
+              <a:buChar char="•"/>
+            </a:pPr>
+            <a:endParaRPr lang="en-GB" sz="2000" dirty="0"/>
+          </a:p>
+          <a:p>
+            <a:endParaRPr lang="en-GB" sz="2000" baseline="-25000" dirty="0"/>
+          </a:p>
+          <a:p>
+            <a:endParaRPr lang="en-GB" sz="2000" dirty="0"/>
+          </a:p>
+        </p:txBody>
+      </p:sp>
       <p:sp>
         <p:nvSpPr>
           <p:cNvPr id="4" name="TextBox 3">

--- a/presentation.pptx
+++ b/presentation.pptx
@@ -8116,8 +8116,8 @@
           </a:p>
         </p:txBody>
       </p:sp>
-      <mc:AlternateContent xmlns:mc="http://schemas.openxmlformats.org/markup-compatibility/2006" xmlns:a14="http://schemas.microsoft.com/office/drawing/2010/main">
-        <mc:Choice Requires="a14">
+      <mc:AlternateContent xmlns:mc="http://schemas.openxmlformats.org/markup-compatibility/2006">
+        <mc:Choice xmlns:a14="http://schemas.microsoft.com/office/drawing/2010/main" Requires="a14">
           <p:sp>
             <p:nvSpPr>
               <p:cNvPr id="4" name="TextBox 3">
@@ -8187,7 +8187,7 @@
               <a:p>
                 <a:r>
                   <a:rPr lang="en-GB" dirty="0"/>
-                  <a:t>This will give u a random point </a:t>
+                  <a:t>This will give you a random point </a:t>
                 </a:r>
                 <a14:m>
                   <m:oMath xmlns:m="http://schemas.openxmlformats.org/officeDocument/2006/math">
@@ -8570,7 +8570,7 @@
             </p:txBody>
           </p:sp>
         </mc:Choice>
-        <mc:Fallback xmlns="">
+        <mc:Fallback>
           <p:sp>
             <p:nvSpPr>
               <p:cNvPr id="4" name="TextBox 3">
@@ -9752,7 +9752,7 @@
                 </a:solidFill>
                 <a:effectLst/>
               </a:rPr>
-              <a:t>This is computationally complex due to the randomness and interaction of light rays in a scene.</a:t>
+              <a:t> This is computationally complex due to the randomness and interaction of light rays in a scene.</a:t>
             </a:r>
           </a:p>
           <a:p>
@@ -9779,7 +9779,7 @@
                 </a:solidFill>
                 <a:effectLst/>
               </a:rPr>
-              <a:t>In 1986, James Kajiya introduced the Rendering Equation, which mathematically describes the total light at a point.</a:t>
+              <a:t> In 1986, James Kajiya introduced the Rendering Equation, which mathematically describes the total light at a point.</a:t>
             </a:r>
           </a:p>
           <a:p>
@@ -9806,7 +9806,7 @@
                 </a:solidFill>
                 <a:effectLst/>
               </a:rPr>
-              <a:t>Monte Carlo Integration is widely used to solve this equation by simulating random light paths—ideal for handling the complexity of real-world lighting.</a:t>
+              <a:t> Monte Carlo Integration is widely used to solve this equation by simulating random light paths—ideal for handling the complexity of real-world lighting.</a:t>
             </a:r>
           </a:p>
           <a:p>
